--- a/20200723_CD_詹惠婷.pptx
+++ b/20200723_CD_詹惠婷.pptx
@@ -5,25 +5,24 @@
     <p:sldMasterId id="2147483918" r:id="rId1"/>
   </p:sldMasterIdLst>
   <p:notesMasterIdLst>
-    <p:notesMasterId r:id="rId15"/>
+    <p:notesMasterId r:id="rId14"/>
   </p:notesMasterIdLst>
   <p:handoutMasterIdLst>
-    <p:handoutMasterId r:id="rId16"/>
+    <p:handoutMasterId r:id="rId15"/>
   </p:handoutMasterIdLst>
   <p:sldIdLst>
     <p:sldId id="1189" r:id="rId2"/>
-    <p:sldId id="1309" r:id="rId3"/>
-    <p:sldId id="1310" r:id="rId4"/>
-    <p:sldId id="1304" r:id="rId5"/>
-    <p:sldId id="1283" r:id="rId6"/>
-    <p:sldId id="1298" r:id="rId7"/>
-    <p:sldId id="1306" r:id="rId8"/>
-    <p:sldId id="1288" r:id="rId9"/>
-    <p:sldId id="1287" r:id="rId10"/>
-    <p:sldId id="1305" r:id="rId11"/>
-    <p:sldId id="1301" r:id="rId12"/>
-    <p:sldId id="1308" r:id="rId13"/>
-    <p:sldId id="1202" r:id="rId14"/>
+    <p:sldId id="1310" r:id="rId3"/>
+    <p:sldId id="1304" r:id="rId4"/>
+    <p:sldId id="1283" r:id="rId5"/>
+    <p:sldId id="1298" r:id="rId6"/>
+    <p:sldId id="1306" r:id="rId7"/>
+    <p:sldId id="1288" r:id="rId8"/>
+    <p:sldId id="1287" r:id="rId9"/>
+    <p:sldId id="1305" r:id="rId10"/>
+    <p:sldId id="1301" r:id="rId11"/>
+    <p:sldId id="1308" r:id="rId12"/>
+    <p:sldId id="1202" r:id="rId13"/>
   </p:sldIdLst>
   <p:sldSz cx="9144000" cy="5143500" type="screen16x9"/>
   <p:notesSz cx="7099300" cy="10234613"/>
@@ -299,7 +298,7 @@
               <a:pPr>
                 <a:defRPr/>
               </a:pPr>
-              <a:t>2020/7/28</a:t>
+              <a:t>2020/7/30</a:t>
             </a:fld>
             <a:endParaRPr lang="zh-TW" altLang="en-US"/>
           </a:p>
@@ -517,7 +516,7 @@
               <a:pPr>
                 <a:defRPr/>
               </a:pPr>
-              <a:t>2020/7/28</a:t>
+              <a:t>2020/7/30</a:t>
             </a:fld>
             <a:endParaRPr lang="zh-TW" altLang="en-US"/>
           </a:p>
@@ -888,194 +887,139 @@
           <a:bodyPr/>
           <a:lstStyle/>
           <a:p>
-            <a:pPr marL="0" marR="0" indent="0" algn="l" defTabSz="914400" rtl="0" eaLnBrk="0" fontAlgn="base" latinLnBrk="0" hangingPunct="0">
-              <a:lnSpc>
-                <a:spcPct val="100000"/>
-              </a:lnSpc>
-              <a:spcBef>
-                <a:spcPct val="30000"/>
-              </a:spcBef>
-              <a:spcAft>
-                <a:spcPct val="0"/>
-              </a:spcAft>
-              <a:buClrTx/>
-              <a:buSzTx/>
-              <a:buFontTx/>
-              <a:buNone/>
-              <a:tabLst/>
-              <a:defRPr/>
+            <a:pPr marL="228600" indent="-228600">
+              <a:buAutoNum type="arabicPeriod"/>
             </a:pPr>
             <a:r>
-              <a:rPr lang="zh-TW" altLang="en-US" sz="1200" dirty="0" smtClean="0"/>
-              <a:t>我負責的專案是運用機器學習將參數最佳化應用在</a:t>
+              <a:rPr lang="zh-TW" altLang="en-US" dirty="0" smtClean="0"/>
+              <a:t>我的專案主要是利用機器學習建模進行預測</a:t>
             </a:r>
             <a:r>
-              <a:rPr lang="en-US" altLang="zh-TW" sz="1200" dirty="0" smtClean="0"/>
-              <a:t>PEP1 CD</a:t>
-            </a:r>
-            <a:r>
-              <a:rPr lang="zh-TW" altLang="en-US" sz="1200" dirty="0" smtClean="0"/>
-              <a:t>上，目標是透過虛擬量測將參數最佳化</a:t>
-            </a:r>
-            <a:r>
-              <a:rPr lang="en-US" altLang="zh-TW" sz="1200" dirty="0" smtClean="0"/>
+              <a:rPr lang="en-US" altLang="zh-TW" dirty="0" smtClean="0"/>
               <a:t>,</a:t>
             </a:r>
             <a:r>
-              <a:rPr lang="zh-TW" altLang="en-US" sz="1200" dirty="0" smtClean="0"/>
-              <a:t>接著</a:t>
+              <a:rPr lang="zh-TW" altLang="en-US" dirty="0" smtClean="0"/>
+              <a:t>找到符合實際生產狀況的</a:t>
             </a:r>
             <a:r>
-              <a:rPr lang="en-US" altLang="zh-TW" sz="1200" dirty="0" smtClean="0"/>
-              <a:t>run</a:t>
+              <a:rPr lang="en-US" altLang="zh-TW" dirty="0" smtClean="0"/>
+              <a:t>AI</a:t>
             </a:r>
             <a:r>
-              <a:rPr lang="en-US" altLang="zh-TW" sz="1200" baseline="0" dirty="0" smtClean="0"/>
-              <a:t>-to-run</a:t>
+              <a:rPr lang="zh-TW" altLang="en-US" dirty="0" smtClean="0"/>
+              <a:t>模型</a:t>
             </a:r>
             <a:r>
-              <a:rPr lang="zh-TW" altLang="en-US" sz="1200" dirty="0" smtClean="0"/>
-              <a:t>寫入機台</a:t>
-            </a:r>
-            <a:r>
-              <a:rPr lang="en-US" altLang="zh-TW" sz="1200" dirty="0" smtClean="0"/>
+              <a:rPr lang="en-US" altLang="zh-TW" dirty="0" smtClean="0"/>
               <a:t>,</a:t>
             </a:r>
             <a:r>
-              <a:rPr lang="zh-TW" altLang="en-US" sz="1200" dirty="0" smtClean="0"/>
-              <a:t>自動控制線寬</a:t>
+              <a:rPr lang="zh-TW" altLang="en-US" dirty="0" smtClean="0"/>
+              <a:t>預測未來的生產狀況</a:t>
             </a:r>
-            <a:endParaRPr lang="en-US" altLang="zh-TW" sz="1200" dirty="0" smtClean="0"/>
+            <a:r>
+              <a:rPr lang="en-US" altLang="zh-TW" dirty="0" smtClean="0"/>
+              <a:t>,</a:t>
+            </a:r>
+            <a:r>
+              <a:rPr lang="zh-TW" altLang="en-US" dirty="0" smtClean="0"/>
+              <a:t>找出影響模型的關鍵因子</a:t>
+            </a:r>
+            <a:endParaRPr lang="en-US" altLang="zh-TW" dirty="0" smtClean="0"/>
           </a:p>
           <a:p>
-            <a:pPr marL="0" marR="0" indent="0" algn="l" defTabSz="914400" rtl="0" eaLnBrk="0" fontAlgn="base" latinLnBrk="0" hangingPunct="0">
-              <a:lnSpc>
-                <a:spcPct val="100000"/>
-              </a:lnSpc>
-              <a:spcBef>
-                <a:spcPct val="30000"/>
-              </a:spcBef>
-              <a:spcAft>
-                <a:spcPct val="0"/>
-              </a:spcAft>
-              <a:buClrTx/>
-              <a:buSzTx/>
-              <a:buFontTx/>
-              <a:buNone/>
-              <a:tabLst/>
-              <a:defRPr/>
+            <a:pPr marL="228600" indent="-228600">
+              <a:buAutoNum type="arabicPeriod"/>
             </a:pPr>
             <a:r>
-              <a:rPr lang="zh-TW" altLang="en-US" sz="1200" dirty="0" smtClean="0"/>
-              <a:t>過去流程上人員會需要依照實際量測的狀況去手動調整補</a:t>
+              <a:rPr lang="zh-TW" altLang="en-US" dirty="0" smtClean="0"/>
+              <a:t>目前大多仰賴工程師經驗</a:t>
             </a:r>
             <a:r>
-              <a:rPr lang="en-US" altLang="zh-TW" sz="1200" dirty="0" smtClean="0"/>
-              <a:t>CD</a:t>
+              <a:rPr lang="en-US" altLang="zh-TW" dirty="0" smtClean="0"/>
+              <a:t>,</a:t>
             </a:r>
             <a:r>
-              <a:rPr lang="zh-TW" altLang="en-US" sz="1200" dirty="0" smtClean="0"/>
-              <a:t>值，這樣在產品少量多樣的情況下，補值的需求增加就會導致量測的產能有限</a:t>
+              <a:rPr lang="zh-TW" altLang="en-US" dirty="0" smtClean="0"/>
+              <a:t>無法較有效的掌握生產狀況</a:t>
             </a:r>
-            <a:endParaRPr lang="en-US" altLang="zh-TW" sz="1200" dirty="0" smtClean="0"/>
+            <a:endParaRPr lang="en-US" altLang="zh-TW" dirty="0" smtClean="0"/>
           </a:p>
           <a:p>
-            <a:pPr marL="0" marR="0" indent="0" algn="l" defTabSz="914400" rtl="0" eaLnBrk="0" fontAlgn="base" latinLnBrk="0" hangingPunct="0">
-              <a:lnSpc>
-                <a:spcPct val="100000"/>
-              </a:lnSpc>
-              <a:spcBef>
-                <a:spcPct val="30000"/>
-              </a:spcBef>
-              <a:spcAft>
-                <a:spcPct val="0"/>
-              </a:spcAft>
-              <a:buClrTx/>
-              <a:buSzTx/>
-              <a:buFontTx/>
-              <a:buNone/>
-              <a:tabLst/>
-              <a:defRPr/>
+            <a:pPr marL="228600" indent="-228600">
+              <a:buAutoNum type="arabicPeriod"/>
             </a:pPr>
             <a:r>
-              <a:rPr lang="zh-TW" altLang="en-US" sz="1200" dirty="0" smtClean="0"/>
-              <a:t>如果能夠透過機器學習的方法實現自動補值的機制，這樣就能減少人員的</a:t>
+              <a:rPr lang="zh-TW" altLang="en-US" dirty="0" smtClean="0"/>
+              <a:t>如果開發一個能夠提供快速建立生產模式的</a:t>
             </a:r>
             <a:r>
-              <a:rPr lang="en-US" altLang="zh-TW" sz="1200" dirty="0" smtClean="0"/>
-              <a:t>Loading</a:t>
+              <a:rPr lang="en-US" altLang="zh-TW" dirty="0" smtClean="0"/>
+              <a:t>AI</a:t>
             </a:r>
             <a:r>
-              <a:rPr lang="zh-TW" altLang="en-US" sz="1200" dirty="0" smtClean="0"/>
-              <a:t>，也能縮短開線時間，讓產品的品質更加穩定</a:t>
+              <a:rPr lang="zh-TW" altLang="en-US" dirty="0" smtClean="0"/>
+              <a:t>模型</a:t>
             </a:r>
-            <a:endParaRPr lang="en-US" altLang="zh-TW" sz="1200" dirty="0" smtClean="0"/>
+            <a:r>
+              <a:rPr lang="en-US" altLang="zh-TW" dirty="0" smtClean="0"/>
+              <a:t>,</a:t>
+            </a:r>
+            <a:r>
+              <a:rPr lang="zh-TW" altLang="en-US" dirty="0" smtClean="0"/>
+              <a:t>有效地找出影響生產流程的關鍵因子</a:t>
+            </a:r>
+            <a:r>
+              <a:rPr lang="en-US" altLang="zh-TW" dirty="0" smtClean="0"/>
+              <a:t>,</a:t>
+            </a:r>
+            <a:r>
+              <a:rPr lang="zh-TW" altLang="en-US" dirty="0" smtClean="0"/>
+              <a:t>就能夠預測未來的生產情形</a:t>
+            </a:r>
+            <a:r>
+              <a:rPr lang="en-US" altLang="zh-TW" dirty="0" smtClean="0"/>
+              <a:t>,</a:t>
+            </a:r>
+            <a:r>
+              <a:rPr lang="zh-TW" altLang="en-US" dirty="0" smtClean="0"/>
+              <a:t>再利用</a:t>
+            </a:r>
+            <a:r>
+              <a:rPr lang="en-US" altLang="zh-TW" dirty="0" smtClean="0"/>
+              <a:t>AI</a:t>
+            </a:r>
+            <a:r>
+              <a:rPr lang="zh-TW" altLang="en-US" dirty="0" smtClean="0"/>
+              <a:t>模型模擬出實際生產下的最佳狀況</a:t>
+            </a:r>
+            <a:endParaRPr lang="en-US" altLang="zh-TW" dirty="0" smtClean="0"/>
           </a:p>
           <a:p>
-            <a:pPr marL="0" marR="0" indent="0" algn="l" defTabSz="914400" rtl="0" eaLnBrk="0" fontAlgn="base" latinLnBrk="0" hangingPunct="0">
-              <a:lnSpc>
-                <a:spcPct val="100000"/>
-              </a:lnSpc>
-              <a:spcBef>
-                <a:spcPct val="30000"/>
-              </a:spcBef>
-              <a:spcAft>
-                <a:spcPct val="0"/>
-              </a:spcAft>
-              <a:buClrTx/>
-              <a:buSzTx/>
-              <a:buFontTx/>
-              <a:buNone/>
-              <a:tabLst/>
-              <a:defRPr/>
-            </a:pPr>
-            <a:endParaRPr lang="en-US" altLang="zh-TW" sz="1200" dirty="0" smtClean="0"/>
-          </a:p>
-          <a:p>
-            <a:pPr marL="0" marR="0" indent="0" algn="l" defTabSz="914400" rtl="0" eaLnBrk="0" fontAlgn="base" latinLnBrk="0" hangingPunct="0">
-              <a:lnSpc>
-                <a:spcPct val="100000"/>
-              </a:lnSpc>
-              <a:spcBef>
-                <a:spcPct val="30000"/>
-              </a:spcBef>
-              <a:spcAft>
-                <a:spcPct val="0"/>
-              </a:spcAft>
-              <a:buClrTx/>
-              <a:buSzTx/>
-              <a:buFontTx/>
-              <a:buNone/>
-              <a:tabLst/>
-              <a:defRPr/>
+            <a:pPr marL="228600" indent="-228600">
+              <a:buAutoNum type="arabicPeriod"/>
             </a:pPr>
             <a:r>
-              <a:rPr lang="zh-TW" altLang="en-US" sz="1200" dirty="0" smtClean="0"/>
-              <a:t>參數最佳化就像在回歸方程式中，會有很多影響Ｙ的Ｘ因子，那要從Ｙ反推回去，看Ｘ要怎麼設置就是最佳化的過程</a:t>
+              <a:rPr lang="zh-TW" altLang="en-US" dirty="0" smtClean="0"/>
+              <a:t>達到縮短開線時間</a:t>
             </a:r>
-            <a:endParaRPr lang="en-US" altLang="zh-TW" sz="1200" dirty="0" smtClean="0"/>
-          </a:p>
-          <a:p>
-            <a:pPr marL="0" marR="0" indent="0" algn="l" defTabSz="914400" rtl="0" eaLnBrk="0" fontAlgn="base" latinLnBrk="0" hangingPunct="0">
-              <a:lnSpc>
-                <a:spcPct val="100000"/>
-              </a:lnSpc>
-              <a:spcBef>
-                <a:spcPct val="30000"/>
-              </a:spcBef>
-              <a:spcAft>
-                <a:spcPct val="0"/>
-              </a:spcAft>
-              <a:buClrTx/>
-              <a:buSzTx/>
-              <a:buFontTx/>
-              <a:buNone/>
-              <a:tabLst/>
-              <a:defRPr/>
-            </a:pPr>
-            <a:endParaRPr lang="en-US" altLang="zh-TW" sz="1200" dirty="0" smtClean="0"/>
-          </a:p>
-          <a:p>
+            <a:r>
+              <a:rPr lang="en-US" altLang="zh-TW" dirty="0" smtClean="0"/>
+              <a:t>,</a:t>
+            </a:r>
+            <a:r>
+              <a:rPr lang="zh-TW" altLang="en-US" dirty="0" smtClean="0"/>
+              <a:t>減少人員負擔</a:t>
+            </a:r>
+            <a:r>
+              <a:rPr lang="en-US" altLang="zh-TW" dirty="0" smtClean="0"/>
+              <a:t>,</a:t>
+            </a:r>
+            <a:r>
+              <a:rPr lang="zh-TW" altLang="en-US" dirty="0" smtClean="0"/>
+              <a:t>並提升產品品質的穩定度</a:t>
+            </a:r>
             <a:endParaRPr lang="zh-TW" altLang="en-US" dirty="0"/>
           </a:p>
         </p:txBody>
@@ -1112,7 +1056,7 @@
     </p:spTree>
     <p:extLst>
       <p:ext uri="{BB962C8B-B14F-4D97-AF65-F5344CB8AC3E}">
-        <p14:creationId xmlns:p14="http://schemas.microsoft.com/office/powerpoint/2010/main" val="1562261830"/>
+        <p14:creationId xmlns:p14="http://schemas.microsoft.com/office/powerpoint/2010/main" val="663799644"/>
       </p:ext>
     </p:extLst>
   </p:cSld>
@@ -1123,6 +1067,1116 @@
 </file>
 
 <file path=ppt/notesSlides/notesSlide10.xml><?xml version="1.0" encoding="utf-8"?>
+<p:notes xmlns:a="http://schemas.openxmlformats.org/drawingml/2006/main" xmlns:r="http://schemas.openxmlformats.org/officeDocument/2006/relationships" xmlns:p="http://schemas.openxmlformats.org/presentationml/2006/main">
+  <p:cSld>
+    <p:spTree>
+      <p:nvGrpSpPr>
+        <p:cNvPr id="1" name=""/>
+        <p:cNvGrpSpPr/>
+        <p:nvPr/>
+      </p:nvGrpSpPr>
+      <p:grpSpPr>
+        <a:xfrm>
+          <a:off x="0" y="0"/>
+          <a:ext cx="0" cy="0"/>
+          <a:chOff x="0" y="0"/>
+          <a:chExt cx="0" cy="0"/>
+        </a:xfrm>
+      </p:grpSpPr>
+      <p:sp>
+        <p:nvSpPr>
+          <p:cNvPr id="2" name="投影片圖像版面配置區 1"/>
+          <p:cNvSpPr>
+            <a:spLocks noGrp="1" noRot="1" noChangeAspect="1"/>
+          </p:cNvSpPr>
+          <p:nvPr>
+            <p:ph type="sldImg"/>
+          </p:nvPr>
+        </p:nvSpPr>
+        <p:spPr/>
+      </p:sp>
+      <p:sp>
+        <p:nvSpPr>
+          <p:cNvPr id="3" name="備忘稿版面配置區 2"/>
+          <p:cNvSpPr>
+            <a:spLocks noGrp="1"/>
+          </p:cNvSpPr>
+          <p:nvPr>
+            <p:ph type="body" idx="1"/>
+          </p:nvPr>
+        </p:nvSpPr>
+        <p:spPr/>
+        <p:txBody>
+          <a:bodyPr/>
+          <a:lstStyle/>
+          <a:p>
+            <a:pPr marL="0" marR="0" indent="0" algn="l" defTabSz="914400" rtl="0" eaLnBrk="0" fontAlgn="base" latinLnBrk="0" hangingPunct="0">
+              <a:lnSpc>
+                <a:spcPct val="100000"/>
+              </a:lnSpc>
+              <a:spcBef>
+                <a:spcPct val="30000"/>
+              </a:spcBef>
+              <a:spcAft>
+                <a:spcPct val="0"/>
+              </a:spcAft>
+              <a:buClrTx/>
+              <a:buSzTx/>
+              <a:buFontTx/>
+              <a:buNone/>
+              <a:tabLst/>
+              <a:defRPr/>
+            </a:pPr>
+            <a:r>
+              <a:rPr lang="zh-TW" altLang="en-US" sz="1200" dirty="0" smtClean="0"/>
+              <a:t>目前這周已經先確定好專案題目和內容，目前</a:t>
+            </a:r>
+            <a:r>
+              <a:rPr lang="en-US" altLang="zh-TW" sz="1200" dirty="0" smtClean="0"/>
+              <a:t>mentor</a:t>
+            </a:r>
+            <a:r>
+              <a:rPr lang="zh-TW" altLang="en-US" sz="1200" dirty="0" smtClean="0"/>
+              <a:t>讓我先嘗試用不同的機器學習方法去優化 </a:t>
+            </a:r>
+            <a:r>
+              <a:rPr lang="en-US" altLang="zh-TW" sz="1200" dirty="0" smtClean="0"/>
+              <a:t>LC Margin</a:t>
+            </a:r>
+            <a:r>
+              <a:rPr lang="zh-TW" altLang="en-US" sz="1200" dirty="0" smtClean="0"/>
+              <a:t>的預測，這部分先寫的差不多之後，希望能夠套用在專案資料上，後續的流程大致上會先做資料前處理，找出關鍵參數後再建立訓練模型，接著再持續優化模型，後期主要會著重在參數最佳化的部分</a:t>
+            </a:r>
+          </a:p>
+          <a:p>
+            <a:endParaRPr lang="zh-TW" altLang="en-US" dirty="0"/>
+          </a:p>
+        </p:txBody>
+      </p:sp>
+      <p:sp>
+        <p:nvSpPr>
+          <p:cNvPr id="4" name="投影片編號版面配置區 3"/>
+          <p:cNvSpPr>
+            <a:spLocks noGrp="1"/>
+          </p:cNvSpPr>
+          <p:nvPr>
+            <p:ph type="sldNum" sz="quarter" idx="10"/>
+          </p:nvPr>
+        </p:nvSpPr>
+        <p:spPr/>
+        <p:txBody>
+          <a:bodyPr/>
+          <a:lstStyle/>
+          <a:p>
+            <a:pPr>
+              <a:defRPr/>
+            </a:pPr>
+            <a:fld id="{BB8BD76A-2F67-42F1-9619-1A8D2E5EAE40}" type="slidenum">
+              <a:rPr lang="zh-TW" altLang="en-US" smtClean="0"/>
+              <a:pPr>
+                <a:defRPr/>
+              </a:pPr>
+              <a:t>11</a:t>
+            </a:fld>
+            <a:endParaRPr lang="zh-TW" altLang="en-US"/>
+          </a:p>
+        </p:txBody>
+      </p:sp>
+    </p:spTree>
+    <p:extLst>
+      <p:ext uri="{BB962C8B-B14F-4D97-AF65-F5344CB8AC3E}">
+        <p14:creationId xmlns:p14="http://schemas.microsoft.com/office/powerpoint/2010/main" val="2810050349"/>
+      </p:ext>
+    </p:extLst>
+  </p:cSld>
+  <p:clrMapOvr>
+    <a:masterClrMapping/>
+  </p:clrMapOvr>
+</p:notes>
+</file>
+
+<file path=ppt/notesSlides/notesSlide11.xml><?xml version="1.0" encoding="utf-8"?>
+<p:notes xmlns:a="http://schemas.openxmlformats.org/drawingml/2006/main" xmlns:r="http://schemas.openxmlformats.org/officeDocument/2006/relationships" xmlns:p="http://schemas.openxmlformats.org/presentationml/2006/main">
+  <p:cSld>
+    <p:spTree>
+      <p:nvGrpSpPr>
+        <p:cNvPr id="1" name=""/>
+        <p:cNvGrpSpPr/>
+        <p:nvPr/>
+      </p:nvGrpSpPr>
+      <p:grpSpPr>
+        <a:xfrm>
+          <a:off x="0" y="0"/>
+          <a:ext cx="0" cy="0"/>
+          <a:chOff x="0" y="0"/>
+          <a:chExt cx="0" cy="0"/>
+        </a:xfrm>
+      </p:grpSpPr>
+      <p:sp>
+        <p:nvSpPr>
+          <p:cNvPr id="2" name="投影片圖像版面配置區 1"/>
+          <p:cNvSpPr>
+            <a:spLocks noGrp="1" noRot="1" noChangeAspect="1"/>
+          </p:cNvSpPr>
+          <p:nvPr>
+            <p:ph type="sldImg"/>
+          </p:nvPr>
+        </p:nvSpPr>
+        <p:spPr>
+          <a:xfrm>
+            <a:off x="139700" y="766763"/>
+            <a:ext cx="6819900" cy="3836987"/>
+          </a:xfrm>
+        </p:spPr>
+      </p:sp>
+      <p:sp>
+        <p:nvSpPr>
+          <p:cNvPr id="3" name="備忘稿版面配置區 2"/>
+          <p:cNvSpPr>
+            <a:spLocks noGrp="1"/>
+          </p:cNvSpPr>
+          <p:nvPr>
+            <p:ph type="body" idx="1"/>
+          </p:nvPr>
+        </p:nvSpPr>
+        <p:spPr/>
+        <p:txBody>
+          <a:bodyPr>
+            <a:normAutofit/>
+          </a:bodyPr>
+          <a:lstStyle/>
+          <a:p>
+            <a:endParaRPr lang="zh-TW" altLang="en-US" dirty="0"/>
+          </a:p>
+        </p:txBody>
+      </p:sp>
+      <p:sp>
+        <p:nvSpPr>
+          <p:cNvPr id="4" name="投影片編號版面配置區 3"/>
+          <p:cNvSpPr>
+            <a:spLocks noGrp="1"/>
+          </p:cNvSpPr>
+          <p:nvPr>
+            <p:ph type="sldNum" sz="quarter" idx="10"/>
+          </p:nvPr>
+        </p:nvSpPr>
+        <p:spPr/>
+        <p:txBody>
+          <a:bodyPr/>
+          <a:lstStyle/>
+          <a:p>
+            <a:pPr>
+              <a:defRPr/>
+            </a:pPr>
+            <a:fld id="{BB8BD76A-2F67-42F1-9619-1A8D2E5EAE40}" type="slidenum">
+              <a:rPr lang="zh-TW" altLang="en-US" smtClean="0"/>
+              <a:pPr>
+                <a:defRPr/>
+              </a:pPr>
+              <a:t>12</a:t>
+            </a:fld>
+            <a:endParaRPr lang="zh-TW" altLang="en-US"/>
+          </a:p>
+        </p:txBody>
+      </p:sp>
+    </p:spTree>
+    <p:extLst>
+      <p:ext uri="{BB962C8B-B14F-4D97-AF65-F5344CB8AC3E}">
+        <p14:creationId xmlns:p14="http://schemas.microsoft.com/office/powerpoint/2010/main" val="1301914167"/>
+      </p:ext>
+    </p:extLst>
+  </p:cSld>
+  <p:clrMapOvr>
+    <a:masterClrMapping/>
+  </p:clrMapOvr>
+</p:notes>
+</file>
+
+<file path=ppt/notesSlides/notesSlide2.xml><?xml version="1.0" encoding="utf-8"?>
+<p:notes xmlns:a="http://schemas.openxmlformats.org/drawingml/2006/main" xmlns:r="http://schemas.openxmlformats.org/officeDocument/2006/relationships" xmlns:p="http://schemas.openxmlformats.org/presentationml/2006/main">
+  <p:cSld>
+    <p:spTree>
+      <p:nvGrpSpPr>
+        <p:cNvPr id="1" name=""/>
+        <p:cNvGrpSpPr/>
+        <p:nvPr/>
+      </p:nvGrpSpPr>
+      <p:grpSpPr>
+        <a:xfrm>
+          <a:off x="0" y="0"/>
+          <a:ext cx="0" cy="0"/>
+          <a:chOff x="0" y="0"/>
+          <a:chExt cx="0" cy="0"/>
+        </a:xfrm>
+      </p:grpSpPr>
+      <p:sp>
+        <p:nvSpPr>
+          <p:cNvPr id="2" name="投影片圖像版面配置區 1"/>
+          <p:cNvSpPr>
+            <a:spLocks noGrp="1" noRot="1" noChangeAspect="1"/>
+          </p:cNvSpPr>
+          <p:nvPr>
+            <p:ph type="sldImg"/>
+          </p:nvPr>
+        </p:nvSpPr>
+        <p:spPr/>
+      </p:sp>
+      <p:sp>
+        <p:nvSpPr>
+          <p:cNvPr id="3" name="備忘稿版面配置區 2"/>
+          <p:cNvSpPr>
+            <a:spLocks noGrp="1"/>
+          </p:cNvSpPr>
+          <p:nvPr>
+            <p:ph type="body" idx="1"/>
+          </p:nvPr>
+        </p:nvSpPr>
+        <p:spPr/>
+        <p:txBody>
+          <a:bodyPr/>
+          <a:lstStyle/>
+          <a:p>
+            <a:r>
+              <a:rPr lang="zh-TW" altLang="en-US" dirty="0" smtClean="0"/>
+              <a:t>之後會用</a:t>
+            </a:r>
+            <a:r>
+              <a:rPr lang="en-US" altLang="zh-TW" dirty="0" smtClean="0"/>
+              <a:t>EXCEL</a:t>
+            </a:r>
+            <a:r>
+              <a:rPr lang="zh-TW" altLang="en-US" dirty="0" smtClean="0"/>
+              <a:t>當作介面</a:t>
+            </a:r>
+            <a:endParaRPr lang="zh-TW" altLang="en-US" dirty="0"/>
+          </a:p>
+        </p:txBody>
+      </p:sp>
+      <p:sp>
+        <p:nvSpPr>
+          <p:cNvPr id="4" name="投影片編號版面配置區 3"/>
+          <p:cNvSpPr>
+            <a:spLocks noGrp="1"/>
+          </p:cNvSpPr>
+          <p:nvPr>
+            <p:ph type="sldNum" sz="quarter" idx="10"/>
+          </p:nvPr>
+        </p:nvSpPr>
+        <p:spPr/>
+        <p:txBody>
+          <a:bodyPr/>
+          <a:lstStyle/>
+          <a:p>
+            <a:pPr>
+              <a:defRPr/>
+            </a:pPr>
+            <a:fld id="{BB8BD76A-2F67-42F1-9619-1A8D2E5EAE40}" type="slidenum">
+              <a:rPr lang="zh-TW" altLang="en-US" smtClean="0"/>
+              <a:pPr>
+                <a:defRPr/>
+              </a:pPr>
+              <a:t>3</a:t>
+            </a:fld>
+            <a:endParaRPr lang="zh-TW" altLang="en-US"/>
+          </a:p>
+        </p:txBody>
+      </p:sp>
+    </p:spTree>
+    <p:extLst>
+      <p:ext uri="{BB962C8B-B14F-4D97-AF65-F5344CB8AC3E}">
+        <p14:creationId xmlns:p14="http://schemas.microsoft.com/office/powerpoint/2010/main" val="3452896032"/>
+      </p:ext>
+    </p:extLst>
+  </p:cSld>
+  <p:clrMapOvr>
+    <a:masterClrMapping/>
+  </p:clrMapOvr>
+</p:notes>
+</file>
+
+<file path=ppt/notesSlides/notesSlide3.xml><?xml version="1.0" encoding="utf-8"?>
+<p:notes xmlns:a="http://schemas.openxmlformats.org/drawingml/2006/main" xmlns:r="http://schemas.openxmlformats.org/officeDocument/2006/relationships" xmlns:p="http://schemas.openxmlformats.org/presentationml/2006/main">
+  <p:cSld>
+    <p:spTree>
+      <p:nvGrpSpPr>
+        <p:cNvPr id="1" name=""/>
+        <p:cNvGrpSpPr/>
+        <p:nvPr/>
+      </p:nvGrpSpPr>
+      <p:grpSpPr>
+        <a:xfrm>
+          <a:off x="0" y="0"/>
+          <a:ext cx="0" cy="0"/>
+          <a:chOff x="0" y="0"/>
+          <a:chExt cx="0" cy="0"/>
+        </a:xfrm>
+      </p:grpSpPr>
+      <p:sp>
+        <p:nvSpPr>
+          <p:cNvPr id="2" name="投影片圖像版面配置區 1"/>
+          <p:cNvSpPr>
+            <a:spLocks noGrp="1" noRot="1" noChangeAspect="1"/>
+          </p:cNvSpPr>
+          <p:nvPr>
+            <p:ph type="sldImg"/>
+          </p:nvPr>
+        </p:nvSpPr>
+        <p:spPr/>
+      </p:sp>
+      <p:sp>
+        <p:nvSpPr>
+          <p:cNvPr id="3" name="備忘稿版面配置區 2"/>
+          <p:cNvSpPr>
+            <a:spLocks noGrp="1"/>
+          </p:cNvSpPr>
+          <p:nvPr>
+            <p:ph type="body" idx="1"/>
+          </p:nvPr>
+        </p:nvSpPr>
+        <p:spPr/>
+        <p:txBody>
+          <a:bodyPr/>
+          <a:lstStyle/>
+          <a:p>
+            <a:endParaRPr lang="zh-TW" altLang="en-US" dirty="0"/>
+          </a:p>
+        </p:txBody>
+      </p:sp>
+      <p:sp>
+        <p:nvSpPr>
+          <p:cNvPr id="4" name="投影片編號版面配置區 3"/>
+          <p:cNvSpPr>
+            <a:spLocks noGrp="1"/>
+          </p:cNvSpPr>
+          <p:nvPr>
+            <p:ph type="sldNum" sz="quarter" idx="10"/>
+          </p:nvPr>
+        </p:nvSpPr>
+        <p:spPr/>
+        <p:txBody>
+          <a:bodyPr/>
+          <a:lstStyle/>
+          <a:p>
+            <a:pPr>
+              <a:defRPr/>
+            </a:pPr>
+            <a:fld id="{BB8BD76A-2F67-42F1-9619-1A8D2E5EAE40}" type="slidenum">
+              <a:rPr lang="zh-TW" altLang="en-US" smtClean="0"/>
+              <a:pPr>
+                <a:defRPr/>
+              </a:pPr>
+              <a:t>4</a:t>
+            </a:fld>
+            <a:endParaRPr lang="zh-TW" altLang="en-US"/>
+          </a:p>
+        </p:txBody>
+      </p:sp>
+    </p:spTree>
+    <p:extLst>
+      <p:ext uri="{BB962C8B-B14F-4D97-AF65-F5344CB8AC3E}">
+        <p14:creationId xmlns:p14="http://schemas.microsoft.com/office/powerpoint/2010/main" val="2028824577"/>
+      </p:ext>
+    </p:extLst>
+  </p:cSld>
+  <p:clrMapOvr>
+    <a:masterClrMapping/>
+  </p:clrMapOvr>
+</p:notes>
+</file>
+
+<file path=ppt/notesSlides/notesSlide4.xml><?xml version="1.0" encoding="utf-8"?>
+<p:notes xmlns:a="http://schemas.openxmlformats.org/drawingml/2006/main" xmlns:r="http://schemas.openxmlformats.org/officeDocument/2006/relationships" xmlns:p="http://schemas.openxmlformats.org/presentationml/2006/main">
+  <p:cSld>
+    <p:spTree>
+      <p:nvGrpSpPr>
+        <p:cNvPr id="1" name=""/>
+        <p:cNvGrpSpPr/>
+        <p:nvPr/>
+      </p:nvGrpSpPr>
+      <p:grpSpPr>
+        <a:xfrm>
+          <a:off x="0" y="0"/>
+          <a:ext cx="0" cy="0"/>
+          <a:chOff x="0" y="0"/>
+          <a:chExt cx="0" cy="0"/>
+        </a:xfrm>
+      </p:grpSpPr>
+      <p:sp>
+        <p:nvSpPr>
+          <p:cNvPr id="2" name="投影片圖像版面配置區 1"/>
+          <p:cNvSpPr>
+            <a:spLocks noGrp="1" noRot="1" noChangeAspect="1"/>
+          </p:cNvSpPr>
+          <p:nvPr>
+            <p:ph type="sldImg"/>
+          </p:nvPr>
+        </p:nvSpPr>
+        <p:spPr/>
+      </p:sp>
+      <p:sp>
+        <p:nvSpPr>
+          <p:cNvPr id="3" name="備忘稿版面配置區 2"/>
+          <p:cNvSpPr>
+            <a:spLocks noGrp="1"/>
+          </p:cNvSpPr>
+          <p:nvPr>
+            <p:ph type="body" idx="1"/>
+          </p:nvPr>
+        </p:nvSpPr>
+        <p:spPr/>
+        <p:txBody>
+          <a:bodyPr/>
+          <a:lstStyle/>
+          <a:p>
+            <a:endParaRPr lang="zh-TW" altLang="en-US" dirty="0"/>
+          </a:p>
+        </p:txBody>
+      </p:sp>
+      <p:sp>
+        <p:nvSpPr>
+          <p:cNvPr id="4" name="投影片編號版面配置區 3"/>
+          <p:cNvSpPr>
+            <a:spLocks noGrp="1"/>
+          </p:cNvSpPr>
+          <p:nvPr>
+            <p:ph type="sldNum" sz="quarter" idx="10"/>
+          </p:nvPr>
+        </p:nvSpPr>
+        <p:spPr/>
+        <p:txBody>
+          <a:bodyPr/>
+          <a:lstStyle/>
+          <a:p>
+            <a:pPr>
+              <a:defRPr/>
+            </a:pPr>
+            <a:fld id="{BB8BD76A-2F67-42F1-9619-1A8D2E5EAE40}" type="slidenum">
+              <a:rPr lang="zh-TW" altLang="en-US" smtClean="0"/>
+              <a:pPr>
+                <a:defRPr/>
+              </a:pPr>
+              <a:t>5</a:t>
+            </a:fld>
+            <a:endParaRPr lang="zh-TW" altLang="en-US"/>
+          </a:p>
+        </p:txBody>
+      </p:sp>
+    </p:spTree>
+    <p:extLst>
+      <p:ext uri="{BB962C8B-B14F-4D97-AF65-F5344CB8AC3E}">
+        <p14:creationId xmlns:p14="http://schemas.microsoft.com/office/powerpoint/2010/main" val="62528058"/>
+      </p:ext>
+    </p:extLst>
+  </p:cSld>
+  <p:clrMapOvr>
+    <a:masterClrMapping/>
+  </p:clrMapOvr>
+</p:notes>
+</file>
+
+<file path=ppt/notesSlides/notesSlide5.xml><?xml version="1.0" encoding="utf-8"?>
+<p:notes xmlns:a="http://schemas.openxmlformats.org/drawingml/2006/main" xmlns:r="http://schemas.openxmlformats.org/officeDocument/2006/relationships" xmlns:p="http://schemas.openxmlformats.org/presentationml/2006/main">
+  <p:cSld>
+    <p:spTree>
+      <p:nvGrpSpPr>
+        <p:cNvPr id="1" name=""/>
+        <p:cNvGrpSpPr/>
+        <p:nvPr/>
+      </p:nvGrpSpPr>
+      <p:grpSpPr>
+        <a:xfrm>
+          <a:off x="0" y="0"/>
+          <a:ext cx="0" cy="0"/>
+          <a:chOff x="0" y="0"/>
+          <a:chExt cx="0" cy="0"/>
+        </a:xfrm>
+      </p:grpSpPr>
+      <p:sp>
+        <p:nvSpPr>
+          <p:cNvPr id="2" name="投影片圖像版面配置區 1"/>
+          <p:cNvSpPr>
+            <a:spLocks noGrp="1" noRot="1" noChangeAspect="1"/>
+          </p:cNvSpPr>
+          <p:nvPr>
+            <p:ph type="sldImg"/>
+          </p:nvPr>
+        </p:nvSpPr>
+        <p:spPr/>
+      </p:sp>
+      <p:sp>
+        <p:nvSpPr>
+          <p:cNvPr id="3" name="備忘稿版面配置區 2"/>
+          <p:cNvSpPr>
+            <a:spLocks noGrp="1"/>
+          </p:cNvSpPr>
+          <p:nvPr>
+            <p:ph type="body" idx="1"/>
+          </p:nvPr>
+        </p:nvSpPr>
+        <p:spPr/>
+        <p:txBody>
+          <a:bodyPr/>
+          <a:lstStyle/>
+          <a:p>
+            <a:endParaRPr lang="zh-TW" altLang="en-US" dirty="0"/>
+          </a:p>
+        </p:txBody>
+      </p:sp>
+      <p:sp>
+        <p:nvSpPr>
+          <p:cNvPr id="4" name="投影片編號版面配置區 3"/>
+          <p:cNvSpPr>
+            <a:spLocks noGrp="1"/>
+          </p:cNvSpPr>
+          <p:nvPr>
+            <p:ph type="sldNum" sz="quarter" idx="10"/>
+          </p:nvPr>
+        </p:nvSpPr>
+        <p:spPr/>
+        <p:txBody>
+          <a:bodyPr/>
+          <a:lstStyle/>
+          <a:p>
+            <a:pPr>
+              <a:defRPr/>
+            </a:pPr>
+            <a:fld id="{BB8BD76A-2F67-42F1-9619-1A8D2E5EAE40}" type="slidenum">
+              <a:rPr lang="zh-TW" altLang="en-US" smtClean="0"/>
+              <a:pPr>
+                <a:defRPr/>
+              </a:pPr>
+              <a:t>6</a:t>
+            </a:fld>
+            <a:endParaRPr lang="zh-TW" altLang="en-US"/>
+          </a:p>
+        </p:txBody>
+      </p:sp>
+    </p:spTree>
+    <p:extLst>
+      <p:ext uri="{BB962C8B-B14F-4D97-AF65-F5344CB8AC3E}">
+        <p14:creationId xmlns:p14="http://schemas.microsoft.com/office/powerpoint/2010/main" val="3192295545"/>
+      </p:ext>
+    </p:extLst>
+  </p:cSld>
+  <p:clrMapOvr>
+    <a:masterClrMapping/>
+  </p:clrMapOvr>
+</p:notes>
+</file>
+
+<file path=ppt/notesSlides/notesSlide6.xml><?xml version="1.0" encoding="utf-8"?>
+<p:notes xmlns:a="http://schemas.openxmlformats.org/drawingml/2006/main" xmlns:r="http://schemas.openxmlformats.org/officeDocument/2006/relationships" xmlns:p="http://schemas.openxmlformats.org/presentationml/2006/main">
+  <p:cSld>
+    <p:spTree>
+      <p:nvGrpSpPr>
+        <p:cNvPr id="1" name=""/>
+        <p:cNvGrpSpPr/>
+        <p:nvPr/>
+      </p:nvGrpSpPr>
+      <p:grpSpPr>
+        <a:xfrm>
+          <a:off x="0" y="0"/>
+          <a:ext cx="0" cy="0"/>
+          <a:chOff x="0" y="0"/>
+          <a:chExt cx="0" cy="0"/>
+        </a:xfrm>
+      </p:grpSpPr>
+      <p:sp>
+        <p:nvSpPr>
+          <p:cNvPr id="2" name="投影片圖像版面配置區 1"/>
+          <p:cNvSpPr>
+            <a:spLocks noGrp="1" noRot="1" noChangeAspect="1"/>
+          </p:cNvSpPr>
+          <p:nvPr>
+            <p:ph type="sldImg"/>
+          </p:nvPr>
+        </p:nvSpPr>
+        <p:spPr/>
+      </p:sp>
+      <p:sp>
+        <p:nvSpPr>
+          <p:cNvPr id="3" name="備忘稿版面配置區 2"/>
+          <p:cNvSpPr>
+            <a:spLocks noGrp="1"/>
+          </p:cNvSpPr>
+          <p:nvPr>
+            <p:ph type="body" idx="1"/>
+          </p:nvPr>
+        </p:nvSpPr>
+        <p:spPr/>
+        <p:txBody>
+          <a:bodyPr/>
+          <a:lstStyle/>
+          <a:p>
+            <a:r>
+              <a:rPr lang="zh-TW" altLang="en-US" dirty="0" smtClean="0"/>
+              <a:t>因為這份測試資料是沒有完整答案的</a:t>
+            </a:r>
+            <a:r>
+              <a:rPr lang="en-US" altLang="zh-TW" dirty="0" smtClean="0"/>
+              <a:t>,</a:t>
+            </a:r>
+            <a:r>
+              <a:rPr lang="zh-TW" altLang="en-US" dirty="0" smtClean="0"/>
+              <a:t>所以我將有答案的訓練資料切割</a:t>
+            </a:r>
+            <a:r>
+              <a:rPr lang="en-US" altLang="zh-TW" dirty="0" smtClean="0"/>
+              <a:t>,70%</a:t>
+            </a:r>
+            <a:r>
+              <a:rPr lang="zh-TW" altLang="en-US" dirty="0" smtClean="0"/>
+              <a:t>拿來</a:t>
+            </a:r>
+            <a:r>
+              <a:rPr lang="en-US" altLang="zh-TW" dirty="0" smtClean="0"/>
+              <a:t>train</a:t>
+            </a:r>
+            <a:r>
+              <a:rPr lang="zh-TW" altLang="en-US" dirty="0" smtClean="0"/>
+              <a:t> </a:t>
+            </a:r>
+            <a:r>
+              <a:rPr lang="en-US" altLang="zh-TW" dirty="0" smtClean="0"/>
+              <a:t>model,30%</a:t>
+            </a:r>
+            <a:r>
+              <a:rPr lang="zh-TW" altLang="en-US" dirty="0" smtClean="0"/>
+              <a:t>作為</a:t>
+            </a:r>
+            <a:r>
+              <a:rPr lang="en-US" altLang="zh-TW" dirty="0" err="1" smtClean="0"/>
+              <a:t>validation,validation</a:t>
+            </a:r>
+            <a:r>
+              <a:rPr lang="zh-TW" altLang="en-US" dirty="0" smtClean="0"/>
+              <a:t>拿來驗證預測效果</a:t>
+            </a:r>
+            <a:endParaRPr lang="en-US" altLang="zh-TW" dirty="0" smtClean="0"/>
+          </a:p>
+          <a:p>
+            <a:endParaRPr lang="zh-TW" altLang="en-US" dirty="0"/>
+          </a:p>
+        </p:txBody>
+      </p:sp>
+      <p:sp>
+        <p:nvSpPr>
+          <p:cNvPr id="4" name="投影片編號版面配置區 3"/>
+          <p:cNvSpPr>
+            <a:spLocks noGrp="1"/>
+          </p:cNvSpPr>
+          <p:nvPr>
+            <p:ph type="sldNum" sz="quarter" idx="10"/>
+          </p:nvPr>
+        </p:nvSpPr>
+        <p:spPr/>
+        <p:txBody>
+          <a:bodyPr/>
+          <a:lstStyle/>
+          <a:p>
+            <a:pPr>
+              <a:defRPr/>
+            </a:pPr>
+            <a:fld id="{BB8BD76A-2F67-42F1-9619-1A8D2E5EAE40}" type="slidenum">
+              <a:rPr lang="zh-TW" altLang="en-US" smtClean="0"/>
+              <a:pPr>
+                <a:defRPr/>
+              </a:pPr>
+              <a:t>7</a:t>
+            </a:fld>
+            <a:endParaRPr lang="zh-TW" altLang="en-US"/>
+          </a:p>
+        </p:txBody>
+      </p:sp>
+    </p:spTree>
+    <p:extLst>
+      <p:ext uri="{BB962C8B-B14F-4D97-AF65-F5344CB8AC3E}">
+        <p14:creationId xmlns:p14="http://schemas.microsoft.com/office/powerpoint/2010/main" val="466074538"/>
+      </p:ext>
+    </p:extLst>
+  </p:cSld>
+  <p:clrMapOvr>
+    <a:masterClrMapping/>
+  </p:clrMapOvr>
+</p:notes>
+</file>
+
+<file path=ppt/notesSlides/notesSlide7.xml><?xml version="1.0" encoding="utf-8"?>
+<p:notes xmlns:a="http://schemas.openxmlformats.org/drawingml/2006/main" xmlns:r="http://schemas.openxmlformats.org/officeDocument/2006/relationships" xmlns:p="http://schemas.openxmlformats.org/presentationml/2006/main">
+  <p:cSld>
+    <p:spTree>
+      <p:nvGrpSpPr>
+        <p:cNvPr id="1" name=""/>
+        <p:cNvGrpSpPr/>
+        <p:nvPr/>
+      </p:nvGrpSpPr>
+      <p:grpSpPr>
+        <a:xfrm>
+          <a:off x="0" y="0"/>
+          <a:ext cx="0" cy="0"/>
+          <a:chOff x="0" y="0"/>
+          <a:chExt cx="0" cy="0"/>
+        </a:xfrm>
+      </p:grpSpPr>
+      <p:sp>
+        <p:nvSpPr>
+          <p:cNvPr id="2" name="投影片圖像版面配置區 1"/>
+          <p:cNvSpPr>
+            <a:spLocks noGrp="1" noRot="1" noChangeAspect="1"/>
+          </p:cNvSpPr>
+          <p:nvPr>
+            <p:ph type="sldImg"/>
+          </p:nvPr>
+        </p:nvSpPr>
+        <p:spPr/>
+      </p:sp>
+      <p:sp>
+        <p:nvSpPr>
+          <p:cNvPr id="3" name="備忘稿版面配置區 2"/>
+          <p:cNvSpPr>
+            <a:spLocks noGrp="1"/>
+          </p:cNvSpPr>
+          <p:nvPr>
+            <p:ph type="body" idx="1"/>
+          </p:nvPr>
+        </p:nvSpPr>
+        <p:spPr/>
+        <p:txBody>
+          <a:bodyPr/>
+          <a:lstStyle/>
+          <a:p>
+            <a:pPr marL="171450" indent="-171450">
+              <a:buClr>
+                <a:srgbClr val="333333"/>
+              </a:buClr>
+              <a:buSzPct val="50000"/>
+              <a:buFont typeface="Wingdings" panose="05000000000000000000" pitchFamily="2" charset="2"/>
+              <a:buChar char="n"/>
+            </a:pPr>
+            <a:r>
+              <a:rPr lang="en-US" altLang="zh-TW" sz="1200" dirty="0" smtClean="0">
+                <a:solidFill>
+                  <a:srgbClr val="333333"/>
+                </a:solidFill>
+                <a:latin typeface="微軟正黑體" panose="020B0604030504040204" pitchFamily="34" charset="-120"/>
+              </a:rPr>
+              <a:t>In sample error</a:t>
+            </a:r>
+            <a:r>
+              <a:rPr lang="zh-TW" altLang="en-US" sz="1200" dirty="0" smtClean="0">
+                <a:solidFill>
+                  <a:srgbClr val="333333"/>
+                </a:solidFill>
+                <a:latin typeface="微軟正黑體" panose="020B0604030504040204" pitchFamily="34" charset="-120"/>
+              </a:rPr>
+              <a:t>：將</a:t>
+            </a:r>
+            <a:r>
+              <a:rPr lang="en-US" altLang="zh-TW" sz="1200" dirty="0" smtClean="0">
+                <a:solidFill>
+                  <a:srgbClr val="333333"/>
+                </a:solidFill>
+                <a:latin typeface="微軟正黑體" panose="020B0604030504040204" pitchFamily="34" charset="-120"/>
+              </a:rPr>
+              <a:t>train</a:t>
+            </a:r>
+            <a:r>
+              <a:rPr lang="zh-TW" altLang="en-US" sz="1200" dirty="0" smtClean="0">
+                <a:solidFill>
+                  <a:srgbClr val="333333"/>
+                </a:solidFill>
+                <a:latin typeface="微軟正黑體" panose="020B0604030504040204" pitchFamily="34" charset="-120"/>
+              </a:rPr>
+              <a:t>好的模型拿來預測</a:t>
+            </a:r>
+            <a:r>
+              <a:rPr lang="en-US" altLang="zh-TW" sz="1200" dirty="0" smtClean="0">
+                <a:solidFill>
+                  <a:srgbClr val="333333"/>
+                </a:solidFill>
+                <a:latin typeface="微軟正黑體" panose="020B0604030504040204" pitchFamily="34" charset="-120"/>
+              </a:rPr>
+              <a:t>training set</a:t>
+            </a:r>
+            <a:r>
+              <a:rPr lang="zh-TW" altLang="en-US" sz="1200" dirty="0" smtClean="0">
+                <a:solidFill>
+                  <a:srgbClr val="333333"/>
+                </a:solidFill>
+                <a:latin typeface="微軟正黑體" panose="020B0604030504040204" pitchFamily="34" charset="-120"/>
+              </a:rPr>
+              <a:t>，正常來說誤差會比較小。</a:t>
+            </a:r>
+            <a:r>
+              <a:rPr lang="en-US" altLang="zh-TW" sz="1200" dirty="0" smtClean="0">
+                <a:solidFill>
+                  <a:srgbClr val="333333"/>
+                </a:solidFill>
+                <a:latin typeface="微軟正黑體" panose="020B0604030504040204" pitchFamily="34" charset="-120"/>
+              </a:rPr>
+              <a:t/>
+            </a:r>
+            <a:br>
+              <a:rPr lang="en-US" altLang="zh-TW" sz="1200" dirty="0" smtClean="0">
+                <a:solidFill>
+                  <a:srgbClr val="333333"/>
+                </a:solidFill>
+                <a:latin typeface="微軟正黑體" panose="020B0604030504040204" pitchFamily="34" charset="-120"/>
+              </a:rPr>
+            </a:br>
+            <a:endParaRPr lang="en-US" altLang="zh-TW" sz="1200" dirty="0" smtClean="0">
+              <a:solidFill>
+                <a:srgbClr val="333333"/>
+              </a:solidFill>
+              <a:latin typeface="微軟正黑體" panose="020B0604030504040204" pitchFamily="34" charset="-120"/>
+            </a:endParaRPr>
+          </a:p>
+          <a:p>
+            <a:pPr marL="171450" indent="-171450">
+              <a:buClr>
+                <a:srgbClr val="333333"/>
+              </a:buClr>
+              <a:buSzPct val="50000"/>
+              <a:buFont typeface="Wingdings" panose="05000000000000000000" pitchFamily="2" charset="2"/>
+              <a:buChar char="n"/>
+            </a:pPr>
+            <a:r>
+              <a:rPr lang="en-US" altLang="zh-TW" sz="1200" dirty="0" smtClean="0">
+                <a:solidFill>
+                  <a:srgbClr val="333333"/>
+                </a:solidFill>
+                <a:latin typeface="微軟正黑體" panose="020B0604030504040204" pitchFamily="34" charset="-120"/>
+              </a:rPr>
+              <a:t>Out of sample error</a:t>
+            </a:r>
+            <a:r>
+              <a:rPr lang="zh-TW" altLang="en-US" sz="1200" dirty="0" smtClean="0">
+                <a:solidFill>
+                  <a:srgbClr val="333333"/>
+                </a:solidFill>
+                <a:latin typeface="微軟正黑體" panose="020B0604030504040204" pitchFamily="34" charset="-120"/>
+              </a:rPr>
+              <a:t>：將</a:t>
+            </a:r>
+            <a:r>
+              <a:rPr lang="en-US" altLang="zh-TW" sz="1200" dirty="0" smtClean="0">
+                <a:solidFill>
+                  <a:srgbClr val="333333"/>
+                </a:solidFill>
+                <a:latin typeface="微軟正黑體" panose="020B0604030504040204" pitchFamily="34" charset="-120"/>
+              </a:rPr>
+              <a:t>train</a:t>
+            </a:r>
+            <a:r>
+              <a:rPr lang="zh-TW" altLang="en-US" sz="1200" dirty="0" smtClean="0">
+                <a:solidFill>
+                  <a:srgbClr val="333333"/>
+                </a:solidFill>
+                <a:latin typeface="微軟正黑體" panose="020B0604030504040204" pitchFamily="34" charset="-120"/>
+              </a:rPr>
+              <a:t>好的模型拿來預測</a:t>
+            </a:r>
+            <a:r>
+              <a:rPr lang="en-US" altLang="zh-TW" sz="1200" dirty="0" smtClean="0">
+                <a:solidFill>
+                  <a:srgbClr val="333333"/>
+                </a:solidFill>
+                <a:latin typeface="微軟正黑體" panose="020B0604030504040204" pitchFamily="34" charset="-120"/>
+              </a:rPr>
+              <a:t>validation set</a:t>
+            </a:r>
+            <a:r>
+              <a:rPr lang="zh-TW" altLang="en-US" sz="1200" dirty="0" smtClean="0">
+                <a:solidFill>
+                  <a:srgbClr val="333333"/>
+                </a:solidFill>
+                <a:latin typeface="微軟正黑體" panose="020B0604030504040204" pitchFamily="34" charset="-120"/>
+              </a:rPr>
+              <a:t>，由於這些資料是沒有丟進模型</a:t>
+            </a:r>
+            <a:r>
+              <a:rPr lang="en-US" altLang="zh-TW" sz="1200" dirty="0" smtClean="0">
+                <a:solidFill>
+                  <a:srgbClr val="333333"/>
+                </a:solidFill>
+                <a:latin typeface="微軟正黑體" panose="020B0604030504040204" pitchFamily="34" charset="-120"/>
+              </a:rPr>
+              <a:t>train</a:t>
+            </a:r>
+            <a:r>
+              <a:rPr lang="zh-TW" altLang="en-US" sz="1200" dirty="0" smtClean="0">
+                <a:solidFill>
+                  <a:srgbClr val="333333"/>
+                </a:solidFill>
+                <a:latin typeface="微軟正黑體" panose="020B0604030504040204" pitchFamily="34" charset="-120"/>
+              </a:rPr>
+              <a:t>過的，所以</a:t>
+            </a:r>
+            <a:r>
+              <a:rPr lang="en-US" altLang="zh-TW" sz="1200" dirty="0" smtClean="0">
+                <a:solidFill>
+                  <a:srgbClr val="333333"/>
+                </a:solidFill>
+                <a:latin typeface="微軟正黑體" panose="020B0604030504040204" pitchFamily="34" charset="-120"/>
+              </a:rPr>
+              <a:t>Out of sample error</a:t>
+            </a:r>
+            <a:r>
+              <a:rPr lang="zh-TW" altLang="en-US" sz="1200" dirty="0" smtClean="0">
+                <a:solidFill>
+                  <a:srgbClr val="333333"/>
+                </a:solidFill>
+                <a:latin typeface="微軟正黑體" panose="020B0604030504040204" pitchFamily="34" charset="-120"/>
+              </a:rPr>
+              <a:t>會比較符合模型的實際狀況。</a:t>
+            </a:r>
+          </a:p>
+          <a:p>
+            <a:endParaRPr lang="zh-TW" altLang="en-US" dirty="0"/>
+          </a:p>
+        </p:txBody>
+      </p:sp>
+      <p:sp>
+        <p:nvSpPr>
+          <p:cNvPr id="4" name="投影片編號版面配置區 3"/>
+          <p:cNvSpPr>
+            <a:spLocks noGrp="1"/>
+          </p:cNvSpPr>
+          <p:nvPr>
+            <p:ph type="sldNum" sz="quarter" idx="10"/>
+          </p:nvPr>
+        </p:nvSpPr>
+        <p:spPr/>
+        <p:txBody>
+          <a:bodyPr/>
+          <a:lstStyle/>
+          <a:p>
+            <a:pPr>
+              <a:defRPr/>
+            </a:pPr>
+            <a:fld id="{BB8BD76A-2F67-42F1-9619-1A8D2E5EAE40}" type="slidenum">
+              <a:rPr lang="zh-TW" altLang="en-US" smtClean="0"/>
+              <a:pPr>
+                <a:defRPr/>
+              </a:pPr>
+              <a:t>8</a:t>
+            </a:fld>
+            <a:endParaRPr lang="zh-TW" altLang="en-US"/>
+          </a:p>
+        </p:txBody>
+      </p:sp>
+    </p:spTree>
+    <p:extLst>
+      <p:ext uri="{BB962C8B-B14F-4D97-AF65-F5344CB8AC3E}">
+        <p14:creationId xmlns:p14="http://schemas.microsoft.com/office/powerpoint/2010/main" val="1020357255"/>
+      </p:ext>
+    </p:extLst>
+  </p:cSld>
+  <p:clrMapOvr>
+    <a:masterClrMapping/>
+  </p:clrMapOvr>
+</p:notes>
+</file>
+
+<file path=ppt/notesSlides/notesSlide8.xml><?xml version="1.0" encoding="utf-8"?>
+<p:notes xmlns:a="http://schemas.openxmlformats.org/drawingml/2006/main" xmlns:r="http://schemas.openxmlformats.org/officeDocument/2006/relationships" xmlns:p="http://schemas.openxmlformats.org/presentationml/2006/main">
+  <p:cSld>
+    <p:spTree>
+      <p:nvGrpSpPr>
+        <p:cNvPr id="1" name=""/>
+        <p:cNvGrpSpPr/>
+        <p:nvPr/>
+      </p:nvGrpSpPr>
+      <p:grpSpPr>
+        <a:xfrm>
+          <a:off x="0" y="0"/>
+          <a:ext cx="0" cy="0"/>
+          <a:chOff x="0" y="0"/>
+          <a:chExt cx="0" cy="0"/>
+        </a:xfrm>
+      </p:grpSpPr>
+      <p:sp>
+        <p:nvSpPr>
+          <p:cNvPr id="2" name="投影片圖像版面配置區 1"/>
+          <p:cNvSpPr>
+            <a:spLocks noGrp="1" noRot="1" noChangeAspect="1"/>
+          </p:cNvSpPr>
+          <p:nvPr>
+            <p:ph type="sldImg"/>
+          </p:nvPr>
+        </p:nvSpPr>
+        <p:spPr/>
+      </p:sp>
+      <p:sp>
+        <p:nvSpPr>
+          <p:cNvPr id="3" name="備忘稿版面配置區 2"/>
+          <p:cNvSpPr>
+            <a:spLocks noGrp="1"/>
+          </p:cNvSpPr>
+          <p:nvPr>
+            <p:ph type="body" idx="1"/>
+          </p:nvPr>
+        </p:nvSpPr>
+        <p:spPr/>
+        <p:txBody>
+          <a:bodyPr/>
+          <a:lstStyle/>
+          <a:p>
+            <a:r>
+              <a:rPr lang="zh-TW" altLang="en-US" dirty="0" smtClean="0"/>
+              <a:t>黃光製程</a:t>
+            </a:r>
+            <a:r>
+              <a:rPr lang="en-US" altLang="zh-TW" dirty="0" smtClean="0"/>
+              <a:t>CD</a:t>
+            </a:r>
+            <a:endParaRPr lang="zh-TW" altLang="en-US" dirty="0"/>
+          </a:p>
+        </p:txBody>
+      </p:sp>
+      <p:sp>
+        <p:nvSpPr>
+          <p:cNvPr id="4" name="投影片編號版面配置區 3"/>
+          <p:cNvSpPr>
+            <a:spLocks noGrp="1"/>
+          </p:cNvSpPr>
+          <p:nvPr>
+            <p:ph type="sldNum" sz="quarter" idx="10"/>
+          </p:nvPr>
+        </p:nvSpPr>
+        <p:spPr/>
+        <p:txBody>
+          <a:bodyPr/>
+          <a:lstStyle/>
+          <a:p>
+            <a:pPr>
+              <a:defRPr/>
+            </a:pPr>
+            <a:fld id="{BB8BD76A-2F67-42F1-9619-1A8D2E5EAE40}" type="slidenum">
+              <a:rPr lang="zh-TW" altLang="en-US" smtClean="0"/>
+              <a:pPr>
+                <a:defRPr/>
+              </a:pPr>
+              <a:t>9</a:t>
+            </a:fld>
+            <a:endParaRPr lang="zh-TW" altLang="en-US"/>
+          </a:p>
+        </p:txBody>
+      </p:sp>
+    </p:spTree>
+    <p:extLst>
+      <p:ext uri="{BB962C8B-B14F-4D97-AF65-F5344CB8AC3E}">
+        <p14:creationId xmlns:p14="http://schemas.microsoft.com/office/powerpoint/2010/main" val="2380207849"/>
+      </p:ext>
+    </p:extLst>
+  </p:cSld>
+  <p:clrMapOvr>
+    <a:masterClrMapping/>
+  </p:clrMapOvr>
+</p:notes>
+</file>
+
+<file path=ppt/notesSlides/notesSlide9.xml><?xml version="1.0" encoding="utf-8"?>
 <p:notes xmlns:a="http://schemas.openxmlformats.org/drawingml/2006/main" xmlns:r="http://schemas.openxmlformats.org/officeDocument/2006/relationships" xmlns:p="http://schemas.openxmlformats.org/presentationml/2006/main">
   <p:cSld>
     <p:spTree>
@@ -1580,7 +2634,7 @@
               <a:pPr>
                 <a:defRPr/>
               </a:pPr>
-              <a:t>11</a:t>
+              <a:t>10</a:t>
             </a:fld>
             <a:endParaRPr lang="zh-TW" altLang="en-US"/>
           </a:p>
@@ -1590,1339 +2644,6 @@
     <p:extLst>
       <p:ext uri="{BB962C8B-B14F-4D97-AF65-F5344CB8AC3E}">
         <p14:creationId xmlns:p14="http://schemas.microsoft.com/office/powerpoint/2010/main" val="2418192126"/>
-      </p:ext>
-    </p:extLst>
-  </p:cSld>
-  <p:clrMapOvr>
-    <a:masterClrMapping/>
-  </p:clrMapOvr>
-</p:notes>
-</file>
-
-<file path=ppt/notesSlides/notesSlide11.xml><?xml version="1.0" encoding="utf-8"?>
-<p:notes xmlns:a="http://schemas.openxmlformats.org/drawingml/2006/main" xmlns:r="http://schemas.openxmlformats.org/officeDocument/2006/relationships" xmlns:p="http://schemas.openxmlformats.org/presentationml/2006/main">
-  <p:cSld>
-    <p:spTree>
-      <p:nvGrpSpPr>
-        <p:cNvPr id="1" name=""/>
-        <p:cNvGrpSpPr/>
-        <p:nvPr/>
-      </p:nvGrpSpPr>
-      <p:grpSpPr>
-        <a:xfrm>
-          <a:off x="0" y="0"/>
-          <a:ext cx="0" cy="0"/>
-          <a:chOff x="0" y="0"/>
-          <a:chExt cx="0" cy="0"/>
-        </a:xfrm>
-      </p:grpSpPr>
-      <p:sp>
-        <p:nvSpPr>
-          <p:cNvPr id="2" name="投影片圖像版面配置區 1"/>
-          <p:cNvSpPr>
-            <a:spLocks noGrp="1" noRot="1" noChangeAspect="1"/>
-          </p:cNvSpPr>
-          <p:nvPr>
-            <p:ph type="sldImg"/>
-          </p:nvPr>
-        </p:nvSpPr>
-        <p:spPr/>
-      </p:sp>
-      <p:sp>
-        <p:nvSpPr>
-          <p:cNvPr id="3" name="備忘稿版面配置區 2"/>
-          <p:cNvSpPr>
-            <a:spLocks noGrp="1"/>
-          </p:cNvSpPr>
-          <p:nvPr>
-            <p:ph type="body" idx="1"/>
-          </p:nvPr>
-        </p:nvSpPr>
-        <p:spPr/>
-        <p:txBody>
-          <a:bodyPr/>
-          <a:lstStyle/>
-          <a:p>
-            <a:pPr marL="0" marR="0" indent="0" algn="l" defTabSz="914400" rtl="0" eaLnBrk="0" fontAlgn="base" latinLnBrk="0" hangingPunct="0">
-              <a:lnSpc>
-                <a:spcPct val="100000"/>
-              </a:lnSpc>
-              <a:spcBef>
-                <a:spcPct val="30000"/>
-              </a:spcBef>
-              <a:spcAft>
-                <a:spcPct val="0"/>
-              </a:spcAft>
-              <a:buClrTx/>
-              <a:buSzTx/>
-              <a:buFontTx/>
-              <a:buNone/>
-              <a:tabLst/>
-              <a:defRPr/>
-            </a:pPr>
-            <a:r>
-              <a:rPr lang="zh-TW" altLang="en-US" sz="1200" dirty="0" smtClean="0"/>
-              <a:t>目前這周已經先確定好專案題目和內容，目前</a:t>
-            </a:r>
-            <a:r>
-              <a:rPr lang="en-US" altLang="zh-TW" sz="1200" dirty="0" smtClean="0"/>
-              <a:t>mentor</a:t>
-            </a:r>
-            <a:r>
-              <a:rPr lang="zh-TW" altLang="en-US" sz="1200" dirty="0" smtClean="0"/>
-              <a:t>讓我先嘗試用不同的機器學習方法去優化 </a:t>
-            </a:r>
-            <a:r>
-              <a:rPr lang="en-US" altLang="zh-TW" sz="1200" dirty="0" smtClean="0"/>
-              <a:t>LC Margin</a:t>
-            </a:r>
-            <a:r>
-              <a:rPr lang="zh-TW" altLang="en-US" sz="1200" dirty="0" smtClean="0"/>
-              <a:t>的預測，這部分先寫的差不多之後，希望能夠套用在專案資料上，後續的流程大致上會先做資料前處理，找出關鍵參數後再建立訓練模型，接著再持續優化模型，後期主要會著重在參數最佳化的部分</a:t>
-            </a:r>
-          </a:p>
-          <a:p>
-            <a:endParaRPr lang="zh-TW" altLang="en-US" dirty="0"/>
-          </a:p>
-        </p:txBody>
-      </p:sp>
-      <p:sp>
-        <p:nvSpPr>
-          <p:cNvPr id="4" name="投影片編號版面配置區 3"/>
-          <p:cNvSpPr>
-            <a:spLocks noGrp="1"/>
-          </p:cNvSpPr>
-          <p:nvPr>
-            <p:ph type="sldNum" sz="quarter" idx="10"/>
-          </p:nvPr>
-        </p:nvSpPr>
-        <p:spPr/>
-        <p:txBody>
-          <a:bodyPr/>
-          <a:lstStyle/>
-          <a:p>
-            <a:pPr>
-              <a:defRPr/>
-            </a:pPr>
-            <a:fld id="{BB8BD76A-2F67-42F1-9619-1A8D2E5EAE40}" type="slidenum">
-              <a:rPr lang="zh-TW" altLang="en-US" smtClean="0"/>
-              <a:pPr>
-                <a:defRPr/>
-              </a:pPr>
-              <a:t>12</a:t>
-            </a:fld>
-            <a:endParaRPr lang="zh-TW" altLang="en-US"/>
-          </a:p>
-        </p:txBody>
-      </p:sp>
-    </p:spTree>
-    <p:extLst>
-      <p:ext uri="{BB962C8B-B14F-4D97-AF65-F5344CB8AC3E}">
-        <p14:creationId xmlns:p14="http://schemas.microsoft.com/office/powerpoint/2010/main" val="2810050349"/>
-      </p:ext>
-    </p:extLst>
-  </p:cSld>
-  <p:clrMapOvr>
-    <a:masterClrMapping/>
-  </p:clrMapOvr>
-</p:notes>
-</file>
-
-<file path=ppt/notesSlides/notesSlide12.xml><?xml version="1.0" encoding="utf-8"?>
-<p:notes xmlns:a="http://schemas.openxmlformats.org/drawingml/2006/main" xmlns:r="http://schemas.openxmlformats.org/officeDocument/2006/relationships" xmlns:p="http://schemas.openxmlformats.org/presentationml/2006/main">
-  <p:cSld>
-    <p:spTree>
-      <p:nvGrpSpPr>
-        <p:cNvPr id="1" name=""/>
-        <p:cNvGrpSpPr/>
-        <p:nvPr/>
-      </p:nvGrpSpPr>
-      <p:grpSpPr>
-        <a:xfrm>
-          <a:off x="0" y="0"/>
-          <a:ext cx="0" cy="0"/>
-          <a:chOff x="0" y="0"/>
-          <a:chExt cx="0" cy="0"/>
-        </a:xfrm>
-      </p:grpSpPr>
-      <p:sp>
-        <p:nvSpPr>
-          <p:cNvPr id="2" name="投影片圖像版面配置區 1"/>
-          <p:cNvSpPr>
-            <a:spLocks noGrp="1" noRot="1" noChangeAspect="1"/>
-          </p:cNvSpPr>
-          <p:nvPr>
-            <p:ph type="sldImg"/>
-          </p:nvPr>
-        </p:nvSpPr>
-        <p:spPr>
-          <a:xfrm>
-            <a:off x="139700" y="766763"/>
-            <a:ext cx="6819900" cy="3836987"/>
-          </a:xfrm>
-        </p:spPr>
-      </p:sp>
-      <p:sp>
-        <p:nvSpPr>
-          <p:cNvPr id="3" name="備忘稿版面配置區 2"/>
-          <p:cNvSpPr>
-            <a:spLocks noGrp="1"/>
-          </p:cNvSpPr>
-          <p:nvPr>
-            <p:ph type="body" idx="1"/>
-          </p:nvPr>
-        </p:nvSpPr>
-        <p:spPr/>
-        <p:txBody>
-          <a:bodyPr>
-            <a:normAutofit/>
-          </a:bodyPr>
-          <a:lstStyle/>
-          <a:p>
-            <a:endParaRPr lang="zh-TW" altLang="en-US" dirty="0"/>
-          </a:p>
-        </p:txBody>
-      </p:sp>
-      <p:sp>
-        <p:nvSpPr>
-          <p:cNvPr id="4" name="投影片編號版面配置區 3"/>
-          <p:cNvSpPr>
-            <a:spLocks noGrp="1"/>
-          </p:cNvSpPr>
-          <p:nvPr>
-            <p:ph type="sldNum" sz="quarter" idx="10"/>
-          </p:nvPr>
-        </p:nvSpPr>
-        <p:spPr/>
-        <p:txBody>
-          <a:bodyPr/>
-          <a:lstStyle/>
-          <a:p>
-            <a:pPr>
-              <a:defRPr/>
-            </a:pPr>
-            <a:fld id="{BB8BD76A-2F67-42F1-9619-1A8D2E5EAE40}" type="slidenum">
-              <a:rPr lang="zh-TW" altLang="en-US" smtClean="0"/>
-              <a:pPr>
-                <a:defRPr/>
-              </a:pPr>
-              <a:t>13</a:t>
-            </a:fld>
-            <a:endParaRPr lang="zh-TW" altLang="en-US"/>
-          </a:p>
-        </p:txBody>
-      </p:sp>
-    </p:spTree>
-    <p:extLst>
-      <p:ext uri="{BB962C8B-B14F-4D97-AF65-F5344CB8AC3E}">
-        <p14:creationId xmlns:p14="http://schemas.microsoft.com/office/powerpoint/2010/main" val="1301914167"/>
-      </p:ext>
-    </p:extLst>
-  </p:cSld>
-  <p:clrMapOvr>
-    <a:masterClrMapping/>
-  </p:clrMapOvr>
-</p:notes>
-</file>
-
-<file path=ppt/notesSlides/notesSlide2.xml><?xml version="1.0" encoding="utf-8"?>
-<p:notes xmlns:a="http://schemas.openxmlformats.org/drawingml/2006/main" xmlns:r="http://schemas.openxmlformats.org/officeDocument/2006/relationships" xmlns:p="http://schemas.openxmlformats.org/presentationml/2006/main">
-  <p:cSld>
-    <p:spTree>
-      <p:nvGrpSpPr>
-        <p:cNvPr id="1" name=""/>
-        <p:cNvGrpSpPr/>
-        <p:nvPr/>
-      </p:nvGrpSpPr>
-      <p:grpSpPr>
-        <a:xfrm>
-          <a:off x="0" y="0"/>
-          <a:ext cx="0" cy="0"/>
-          <a:chOff x="0" y="0"/>
-          <a:chExt cx="0" cy="0"/>
-        </a:xfrm>
-      </p:grpSpPr>
-      <p:sp>
-        <p:nvSpPr>
-          <p:cNvPr id="2" name="投影片圖像版面配置區 1"/>
-          <p:cNvSpPr>
-            <a:spLocks noGrp="1" noRot="1" noChangeAspect="1"/>
-          </p:cNvSpPr>
-          <p:nvPr>
-            <p:ph type="sldImg"/>
-          </p:nvPr>
-        </p:nvSpPr>
-        <p:spPr/>
-      </p:sp>
-      <p:sp>
-        <p:nvSpPr>
-          <p:cNvPr id="3" name="備忘稿版面配置區 2"/>
-          <p:cNvSpPr>
-            <a:spLocks noGrp="1"/>
-          </p:cNvSpPr>
-          <p:nvPr>
-            <p:ph type="body" idx="1"/>
-          </p:nvPr>
-        </p:nvSpPr>
-        <p:spPr/>
-        <p:txBody>
-          <a:bodyPr/>
-          <a:lstStyle/>
-          <a:p>
-            <a:pPr marL="228600" indent="-228600">
-              <a:buAutoNum type="arabicPeriod"/>
-            </a:pPr>
-            <a:r>
-              <a:rPr lang="zh-TW" altLang="en-US" dirty="0" smtClean="0"/>
-              <a:t>我的專案主要是利用機器學習建模進行預測</a:t>
-            </a:r>
-            <a:r>
-              <a:rPr lang="en-US" altLang="zh-TW" dirty="0" smtClean="0"/>
-              <a:t>,</a:t>
-            </a:r>
-            <a:r>
-              <a:rPr lang="zh-TW" altLang="en-US" dirty="0" smtClean="0"/>
-              <a:t>找到符合實際生產狀況的</a:t>
-            </a:r>
-            <a:r>
-              <a:rPr lang="en-US" altLang="zh-TW" dirty="0" smtClean="0"/>
-              <a:t>AI</a:t>
-            </a:r>
-            <a:r>
-              <a:rPr lang="zh-TW" altLang="en-US" dirty="0" smtClean="0"/>
-              <a:t>模型</a:t>
-            </a:r>
-            <a:r>
-              <a:rPr lang="en-US" altLang="zh-TW" dirty="0" smtClean="0"/>
-              <a:t>,</a:t>
-            </a:r>
-            <a:r>
-              <a:rPr lang="zh-TW" altLang="en-US" dirty="0" smtClean="0"/>
-              <a:t>預測未來的生產狀況</a:t>
-            </a:r>
-            <a:r>
-              <a:rPr lang="en-US" altLang="zh-TW" dirty="0" smtClean="0"/>
-              <a:t>,</a:t>
-            </a:r>
-            <a:r>
-              <a:rPr lang="zh-TW" altLang="en-US" dirty="0" smtClean="0"/>
-              <a:t>找出影響模型的關鍵因子</a:t>
-            </a:r>
-            <a:endParaRPr lang="en-US" altLang="zh-TW" dirty="0" smtClean="0"/>
-          </a:p>
-          <a:p>
-            <a:pPr marL="228600" indent="-228600">
-              <a:buAutoNum type="arabicPeriod"/>
-            </a:pPr>
-            <a:r>
-              <a:rPr lang="zh-TW" altLang="en-US" dirty="0" smtClean="0"/>
-              <a:t>目前大多仰賴工程師經驗</a:t>
-            </a:r>
-            <a:r>
-              <a:rPr lang="en-US" altLang="zh-TW" dirty="0" smtClean="0"/>
-              <a:t>,</a:t>
-            </a:r>
-            <a:r>
-              <a:rPr lang="zh-TW" altLang="en-US" dirty="0" smtClean="0"/>
-              <a:t>無法較有效的掌握生產狀況</a:t>
-            </a:r>
-            <a:endParaRPr lang="en-US" altLang="zh-TW" dirty="0" smtClean="0"/>
-          </a:p>
-          <a:p>
-            <a:pPr marL="228600" indent="-228600">
-              <a:buAutoNum type="arabicPeriod"/>
-            </a:pPr>
-            <a:r>
-              <a:rPr lang="zh-TW" altLang="en-US" dirty="0" smtClean="0"/>
-              <a:t>如果開發一個能夠提供快速建立生產模式的</a:t>
-            </a:r>
-            <a:r>
-              <a:rPr lang="en-US" altLang="zh-TW" dirty="0" smtClean="0"/>
-              <a:t>AI</a:t>
-            </a:r>
-            <a:r>
-              <a:rPr lang="zh-TW" altLang="en-US" dirty="0" smtClean="0"/>
-              <a:t>模型</a:t>
-            </a:r>
-            <a:r>
-              <a:rPr lang="en-US" altLang="zh-TW" dirty="0" smtClean="0"/>
-              <a:t>,</a:t>
-            </a:r>
-            <a:r>
-              <a:rPr lang="zh-TW" altLang="en-US" dirty="0" smtClean="0"/>
-              <a:t>有效地找出影響生產流程的關鍵因子</a:t>
-            </a:r>
-            <a:r>
-              <a:rPr lang="en-US" altLang="zh-TW" dirty="0" smtClean="0"/>
-              <a:t>,</a:t>
-            </a:r>
-            <a:r>
-              <a:rPr lang="zh-TW" altLang="en-US" dirty="0" smtClean="0"/>
-              <a:t>就能夠預測未來的生產情形</a:t>
-            </a:r>
-            <a:r>
-              <a:rPr lang="en-US" altLang="zh-TW" dirty="0" smtClean="0"/>
-              <a:t>,</a:t>
-            </a:r>
-            <a:r>
-              <a:rPr lang="zh-TW" altLang="en-US" dirty="0" smtClean="0"/>
-              <a:t>再利用</a:t>
-            </a:r>
-            <a:r>
-              <a:rPr lang="en-US" altLang="zh-TW" dirty="0" smtClean="0"/>
-              <a:t>AI</a:t>
-            </a:r>
-            <a:r>
-              <a:rPr lang="zh-TW" altLang="en-US" dirty="0" smtClean="0"/>
-              <a:t>模型模擬出實際生產下的最佳狀況</a:t>
-            </a:r>
-            <a:endParaRPr lang="en-US" altLang="zh-TW" dirty="0" smtClean="0"/>
-          </a:p>
-          <a:p>
-            <a:pPr marL="228600" indent="-228600">
-              <a:buAutoNum type="arabicPeriod"/>
-            </a:pPr>
-            <a:r>
-              <a:rPr lang="zh-TW" altLang="en-US" dirty="0" smtClean="0"/>
-              <a:t>達到縮短開線時間</a:t>
-            </a:r>
-            <a:r>
-              <a:rPr lang="en-US" altLang="zh-TW" dirty="0" smtClean="0"/>
-              <a:t>,</a:t>
-            </a:r>
-            <a:r>
-              <a:rPr lang="zh-TW" altLang="en-US" dirty="0" smtClean="0"/>
-              <a:t>減少人員負擔</a:t>
-            </a:r>
-            <a:r>
-              <a:rPr lang="en-US" altLang="zh-TW" dirty="0" smtClean="0"/>
-              <a:t>,</a:t>
-            </a:r>
-            <a:r>
-              <a:rPr lang="zh-TW" altLang="en-US" dirty="0" smtClean="0"/>
-              <a:t>並提升產品品質的穩定度</a:t>
-            </a:r>
-            <a:endParaRPr lang="zh-TW" altLang="en-US" dirty="0"/>
-          </a:p>
-        </p:txBody>
-      </p:sp>
-      <p:sp>
-        <p:nvSpPr>
-          <p:cNvPr id="4" name="投影片編號版面配置區 3"/>
-          <p:cNvSpPr>
-            <a:spLocks noGrp="1"/>
-          </p:cNvSpPr>
-          <p:nvPr>
-            <p:ph type="sldNum" sz="quarter" idx="10"/>
-          </p:nvPr>
-        </p:nvSpPr>
-        <p:spPr/>
-        <p:txBody>
-          <a:bodyPr/>
-          <a:lstStyle/>
-          <a:p>
-            <a:pPr>
-              <a:defRPr/>
-            </a:pPr>
-            <a:fld id="{BB8BD76A-2F67-42F1-9619-1A8D2E5EAE40}" type="slidenum">
-              <a:rPr lang="zh-TW" altLang="en-US" smtClean="0"/>
-              <a:pPr>
-                <a:defRPr/>
-              </a:pPr>
-              <a:t>3</a:t>
-            </a:fld>
-            <a:endParaRPr lang="zh-TW" altLang="en-US"/>
-          </a:p>
-        </p:txBody>
-      </p:sp>
-    </p:spTree>
-    <p:extLst>
-      <p:ext uri="{BB962C8B-B14F-4D97-AF65-F5344CB8AC3E}">
-        <p14:creationId xmlns:p14="http://schemas.microsoft.com/office/powerpoint/2010/main" val="663799644"/>
-      </p:ext>
-    </p:extLst>
-  </p:cSld>
-  <p:clrMapOvr>
-    <a:masterClrMapping/>
-  </p:clrMapOvr>
-</p:notes>
-</file>
-
-<file path=ppt/notesSlides/notesSlide3.xml><?xml version="1.0" encoding="utf-8"?>
-<p:notes xmlns:a="http://schemas.openxmlformats.org/drawingml/2006/main" xmlns:r="http://schemas.openxmlformats.org/officeDocument/2006/relationships" xmlns:p="http://schemas.openxmlformats.org/presentationml/2006/main">
-  <p:cSld>
-    <p:spTree>
-      <p:nvGrpSpPr>
-        <p:cNvPr id="1" name=""/>
-        <p:cNvGrpSpPr/>
-        <p:nvPr/>
-      </p:nvGrpSpPr>
-      <p:grpSpPr>
-        <a:xfrm>
-          <a:off x="0" y="0"/>
-          <a:ext cx="0" cy="0"/>
-          <a:chOff x="0" y="0"/>
-          <a:chExt cx="0" cy="0"/>
-        </a:xfrm>
-      </p:grpSpPr>
-      <p:sp>
-        <p:nvSpPr>
-          <p:cNvPr id="2" name="投影片圖像版面配置區 1"/>
-          <p:cNvSpPr>
-            <a:spLocks noGrp="1" noRot="1" noChangeAspect="1"/>
-          </p:cNvSpPr>
-          <p:nvPr>
-            <p:ph type="sldImg"/>
-          </p:nvPr>
-        </p:nvSpPr>
-        <p:spPr/>
-      </p:sp>
-      <p:sp>
-        <p:nvSpPr>
-          <p:cNvPr id="3" name="備忘稿版面配置區 2"/>
-          <p:cNvSpPr>
-            <a:spLocks noGrp="1"/>
-          </p:cNvSpPr>
-          <p:nvPr>
-            <p:ph type="body" idx="1"/>
-          </p:nvPr>
-        </p:nvSpPr>
-        <p:spPr/>
-        <p:txBody>
-          <a:bodyPr/>
-          <a:lstStyle/>
-          <a:p>
-            <a:r>
-              <a:rPr lang="zh-TW" altLang="en-US" dirty="0" smtClean="0"/>
-              <a:t>之後會用</a:t>
-            </a:r>
-            <a:r>
-              <a:rPr lang="en-US" altLang="zh-TW" dirty="0" smtClean="0"/>
-              <a:t>EXCEL</a:t>
-            </a:r>
-            <a:r>
-              <a:rPr lang="zh-TW" altLang="en-US" dirty="0" smtClean="0"/>
-              <a:t>當作介面</a:t>
-            </a:r>
-            <a:endParaRPr lang="zh-TW" altLang="en-US" dirty="0"/>
-          </a:p>
-        </p:txBody>
-      </p:sp>
-      <p:sp>
-        <p:nvSpPr>
-          <p:cNvPr id="4" name="投影片編號版面配置區 3"/>
-          <p:cNvSpPr>
-            <a:spLocks noGrp="1"/>
-          </p:cNvSpPr>
-          <p:nvPr>
-            <p:ph type="sldNum" sz="quarter" idx="10"/>
-          </p:nvPr>
-        </p:nvSpPr>
-        <p:spPr/>
-        <p:txBody>
-          <a:bodyPr/>
-          <a:lstStyle/>
-          <a:p>
-            <a:pPr>
-              <a:defRPr/>
-            </a:pPr>
-            <a:fld id="{BB8BD76A-2F67-42F1-9619-1A8D2E5EAE40}" type="slidenum">
-              <a:rPr lang="zh-TW" altLang="en-US" smtClean="0"/>
-              <a:pPr>
-                <a:defRPr/>
-              </a:pPr>
-              <a:t>4</a:t>
-            </a:fld>
-            <a:endParaRPr lang="zh-TW" altLang="en-US"/>
-          </a:p>
-        </p:txBody>
-      </p:sp>
-    </p:spTree>
-    <p:extLst>
-      <p:ext uri="{BB962C8B-B14F-4D97-AF65-F5344CB8AC3E}">
-        <p14:creationId xmlns:p14="http://schemas.microsoft.com/office/powerpoint/2010/main" val="3452896032"/>
-      </p:ext>
-    </p:extLst>
-  </p:cSld>
-  <p:clrMapOvr>
-    <a:masterClrMapping/>
-  </p:clrMapOvr>
-</p:notes>
-</file>
-
-<file path=ppt/notesSlides/notesSlide4.xml><?xml version="1.0" encoding="utf-8"?>
-<p:notes xmlns:a="http://schemas.openxmlformats.org/drawingml/2006/main" xmlns:r="http://schemas.openxmlformats.org/officeDocument/2006/relationships" xmlns:p="http://schemas.openxmlformats.org/presentationml/2006/main">
-  <p:cSld>
-    <p:spTree>
-      <p:nvGrpSpPr>
-        <p:cNvPr id="1" name=""/>
-        <p:cNvGrpSpPr/>
-        <p:nvPr/>
-      </p:nvGrpSpPr>
-      <p:grpSpPr>
-        <a:xfrm>
-          <a:off x="0" y="0"/>
-          <a:ext cx="0" cy="0"/>
-          <a:chOff x="0" y="0"/>
-          <a:chExt cx="0" cy="0"/>
-        </a:xfrm>
-      </p:grpSpPr>
-      <p:sp>
-        <p:nvSpPr>
-          <p:cNvPr id="2" name="投影片圖像版面配置區 1"/>
-          <p:cNvSpPr>
-            <a:spLocks noGrp="1" noRot="1" noChangeAspect="1"/>
-          </p:cNvSpPr>
-          <p:nvPr>
-            <p:ph type="sldImg"/>
-          </p:nvPr>
-        </p:nvSpPr>
-        <p:spPr/>
-      </p:sp>
-      <p:sp>
-        <p:nvSpPr>
-          <p:cNvPr id="3" name="備忘稿版面配置區 2"/>
-          <p:cNvSpPr>
-            <a:spLocks noGrp="1"/>
-          </p:cNvSpPr>
-          <p:nvPr>
-            <p:ph type="body" idx="1"/>
-          </p:nvPr>
-        </p:nvSpPr>
-        <p:spPr/>
-        <p:txBody>
-          <a:bodyPr/>
-          <a:lstStyle/>
-          <a:p>
-            <a:endParaRPr lang="zh-TW" altLang="en-US" dirty="0"/>
-          </a:p>
-        </p:txBody>
-      </p:sp>
-      <p:sp>
-        <p:nvSpPr>
-          <p:cNvPr id="4" name="投影片編號版面配置區 3"/>
-          <p:cNvSpPr>
-            <a:spLocks noGrp="1"/>
-          </p:cNvSpPr>
-          <p:nvPr>
-            <p:ph type="sldNum" sz="quarter" idx="10"/>
-          </p:nvPr>
-        </p:nvSpPr>
-        <p:spPr/>
-        <p:txBody>
-          <a:bodyPr/>
-          <a:lstStyle/>
-          <a:p>
-            <a:pPr>
-              <a:defRPr/>
-            </a:pPr>
-            <a:fld id="{BB8BD76A-2F67-42F1-9619-1A8D2E5EAE40}" type="slidenum">
-              <a:rPr lang="zh-TW" altLang="en-US" smtClean="0"/>
-              <a:pPr>
-                <a:defRPr/>
-              </a:pPr>
-              <a:t>5</a:t>
-            </a:fld>
-            <a:endParaRPr lang="zh-TW" altLang="en-US"/>
-          </a:p>
-        </p:txBody>
-      </p:sp>
-    </p:spTree>
-    <p:extLst>
-      <p:ext uri="{BB962C8B-B14F-4D97-AF65-F5344CB8AC3E}">
-        <p14:creationId xmlns:p14="http://schemas.microsoft.com/office/powerpoint/2010/main" val="2028824577"/>
-      </p:ext>
-    </p:extLst>
-  </p:cSld>
-  <p:clrMapOvr>
-    <a:masterClrMapping/>
-  </p:clrMapOvr>
-</p:notes>
-</file>
-
-<file path=ppt/notesSlides/notesSlide5.xml><?xml version="1.0" encoding="utf-8"?>
-<p:notes xmlns:a="http://schemas.openxmlformats.org/drawingml/2006/main" xmlns:r="http://schemas.openxmlformats.org/officeDocument/2006/relationships" xmlns:p="http://schemas.openxmlformats.org/presentationml/2006/main">
-  <p:cSld>
-    <p:spTree>
-      <p:nvGrpSpPr>
-        <p:cNvPr id="1" name=""/>
-        <p:cNvGrpSpPr/>
-        <p:nvPr/>
-      </p:nvGrpSpPr>
-      <p:grpSpPr>
-        <a:xfrm>
-          <a:off x="0" y="0"/>
-          <a:ext cx="0" cy="0"/>
-          <a:chOff x="0" y="0"/>
-          <a:chExt cx="0" cy="0"/>
-        </a:xfrm>
-      </p:grpSpPr>
-      <p:sp>
-        <p:nvSpPr>
-          <p:cNvPr id="2" name="投影片圖像版面配置區 1"/>
-          <p:cNvSpPr>
-            <a:spLocks noGrp="1" noRot="1" noChangeAspect="1"/>
-          </p:cNvSpPr>
-          <p:nvPr>
-            <p:ph type="sldImg"/>
-          </p:nvPr>
-        </p:nvSpPr>
-        <p:spPr/>
-      </p:sp>
-      <p:sp>
-        <p:nvSpPr>
-          <p:cNvPr id="3" name="備忘稿版面配置區 2"/>
-          <p:cNvSpPr>
-            <a:spLocks noGrp="1"/>
-          </p:cNvSpPr>
-          <p:nvPr>
-            <p:ph type="body" idx="1"/>
-          </p:nvPr>
-        </p:nvSpPr>
-        <p:spPr/>
-        <p:txBody>
-          <a:bodyPr/>
-          <a:lstStyle/>
-          <a:p>
-            <a:endParaRPr lang="zh-TW" altLang="en-US" dirty="0"/>
-          </a:p>
-        </p:txBody>
-      </p:sp>
-      <p:sp>
-        <p:nvSpPr>
-          <p:cNvPr id="4" name="投影片編號版面配置區 3"/>
-          <p:cNvSpPr>
-            <a:spLocks noGrp="1"/>
-          </p:cNvSpPr>
-          <p:nvPr>
-            <p:ph type="sldNum" sz="quarter" idx="10"/>
-          </p:nvPr>
-        </p:nvSpPr>
-        <p:spPr/>
-        <p:txBody>
-          <a:bodyPr/>
-          <a:lstStyle/>
-          <a:p>
-            <a:pPr>
-              <a:defRPr/>
-            </a:pPr>
-            <a:fld id="{BB8BD76A-2F67-42F1-9619-1A8D2E5EAE40}" type="slidenum">
-              <a:rPr lang="zh-TW" altLang="en-US" smtClean="0"/>
-              <a:pPr>
-                <a:defRPr/>
-              </a:pPr>
-              <a:t>6</a:t>
-            </a:fld>
-            <a:endParaRPr lang="zh-TW" altLang="en-US"/>
-          </a:p>
-        </p:txBody>
-      </p:sp>
-    </p:spTree>
-    <p:extLst>
-      <p:ext uri="{BB962C8B-B14F-4D97-AF65-F5344CB8AC3E}">
-        <p14:creationId xmlns:p14="http://schemas.microsoft.com/office/powerpoint/2010/main" val="62528058"/>
-      </p:ext>
-    </p:extLst>
-  </p:cSld>
-  <p:clrMapOvr>
-    <a:masterClrMapping/>
-  </p:clrMapOvr>
-</p:notes>
-</file>
-
-<file path=ppt/notesSlides/notesSlide6.xml><?xml version="1.0" encoding="utf-8"?>
-<p:notes xmlns:a="http://schemas.openxmlformats.org/drawingml/2006/main" xmlns:r="http://schemas.openxmlformats.org/officeDocument/2006/relationships" xmlns:p="http://schemas.openxmlformats.org/presentationml/2006/main">
-  <p:cSld>
-    <p:spTree>
-      <p:nvGrpSpPr>
-        <p:cNvPr id="1" name=""/>
-        <p:cNvGrpSpPr/>
-        <p:nvPr/>
-      </p:nvGrpSpPr>
-      <p:grpSpPr>
-        <a:xfrm>
-          <a:off x="0" y="0"/>
-          <a:ext cx="0" cy="0"/>
-          <a:chOff x="0" y="0"/>
-          <a:chExt cx="0" cy="0"/>
-        </a:xfrm>
-      </p:grpSpPr>
-      <p:sp>
-        <p:nvSpPr>
-          <p:cNvPr id="2" name="投影片圖像版面配置區 1"/>
-          <p:cNvSpPr>
-            <a:spLocks noGrp="1" noRot="1" noChangeAspect="1"/>
-          </p:cNvSpPr>
-          <p:nvPr>
-            <p:ph type="sldImg"/>
-          </p:nvPr>
-        </p:nvSpPr>
-        <p:spPr/>
-      </p:sp>
-      <p:sp>
-        <p:nvSpPr>
-          <p:cNvPr id="3" name="備忘稿版面配置區 2"/>
-          <p:cNvSpPr>
-            <a:spLocks noGrp="1"/>
-          </p:cNvSpPr>
-          <p:nvPr>
-            <p:ph type="body" idx="1"/>
-          </p:nvPr>
-        </p:nvSpPr>
-        <p:spPr/>
-        <p:txBody>
-          <a:bodyPr/>
-          <a:lstStyle/>
-          <a:p>
-            <a:endParaRPr lang="zh-TW" altLang="en-US" dirty="0"/>
-          </a:p>
-        </p:txBody>
-      </p:sp>
-      <p:sp>
-        <p:nvSpPr>
-          <p:cNvPr id="4" name="投影片編號版面配置區 3"/>
-          <p:cNvSpPr>
-            <a:spLocks noGrp="1"/>
-          </p:cNvSpPr>
-          <p:nvPr>
-            <p:ph type="sldNum" sz="quarter" idx="10"/>
-          </p:nvPr>
-        </p:nvSpPr>
-        <p:spPr/>
-        <p:txBody>
-          <a:bodyPr/>
-          <a:lstStyle/>
-          <a:p>
-            <a:pPr>
-              <a:defRPr/>
-            </a:pPr>
-            <a:fld id="{BB8BD76A-2F67-42F1-9619-1A8D2E5EAE40}" type="slidenum">
-              <a:rPr lang="zh-TW" altLang="en-US" smtClean="0"/>
-              <a:pPr>
-                <a:defRPr/>
-              </a:pPr>
-              <a:t>7</a:t>
-            </a:fld>
-            <a:endParaRPr lang="zh-TW" altLang="en-US"/>
-          </a:p>
-        </p:txBody>
-      </p:sp>
-    </p:spTree>
-    <p:extLst>
-      <p:ext uri="{BB962C8B-B14F-4D97-AF65-F5344CB8AC3E}">
-        <p14:creationId xmlns:p14="http://schemas.microsoft.com/office/powerpoint/2010/main" val="3192295545"/>
-      </p:ext>
-    </p:extLst>
-  </p:cSld>
-  <p:clrMapOvr>
-    <a:masterClrMapping/>
-  </p:clrMapOvr>
-</p:notes>
-</file>
-
-<file path=ppt/notesSlides/notesSlide7.xml><?xml version="1.0" encoding="utf-8"?>
-<p:notes xmlns:a="http://schemas.openxmlformats.org/drawingml/2006/main" xmlns:r="http://schemas.openxmlformats.org/officeDocument/2006/relationships" xmlns:p="http://schemas.openxmlformats.org/presentationml/2006/main">
-  <p:cSld>
-    <p:spTree>
-      <p:nvGrpSpPr>
-        <p:cNvPr id="1" name=""/>
-        <p:cNvGrpSpPr/>
-        <p:nvPr/>
-      </p:nvGrpSpPr>
-      <p:grpSpPr>
-        <a:xfrm>
-          <a:off x="0" y="0"/>
-          <a:ext cx="0" cy="0"/>
-          <a:chOff x="0" y="0"/>
-          <a:chExt cx="0" cy="0"/>
-        </a:xfrm>
-      </p:grpSpPr>
-      <p:sp>
-        <p:nvSpPr>
-          <p:cNvPr id="2" name="投影片圖像版面配置區 1"/>
-          <p:cNvSpPr>
-            <a:spLocks noGrp="1" noRot="1" noChangeAspect="1"/>
-          </p:cNvSpPr>
-          <p:nvPr>
-            <p:ph type="sldImg"/>
-          </p:nvPr>
-        </p:nvSpPr>
-        <p:spPr/>
-      </p:sp>
-      <p:sp>
-        <p:nvSpPr>
-          <p:cNvPr id="3" name="備忘稿版面配置區 2"/>
-          <p:cNvSpPr>
-            <a:spLocks noGrp="1"/>
-          </p:cNvSpPr>
-          <p:nvPr>
-            <p:ph type="body" idx="1"/>
-          </p:nvPr>
-        </p:nvSpPr>
-        <p:spPr/>
-        <p:txBody>
-          <a:bodyPr/>
-          <a:lstStyle/>
-          <a:p>
-            <a:r>
-              <a:rPr lang="zh-TW" altLang="en-US" dirty="0" smtClean="0"/>
-              <a:t>因為這份測試資料是沒有完整答案的</a:t>
-            </a:r>
-            <a:r>
-              <a:rPr lang="en-US" altLang="zh-TW" dirty="0" smtClean="0"/>
-              <a:t>,</a:t>
-            </a:r>
-            <a:r>
-              <a:rPr lang="zh-TW" altLang="en-US" dirty="0" smtClean="0"/>
-              <a:t>所以我將有答案的訓練資料切割</a:t>
-            </a:r>
-            <a:r>
-              <a:rPr lang="en-US" altLang="zh-TW" dirty="0" smtClean="0"/>
-              <a:t>,70%</a:t>
-            </a:r>
-            <a:r>
-              <a:rPr lang="zh-TW" altLang="en-US" dirty="0" smtClean="0"/>
-              <a:t>拿來</a:t>
-            </a:r>
-            <a:r>
-              <a:rPr lang="en-US" altLang="zh-TW" dirty="0" smtClean="0"/>
-              <a:t>train</a:t>
-            </a:r>
-            <a:r>
-              <a:rPr lang="zh-TW" altLang="en-US" dirty="0" smtClean="0"/>
-              <a:t> </a:t>
-            </a:r>
-            <a:r>
-              <a:rPr lang="en-US" altLang="zh-TW" dirty="0" smtClean="0"/>
-              <a:t>model,30%</a:t>
-            </a:r>
-            <a:r>
-              <a:rPr lang="zh-TW" altLang="en-US" dirty="0" smtClean="0"/>
-              <a:t>作為</a:t>
-            </a:r>
-            <a:r>
-              <a:rPr lang="en-US" altLang="zh-TW" dirty="0" err="1" smtClean="0"/>
-              <a:t>validation,validation</a:t>
-            </a:r>
-            <a:r>
-              <a:rPr lang="zh-TW" altLang="en-US" dirty="0" smtClean="0"/>
-              <a:t>拿來驗證預測效果</a:t>
-            </a:r>
-            <a:endParaRPr lang="en-US" altLang="zh-TW" dirty="0" smtClean="0"/>
-          </a:p>
-          <a:p>
-            <a:endParaRPr lang="zh-TW" altLang="en-US" dirty="0"/>
-          </a:p>
-        </p:txBody>
-      </p:sp>
-      <p:sp>
-        <p:nvSpPr>
-          <p:cNvPr id="4" name="投影片編號版面配置區 3"/>
-          <p:cNvSpPr>
-            <a:spLocks noGrp="1"/>
-          </p:cNvSpPr>
-          <p:nvPr>
-            <p:ph type="sldNum" sz="quarter" idx="10"/>
-          </p:nvPr>
-        </p:nvSpPr>
-        <p:spPr/>
-        <p:txBody>
-          <a:bodyPr/>
-          <a:lstStyle/>
-          <a:p>
-            <a:pPr>
-              <a:defRPr/>
-            </a:pPr>
-            <a:fld id="{BB8BD76A-2F67-42F1-9619-1A8D2E5EAE40}" type="slidenum">
-              <a:rPr lang="zh-TW" altLang="en-US" smtClean="0"/>
-              <a:pPr>
-                <a:defRPr/>
-              </a:pPr>
-              <a:t>8</a:t>
-            </a:fld>
-            <a:endParaRPr lang="zh-TW" altLang="en-US"/>
-          </a:p>
-        </p:txBody>
-      </p:sp>
-    </p:spTree>
-    <p:extLst>
-      <p:ext uri="{BB962C8B-B14F-4D97-AF65-F5344CB8AC3E}">
-        <p14:creationId xmlns:p14="http://schemas.microsoft.com/office/powerpoint/2010/main" val="466074538"/>
-      </p:ext>
-    </p:extLst>
-  </p:cSld>
-  <p:clrMapOvr>
-    <a:masterClrMapping/>
-  </p:clrMapOvr>
-</p:notes>
-</file>
-
-<file path=ppt/notesSlides/notesSlide8.xml><?xml version="1.0" encoding="utf-8"?>
-<p:notes xmlns:a="http://schemas.openxmlformats.org/drawingml/2006/main" xmlns:r="http://schemas.openxmlformats.org/officeDocument/2006/relationships" xmlns:p="http://schemas.openxmlformats.org/presentationml/2006/main">
-  <p:cSld>
-    <p:spTree>
-      <p:nvGrpSpPr>
-        <p:cNvPr id="1" name=""/>
-        <p:cNvGrpSpPr/>
-        <p:nvPr/>
-      </p:nvGrpSpPr>
-      <p:grpSpPr>
-        <a:xfrm>
-          <a:off x="0" y="0"/>
-          <a:ext cx="0" cy="0"/>
-          <a:chOff x="0" y="0"/>
-          <a:chExt cx="0" cy="0"/>
-        </a:xfrm>
-      </p:grpSpPr>
-      <p:sp>
-        <p:nvSpPr>
-          <p:cNvPr id="2" name="投影片圖像版面配置區 1"/>
-          <p:cNvSpPr>
-            <a:spLocks noGrp="1" noRot="1" noChangeAspect="1"/>
-          </p:cNvSpPr>
-          <p:nvPr>
-            <p:ph type="sldImg"/>
-          </p:nvPr>
-        </p:nvSpPr>
-        <p:spPr/>
-      </p:sp>
-      <p:sp>
-        <p:nvSpPr>
-          <p:cNvPr id="3" name="備忘稿版面配置區 2"/>
-          <p:cNvSpPr>
-            <a:spLocks noGrp="1"/>
-          </p:cNvSpPr>
-          <p:nvPr>
-            <p:ph type="body" idx="1"/>
-          </p:nvPr>
-        </p:nvSpPr>
-        <p:spPr/>
-        <p:txBody>
-          <a:bodyPr/>
-          <a:lstStyle/>
-          <a:p>
-            <a:pPr marL="171450" indent="-171450">
-              <a:buClr>
-                <a:srgbClr val="333333"/>
-              </a:buClr>
-              <a:buSzPct val="50000"/>
-              <a:buFont typeface="Wingdings" panose="05000000000000000000" pitchFamily="2" charset="2"/>
-              <a:buChar char="n"/>
-            </a:pPr>
-            <a:r>
-              <a:rPr lang="en-US" altLang="zh-TW" sz="1200" dirty="0" smtClean="0">
-                <a:solidFill>
-                  <a:srgbClr val="333333"/>
-                </a:solidFill>
-                <a:latin typeface="微軟正黑體" panose="020B0604030504040204" pitchFamily="34" charset="-120"/>
-              </a:rPr>
-              <a:t>In sample error</a:t>
-            </a:r>
-            <a:r>
-              <a:rPr lang="zh-TW" altLang="en-US" sz="1200" dirty="0" smtClean="0">
-                <a:solidFill>
-                  <a:srgbClr val="333333"/>
-                </a:solidFill>
-                <a:latin typeface="微軟正黑體" panose="020B0604030504040204" pitchFamily="34" charset="-120"/>
-              </a:rPr>
-              <a:t>：將</a:t>
-            </a:r>
-            <a:r>
-              <a:rPr lang="en-US" altLang="zh-TW" sz="1200" dirty="0" smtClean="0">
-                <a:solidFill>
-                  <a:srgbClr val="333333"/>
-                </a:solidFill>
-                <a:latin typeface="微軟正黑體" panose="020B0604030504040204" pitchFamily="34" charset="-120"/>
-              </a:rPr>
-              <a:t>train</a:t>
-            </a:r>
-            <a:r>
-              <a:rPr lang="zh-TW" altLang="en-US" sz="1200" dirty="0" smtClean="0">
-                <a:solidFill>
-                  <a:srgbClr val="333333"/>
-                </a:solidFill>
-                <a:latin typeface="微軟正黑體" panose="020B0604030504040204" pitchFamily="34" charset="-120"/>
-              </a:rPr>
-              <a:t>好的模型拿來預測</a:t>
-            </a:r>
-            <a:r>
-              <a:rPr lang="en-US" altLang="zh-TW" sz="1200" dirty="0" smtClean="0">
-                <a:solidFill>
-                  <a:srgbClr val="333333"/>
-                </a:solidFill>
-                <a:latin typeface="微軟正黑體" panose="020B0604030504040204" pitchFamily="34" charset="-120"/>
-              </a:rPr>
-              <a:t>training set</a:t>
-            </a:r>
-            <a:r>
-              <a:rPr lang="zh-TW" altLang="en-US" sz="1200" dirty="0" smtClean="0">
-                <a:solidFill>
-                  <a:srgbClr val="333333"/>
-                </a:solidFill>
-                <a:latin typeface="微軟正黑體" panose="020B0604030504040204" pitchFamily="34" charset="-120"/>
-              </a:rPr>
-              <a:t>，正常來說誤差會比較小。</a:t>
-            </a:r>
-            <a:r>
-              <a:rPr lang="en-US" altLang="zh-TW" sz="1200" dirty="0" smtClean="0">
-                <a:solidFill>
-                  <a:srgbClr val="333333"/>
-                </a:solidFill>
-                <a:latin typeface="微軟正黑體" panose="020B0604030504040204" pitchFamily="34" charset="-120"/>
-              </a:rPr>
-              <a:t/>
-            </a:r>
-            <a:br>
-              <a:rPr lang="en-US" altLang="zh-TW" sz="1200" dirty="0" smtClean="0">
-                <a:solidFill>
-                  <a:srgbClr val="333333"/>
-                </a:solidFill>
-                <a:latin typeface="微軟正黑體" panose="020B0604030504040204" pitchFamily="34" charset="-120"/>
-              </a:rPr>
-            </a:br>
-            <a:endParaRPr lang="en-US" altLang="zh-TW" sz="1200" dirty="0" smtClean="0">
-              <a:solidFill>
-                <a:srgbClr val="333333"/>
-              </a:solidFill>
-              <a:latin typeface="微軟正黑體" panose="020B0604030504040204" pitchFamily="34" charset="-120"/>
-            </a:endParaRPr>
-          </a:p>
-          <a:p>
-            <a:pPr marL="171450" indent="-171450">
-              <a:buClr>
-                <a:srgbClr val="333333"/>
-              </a:buClr>
-              <a:buSzPct val="50000"/>
-              <a:buFont typeface="Wingdings" panose="05000000000000000000" pitchFamily="2" charset="2"/>
-              <a:buChar char="n"/>
-            </a:pPr>
-            <a:r>
-              <a:rPr lang="en-US" altLang="zh-TW" sz="1200" dirty="0" smtClean="0">
-                <a:solidFill>
-                  <a:srgbClr val="333333"/>
-                </a:solidFill>
-                <a:latin typeface="微軟正黑體" panose="020B0604030504040204" pitchFamily="34" charset="-120"/>
-              </a:rPr>
-              <a:t>Out of sample error</a:t>
-            </a:r>
-            <a:r>
-              <a:rPr lang="zh-TW" altLang="en-US" sz="1200" dirty="0" smtClean="0">
-                <a:solidFill>
-                  <a:srgbClr val="333333"/>
-                </a:solidFill>
-                <a:latin typeface="微軟正黑體" panose="020B0604030504040204" pitchFamily="34" charset="-120"/>
-              </a:rPr>
-              <a:t>：將</a:t>
-            </a:r>
-            <a:r>
-              <a:rPr lang="en-US" altLang="zh-TW" sz="1200" dirty="0" smtClean="0">
-                <a:solidFill>
-                  <a:srgbClr val="333333"/>
-                </a:solidFill>
-                <a:latin typeface="微軟正黑體" panose="020B0604030504040204" pitchFamily="34" charset="-120"/>
-              </a:rPr>
-              <a:t>train</a:t>
-            </a:r>
-            <a:r>
-              <a:rPr lang="zh-TW" altLang="en-US" sz="1200" dirty="0" smtClean="0">
-                <a:solidFill>
-                  <a:srgbClr val="333333"/>
-                </a:solidFill>
-                <a:latin typeface="微軟正黑體" panose="020B0604030504040204" pitchFamily="34" charset="-120"/>
-              </a:rPr>
-              <a:t>好的模型拿來預測</a:t>
-            </a:r>
-            <a:r>
-              <a:rPr lang="en-US" altLang="zh-TW" sz="1200" dirty="0" smtClean="0">
-                <a:solidFill>
-                  <a:srgbClr val="333333"/>
-                </a:solidFill>
-                <a:latin typeface="微軟正黑體" panose="020B0604030504040204" pitchFamily="34" charset="-120"/>
-              </a:rPr>
-              <a:t>validation set</a:t>
-            </a:r>
-            <a:r>
-              <a:rPr lang="zh-TW" altLang="en-US" sz="1200" dirty="0" smtClean="0">
-                <a:solidFill>
-                  <a:srgbClr val="333333"/>
-                </a:solidFill>
-                <a:latin typeface="微軟正黑體" panose="020B0604030504040204" pitchFamily="34" charset="-120"/>
-              </a:rPr>
-              <a:t>，由於這些資料是沒有丟進模型</a:t>
-            </a:r>
-            <a:r>
-              <a:rPr lang="en-US" altLang="zh-TW" sz="1200" dirty="0" smtClean="0">
-                <a:solidFill>
-                  <a:srgbClr val="333333"/>
-                </a:solidFill>
-                <a:latin typeface="微軟正黑體" panose="020B0604030504040204" pitchFamily="34" charset="-120"/>
-              </a:rPr>
-              <a:t>train</a:t>
-            </a:r>
-            <a:r>
-              <a:rPr lang="zh-TW" altLang="en-US" sz="1200" dirty="0" smtClean="0">
-                <a:solidFill>
-                  <a:srgbClr val="333333"/>
-                </a:solidFill>
-                <a:latin typeface="微軟正黑體" panose="020B0604030504040204" pitchFamily="34" charset="-120"/>
-              </a:rPr>
-              <a:t>過的，所以</a:t>
-            </a:r>
-            <a:r>
-              <a:rPr lang="en-US" altLang="zh-TW" sz="1200" dirty="0" smtClean="0">
-                <a:solidFill>
-                  <a:srgbClr val="333333"/>
-                </a:solidFill>
-                <a:latin typeface="微軟正黑體" panose="020B0604030504040204" pitchFamily="34" charset="-120"/>
-              </a:rPr>
-              <a:t>Out of sample error</a:t>
-            </a:r>
-            <a:r>
-              <a:rPr lang="zh-TW" altLang="en-US" sz="1200" dirty="0" smtClean="0">
-                <a:solidFill>
-                  <a:srgbClr val="333333"/>
-                </a:solidFill>
-                <a:latin typeface="微軟正黑體" panose="020B0604030504040204" pitchFamily="34" charset="-120"/>
-              </a:rPr>
-              <a:t>會比較符合模型的實際狀況。</a:t>
-            </a:r>
-          </a:p>
-          <a:p>
-            <a:endParaRPr lang="zh-TW" altLang="en-US" dirty="0"/>
-          </a:p>
-        </p:txBody>
-      </p:sp>
-      <p:sp>
-        <p:nvSpPr>
-          <p:cNvPr id="4" name="投影片編號版面配置區 3"/>
-          <p:cNvSpPr>
-            <a:spLocks noGrp="1"/>
-          </p:cNvSpPr>
-          <p:nvPr>
-            <p:ph type="sldNum" sz="quarter" idx="10"/>
-          </p:nvPr>
-        </p:nvSpPr>
-        <p:spPr/>
-        <p:txBody>
-          <a:bodyPr/>
-          <a:lstStyle/>
-          <a:p>
-            <a:pPr>
-              <a:defRPr/>
-            </a:pPr>
-            <a:fld id="{BB8BD76A-2F67-42F1-9619-1A8D2E5EAE40}" type="slidenum">
-              <a:rPr lang="zh-TW" altLang="en-US" smtClean="0"/>
-              <a:pPr>
-                <a:defRPr/>
-              </a:pPr>
-              <a:t>9</a:t>
-            </a:fld>
-            <a:endParaRPr lang="zh-TW" altLang="en-US"/>
-          </a:p>
-        </p:txBody>
-      </p:sp>
-    </p:spTree>
-    <p:extLst>
-      <p:ext uri="{BB962C8B-B14F-4D97-AF65-F5344CB8AC3E}">
-        <p14:creationId xmlns:p14="http://schemas.microsoft.com/office/powerpoint/2010/main" val="1020357255"/>
-      </p:ext>
-    </p:extLst>
-  </p:cSld>
-  <p:clrMapOvr>
-    <a:masterClrMapping/>
-  </p:clrMapOvr>
-</p:notes>
-</file>
-
-<file path=ppt/notesSlides/notesSlide9.xml><?xml version="1.0" encoding="utf-8"?>
-<p:notes xmlns:a="http://schemas.openxmlformats.org/drawingml/2006/main" xmlns:r="http://schemas.openxmlformats.org/officeDocument/2006/relationships" xmlns:p="http://schemas.openxmlformats.org/presentationml/2006/main">
-  <p:cSld>
-    <p:spTree>
-      <p:nvGrpSpPr>
-        <p:cNvPr id="1" name=""/>
-        <p:cNvGrpSpPr/>
-        <p:nvPr/>
-      </p:nvGrpSpPr>
-      <p:grpSpPr>
-        <a:xfrm>
-          <a:off x="0" y="0"/>
-          <a:ext cx="0" cy="0"/>
-          <a:chOff x="0" y="0"/>
-          <a:chExt cx="0" cy="0"/>
-        </a:xfrm>
-      </p:grpSpPr>
-      <p:sp>
-        <p:nvSpPr>
-          <p:cNvPr id="2" name="投影片圖像版面配置區 1"/>
-          <p:cNvSpPr>
-            <a:spLocks noGrp="1" noRot="1" noChangeAspect="1"/>
-          </p:cNvSpPr>
-          <p:nvPr>
-            <p:ph type="sldImg"/>
-          </p:nvPr>
-        </p:nvSpPr>
-        <p:spPr/>
-      </p:sp>
-      <p:sp>
-        <p:nvSpPr>
-          <p:cNvPr id="3" name="備忘稿版面配置區 2"/>
-          <p:cNvSpPr>
-            <a:spLocks noGrp="1"/>
-          </p:cNvSpPr>
-          <p:nvPr>
-            <p:ph type="body" idx="1"/>
-          </p:nvPr>
-        </p:nvSpPr>
-        <p:spPr/>
-        <p:txBody>
-          <a:bodyPr/>
-          <a:lstStyle/>
-          <a:p>
-            <a:r>
-              <a:rPr lang="zh-TW" altLang="en-US" dirty="0" smtClean="0"/>
-              <a:t>黃光製程</a:t>
-            </a:r>
-            <a:r>
-              <a:rPr lang="en-US" altLang="zh-TW" dirty="0" smtClean="0"/>
-              <a:t>CD</a:t>
-            </a:r>
-            <a:endParaRPr lang="zh-TW" altLang="en-US" dirty="0"/>
-          </a:p>
-        </p:txBody>
-      </p:sp>
-      <p:sp>
-        <p:nvSpPr>
-          <p:cNvPr id="4" name="投影片編號版面配置區 3"/>
-          <p:cNvSpPr>
-            <a:spLocks noGrp="1"/>
-          </p:cNvSpPr>
-          <p:nvPr>
-            <p:ph type="sldNum" sz="quarter" idx="10"/>
-          </p:nvPr>
-        </p:nvSpPr>
-        <p:spPr/>
-        <p:txBody>
-          <a:bodyPr/>
-          <a:lstStyle/>
-          <a:p>
-            <a:pPr>
-              <a:defRPr/>
-            </a:pPr>
-            <a:fld id="{BB8BD76A-2F67-42F1-9619-1A8D2E5EAE40}" type="slidenum">
-              <a:rPr lang="zh-TW" altLang="en-US" smtClean="0"/>
-              <a:pPr>
-                <a:defRPr/>
-              </a:pPr>
-              <a:t>10</a:t>
-            </a:fld>
-            <a:endParaRPr lang="zh-TW" altLang="en-US"/>
-          </a:p>
-        </p:txBody>
-      </p:sp>
-    </p:spTree>
-    <p:extLst>
-      <p:ext uri="{BB962C8B-B14F-4D97-AF65-F5344CB8AC3E}">
-        <p14:creationId xmlns:p14="http://schemas.microsoft.com/office/powerpoint/2010/main" val="2380207849"/>
       </p:ext>
     </p:extLst>
   </p:cSld>
@@ -3346,6 +3067,13 @@
   <p:clrMapOvr>
     <a:masterClrMapping/>
   </p:clrMapOvr>
+  <p:timing>
+    <p:tnLst>
+      <p:par>
+        <p:cTn id="1" dur="indefinite" restart="never" nodeType="tmRoot"/>
+      </p:par>
+    </p:tnLst>
+  </p:timing>
 </p:sldLayout>
 </file>
 
@@ -3366,32 +3094,6 @@
           <a:chExt cx="0" cy="0"/>
         </a:xfrm>
       </p:grpSpPr>
-      <p:pic>
-        <p:nvPicPr>
-          <p:cNvPr id="6" name="Picture 2" descr="\\Auhqfs01\agm006$\Corpcom\Library\CIS\AUO\Logo Combination\AUO only\企業標誌 AUO only [轉換].png"/>
-          <p:cNvPicPr>
-            <a:picLocks noChangeAspect="1" noChangeArrowheads="1"/>
-          </p:cNvPicPr>
-          <p:nvPr userDrawn="1"/>
-        </p:nvPicPr>
-        <p:blipFill>
-          <a:blip r:embed="rId2" cstate="print"/>
-          <a:srcRect/>
-          <a:stretch>
-            <a:fillRect/>
-          </a:stretch>
-        </p:blipFill>
-        <p:spPr bwMode="auto">
-          <a:xfrm>
-            <a:off x="7226298" y="321500"/>
-            <a:ext cx="1531168" cy="540060"/>
-          </a:xfrm>
-          <a:prstGeom prst="rect">
-            <a:avLst/>
-          </a:prstGeom>
-          <a:noFill/>
-        </p:spPr>
-      </p:pic>
       <p:sp>
         <p:nvSpPr>
           <p:cNvPr id="7" name="手繪多邊形 6"/>
@@ -3806,6 +3508,32 @@
           </a:p>
         </p:txBody>
       </p:sp>
+      <p:pic>
+        <p:nvPicPr>
+          <p:cNvPr id="6" name="Picture 2" descr="\\Auhqfs01\agm006$\Corpcom\Library\CIS\AUO\Logo Combination\AUO only\企業標誌 AUO only [轉換].png"/>
+          <p:cNvPicPr>
+            <a:picLocks noChangeAspect="1" noChangeArrowheads="1"/>
+          </p:cNvPicPr>
+          <p:nvPr userDrawn="1"/>
+        </p:nvPicPr>
+        <p:blipFill>
+          <a:blip r:embed="rId2" cstate="print"/>
+          <a:srcRect/>
+          <a:stretch>
+            <a:fillRect/>
+          </a:stretch>
+        </p:blipFill>
+        <p:spPr bwMode="auto">
+          <a:xfrm>
+            <a:off x="7362310" y="321499"/>
+            <a:ext cx="1395156" cy="492087"/>
+          </a:xfrm>
+          <a:prstGeom prst="rect">
+            <a:avLst/>
+          </a:prstGeom>
+          <a:noFill/>
+        </p:spPr>
+      </p:pic>
     </p:spTree>
   </p:cSld>
   <p:clrMapOvr>
@@ -4574,6 +4302,13 @@
     <a:masterClrMapping/>
   </p:clrMapOvr>
   <p:transition/>
+  <p:timing>
+    <p:tnLst>
+      <p:par>
+        <p:cTn id="1" dur="indefinite" restart="never" nodeType="tmRoot"/>
+      </p:par>
+    </p:tnLst>
+  </p:timing>
 </p:sldLayout>
 </file>
 
@@ -6295,6 +6030,38 @@
           </a:p>
         </p:txBody>
       </p:sp>
+      <p:pic>
+        <p:nvPicPr>
+          <p:cNvPr id="5" name="Picture 16" descr="C:\Documents and Settings\tomcctang\桌面\auo.png"/>
+          <p:cNvPicPr>
+            <a:picLocks noChangeAspect="1" noChangeArrowheads="1"/>
+          </p:cNvPicPr>
+          <p:nvPr userDrawn="1"/>
+        </p:nvPicPr>
+        <p:blipFill>
+          <a:blip r:embed="rId2" cstate="print"/>
+          <a:srcRect/>
+          <a:stretch>
+            <a:fillRect/>
+          </a:stretch>
+        </p:blipFill>
+        <p:spPr bwMode="auto">
+          <a:xfrm>
+            <a:off x="8082390" y="219686"/>
+            <a:ext cx="814387" cy="288925"/>
+          </a:xfrm>
+          <a:prstGeom prst="rect">
+            <a:avLst/>
+          </a:prstGeom>
+          <a:noFill/>
+          <a:ln w="9525">
+            <a:noFill/>
+            <a:miter lim="800000"/>
+            <a:headEnd/>
+            <a:tailEnd/>
+          </a:ln>
+        </p:spPr>
+      </p:pic>
     </p:spTree>
     <p:extLst>
       <p:ext uri="{BB962C8B-B14F-4D97-AF65-F5344CB8AC3E}">
@@ -6306,6 +6073,13 @@
     <a:masterClrMapping/>
   </p:clrMapOvr>
   <p:transition/>
+  <p:timing>
+    <p:tnLst>
+      <p:par>
+        <p:cTn id="1" dur="indefinite" restart="never" nodeType="tmRoot"/>
+      </p:par>
+    </p:tnLst>
+  </p:timing>
 </p:sldLayout>
 </file>
 
@@ -6336,16 +6110,21 @@
             <p:ph type="title"/>
           </p:nvPr>
         </p:nvSpPr>
-        <p:spPr/>
+        <p:spPr>
+          <a:xfrm>
+            <a:off x="71500" y="0"/>
+            <a:ext cx="7464515" cy="1170130"/>
+          </a:xfrm>
+        </p:spPr>
         <p:txBody>
           <a:bodyPr/>
           <a:lstStyle/>
           <a:p>
             <a:r>
-              <a:rPr lang="en-US" smtClean="0"/>
+              <a:rPr lang="en-US" dirty="0" smtClean="0"/>
               <a:t>Click to edit Master title style</a:t>
             </a:r>
-            <a:endParaRPr lang="en-US"/>
+            <a:endParaRPr lang="en-US" dirty="0"/>
           </a:p>
         </p:txBody>
       </p:sp>
@@ -6411,6 +6190,13 @@
   <p:clrMapOvr>
     <a:masterClrMapping/>
   </p:clrMapOvr>
+  <p:timing>
+    <p:tnLst>
+      <p:par>
+        <p:cTn id="1" dur="indefinite" restart="never" nodeType="tmRoot"/>
+      </p:par>
+    </p:tnLst>
+  </p:timing>
 </p:sldLayout>
 </file>
 
@@ -6522,163 +6308,6 @@
       </p:sp>
       <p:sp>
         <p:nvSpPr>
-          <p:cNvPr id="7" name="手繪多邊形 6"/>
-          <p:cNvSpPr/>
-          <p:nvPr/>
-        </p:nvSpPr>
-        <p:spPr>
-          <a:xfrm rot="16200000" flipV="1">
-            <a:off x="-208637" y="221384"/>
-            <a:ext cx="989070" cy="381292"/>
-          </a:xfrm>
-          <a:custGeom>
-            <a:avLst/>
-            <a:gdLst>
-              <a:gd name="connsiteX0" fmla="*/ 0 w 10000"/>
-              <a:gd name="connsiteY0" fmla="*/ 10000 h 10000"/>
-              <a:gd name="connsiteX1" fmla="*/ 2000 w 10000"/>
-              <a:gd name="connsiteY1" fmla="*/ 0 h 10000"/>
-              <a:gd name="connsiteX2" fmla="*/ 10000 w 10000"/>
-              <a:gd name="connsiteY2" fmla="*/ 0 h 10000"/>
-              <a:gd name="connsiteX3" fmla="*/ 8000 w 10000"/>
-              <a:gd name="connsiteY3" fmla="*/ 10000 h 10000"/>
-              <a:gd name="connsiteX4" fmla="*/ 0 w 10000"/>
-              <a:gd name="connsiteY4" fmla="*/ 10000 h 10000"/>
-              <a:gd name="connsiteX0" fmla="*/ 0 w 10000"/>
-              <a:gd name="connsiteY0" fmla="*/ 10000 h 10000"/>
-              <a:gd name="connsiteX1" fmla="*/ 2000 w 10000"/>
-              <a:gd name="connsiteY1" fmla="*/ 0 h 10000"/>
-              <a:gd name="connsiteX2" fmla="*/ 10000 w 10000"/>
-              <a:gd name="connsiteY2" fmla="*/ 0 h 10000"/>
-              <a:gd name="connsiteX3" fmla="*/ 10000 w 10000"/>
-              <a:gd name="connsiteY3" fmla="*/ 10000 h 10000"/>
-              <a:gd name="connsiteX4" fmla="*/ 0 w 10000"/>
-              <a:gd name="connsiteY4" fmla="*/ 10000 h 10000"/>
-            </a:gdLst>
-            <a:ahLst/>
-            <a:cxnLst>
-              <a:cxn ang="0">
-                <a:pos x="connsiteX0" y="connsiteY0"/>
-              </a:cxn>
-              <a:cxn ang="0">
-                <a:pos x="connsiteX1" y="connsiteY1"/>
-              </a:cxn>
-              <a:cxn ang="0">
-                <a:pos x="connsiteX2" y="connsiteY2"/>
-              </a:cxn>
-              <a:cxn ang="0">
-                <a:pos x="connsiteX3" y="connsiteY3"/>
-              </a:cxn>
-              <a:cxn ang="0">
-                <a:pos x="connsiteX4" y="connsiteY4"/>
-              </a:cxn>
-            </a:cxnLst>
-            <a:rect l="l" t="t" r="r" b="b"/>
-            <a:pathLst>
-              <a:path w="10000" h="10000">
-                <a:moveTo>
-                  <a:pt x="0" y="10000"/>
-                </a:moveTo>
-                <a:lnTo>
-                  <a:pt x="2000" y="0"/>
-                </a:lnTo>
-                <a:lnTo>
-                  <a:pt x="10000" y="0"/>
-                </a:lnTo>
-                <a:lnTo>
-                  <a:pt x="10000" y="10000"/>
-                </a:lnTo>
-                <a:lnTo>
-                  <a:pt x="0" y="10000"/>
-                </a:lnTo>
-                <a:close/>
-              </a:path>
-            </a:pathLst>
-          </a:custGeom>
-          <a:gradFill flip="none" rotWithShape="1">
-            <a:gsLst>
-              <a:gs pos="32000">
-                <a:srgbClr val="0F8AB1"/>
-              </a:gs>
-              <a:gs pos="70000">
-                <a:srgbClr val="1E4B70"/>
-              </a:gs>
-            </a:gsLst>
-            <a:path path="circle">
-              <a:fillToRect r="100000" b="100000"/>
-            </a:path>
-            <a:tileRect l="-100000" t="-100000"/>
-          </a:gradFill>
-          <a:ln w="9525" cap="flat" cmpd="sng" algn="ctr">
-            <a:noFill/>
-            <a:prstDash val="solid"/>
-            <a:round/>
-            <a:headEnd type="none" w="med" len="med"/>
-            <a:tailEnd type="none" w="med" len="med"/>
-          </a:ln>
-          <a:effectLst/>
-        </p:spPr>
-        <p:txBody>
-          <a:bodyPr vert="horz" wrap="square" lIns="91440" tIns="45720" rIns="91440" bIns="45720" numCol="1" rtlCol="0" anchor="t" anchorCtr="0" compatLnSpc="1">
-            <a:prstTxWarp prst="textNoShape">
-              <a:avLst/>
-            </a:prstTxWarp>
-          </a:bodyPr>
-          <a:lstStyle/>
-          <a:p>
-            <a:pPr algn="l" rtl="0" eaLnBrk="1" fontAlgn="base" hangingPunct="1">
-              <a:spcBef>
-                <a:spcPct val="0"/>
-              </a:spcBef>
-              <a:spcAft>
-                <a:spcPct val="0"/>
-              </a:spcAft>
-            </a:pPr>
-            <a:endParaRPr kumimoji="1" lang="zh-TW" altLang="en-US" sz="1800" kern="1200">
-              <a:solidFill>
-                <a:schemeClr val="tx1"/>
-              </a:solidFill>
-              <a:latin typeface="Gill Sans MT" pitchFamily="34" charset="0"/>
-              <a:ea typeface="微軟正黑體" pitchFamily="34" charset="-120"/>
-              <a:cs typeface="新細明體" pitchFamily="-65" charset="-120"/>
-            </a:endParaRPr>
-          </a:p>
-        </p:txBody>
-      </p:sp>
-      <p:pic>
-        <p:nvPicPr>
-          <p:cNvPr id="8" name="Picture 16" descr="C:\Documents and Settings\tomcctang\桌面\auo.png"/>
-          <p:cNvPicPr>
-            <a:picLocks noChangeAspect="1" noChangeArrowheads="1"/>
-          </p:cNvPicPr>
-          <p:nvPr/>
-        </p:nvPicPr>
-        <p:blipFill>
-          <a:blip r:embed="rId10" cstate="print"/>
-          <a:srcRect/>
-          <a:stretch>
-            <a:fillRect/>
-          </a:stretch>
-        </p:blipFill>
-        <p:spPr bwMode="auto">
-          <a:xfrm>
-            <a:off x="8043863" y="285750"/>
-            <a:ext cx="814387" cy="288925"/>
-          </a:xfrm>
-          <a:prstGeom prst="rect">
-            <a:avLst/>
-          </a:prstGeom>
-          <a:noFill/>
-          <a:ln w="9525">
-            <a:noFill/>
-            <a:miter lim="800000"/>
-            <a:headEnd/>
-            <a:tailEnd/>
-          </a:ln>
-        </p:spPr>
-      </p:pic>
-      <p:sp>
-        <p:nvSpPr>
           <p:cNvPr id="9" name="文字方塊 8"/>
           <p:cNvSpPr txBox="1">
             <a:spLocks noChangeArrowheads="1"/>
@@ -6764,6 +6393,36 @@
           </a:p>
         </p:txBody>
       </p:sp>
+      <p:pic>
+        <p:nvPicPr>
+          <p:cNvPr id="10" name="圖片 9"/>
+          <p:cNvPicPr>
+            <a:picLocks noChangeAspect="1"/>
+          </p:cNvPicPr>
+          <p:nvPr userDrawn="1"/>
+        </p:nvPicPr>
+        <p:blipFill>
+          <a:blip r:embed="rId10" cstate="print">
+            <a:extLst>
+              <a:ext uri="{28A0092B-C50C-407E-A947-70E740481C1C}">
+                <a14:useLocalDpi xmlns:a14="http://schemas.microsoft.com/office/drawing/2010/main" val="0"/>
+              </a:ext>
+            </a:extLst>
+          </a:blip>
+          <a:stretch>
+            <a:fillRect/>
+          </a:stretch>
+        </p:blipFill>
+        <p:spPr>
+          <a:xfrm>
+            <a:off x="-288540" y="-2018760"/>
+            <a:ext cx="9721080" cy="7554602"/>
+          </a:xfrm>
+          <a:prstGeom prst="rect">
+            <a:avLst/>
+          </a:prstGeom>
+        </p:spPr>
+      </p:pic>
     </p:spTree>
   </p:cSld>
   <p:clrMap bg1="lt1" tx1="dk1" bg2="lt2" tx2="dk2" accent1="accent1" accent2="accent2" accent3="accent3" accent4="accent4" accent5="accent5" accent6="accent6" hlink="hlink" folHlink="folHlink"/>
@@ -6777,6 +6436,13 @@
     <p:sldLayoutId id="2147483954" r:id="rId7"/>
     <p:sldLayoutId id="2147483955" r:id="rId8"/>
   </p:sldLayoutIdLst>
+  <p:timing>
+    <p:tnLst>
+      <p:par>
+        <p:cTn id="1" dur="indefinite" restart="never" nodeType="tmRoot"/>
+      </p:par>
+    </p:tnLst>
+  </p:timing>
   <p:hf hdr="0" ftr="0" dt="0"/>
   <p:txStyles>
     <p:titleStyle>
@@ -7066,6 +6732,36 @@
           <a:chExt cx="0" cy="0"/>
         </a:xfrm>
       </p:grpSpPr>
+      <p:pic>
+        <p:nvPicPr>
+          <p:cNvPr id="10" name="圖片 9"/>
+          <p:cNvPicPr>
+            <a:picLocks noChangeAspect="1"/>
+          </p:cNvPicPr>
+          <p:nvPr/>
+        </p:nvPicPr>
+        <p:blipFill>
+          <a:blip r:embed="rId2" cstate="print">
+            <a:extLst>
+              <a:ext uri="{28A0092B-C50C-407E-A947-70E740481C1C}">
+                <a14:useLocalDpi xmlns:a14="http://schemas.microsoft.com/office/drawing/2010/main" val="0"/>
+              </a:ext>
+            </a:extLst>
+          </a:blip>
+          <a:stretch>
+            <a:fillRect/>
+          </a:stretch>
+        </p:blipFill>
+        <p:spPr>
+          <a:xfrm flipV="1">
+            <a:off x="-153525" y="1356615"/>
+            <a:ext cx="5310590" cy="5143500"/>
+          </a:xfrm>
+          <a:prstGeom prst="rect">
+            <a:avLst/>
+          </a:prstGeom>
+        </p:spPr>
+      </p:pic>
       <p:sp>
         <p:nvSpPr>
           <p:cNvPr id="3" name="文字版面配置區 2"/>
@@ -7076,7 +6772,12 @@
             <p:ph type="body" sz="quarter" idx="11"/>
           </p:nvPr>
         </p:nvSpPr>
-        <p:spPr/>
+        <p:spPr>
+          <a:xfrm>
+            <a:off x="910848" y="3686424"/>
+            <a:ext cx="1842050" cy="831655"/>
+          </a:xfrm>
+        </p:spPr>
         <p:txBody>
           <a:bodyPr>
             <a:normAutofit/>
@@ -7084,36 +6785,35 @@
           <a:lstStyle/>
           <a:p>
             <a:r>
-              <a:rPr lang="zh-TW" altLang="en-US" dirty="0" smtClean="0"/>
+              <a:rPr lang="zh-TW" altLang="en-US" sz="1400" dirty="0" smtClean="0"/>
               <a:t>詹惠婷</a:t>
             </a:r>
-            <a:endParaRPr lang="en-US" altLang="zh-TW" dirty="0" smtClean="0"/>
+            <a:endParaRPr lang="en-US" altLang="zh-TW" sz="1400" dirty="0" smtClean="0"/>
           </a:p>
           <a:p>
             <a:r>
-              <a:rPr lang="en-US" altLang="zh-TW" dirty="0" smtClean="0"/>
+              <a:rPr lang="en-US" altLang="zh-TW" sz="1400" dirty="0" smtClean="0"/>
               <a:t>A+ </a:t>
             </a:r>
             <a:r>
-              <a:rPr lang="en-US" altLang="zh-TW" dirty="0"/>
+              <a:rPr lang="en-US" altLang="zh-TW" sz="1400" dirty="0"/>
               <a:t>/ </a:t>
             </a:r>
             <a:r>
-              <a:rPr lang="en-US" altLang="zh-TW" dirty="0" smtClean="0"/>
+              <a:rPr lang="en-US" altLang="zh-TW" sz="1400" dirty="0" smtClean="0"/>
               <a:t>ML5C01</a:t>
             </a:r>
-            <a:endParaRPr lang="en-US" altLang="zh-TW" dirty="0"/>
+            <a:endParaRPr lang="en-US" altLang="zh-TW" sz="1400" dirty="0"/>
           </a:p>
           <a:p>
             <a:r>
-              <a:rPr lang="en-US" altLang="zh-TW" dirty="0"/>
+              <a:rPr lang="en-US" altLang="zh-TW" sz="1400" dirty="0"/>
               <a:t>Date </a:t>
             </a:r>
             <a:r>
-              <a:rPr lang="en-US" altLang="zh-TW" dirty="0" smtClean="0"/>
+              <a:rPr lang="en-US" altLang="zh-TW" sz="1400" dirty="0" smtClean="0"/>
               <a:t>2020.07.30</a:t>
             </a:r>
-            <a:endParaRPr lang="en-US" altLang="zh-TW" dirty="0" smtClean="0"/>
           </a:p>
           <a:p>
             <a:endParaRPr lang="en-US" altLang="zh-TW" dirty="0"/>
@@ -7130,7 +6830,12 @@
             <p:ph type="title"/>
           </p:nvPr>
         </p:nvSpPr>
-        <p:spPr/>
+        <p:spPr>
+          <a:xfrm>
+            <a:off x="820191" y="1706204"/>
+            <a:ext cx="8229600" cy="1980220"/>
+          </a:xfrm>
+        </p:spPr>
         <p:txBody>
           <a:bodyPr>
             <a:normAutofit/>
@@ -7138,15 +6843,90 @@
           <a:lstStyle/>
           <a:p>
             <a:r>
-              <a:rPr lang="zh-TW" altLang="en-US" dirty="0"/>
+              <a:rPr lang="zh-TW" altLang="en-US" sz="4000" dirty="0">
+                <a:gradFill flip="none" rotWithShape="1">
+                  <a:gsLst>
+                    <a:gs pos="0">
+                      <a:srgbClr val="0083A2">
+                        <a:shade val="30000"/>
+                        <a:satMod val="115000"/>
+                      </a:srgbClr>
+                    </a:gs>
+                    <a:gs pos="50000">
+                      <a:srgbClr val="0083A2">
+                        <a:shade val="67500"/>
+                        <a:satMod val="115000"/>
+                      </a:srgbClr>
+                    </a:gs>
+                    <a:gs pos="100000">
+                      <a:srgbClr val="0083A2">
+                        <a:shade val="100000"/>
+                        <a:satMod val="115000"/>
+                      </a:srgbClr>
+                    </a:gs>
+                  </a:gsLst>
+                  <a:lin ang="5400000" scaled="1"/>
+                  <a:tileRect/>
+                </a:gradFill>
+              </a:rPr>
               <a:t>最佳化 </a:t>
             </a:r>
             <a:r>
-              <a:rPr lang="en-US" altLang="zh-TW" dirty="0"/>
+              <a:rPr lang="en-US" altLang="zh-TW" sz="4000" dirty="0">
+                <a:gradFill flip="none" rotWithShape="1">
+                  <a:gsLst>
+                    <a:gs pos="0">
+                      <a:srgbClr val="0083A2">
+                        <a:shade val="30000"/>
+                        <a:satMod val="115000"/>
+                      </a:srgbClr>
+                    </a:gs>
+                    <a:gs pos="50000">
+                      <a:srgbClr val="0083A2">
+                        <a:shade val="67500"/>
+                        <a:satMod val="115000"/>
+                      </a:srgbClr>
+                    </a:gs>
+                    <a:gs pos="100000">
+                      <a:srgbClr val="0083A2">
+                        <a:shade val="100000"/>
+                        <a:satMod val="115000"/>
+                      </a:srgbClr>
+                    </a:gs>
+                  </a:gsLst>
+                  <a:lin ang="5400000" scaled="1"/>
+                  <a:tileRect/>
+                </a:gradFill>
+              </a:rPr>
               <a:t>–ML</a:t>
             </a:r>
             <a:r>
-              <a:rPr lang="zh-TW" altLang="en-US" dirty="0"/>
+              <a:rPr lang="zh-TW" altLang="en-US" sz="4000" dirty="0">
+                <a:gradFill flip="none" rotWithShape="1">
+                  <a:gsLst>
+                    <a:gs pos="0">
+                      <a:srgbClr val="0083A2">
+                        <a:shade val="30000"/>
+                        <a:satMod val="115000"/>
+                      </a:srgbClr>
+                    </a:gs>
+                    <a:gs pos="50000">
+                      <a:srgbClr val="0083A2">
+                        <a:shade val="67500"/>
+                        <a:satMod val="115000"/>
+                      </a:srgbClr>
+                    </a:gs>
+                    <a:gs pos="100000">
+                      <a:srgbClr val="0083A2">
+                        <a:shade val="100000"/>
+                        <a:satMod val="115000"/>
+                      </a:srgbClr>
+                    </a:gs>
+                  </a:gsLst>
+                  <a:lin ang="5400000" scaled="1"/>
+                  <a:tileRect/>
+                </a:gradFill>
+              </a:rPr>
               <a:t>決策支援報表</a:t>
             </a:r>
           </a:p>
@@ -7161,7 +6941,7 @@
           <p:nvPr/>
         </p:nvPicPr>
         <p:blipFill>
-          <a:blip r:embed="rId2">
+          <a:blip r:embed="rId3">
             <a:extLst>
               <a:ext uri="{28A0092B-C50C-407E-A947-70E740481C1C}">
                 <a14:useLocalDpi xmlns:a14="http://schemas.microsoft.com/office/drawing/2010/main" val="0"/>
@@ -7182,61 +6962,26 @@
           </a:prstGeom>
         </p:spPr>
       </p:pic>
-    </p:spTree>
-  </p:cSld>
-  <p:clrMapOvr>
-    <a:masterClrMapping/>
-  </p:clrMapOvr>
-  <p:timing>
-    <p:tnLst>
-      <p:par>
-        <p:cTn id="1" dur="indefinite" restart="never" nodeType="tmRoot"/>
-      </p:par>
-    </p:tnLst>
-  </p:timing>
-</p:sld>
-</file>
-
-<file path=ppt/slides/slide10.xml><?xml version="1.0" encoding="utf-8"?>
-<p:sld xmlns:a="http://schemas.openxmlformats.org/drawingml/2006/main" xmlns:r="http://schemas.openxmlformats.org/officeDocument/2006/relationships" xmlns:p="http://schemas.openxmlformats.org/presentationml/2006/main">
-  <p:cSld>
-    <p:spTree>
-      <p:nvGrpSpPr>
-        <p:cNvPr id="1" name=""/>
-        <p:cNvGrpSpPr/>
-        <p:nvPr/>
-      </p:nvGrpSpPr>
-      <p:grpSpPr>
-        <a:xfrm>
-          <a:off x="0" y="0"/>
-          <a:ext cx="0" cy="0"/>
-          <a:chOff x="0" y="0"/>
-          <a:chExt cx="0" cy="0"/>
-        </a:xfrm>
-      </p:grpSpPr>
       <p:sp>
         <p:nvSpPr>
-          <p:cNvPr id="29" name="圓角矩形 28"/>
+          <p:cNvPr id="11" name="矩形 10"/>
           <p:cNvSpPr/>
           <p:nvPr/>
         </p:nvSpPr>
         <p:spPr>
-          <a:xfrm>
-            <a:off x="556848" y="768731"/>
-            <a:ext cx="8276656" cy="4050450"/>
+          <a:xfrm rot="18587051">
+            <a:off x="3506647" y="3727602"/>
+            <a:ext cx="1665185" cy="1170130"/>
           </a:xfrm>
-          <a:prstGeom prst="roundRect">
-            <a:avLst>
-              <a:gd name="adj" fmla="val 12067"/>
-            </a:avLst>
+          <a:prstGeom prst="rect">
+            <a:avLst/>
           </a:prstGeom>
           <a:solidFill>
-            <a:srgbClr val="F9F9F9"/>
+            <a:schemeClr val="bg1"/>
           </a:solidFill>
           <a:ln>
             <a:noFill/>
           </a:ln>
-          <a:effectLst/>
         </p:spPr>
         <p:style>
           <a:lnRef idx="2">
@@ -7265,106 +7010,24 @@
       </p:sp>
       <p:sp>
         <p:nvSpPr>
-          <p:cNvPr id="3" name="標題 2"/>
-          <p:cNvSpPr>
-            <a:spLocks noGrp="1"/>
-          </p:cNvSpPr>
-          <p:nvPr>
-            <p:ph type="title"/>
-          </p:nvPr>
-        </p:nvSpPr>
-        <p:spPr/>
-        <p:txBody>
-          <a:bodyPr/>
-          <a:lstStyle/>
-          <a:p>
-            <a:r>
-              <a:rPr lang="en-US" altLang="zh-TW" dirty="0">
-                <a:ea typeface="微軟正黑體 Light" pitchFamily="34" charset="-120"/>
-              </a:rPr>
-              <a:t>L5C</a:t>
-            </a:r>
-            <a:r>
-              <a:rPr lang="zh-TW" altLang="en-US" dirty="0">
-                <a:ea typeface="微軟正黑體 Light" pitchFamily="34" charset="-120"/>
-              </a:rPr>
-              <a:t> </a:t>
-            </a:r>
-            <a:r>
-              <a:rPr lang="en-US" altLang="zh-TW" dirty="0">
-                <a:ea typeface="微軟正黑體 Light" pitchFamily="34" charset="-120"/>
-              </a:rPr>
-              <a:t>Photo</a:t>
-            </a:r>
-            <a:r>
-              <a:rPr lang="zh-TW" altLang="en-US" dirty="0">
-                <a:ea typeface="微軟正黑體 Light" pitchFamily="34" charset="-120"/>
-              </a:rPr>
-              <a:t> </a:t>
-            </a:r>
-            <a:r>
-              <a:rPr lang="en-US" altLang="zh-TW" dirty="0">
-                <a:ea typeface="微軟正黑體 Light" pitchFamily="34" charset="-120"/>
-              </a:rPr>
-              <a:t>PEP1</a:t>
-            </a:r>
-            <a:r>
-              <a:rPr lang="zh-TW" altLang="en-US" dirty="0">
-                <a:ea typeface="微軟正黑體 Light" pitchFamily="34" charset="-120"/>
-              </a:rPr>
-              <a:t> </a:t>
-            </a:r>
-            <a:r>
-              <a:rPr lang="en-US" altLang="zh-TW" dirty="0">
-                <a:ea typeface="微軟正黑體 Light" pitchFamily="34" charset="-120"/>
-              </a:rPr>
-              <a:t>CD</a:t>
-            </a:r>
-            <a:r>
-              <a:rPr lang="zh-TW" altLang="en-US" dirty="0">
-                <a:ea typeface="微軟正黑體 Light" pitchFamily="34" charset="-120"/>
-              </a:rPr>
-              <a:t> </a:t>
-            </a:r>
-            <a:r>
-              <a:rPr lang="en-US" altLang="zh-TW" dirty="0" smtClean="0">
-                <a:ea typeface="微軟正黑體 Light" pitchFamily="34" charset="-120"/>
-              </a:rPr>
-              <a:t>R2R</a:t>
-            </a:r>
-            <a:endParaRPr lang="zh-TW" altLang="en-US" dirty="0">
-              <a:latin typeface="微軟正黑體" panose="020B0604030504040204" pitchFamily="34" charset="-120"/>
-            </a:endParaRPr>
-          </a:p>
-        </p:txBody>
-      </p:sp>
-      <p:sp>
-        <p:nvSpPr>
-          <p:cNvPr id="15" name="圓角矩形 14"/>
+          <p:cNvPr id="12" name="矩形 11"/>
           <p:cNvSpPr/>
           <p:nvPr/>
         </p:nvSpPr>
         <p:spPr>
           <a:xfrm>
-            <a:off x="1826695" y="1062799"/>
-            <a:ext cx="945105" cy="270030"/>
+            <a:off x="4035097" y="4305992"/>
+            <a:ext cx="1665185" cy="1170130"/>
           </a:xfrm>
-          <a:prstGeom prst="roundRect">
+          <a:prstGeom prst="rect">
             <a:avLst/>
           </a:prstGeom>
           <a:solidFill>
-            <a:srgbClr val="8BBACF"/>
+            <a:schemeClr val="bg1"/>
           </a:solidFill>
           <a:ln>
             <a:noFill/>
           </a:ln>
-          <a:effectLst>
-            <a:outerShdw blurRad="50800" dist="38100" dir="2700000" algn="tl" rotWithShape="0">
-              <a:prstClr val="black">
-                <a:alpha val="40000"/>
-              </a:prstClr>
-            </a:outerShdw>
-          </a:effectLst>
         </p:spPr>
         <p:style>
           <a:lnRef idx="2">
@@ -7387,625 +7050,15 @@
           <a:lstStyle/>
           <a:p>
             <a:pPr algn="ctr"/>
-            <a:r>
-              <a:rPr lang="zh-TW" altLang="en-US" sz="1200" b="1" dirty="0">
-                <a:latin typeface="微軟正黑體" panose="020B0604030504040204" pitchFamily="34" charset="-120"/>
-                <a:ea typeface="微軟正黑體" panose="020B0604030504040204" pitchFamily="34" charset="-120"/>
-              </a:rPr>
-              <a:t>過去</a:t>
-            </a:r>
-            <a:r>
-              <a:rPr lang="zh-TW" altLang="en-US" sz="1200" b="1" dirty="0" smtClean="0">
-                <a:latin typeface="微軟正黑體" panose="020B0604030504040204" pitchFamily="34" charset="-120"/>
-                <a:ea typeface="微軟正黑體" panose="020B0604030504040204" pitchFamily="34" charset="-120"/>
-              </a:rPr>
-              <a:t>模式</a:t>
-            </a:r>
-            <a:endParaRPr lang="zh-TW" altLang="en-US" sz="1200" b="1" dirty="0">
-              <a:latin typeface="微軟正黑體" panose="020B0604030504040204" pitchFamily="34" charset="-120"/>
-              <a:ea typeface="微軟正黑體" panose="020B0604030504040204" pitchFamily="34" charset="-120"/>
-            </a:endParaRPr>
+            <a:endParaRPr lang="zh-TW" altLang="en-US"/>
           </a:p>
         </p:txBody>
       </p:sp>
-      <p:sp>
-        <p:nvSpPr>
-          <p:cNvPr id="16" name="圓角矩形 15"/>
-          <p:cNvSpPr/>
-          <p:nvPr/>
-        </p:nvSpPr>
-        <p:spPr>
-          <a:xfrm>
-            <a:off x="1840485" y="3069430"/>
-            <a:ext cx="945105" cy="270030"/>
-          </a:xfrm>
-          <a:prstGeom prst="roundRect">
-            <a:avLst/>
-          </a:prstGeom>
-          <a:solidFill>
-            <a:srgbClr val="428FB1"/>
-          </a:solidFill>
-          <a:ln>
-            <a:noFill/>
-          </a:ln>
-          <a:effectLst>
-            <a:outerShdw blurRad="50800" dist="38100" dir="2700000" algn="tl" rotWithShape="0">
-              <a:prstClr val="black">
-                <a:alpha val="40000"/>
-              </a:prstClr>
-            </a:outerShdw>
-          </a:effectLst>
-        </p:spPr>
-        <p:style>
-          <a:lnRef idx="2">
-            <a:schemeClr val="accent1">
-              <a:shade val="50000"/>
-            </a:schemeClr>
-          </a:lnRef>
-          <a:fillRef idx="1">
-            <a:schemeClr val="accent1"/>
-          </a:fillRef>
-          <a:effectRef idx="0">
-            <a:schemeClr val="accent1"/>
-          </a:effectRef>
-          <a:fontRef idx="minor">
-            <a:schemeClr val="lt1"/>
-          </a:fontRef>
-        </p:style>
-        <p:txBody>
-          <a:bodyPr rtlCol="0" anchor="ctr"/>
-          <a:lstStyle/>
-          <a:p>
-            <a:pPr algn="ctr"/>
-            <a:r>
-              <a:rPr lang="zh-TW" altLang="en-US" sz="1200" b="1" dirty="0" smtClean="0">
-                <a:latin typeface="微軟正黑體" panose="020B0604030504040204" pitchFamily="34" charset="-120"/>
-                <a:ea typeface="微軟正黑體" panose="020B0604030504040204" pitchFamily="34" charset="-120"/>
-              </a:rPr>
-              <a:t>預期目標</a:t>
-            </a:r>
-            <a:endParaRPr lang="zh-TW" altLang="en-US" sz="1200" b="1" dirty="0">
-              <a:latin typeface="微軟正黑體" panose="020B0604030504040204" pitchFamily="34" charset="-120"/>
-              <a:ea typeface="微軟正黑體" panose="020B0604030504040204" pitchFamily="34" charset="-120"/>
-            </a:endParaRPr>
-          </a:p>
-        </p:txBody>
-      </p:sp>
-      <p:sp>
-        <p:nvSpPr>
-          <p:cNvPr id="17" name="文字方塊 16"/>
-          <p:cNvSpPr txBox="1"/>
-          <p:nvPr/>
-        </p:nvSpPr>
-        <p:spPr>
-          <a:xfrm>
-            <a:off x="2771800" y="1062799"/>
-            <a:ext cx="5040560" cy="276999"/>
-          </a:xfrm>
-          <a:prstGeom prst="rect">
-            <a:avLst/>
-          </a:prstGeom>
-          <a:noFill/>
-        </p:spPr>
-        <p:txBody>
-          <a:bodyPr wrap="square" rtlCol="0">
-            <a:spAutoFit/>
-          </a:bodyPr>
-          <a:lstStyle/>
-          <a:p>
-            <a:r>
-              <a:rPr lang="zh-TW" altLang="en-US" sz="1200" dirty="0">
-                <a:solidFill>
-                  <a:schemeClr val="tx1">
-                    <a:lumMod val="85000"/>
-                    <a:lumOff val="15000"/>
-                  </a:schemeClr>
-                </a:solidFill>
-                <a:latin typeface="微軟正黑體" panose="020B0604030504040204" pitchFamily="34" charset="-120"/>
-              </a:rPr>
-              <a:t>需依實際量測</a:t>
-            </a:r>
-            <a:r>
-              <a:rPr lang="zh-TW" altLang="en-US" sz="1200" dirty="0" smtClean="0">
-                <a:solidFill>
-                  <a:schemeClr val="tx1">
-                    <a:lumMod val="85000"/>
-                    <a:lumOff val="15000"/>
-                  </a:schemeClr>
-                </a:solidFill>
-                <a:latin typeface="微軟正黑體" panose="020B0604030504040204" pitchFamily="34" charset="-120"/>
-              </a:rPr>
-              <a:t>狀況</a:t>
-            </a:r>
-            <a:r>
-              <a:rPr lang="zh-TW" altLang="en-US" sz="1200" dirty="0">
-                <a:solidFill>
-                  <a:schemeClr val="tx1">
-                    <a:lumMod val="85000"/>
-                    <a:lumOff val="15000"/>
-                  </a:schemeClr>
-                </a:solidFill>
-                <a:latin typeface="微軟正黑體" panose="020B0604030504040204" pitchFamily="34" charset="-120"/>
-              </a:rPr>
-              <a:t>，</a:t>
-            </a:r>
-            <a:r>
-              <a:rPr lang="zh-TW" altLang="en-US" sz="1200" dirty="0" smtClean="0">
-                <a:solidFill>
-                  <a:schemeClr val="tx1">
-                    <a:lumMod val="85000"/>
-                    <a:lumOff val="15000"/>
-                  </a:schemeClr>
-                </a:solidFill>
-                <a:latin typeface="微軟正黑體" panose="020B0604030504040204" pitchFamily="34" charset="-120"/>
-              </a:rPr>
-              <a:t>手動</a:t>
-            </a:r>
-            <a:r>
-              <a:rPr lang="zh-TW" altLang="en-US" sz="1200" dirty="0">
-                <a:solidFill>
-                  <a:schemeClr val="tx1">
-                    <a:lumMod val="85000"/>
-                    <a:lumOff val="15000"/>
-                  </a:schemeClr>
-                </a:solidFill>
-                <a:latin typeface="微軟正黑體" panose="020B0604030504040204" pitchFamily="34" charset="-120"/>
-              </a:rPr>
-              <a:t>調整補償線寬值</a:t>
-            </a:r>
-            <a:endParaRPr lang="en-US" altLang="zh-TW" sz="1200" dirty="0">
-              <a:solidFill>
-                <a:schemeClr val="tx1">
-                  <a:lumMod val="85000"/>
-                  <a:lumOff val="15000"/>
-                </a:schemeClr>
-              </a:solidFill>
-              <a:latin typeface="微軟正黑體" panose="020B0604030504040204" pitchFamily="34" charset="-120"/>
-            </a:endParaRPr>
-          </a:p>
-        </p:txBody>
-      </p:sp>
-      <p:sp>
-        <p:nvSpPr>
-          <p:cNvPr id="18" name="文字方塊 17"/>
-          <p:cNvSpPr txBox="1"/>
-          <p:nvPr/>
-        </p:nvSpPr>
-        <p:spPr>
-          <a:xfrm>
-            <a:off x="2771800" y="3066805"/>
-            <a:ext cx="4140460" cy="276999"/>
-          </a:xfrm>
-          <a:prstGeom prst="rect">
-            <a:avLst/>
-          </a:prstGeom>
-          <a:noFill/>
-        </p:spPr>
-        <p:txBody>
-          <a:bodyPr wrap="square" rtlCol="0">
-            <a:spAutoFit/>
-          </a:bodyPr>
-          <a:lstStyle/>
-          <a:p>
-            <a:r>
-              <a:rPr lang="zh-TW" altLang="en-US" sz="1200" dirty="0">
-                <a:solidFill>
-                  <a:schemeClr val="tx1">
-                    <a:lumMod val="85000"/>
-                    <a:lumOff val="15000"/>
-                  </a:schemeClr>
-                </a:solidFill>
-                <a:latin typeface="微軟正黑體" panose="020B0604030504040204" pitchFamily="34" charset="-120"/>
-              </a:rPr>
-              <a:t>人工調整補償</a:t>
-            </a:r>
-            <a:r>
-              <a:rPr lang="en-US" altLang="zh-TW" sz="1200" dirty="0">
-                <a:solidFill>
-                  <a:schemeClr val="tx1">
-                    <a:lumMod val="85000"/>
-                    <a:lumOff val="15000"/>
-                  </a:schemeClr>
-                </a:solidFill>
-                <a:latin typeface="微軟正黑體" panose="020B0604030504040204" pitchFamily="34" charset="-120"/>
-              </a:rPr>
-              <a:t>CD</a:t>
-            </a:r>
-            <a:r>
-              <a:rPr lang="zh-TW" altLang="en-US" sz="1200" dirty="0" smtClean="0">
-                <a:solidFill>
-                  <a:schemeClr val="tx1">
-                    <a:lumMod val="85000"/>
-                    <a:lumOff val="15000"/>
-                  </a:schemeClr>
-                </a:solidFill>
-                <a:latin typeface="微軟正黑體" panose="020B0604030504040204" pitchFamily="34" charset="-120"/>
-              </a:rPr>
-              <a:t>機制 </a:t>
-            </a:r>
-            <a:r>
-              <a:rPr lang="zh-TW" altLang="en-US" sz="1200" b="1" dirty="0" smtClean="0"/>
-              <a:t>→</a:t>
-            </a:r>
-            <a:r>
-              <a:rPr lang="zh-TW" altLang="en-US" sz="1200" dirty="0" smtClean="0"/>
-              <a:t> </a:t>
-            </a:r>
-            <a:r>
-              <a:rPr lang="zh-TW" altLang="en-US" sz="1200" b="1" dirty="0" smtClean="0">
-                <a:solidFill>
-                  <a:srgbClr val="C00000"/>
-                </a:solidFill>
-                <a:latin typeface="微軟正黑體" panose="020B0604030504040204" pitchFamily="34" charset="-120"/>
-              </a:rPr>
-              <a:t>自動</a:t>
-            </a:r>
-            <a:r>
-              <a:rPr lang="zh-TW" altLang="en-US" sz="1200" b="1" dirty="0">
-                <a:solidFill>
-                  <a:schemeClr val="tx1">
-                    <a:lumMod val="85000"/>
-                    <a:lumOff val="15000"/>
-                  </a:schemeClr>
-                </a:solidFill>
-                <a:latin typeface="微軟正黑體" panose="020B0604030504040204" pitchFamily="34" charset="-120"/>
-              </a:rPr>
-              <a:t>補償</a:t>
-            </a:r>
-            <a:r>
-              <a:rPr lang="en-US" altLang="zh-TW" sz="1200" b="1" dirty="0">
-                <a:solidFill>
-                  <a:schemeClr val="tx1">
-                    <a:lumMod val="85000"/>
-                    <a:lumOff val="15000"/>
-                  </a:schemeClr>
-                </a:solidFill>
-                <a:latin typeface="微軟正黑體" panose="020B0604030504040204" pitchFamily="34" charset="-120"/>
-              </a:rPr>
-              <a:t>CD</a:t>
-            </a:r>
-            <a:r>
-              <a:rPr lang="zh-TW" altLang="en-US" sz="1200" b="1" dirty="0">
-                <a:solidFill>
-                  <a:schemeClr val="tx1">
-                    <a:lumMod val="85000"/>
-                    <a:lumOff val="15000"/>
-                  </a:schemeClr>
-                </a:solidFill>
-                <a:latin typeface="微軟正黑體" panose="020B0604030504040204" pitchFamily="34" charset="-120"/>
-              </a:rPr>
-              <a:t>機制</a:t>
-            </a:r>
-          </a:p>
-        </p:txBody>
-      </p:sp>
-      <p:pic>
-        <p:nvPicPr>
-          <p:cNvPr id="8" name="圖片 7"/>
-          <p:cNvPicPr>
-            <a:picLocks noChangeAspect="1"/>
-          </p:cNvPicPr>
-          <p:nvPr/>
-        </p:nvPicPr>
-        <p:blipFill>
-          <a:blip r:embed="rId3" cstate="print">
-            <a:extLst>
-              <a:ext uri="{28A0092B-C50C-407E-A947-70E740481C1C}">
-                <a14:useLocalDpi xmlns:a14="http://schemas.microsoft.com/office/drawing/2010/main" val="0"/>
-              </a:ext>
-            </a:extLst>
-          </a:blip>
-          <a:stretch>
-            <a:fillRect/>
-          </a:stretch>
-        </p:blipFill>
-        <p:spPr>
-          <a:xfrm>
-            <a:off x="2178542" y="1572151"/>
-            <a:ext cx="772910" cy="772910"/>
-          </a:xfrm>
-          <a:prstGeom prst="rect">
-            <a:avLst/>
-          </a:prstGeom>
-        </p:spPr>
-      </p:pic>
-      <p:pic>
-        <p:nvPicPr>
-          <p:cNvPr id="9" name="圖片 8"/>
-          <p:cNvPicPr>
-            <a:picLocks noChangeAspect="1"/>
-          </p:cNvPicPr>
-          <p:nvPr/>
-        </p:nvPicPr>
-        <p:blipFill>
-          <a:blip r:embed="rId4" cstate="print">
-            <a:extLst>
-              <a:ext uri="{28A0092B-C50C-407E-A947-70E740481C1C}">
-                <a14:useLocalDpi xmlns:a14="http://schemas.microsoft.com/office/drawing/2010/main" val="0"/>
-              </a:ext>
-            </a:extLst>
-          </a:blip>
-          <a:stretch>
-            <a:fillRect/>
-          </a:stretch>
-        </p:blipFill>
-        <p:spPr>
-          <a:xfrm>
-            <a:off x="3303790" y="1531944"/>
-            <a:ext cx="772910" cy="772910"/>
-          </a:xfrm>
-          <a:prstGeom prst="rect">
-            <a:avLst/>
-          </a:prstGeom>
-        </p:spPr>
-      </p:pic>
-      <p:pic>
-        <p:nvPicPr>
-          <p:cNvPr id="10" name="圖片 9"/>
-          <p:cNvPicPr>
-            <a:picLocks noChangeAspect="1"/>
-          </p:cNvPicPr>
-          <p:nvPr/>
-        </p:nvPicPr>
-        <p:blipFill>
-          <a:blip r:embed="rId5" cstate="print">
-            <a:extLst>
-              <a:ext uri="{28A0092B-C50C-407E-A947-70E740481C1C}">
-                <a14:useLocalDpi xmlns:a14="http://schemas.microsoft.com/office/drawing/2010/main" val="0"/>
-              </a:ext>
-            </a:extLst>
-          </a:blip>
-          <a:stretch>
-            <a:fillRect/>
-          </a:stretch>
-        </p:blipFill>
-        <p:spPr>
-          <a:xfrm>
-            <a:off x="4429038" y="1493773"/>
-            <a:ext cx="862920" cy="862920"/>
-          </a:xfrm>
-          <a:prstGeom prst="rect">
-            <a:avLst/>
-          </a:prstGeom>
-        </p:spPr>
-      </p:pic>
-      <p:pic>
-        <p:nvPicPr>
-          <p:cNvPr id="11" name="圖片 10"/>
-          <p:cNvPicPr>
-            <a:picLocks noChangeAspect="1"/>
-          </p:cNvPicPr>
-          <p:nvPr/>
-        </p:nvPicPr>
-        <p:blipFill>
-          <a:blip r:embed="rId6" cstate="print">
-            <a:extLst>
-              <a:ext uri="{28A0092B-C50C-407E-A947-70E740481C1C}">
-                <a14:useLocalDpi xmlns:a14="http://schemas.microsoft.com/office/drawing/2010/main" val="0"/>
-              </a:ext>
-            </a:extLst>
-          </a:blip>
-          <a:stretch>
-            <a:fillRect/>
-          </a:stretch>
-        </p:blipFill>
-        <p:spPr>
-          <a:xfrm>
-            <a:off x="5644295" y="1572151"/>
-            <a:ext cx="772910" cy="772910"/>
-          </a:xfrm>
-          <a:prstGeom prst="rect">
-            <a:avLst/>
-          </a:prstGeom>
-        </p:spPr>
-      </p:pic>
-      <p:sp>
-        <p:nvSpPr>
-          <p:cNvPr id="12" name="文字方塊 11"/>
-          <p:cNvSpPr txBox="1"/>
-          <p:nvPr/>
-        </p:nvSpPr>
-        <p:spPr>
-          <a:xfrm>
-            <a:off x="2194775" y="2353366"/>
-            <a:ext cx="813196" cy="261610"/>
-          </a:xfrm>
-          <a:prstGeom prst="rect">
-            <a:avLst/>
-          </a:prstGeom>
-          <a:noFill/>
-        </p:spPr>
-        <p:txBody>
-          <a:bodyPr wrap="square" rtlCol="0">
-            <a:spAutoFit/>
-          </a:bodyPr>
-          <a:lstStyle/>
-          <a:p>
-            <a:r>
-              <a:rPr lang="zh-TW" altLang="en-US" sz="1100" dirty="0" smtClean="0"/>
-              <a:t>製</a:t>
-            </a:r>
-            <a:r>
-              <a:rPr lang="zh-TW" altLang="en-US" sz="1100" dirty="0"/>
-              <a:t>程</a:t>
-            </a:r>
-            <a:r>
-              <a:rPr lang="zh-TW" altLang="en-US" sz="1100" dirty="0" smtClean="0"/>
-              <a:t>變化</a:t>
-            </a:r>
-            <a:endParaRPr lang="zh-TW" altLang="en-US" sz="1100" dirty="0"/>
-          </a:p>
-        </p:txBody>
-      </p:sp>
-      <p:sp>
-        <p:nvSpPr>
-          <p:cNvPr id="24" name="文字方塊 23"/>
-          <p:cNvSpPr txBox="1"/>
-          <p:nvPr/>
-        </p:nvSpPr>
-        <p:spPr>
-          <a:xfrm>
-            <a:off x="3179965" y="2357344"/>
-            <a:ext cx="1230569" cy="261610"/>
-          </a:xfrm>
-          <a:prstGeom prst="rect">
-            <a:avLst/>
-          </a:prstGeom>
-          <a:noFill/>
-        </p:spPr>
-        <p:txBody>
-          <a:bodyPr wrap="square" rtlCol="0">
-            <a:spAutoFit/>
-          </a:bodyPr>
-          <a:lstStyle/>
-          <a:p>
-            <a:r>
-              <a:rPr lang="zh-TW" altLang="en-US" sz="1100" dirty="0" smtClean="0"/>
-              <a:t>等待</a:t>
-            </a:r>
-            <a:r>
-              <a:rPr lang="en-US" altLang="zh-TW" sz="1100" dirty="0" smtClean="0"/>
-              <a:t>MQC</a:t>
-            </a:r>
-            <a:r>
-              <a:rPr lang="zh-TW" altLang="en-US" sz="1100" dirty="0" smtClean="0"/>
-              <a:t>結果</a:t>
-            </a:r>
-            <a:endParaRPr lang="zh-TW" altLang="en-US" sz="1100" dirty="0"/>
-          </a:p>
-        </p:txBody>
-      </p:sp>
-      <p:sp>
-        <p:nvSpPr>
-          <p:cNvPr id="25" name="文字方塊 24"/>
-          <p:cNvSpPr txBox="1"/>
-          <p:nvPr/>
-        </p:nvSpPr>
-        <p:spPr>
-          <a:xfrm>
-            <a:off x="4384140" y="2345061"/>
-            <a:ext cx="941658" cy="430887"/>
-          </a:xfrm>
-          <a:prstGeom prst="rect">
-            <a:avLst/>
-          </a:prstGeom>
-          <a:noFill/>
-        </p:spPr>
-        <p:txBody>
-          <a:bodyPr wrap="square" rtlCol="0">
-            <a:spAutoFit/>
-          </a:bodyPr>
-          <a:lstStyle/>
-          <a:p>
-            <a:r>
-              <a:rPr lang="zh-TW" altLang="en-US" sz="1100" dirty="0" smtClean="0"/>
-              <a:t>工程師評估並確認結果</a:t>
-            </a:r>
-            <a:endParaRPr lang="zh-TW" altLang="en-US" sz="1100" dirty="0"/>
-          </a:p>
-        </p:txBody>
-      </p:sp>
-      <p:sp>
-        <p:nvSpPr>
-          <p:cNvPr id="26" name="文字方塊 25"/>
-          <p:cNvSpPr txBox="1"/>
-          <p:nvPr/>
-        </p:nvSpPr>
-        <p:spPr>
-          <a:xfrm>
-            <a:off x="5644295" y="2353366"/>
-            <a:ext cx="800357" cy="261610"/>
-          </a:xfrm>
-          <a:prstGeom prst="rect">
-            <a:avLst/>
-          </a:prstGeom>
-          <a:noFill/>
-        </p:spPr>
-        <p:txBody>
-          <a:bodyPr wrap="square" rtlCol="0">
-            <a:spAutoFit/>
-          </a:bodyPr>
-          <a:lstStyle/>
-          <a:p>
-            <a:r>
-              <a:rPr lang="zh-TW" altLang="en-US" sz="1100" dirty="0" smtClean="0"/>
-              <a:t>手動補值</a:t>
-            </a:r>
-            <a:endParaRPr lang="zh-TW" altLang="en-US" sz="1100" dirty="0"/>
-          </a:p>
-        </p:txBody>
-      </p:sp>
-      <p:pic>
-        <p:nvPicPr>
-          <p:cNvPr id="13" name="圖片 12"/>
-          <p:cNvPicPr>
-            <a:picLocks noChangeAspect="1"/>
-          </p:cNvPicPr>
-          <p:nvPr/>
-        </p:nvPicPr>
-        <p:blipFill>
-          <a:blip r:embed="rId7" cstate="print">
-            <a:extLst>
-              <a:ext uri="{28A0092B-C50C-407E-A947-70E740481C1C}">
-                <a14:useLocalDpi xmlns:a14="http://schemas.microsoft.com/office/drawing/2010/main" val="0"/>
-              </a:ext>
-            </a:extLst>
-          </a:blip>
-          <a:stretch>
-            <a:fillRect/>
-          </a:stretch>
-        </p:blipFill>
-        <p:spPr>
-          <a:xfrm>
-            <a:off x="3311860" y="3444808"/>
-            <a:ext cx="792127" cy="792127"/>
-          </a:xfrm>
-          <a:prstGeom prst="rect">
-            <a:avLst/>
-          </a:prstGeom>
-        </p:spPr>
-      </p:pic>
-      <p:pic>
-        <p:nvPicPr>
-          <p:cNvPr id="14" name="圖片 13"/>
-          <p:cNvPicPr>
-            <a:picLocks noChangeAspect="1"/>
-          </p:cNvPicPr>
-          <p:nvPr/>
-        </p:nvPicPr>
-        <p:blipFill>
-          <a:blip r:embed="rId8" cstate="print">
-            <a:extLst>
-              <a:ext uri="{28A0092B-C50C-407E-A947-70E740481C1C}">
-                <a14:useLocalDpi xmlns:a14="http://schemas.microsoft.com/office/drawing/2010/main" val="0"/>
-              </a:ext>
-            </a:extLst>
-          </a:blip>
-          <a:stretch>
-            <a:fillRect/>
-          </a:stretch>
-        </p:blipFill>
-        <p:spPr>
-          <a:xfrm>
-            <a:off x="4707015" y="3431397"/>
-            <a:ext cx="814954" cy="814954"/>
-          </a:xfrm>
-          <a:prstGeom prst="rect">
-            <a:avLst/>
-          </a:prstGeom>
-        </p:spPr>
-      </p:pic>
     </p:spTree>
-    <p:extLst>
-      <p:ext uri="{BB962C8B-B14F-4D97-AF65-F5344CB8AC3E}">
-        <p14:creationId xmlns:p14="http://schemas.microsoft.com/office/powerpoint/2010/main" val="64068103"/>
-      </p:ext>
-    </p:extLst>
   </p:cSld>
   <p:clrMapOvr>
     <a:masterClrMapping/>
   </p:clrMapOvr>
-  <p:transition/>
   <p:timing>
     <p:tnLst>
       <p:par>
@@ -8016,7 +7069,7 @@
 </p:sld>
 </file>
 
-<file path=ppt/slides/slide11.xml><?xml version="1.0" encoding="utf-8"?>
+<file path=ppt/slides/slide10.xml><?xml version="1.0" encoding="utf-8"?>
 <p:sld xmlns:a="http://schemas.openxmlformats.org/drawingml/2006/main" xmlns:r="http://schemas.openxmlformats.org/officeDocument/2006/relationships" xmlns:p="http://schemas.openxmlformats.org/presentationml/2006/main">
   <p:cSld>
     <p:spTree>
@@ -8347,7 +7400,7 @@
 </p:sld>
 </file>
 
-<file path=ppt/slides/slide12.xml><?xml version="1.0" encoding="utf-8"?>
+<file path=ppt/slides/slide11.xml><?xml version="1.0" encoding="utf-8"?>
 <p:sld xmlns:a="http://schemas.openxmlformats.org/drawingml/2006/main" xmlns:r="http://schemas.openxmlformats.org/officeDocument/2006/relationships" xmlns:p="http://schemas.openxmlformats.org/presentationml/2006/main">
   <p:cSld>
     <p:spTree>
@@ -8504,7 +7557,7 @@
 </p:sld>
 </file>
 
-<file path=ppt/slides/slide13.xml><?xml version="1.0" encoding="utf-8"?>
+<file path=ppt/slides/slide12.xml><?xml version="1.0" encoding="utf-8"?>
 <p:sld xmlns:a="http://schemas.openxmlformats.org/drawingml/2006/main" xmlns:r="http://schemas.openxmlformats.org/officeDocument/2006/relationships" xmlns:p="http://schemas.openxmlformats.org/presentationml/2006/main">
   <p:cSld>
     <p:spTree>
@@ -8554,688 +7607,36 @@
           <a:chExt cx="0" cy="0"/>
         </a:xfrm>
       </p:grpSpPr>
-      <p:sp>
-        <p:nvSpPr>
-          <p:cNvPr id="3" name="內容版面配置區 2"/>
-          <p:cNvSpPr>
-            <a:spLocks noGrp="1"/>
-          </p:cNvSpPr>
-          <p:nvPr>
-            <p:ph idx="1"/>
-          </p:nvPr>
-        </p:nvSpPr>
+      <p:pic>
+        <p:nvPicPr>
+          <p:cNvPr id="27" name="圖片 26"/>
+          <p:cNvPicPr>
+            <a:picLocks noChangeAspect="1"/>
+          </p:cNvPicPr>
+          <p:nvPr/>
+        </p:nvPicPr>
+        <p:blipFill>
+          <a:blip r:embed="rId3" cstate="print">
+            <a:extLst>
+              <a:ext uri="{28A0092B-C50C-407E-A947-70E740481C1C}">
+                <a14:useLocalDpi xmlns:a14="http://schemas.microsoft.com/office/drawing/2010/main" val="0"/>
+              </a:ext>
+            </a:extLst>
+          </a:blip>
+          <a:stretch>
+            <a:fillRect/>
+          </a:stretch>
+        </p:blipFill>
         <p:spPr>
           <a:xfrm>
-            <a:off x="566555" y="366505"/>
-            <a:ext cx="8496175" cy="4401489"/>
+            <a:off x="-288540" y="-2018760"/>
+            <a:ext cx="9721080" cy="7554602"/>
           </a:xfrm>
-          <a:ln w="3175">
-            <a:noFill/>
-          </a:ln>
+          <a:prstGeom prst="rect">
+            <a:avLst/>
+          </a:prstGeom>
         </p:spPr>
-        <p:txBody>
-          <a:bodyPr>
-            <a:noAutofit/>
-          </a:bodyPr>
-          <a:lstStyle/>
-          <a:p>
-            <a:pPr lvl="0">
-              <a:buFont typeface="Wingdings" pitchFamily="2" charset="2"/>
-              <a:buChar char="ü"/>
-              <a:defRPr/>
-            </a:pPr>
-            <a:endParaRPr lang="en-US" altLang="zh-TW" sz="1400" dirty="0" smtClean="0"/>
-          </a:p>
-          <a:p>
-            <a:pPr>
-              <a:buFont typeface="Wingdings" pitchFamily="2" charset="2"/>
-              <a:buChar char="ü"/>
-              <a:defRPr/>
-            </a:pPr>
-            <a:r>
-              <a:rPr lang="zh-TW" altLang="en-US" sz="1400" dirty="0" smtClean="0"/>
-              <a:t>專案名稱</a:t>
-            </a:r>
-            <a:r>
-              <a:rPr lang="zh-TW" altLang="en-US" sz="1400" dirty="0"/>
-              <a:t>：</a:t>
-            </a:r>
-            <a:r>
-              <a:rPr lang="zh-TW" altLang="en-US" sz="1400" dirty="0" smtClean="0"/>
-              <a:t>參數</a:t>
-            </a:r>
-            <a:r>
-              <a:rPr lang="zh-TW" altLang="en-US" sz="1400" dirty="0"/>
-              <a:t>最佳化應用在</a:t>
-            </a:r>
-            <a:r>
-              <a:rPr lang="en-US" altLang="zh-TW" sz="1400" dirty="0" smtClean="0"/>
-              <a:t>PEP1 CD</a:t>
-            </a:r>
-            <a:endParaRPr lang="en-US" altLang="zh-TW" sz="1400" dirty="0"/>
-          </a:p>
-          <a:p>
-            <a:pPr lvl="0">
-              <a:buFont typeface="Wingdings" pitchFamily="2" charset="2"/>
-              <a:buChar char="ü"/>
-              <a:defRPr/>
-            </a:pPr>
-            <a:r>
-              <a:rPr lang="zh-TW" altLang="en-US" sz="1400" dirty="0" smtClean="0"/>
-              <a:t>專案目的：</a:t>
-            </a:r>
-            <a:endParaRPr lang="en-US" altLang="zh-TW" sz="1400" dirty="0" smtClean="0"/>
-          </a:p>
-          <a:p>
-            <a:pPr marL="800100" lvl="1" indent="-342900">
-              <a:buFont typeface="+mj-lt"/>
-              <a:buAutoNum type="arabicPeriod"/>
-              <a:defRPr/>
-            </a:pPr>
-            <a:r>
-              <a:rPr lang="zh-TW" altLang="en-US" sz="1400" dirty="0" smtClean="0"/>
-              <a:t>目的分類：</a:t>
-            </a:r>
-            <a:r>
-              <a:rPr lang="zh-TW" altLang="en-US" sz="1400" b="1" dirty="0" smtClean="0">
-                <a:solidFill>
-                  <a:srgbClr val="006896"/>
-                </a:solidFill>
-              </a:rPr>
-              <a:t>參數最佳化</a:t>
-            </a:r>
-            <a:endParaRPr lang="en-US" altLang="zh-TW" sz="1400" b="1" dirty="0" smtClean="0">
-              <a:solidFill>
-                <a:srgbClr val="006896"/>
-              </a:solidFill>
-            </a:endParaRPr>
-          </a:p>
-          <a:p>
-            <a:pPr marL="800100" lvl="1" indent="-342900">
-              <a:buFont typeface="+mj-lt"/>
-              <a:buAutoNum type="arabicPeriod"/>
-              <a:defRPr/>
-            </a:pPr>
-            <a:r>
-              <a:rPr lang="zh-TW" altLang="en-US" sz="1400" dirty="0" smtClean="0"/>
-              <a:t>說明：</a:t>
-            </a:r>
-            <a:endParaRPr lang="en-US" altLang="zh-TW" sz="1400" dirty="0" smtClean="0"/>
-          </a:p>
-          <a:p>
-            <a:pPr marL="1200150" lvl="2" indent="-342900">
-              <a:buFont typeface="Wingdings" pitchFamily="2" charset="2"/>
-              <a:buChar char="p"/>
-              <a:defRPr/>
-            </a:pPr>
-            <a:r>
-              <a:rPr lang="zh-TW" altLang="en-US" sz="1400" b="1" dirty="0" smtClean="0">
-                <a:latin typeface="微軟正黑體" pitchFamily="34" charset="-120"/>
-              </a:rPr>
-              <a:t>流程痛點</a:t>
-            </a:r>
-            <a:endParaRPr lang="en-US" altLang="zh-TW" sz="1400" b="1" dirty="0" smtClean="0">
-              <a:latin typeface="微軟正黑體" pitchFamily="34" charset="-120"/>
-            </a:endParaRPr>
-          </a:p>
-          <a:p>
-            <a:pPr marL="1449388" lvl="2" indent="-285750">
-              <a:buSzPct val="50000"/>
-              <a:buFont typeface="Wingdings" panose="05000000000000000000" pitchFamily="2" charset="2"/>
-              <a:buChar char="n"/>
-              <a:defRPr/>
-            </a:pPr>
-            <a:r>
-              <a:rPr lang="zh-TW" altLang="en-US" sz="1400" dirty="0">
-                <a:latin typeface="微軟正黑體" pitchFamily="34" charset="-120"/>
-              </a:rPr>
-              <a:t>需依實際量測狀況</a:t>
-            </a:r>
-            <a:r>
-              <a:rPr lang="en-US" altLang="zh-TW" sz="1400" dirty="0">
-                <a:latin typeface="微軟正黑體" pitchFamily="34" charset="-120"/>
-              </a:rPr>
-              <a:t>,</a:t>
-            </a:r>
-            <a:r>
-              <a:rPr lang="zh-TW" altLang="en-US" sz="1400" dirty="0">
-                <a:latin typeface="微軟正黑體" pitchFamily="34" charset="-120"/>
-              </a:rPr>
-              <a:t>手動調整</a:t>
-            </a:r>
-            <a:r>
-              <a:rPr lang="zh-TW" altLang="en-US" sz="1400" dirty="0" smtClean="0">
-                <a:latin typeface="微軟正黑體" pitchFamily="34" charset="-120"/>
-              </a:rPr>
-              <a:t>補線</a:t>
-            </a:r>
-            <a:r>
-              <a:rPr lang="zh-TW" altLang="en-US" sz="1400" dirty="0">
-                <a:latin typeface="微軟正黑體" pitchFamily="34" charset="-120"/>
-              </a:rPr>
-              <a:t>寬</a:t>
-            </a:r>
-            <a:r>
-              <a:rPr lang="zh-TW" altLang="en-US" sz="1400" dirty="0" smtClean="0">
-                <a:latin typeface="微軟正黑體" pitchFamily="34" charset="-120"/>
-              </a:rPr>
-              <a:t>值</a:t>
-            </a:r>
-            <a:endParaRPr lang="en-US" altLang="zh-TW" sz="1400" dirty="0">
-              <a:latin typeface="微軟正黑體" pitchFamily="34" charset="-120"/>
-            </a:endParaRPr>
-          </a:p>
-          <a:p>
-            <a:pPr marL="1449388" lvl="2" indent="-285750">
-              <a:buSzPct val="50000"/>
-              <a:buFont typeface="Wingdings" panose="05000000000000000000" pitchFamily="2" charset="2"/>
-              <a:buChar char="n"/>
-              <a:defRPr/>
-            </a:pPr>
-            <a:r>
-              <a:rPr lang="zh-TW" altLang="en-US" sz="1400" dirty="0" smtClean="0">
-                <a:latin typeface="微軟正黑體" pitchFamily="34" charset="-120"/>
-              </a:rPr>
-              <a:t>產品</a:t>
-            </a:r>
-            <a:r>
-              <a:rPr lang="zh-TW" altLang="en-US" sz="1400" dirty="0">
-                <a:latin typeface="微軟正黑體" pitchFamily="34" charset="-120"/>
-              </a:rPr>
-              <a:t>少量多樣下</a:t>
-            </a:r>
-            <a:r>
-              <a:rPr lang="en-US" altLang="zh-TW" sz="1400" dirty="0">
-                <a:latin typeface="微軟正黑體" pitchFamily="34" charset="-120"/>
-              </a:rPr>
-              <a:t>,</a:t>
-            </a:r>
-            <a:r>
-              <a:rPr lang="zh-TW" altLang="en-US" sz="1400" dirty="0">
-                <a:latin typeface="微軟正黑體" pitchFamily="34" charset="-120"/>
-              </a:rPr>
-              <a:t>補值需求增加</a:t>
-            </a:r>
-            <a:r>
-              <a:rPr lang="en-US" altLang="zh-TW" sz="1400" dirty="0" smtClean="0">
-                <a:latin typeface="微軟正黑體" pitchFamily="34" charset="-120"/>
-              </a:rPr>
-              <a:t>,</a:t>
-            </a:r>
-            <a:r>
-              <a:rPr lang="zh-TW" altLang="en-US" sz="1400" dirty="0" smtClean="0">
-                <a:latin typeface="微軟正黑體" pitchFamily="34" charset="-120"/>
-              </a:rPr>
-              <a:t>但</a:t>
-            </a:r>
-            <a:r>
-              <a:rPr lang="zh-TW" altLang="en-US" sz="1400" dirty="0">
-                <a:latin typeface="微軟正黑體" pitchFamily="34" charset="-120"/>
-              </a:rPr>
-              <a:t>量測產能有限</a:t>
-            </a:r>
-          </a:p>
-          <a:p>
-            <a:pPr marL="1200150" lvl="2" indent="-342900">
-              <a:buFont typeface="Wingdings" pitchFamily="2" charset="2"/>
-              <a:buChar char="p"/>
-              <a:defRPr/>
-            </a:pPr>
-            <a:r>
-              <a:rPr lang="zh-TW" altLang="en-US" sz="1400" b="1" dirty="0" smtClean="0">
-                <a:latin typeface="微軟正黑體" pitchFamily="34" charset="-120"/>
-              </a:rPr>
-              <a:t>改善目標</a:t>
-            </a:r>
-            <a:endParaRPr lang="en-US" altLang="zh-TW" sz="1400" b="1" dirty="0" smtClean="0">
-              <a:latin typeface="微軟正黑體" pitchFamily="34" charset="-120"/>
-            </a:endParaRPr>
-          </a:p>
-          <a:p>
-            <a:pPr marL="1449388" lvl="2" indent="-285750">
-              <a:buSzPct val="50000"/>
-              <a:buFont typeface="Wingdings" panose="05000000000000000000" pitchFamily="2" charset="2"/>
-              <a:buChar char="n"/>
-              <a:defRPr/>
-            </a:pPr>
-            <a:r>
-              <a:rPr lang="zh-TW" altLang="en-US" sz="1400" dirty="0" smtClean="0">
-                <a:latin typeface="微軟正黑體" pitchFamily="34" charset="-120"/>
-              </a:rPr>
-              <a:t>機器學習</a:t>
-            </a:r>
-            <a:r>
-              <a:rPr lang="zh-TW" altLang="en-US" sz="1400" dirty="0">
-                <a:latin typeface="微軟正黑體" pitchFamily="34" charset="-120"/>
-              </a:rPr>
-              <a:t>和預測</a:t>
-            </a:r>
-            <a:r>
-              <a:rPr lang="zh-TW" altLang="en-US" sz="1400" dirty="0" smtClean="0">
-                <a:latin typeface="微軟正黑體" pitchFamily="34" charset="-120"/>
-              </a:rPr>
-              <a:t>分析</a:t>
-            </a:r>
-            <a:r>
-              <a:rPr lang="en-US" altLang="zh-TW" sz="1400" dirty="0" smtClean="0">
-                <a:latin typeface="微軟正黑體" pitchFamily="34" charset="-120"/>
-              </a:rPr>
-              <a:t>CD</a:t>
-            </a:r>
-            <a:r>
-              <a:rPr lang="zh-TW" altLang="en-US" sz="1400" dirty="0" smtClean="0">
-                <a:latin typeface="微軟正黑體" pitchFamily="34" charset="-120"/>
-              </a:rPr>
-              <a:t>狀況</a:t>
-            </a:r>
-            <a:endParaRPr lang="en-US" altLang="zh-TW" sz="1400" dirty="0">
-              <a:latin typeface="微軟正黑體" pitchFamily="34" charset="-120"/>
-            </a:endParaRPr>
-          </a:p>
-          <a:p>
-            <a:pPr marL="1449388" lvl="2" indent="-285750">
-              <a:buSzPct val="50000"/>
-              <a:buFont typeface="Wingdings" panose="05000000000000000000" pitchFamily="2" charset="2"/>
-              <a:buChar char="n"/>
-              <a:defRPr/>
-            </a:pPr>
-            <a:r>
-              <a:rPr lang="zh-TW" altLang="en-US" sz="1400" dirty="0" smtClean="0">
-                <a:latin typeface="微軟正黑體" pitchFamily="34" charset="-120"/>
-              </a:rPr>
-              <a:t>資料整合</a:t>
-            </a:r>
-            <a:r>
-              <a:rPr lang="en-US" altLang="zh-TW" sz="1400" dirty="0">
-                <a:latin typeface="微軟正黑體" pitchFamily="34" charset="-120"/>
-              </a:rPr>
-              <a:t>,</a:t>
-            </a:r>
-            <a:r>
-              <a:rPr lang="zh-TW" altLang="en-US" sz="1400" dirty="0">
-                <a:latin typeface="微軟正黑體" pitchFamily="34" charset="-120"/>
-              </a:rPr>
-              <a:t>建立機台參數和產品特性模型</a:t>
-            </a:r>
-            <a:r>
-              <a:rPr lang="zh-TW" altLang="en-US" sz="1400" dirty="0" smtClean="0">
-                <a:latin typeface="微軟正黑體" pitchFamily="34" charset="-120"/>
-              </a:rPr>
-              <a:t>關係</a:t>
-            </a:r>
-            <a:endParaRPr lang="en-US" altLang="zh-TW" sz="1400" dirty="0" smtClean="0">
-              <a:latin typeface="微軟正黑體" pitchFamily="34" charset="-120"/>
-            </a:endParaRPr>
-          </a:p>
-          <a:p>
-            <a:pPr marL="1449388" lvl="2" indent="-285750">
-              <a:buSzPct val="50000"/>
-              <a:buFont typeface="Wingdings" panose="05000000000000000000" pitchFamily="2" charset="2"/>
-              <a:buChar char="n"/>
-              <a:defRPr/>
-            </a:pPr>
-            <a:r>
-              <a:rPr lang="zh-TW" altLang="en-US" sz="1400" b="1" dirty="0" smtClean="0">
-                <a:solidFill>
-                  <a:srgbClr val="006896"/>
-                </a:solidFill>
-                <a:latin typeface="微軟正黑體" pitchFamily="34" charset="-120"/>
-              </a:rPr>
-              <a:t>事前</a:t>
-            </a:r>
-            <a:r>
-              <a:rPr lang="zh-TW" altLang="en-US" sz="1400" b="1" dirty="0">
-                <a:solidFill>
-                  <a:srgbClr val="006896"/>
-                </a:solidFill>
-                <a:latin typeface="微軟正黑體" pitchFamily="34" charset="-120"/>
-              </a:rPr>
-              <a:t>分析</a:t>
-            </a:r>
-            <a:r>
-              <a:rPr lang="en-US" altLang="zh-TW" sz="1400" b="1" dirty="0">
-                <a:solidFill>
-                  <a:srgbClr val="006896"/>
-                </a:solidFill>
-                <a:latin typeface="微軟正黑體" pitchFamily="34" charset="-120"/>
-              </a:rPr>
-              <a:t>,</a:t>
-            </a:r>
-            <a:r>
-              <a:rPr lang="zh-TW" altLang="en-US" sz="1400" b="1" dirty="0">
-                <a:solidFill>
-                  <a:srgbClr val="006896"/>
-                </a:solidFill>
-                <a:latin typeface="微軟正黑體" pitchFamily="34" charset="-120"/>
-              </a:rPr>
-              <a:t>預測開線</a:t>
-            </a:r>
-            <a:r>
-              <a:rPr lang="zh-TW" altLang="en-US" sz="1400" b="1" dirty="0" smtClean="0">
-                <a:solidFill>
-                  <a:srgbClr val="006896"/>
-                </a:solidFill>
-                <a:latin typeface="微軟正黑體" pitchFamily="34" charset="-120"/>
-              </a:rPr>
-              <a:t>參數最佳化寫入機台</a:t>
-            </a:r>
-            <a:r>
-              <a:rPr lang="en-US" altLang="zh-TW" sz="1400" b="1" dirty="0" smtClean="0">
-                <a:solidFill>
-                  <a:srgbClr val="0000FF"/>
-                </a:solidFill>
-                <a:latin typeface="微軟正黑體" pitchFamily="34" charset="-120"/>
-              </a:rPr>
-              <a:t>,</a:t>
-            </a:r>
-            <a:r>
-              <a:rPr lang="en-US" altLang="zh-TW" sz="1400" dirty="0" smtClean="0">
-                <a:latin typeface="微軟正黑體" pitchFamily="34" charset="-120"/>
-              </a:rPr>
-              <a:t>R2R </a:t>
-            </a:r>
-            <a:r>
-              <a:rPr lang="zh-TW" altLang="en-US" sz="1400" dirty="0" smtClean="0">
-                <a:latin typeface="微軟正黑體" pitchFamily="34" charset="-120"/>
-              </a:rPr>
-              <a:t>自動控制線寬</a:t>
-            </a:r>
-            <a:r>
-              <a:rPr lang="en-US" altLang="zh-TW" sz="1400" dirty="0" smtClean="0">
-                <a:latin typeface="微軟正黑體" pitchFamily="34" charset="-120"/>
-              </a:rPr>
-              <a:t>CD</a:t>
-            </a:r>
-            <a:endParaRPr lang="zh-TW" altLang="en-US" sz="1400" dirty="0" smtClean="0">
-              <a:latin typeface="微軟正黑體" pitchFamily="34" charset="-120"/>
-            </a:endParaRPr>
-          </a:p>
-          <a:p>
-            <a:pPr marL="1200150" lvl="2" indent="-342900">
-              <a:buFont typeface="Wingdings" pitchFamily="2" charset="2"/>
-              <a:buChar char="p"/>
-              <a:defRPr/>
-            </a:pPr>
-            <a:r>
-              <a:rPr lang="zh-TW" altLang="en-US" sz="1400" b="1" dirty="0" smtClean="0">
-                <a:latin typeface="微軟正黑體" pitchFamily="34" charset="-120"/>
-              </a:rPr>
-              <a:t>效果呈現</a:t>
-            </a:r>
-            <a:endParaRPr lang="en-US" altLang="zh-TW" sz="1400" b="1" dirty="0" smtClean="0">
-              <a:latin typeface="微軟正黑體" pitchFamily="34" charset="-120"/>
-            </a:endParaRPr>
-          </a:p>
-          <a:p>
-            <a:pPr marL="1449388" lvl="2" indent="-285750">
-              <a:buSzPct val="50000"/>
-              <a:buFont typeface="Wingdings" panose="05000000000000000000" pitchFamily="2" charset="2"/>
-              <a:buChar char="n"/>
-              <a:defRPr/>
-            </a:pPr>
-            <a:r>
-              <a:rPr lang="zh-TW" altLang="en-US" sz="1400" dirty="0">
-                <a:latin typeface="微軟正黑體" pitchFamily="34" charset="-120"/>
-              </a:rPr>
-              <a:t>不同特徵因子變化</a:t>
-            </a:r>
-            <a:r>
-              <a:rPr lang="en-US" altLang="zh-TW" sz="1400" dirty="0" smtClean="0">
-                <a:latin typeface="微軟正黑體" pitchFamily="34" charset="-120"/>
-              </a:rPr>
-              <a:t>,</a:t>
-            </a:r>
-            <a:r>
-              <a:rPr lang="zh-TW" altLang="en-US" sz="1400" dirty="0" smtClean="0">
-                <a:latin typeface="微軟正黑體" pitchFamily="34" charset="-120"/>
-              </a:rPr>
-              <a:t>找出</a:t>
-            </a:r>
-            <a:r>
-              <a:rPr lang="en-US" altLang="zh-TW" sz="1400" dirty="0">
-                <a:latin typeface="微軟正黑體" pitchFamily="34" charset="-120"/>
-              </a:rPr>
-              <a:t>Scan speed</a:t>
-            </a:r>
-            <a:r>
-              <a:rPr lang="zh-TW" altLang="en-US" sz="1400" dirty="0">
-                <a:latin typeface="微軟正黑體" pitchFamily="34" charset="-120"/>
-              </a:rPr>
-              <a:t>最佳化參數</a:t>
-            </a:r>
-            <a:r>
-              <a:rPr lang="en-US" altLang="zh-TW" sz="1400" dirty="0">
-                <a:latin typeface="微軟正黑體" pitchFamily="34" charset="-120"/>
-              </a:rPr>
-              <a:t>,</a:t>
-            </a:r>
-            <a:r>
-              <a:rPr lang="zh-TW" altLang="en-US" sz="1400" dirty="0">
-                <a:latin typeface="微軟正黑體" pitchFamily="34" charset="-120"/>
-              </a:rPr>
-              <a:t>進行</a:t>
-            </a:r>
-            <a:r>
-              <a:rPr lang="en-US" altLang="zh-TW" sz="1400" dirty="0">
-                <a:latin typeface="微軟正黑體" pitchFamily="34" charset="-120"/>
-              </a:rPr>
-              <a:t>R2R</a:t>
-            </a:r>
-            <a:r>
-              <a:rPr lang="zh-TW" altLang="en-US" sz="1400" dirty="0">
-                <a:latin typeface="微軟正黑體" pitchFamily="34" charset="-120"/>
-              </a:rPr>
-              <a:t>補值</a:t>
-            </a:r>
-          </a:p>
-          <a:p>
-            <a:pPr lvl="0">
-              <a:buFont typeface="Wingdings" pitchFamily="2" charset="2"/>
-              <a:buChar char="ü"/>
-              <a:defRPr/>
-            </a:pPr>
-            <a:r>
-              <a:rPr lang="zh-TW" altLang="en-US" sz="1400" dirty="0" smtClean="0"/>
-              <a:t>專案效益：</a:t>
-            </a:r>
-            <a:endParaRPr lang="en-US" altLang="zh-TW" sz="1400" dirty="0" smtClean="0"/>
-          </a:p>
-          <a:p>
-            <a:pPr lvl="1">
-              <a:buFont typeface="+mj-lt"/>
-              <a:buAutoNum type="arabicPeriod"/>
-              <a:defRPr/>
-            </a:pPr>
-            <a:r>
-              <a:rPr lang="zh-TW" altLang="en-US" sz="1400" b="1" dirty="0" smtClean="0">
-                <a:solidFill>
-                  <a:srgbClr val="006896"/>
-                </a:solidFill>
-              </a:rPr>
-              <a:t>自動補</a:t>
-            </a:r>
-            <a:r>
-              <a:rPr lang="en-US" altLang="zh-TW" sz="1400" b="1" dirty="0" smtClean="0">
-                <a:solidFill>
-                  <a:srgbClr val="006896"/>
-                </a:solidFill>
-              </a:rPr>
-              <a:t>CD</a:t>
-            </a:r>
-            <a:r>
-              <a:rPr lang="zh-TW" altLang="en-US" sz="1400" b="1" dirty="0" smtClean="0">
-                <a:solidFill>
-                  <a:srgbClr val="006896"/>
-                </a:solidFill>
-              </a:rPr>
-              <a:t>值</a:t>
-            </a:r>
-            <a:r>
-              <a:rPr lang="en-US" altLang="zh-TW" sz="1400" b="1" dirty="0" smtClean="0">
-                <a:solidFill>
-                  <a:srgbClr val="006896"/>
-                </a:solidFill>
-              </a:rPr>
-              <a:t>,</a:t>
-            </a:r>
-            <a:r>
-              <a:rPr lang="zh-TW" altLang="en-US" sz="1400" b="1" dirty="0" smtClean="0">
-                <a:solidFill>
-                  <a:srgbClr val="006896"/>
-                </a:solidFill>
-              </a:rPr>
-              <a:t>減少人員</a:t>
-            </a:r>
-            <a:r>
-              <a:rPr lang="en-US" altLang="zh-TW" sz="1400" b="1" dirty="0" smtClean="0">
-                <a:solidFill>
-                  <a:srgbClr val="006896"/>
-                </a:solidFill>
-              </a:rPr>
-              <a:t>Loading</a:t>
-            </a:r>
-            <a:endParaRPr lang="en-US" altLang="zh-TW" sz="1400" dirty="0">
-              <a:solidFill>
-                <a:srgbClr val="0033CC"/>
-              </a:solidFill>
-            </a:endParaRPr>
-          </a:p>
-          <a:p>
-            <a:pPr lvl="1">
-              <a:buFont typeface="+mj-lt"/>
-              <a:buAutoNum type="arabicPeriod"/>
-              <a:defRPr/>
-            </a:pPr>
-            <a:r>
-              <a:rPr lang="zh-TW" altLang="en-US" sz="1400" b="1" dirty="0" smtClean="0">
-                <a:solidFill>
-                  <a:srgbClr val="006896"/>
-                </a:solidFill>
-              </a:rPr>
-              <a:t>縮短開線時間</a:t>
-            </a:r>
-            <a:endParaRPr lang="en-US" altLang="zh-TW" sz="1400" dirty="0">
-              <a:solidFill>
-                <a:srgbClr val="0000FF"/>
-              </a:solidFill>
-            </a:endParaRPr>
-          </a:p>
-          <a:p>
-            <a:pPr lvl="1">
-              <a:buFont typeface="+mj-lt"/>
-              <a:buAutoNum type="arabicPeriod"/>
-              <a:defRPr/>
-            </a:pPr>
-            <a:r>
-              <a:rPr lang="zh-TW" altLang="en-US" sz="1400" b="1" dirty="0" smtClean="0">
-                <a:solidFill>
-                  <a:srgbClr val="006896"/>
-                </a:solidFill>
-              </a:rPr>
-              <a:t>提升</a:t>
-            </a:r>
-            <a:r>
-              <a:rPr lang="zh-TW" altLang="en-US" sz="1400" b="1" dirty="0">
-                <a:solidFill>
-                  <a:srgbClr val="006896"/>
-                </a:solidFill>
-              </a:rPr>
-              <a:t>產品品質穩定</a:t>
-            </a:r>
-          </a:p>
-          <a:p>
-            <a:pPr lvl="0">
-              <a:buFont typeface="Wingdings" pitchFamily="2" charset="2"/>
-              <a:buChar char="ü"/>
-              <a:defRPr/>
-            </a:pPr>
-            <a:endParaRPr lang="en-US" altLang="zh-TW" sz="1400" dirty="0" smtClean="0"/>
-          </a:p>
-        </p:txBody>
-      </p:sp>
-      <p:sp>
-        <p:nvSpPr>
-          <p:cNvPr id="2" name="標題 1"/>
-          <p:cNvSpPr>
-            <a:spLocks noGrp="1"/>
-          </p:cNvSpPr>
-          <p:nvPr>
-            <p:ph type="title"/>
-          </p:nvPr>
-        </p:nvSpPr>
-        <p:spPr>
-          <a:xfrm>
-            <a:off x="466726" y="87474"/>
-            <a:ext cx="7705725" cy="857250"/>
-          </a:xfrm>
-        </p:spPr>
-        <p:txBody>
-          <a:bodyPr>
-            <a:normAutofit/>
-          </a:bodyPr>
-          <a:lstStyle/>
-          <a:p>
-            <a:r>
-              <a:rPr lang="zh-TW" altLang="en-US" dirty="0" smtClean="0"/>
-              <a:t>專案評估報告</a:t>
-            </a:r>
-            <a:r>
-              <a:rPr lang="en-US" altLang="zh-TW" dirty="0" smtClean="0"/>
-              <a:t>-</a:t>
-            </a:r>
-            <a:r>
-              <a:rPr lang="zh-TW" altLang="en-US" sz="2400" dirty="0" smtClean="0">
-                <a:solidFill>
-                  <a:srgbClr val="006896"/>
-                </a:solidFill>
-              </a:rPr>
-              <a:t>機器學習的最佳化方法</a:t>
-            </a:r>
-            <a:endParaRPr lang="zh-TW" altLang="en-US" sz="2400" dirty="0">
-              <a:solidFill>
-                <a:srgbClr val="006896"/>
-              </a:solidFill>
-            </a:endParaRPr>
-          </a:p>
-        </p:txBody>
-      </p:sp>
-    </p:spTree>
-    <p:extLst>
-      <p:ext uri="{BB962C8B-B14F-4D97-AF65-F5344CB8AC3E}">
-        <p14:creationId xmlns:p14="http://schemas.microsoft.com/office/powerpoint/2010/main" val="2487499319"/>
-      </p:ext>
-    </p:extLst>
-  </p:cSld>
-  <p:clrMapOvr>
-    <a:masterClrMapping/>
-  </p:clrMapOvr>
-  <p:timing>
-    <p:tnLst>
-      <p:par>
-        <p:cTn id="1" dur="indefinite" restart="never" nodeType="tmRoot"/>
-      </p:par>
-    </p:tnLst>
-  </p:timing>
-</p:sld>
-</file>
-
-<file path=ppt/slides/slide3.xml><?xml version="1.0" encoding="utf-8"?>
-<p:sld xmlns:a="http://schemas.openxmlformats.org/drawingml/2006/main" xmlns:r="http://schemas.openxmlformats.org/officeDocument/2006/relationships" xmlns:p="http://schemas.openxmlformats.org/presentationml/2006/main">
-  <p:cSld>
-    <p:spTree>
-      <p:nvGrpSpPr>
-        <p:cNvPr id="1" name=""/>
-        <p:cNvGrpSpPr/>
-        <p:nvPr/>
-      </p:nvGrpSpPr>
-      <p:grpSpPr>
-        <a:xfrm>
-          <a:off x="0" y="0"/>
-          <a:ext cx="0" cy="0"/>
-          <a:chOff x="0" y="0"/>
-          <a:chExt cx="0" cy="0"/>
-        </a:xfrm>
-      </p:grpSpPr>
+      </p:pic>
       <p:sp>
         <p:nvSpPr>
           <p:cNvPr id="3" name="標題 2"/>
@@ -9246,7 +7647,12 @@
             <p:ph type="title"/>
           </p:nvPr>
         </p:nvSpPr>
-        <p:spPr/>
+        <p:spPr>
+          <a:xfrm>
+            <a:off x="18559" y="46969"/>
+            <a:ext cx="9144000" cy="1170130"/>
+          </a:xfrm>
+        </p:spPr>
         <p:txBody>
           <a:bodyPr>
             <a:normAutofit/>
@@ -9254,18 +7660,42 @@
           <a:lstStyle/>
           <a:p>
             <a:r>
-              <a:rPr lang="zh-TW" altLang="en-US" sz="2400" dirty="0" smtClean="0"/>
+              <a:rPr lang="zh-TW" altLang="en-US" sz="2800" dirty="0">
+                <a:solidFill>
+                  <a:schemeClr val="bg1">
+                    <a:alpha val="90000"/>
+                  </a:schemeClr>
+                </a:solidFill>
+              </a:rPr>
               <a:t>最佳化 </a:t>
             </a:r>
             <a:r>
-              <a:rPr lang="en-US" altLang="zh-TW" sz="2400" dirty="0" smtClean="0"/>
+              <a:rPr lang="en-US" altLang="zh-TW" sz="2800" dirty="0">
+                <a:solidFill>
+                  <a:schemeClr val="bg1">
+                    <a:alpha val="90000"/>
+                  </a:schemeClr>
+                </a:solidFill>
+              </a:rPr>
               <a:t>–ML</a:t>
             </a:r>
             <a:r>
-              <a:rPr lang="zh-TW" altLang="en-US" sz="2400" dirty="0" smtClean="0"/>
+              <a:rPr lang="zh-TW" altLang="en-US" sz="2800" dirty="0">
+                <a:solidFill>
+                  <a:schemeClr val="bg1">
+                    <a:alpha val="90000"/>
+                  </a:schemeClr>
+                </a:solidFill>
+              </a:rPr>
               <a:t>決策支援報表</a:t>
             </a:r>
-            <a:endParaRPr lang="zh-TW" altLang="en-US" sz="2400" dirty="0"/>
+            <a:endParaRPr lang="zh-TW" altLang="en-US" sz="2800" dirty="0">
+              <a:solidFill>
+                <a:schemeClr val="bg1">
+                  <a:alpha val="90000"/>
+                </a:schemeClr>
+              </a:solidFill>
+            </a:endParaRPr>
           </a:p>
         </p:txBody>
       </p:sp>
@@ -9277,7 +7707,7 @@
         </p:nvSpPr>
         <p:spPr>
           <a:xfrm>
-            <a:off x="1826695" y="1179661"/>
+            <a:off x="1736685" y="1495690"/>
             <a:ext cx="1485165" cy="450050"/>
           </a:xfrm>
           <a:prstGeom prst="homePlate">
@@ -9384,7 +7814,7 @@
         </p:nvGrpSpPr>
         <p:grpSpPr>
           <a:xfrm>
-            <a:off x="3851920" y="1176595"/>
+            <a:off x="3761910" y="1492624"/>
             <a:ext cx="1552673" cy="695395"/>
             <a:chOff x="3851920" y="1176595"/>
             <a:chExt cx="1552673" cy="695395"/>
@@ -9572,7 +8002,7 @@
         </p:nvGrpSpPr>
         <p:grpSpPr>
           <a:xfrm>
-            <a:off x="5938516" y="1176595"/>
+            <a:off x="5848506" y="1492624"/>
             <a:ext cx="1558809" cy="695395"/>
             <a:chOff x="5938516" y="1176595"/>
             <a:chExt cx="1558809" cy="695395"/>
@@ -9760,7 +8190,7 @@
           <p:nvPr/>
         </p:nvPicPr>
         <p:blipFill>
-          <a:blip r:embed="rId3" cstate="print">
+          <a:blip r:embed="rId4" cstate="print">
             <a:extLst>
               <a:ext uri="{28A0092B-C50C-407E-A947-70E740481C1C}">
                 <a14:useLocalDpi xmlns:a14="http://schemas.microsoft.com/office/drawing/2010/main" val="0"/>
@@ -9773,7 +8203,7 @@
         </p:blipFill>
         <p:spPr>
           <a:xfrm>
-            <a:off x="4795262" y="2180962"/>
+            <a:off x="4705252" y="2496991"/>
             <a:ext cx="1289894" cy="1289894"/>
           </a:xfrm>
           <a:prstGeom prst="rect">
@@ -9789,7 +8219,7 @@
         </p:nvGrpSpPr>
         <p:grpSpPr>
           <a:xfrm>
-            <a:off x="3351021" y="2120549"/>
+            <a:off x="3261011" y="2436578"/>
             <a:ext cx="1081112" cy="1171281"/>
             <a:chOff x="3351021" y="2120549"/>
             <a:chExt cx="1081112" cy="1171281"/>
@@ -9804,7 +8234,7 @@
             <p:nvPr/>
           </p:nvPicPr>
           <p:blipFill>
-            <a:blip r:embed="rId4" cstate="print">
+            <a:blip r:embed="rId5" cstate="print">
               <a:extLst>
                 <a:ext uri="{28A0092B-C50C-407E-A947-70E740481C1C}">
                   <a14:useLocalDpi xmlns:a14="http://schemas.microsoft.com/office/drawing/2010/main" val="0"/>
@@ -10065,7 +8495,7 @@
           <p:nvPr/>
         </p:nvPicPr>
         <p:blipFill>
-          <a:blip r:embed="rId5" cstate="print">
+          <a:blip r:embed="rId6" cstate="print">
             <a:extLst>
               <a:ext uri="{28A0092B-C50C-407E-A947-70E740481C1C}">
                 <a14:useLocalDpi xmlns:a14="http://schemas.microsoft.com/office/drawing/2010/main" val="0"/>
@@ -10241,7 +8671,7 @@
           <p:nvPr/>
         </p:nvPicPr>
         <p:blipFill>
-          <a:blip r:embed="rId6" cstate="print">
+          <a:blip r:embed="rId7" cstate="print">
             <a:extLst>
               <a:ext uri="{28A0092B-C50C-407E-A947-70E740481C1C}">
                 <a14:useLocalDpi xmlns:a14="http://schemas.microsoft.com/office/drawing/2010/main" val="0"/>
@@ -10334,7 +8764,7 @@
             <p:nvPr/>
           </p:nvPicPr>
           <p:blipFill>
-            <a:blip r:embed="rId7" cstate="print">
+            <a:blip r:embed="rId8" cstate="print">
               <a:extLst>
                 <a:ext uri="{28A0092B-C50C-407E-A947-70E740481C1C}">
                   <a14:useLocalDpi xmlns:a14="http://schemas.microsoft.com/office/drawing/2010/main" val="0"/>
@@ -10356,6 +8786,38 @@
           </p:spPr>
         </p:pic>
       </p:grpSp>
+      <p:pic>
+        <p:nvPicPr>
+          <p:cNvPr id="34" name="Picture 16" descr="C:\Documents and Settings\tomcctang\桌面\auo.png"/>
+          <p:cNvPicPr>
+            <a:picLocks noChangeAspect="1" noChangeArrowheads="1"/>
+          </p:cNvPicPr>
+          <p:nvPr/>
+        </p:nvPicPr>
+        <p:blipFill>
+          <a:blip r:embed="rId9" cstate="print"/>
+          <a:srcRect/>
+          <a:stretch>
+            <a:fillRect/>
+          </a:stretch>
+        </p:blipFill>
+        <p:spPr bwMode="auto">
+          <a:xfrm>
+            <a:off x="8082390" y="219686"/>
+            <a:ext cx="814387" cy="288925"/>
+          </a:xfrm>
+          <a:prstGeom prst="rect">
+            <a:avLst/>
+          </a:prstGeom>
+          <a:noFill/>
+          <a:ln w="9525">
+            <a:noFill/>
+            <a:miter lim="800000"/>
+            <a:headEnd/>
+            <a:tailEnd/>
+          </a:ln>
+        </p:spPr>
+      </p:pic>
     </p:spTree>
     <p:extLst>
       <p:ext uri="{BB962C8B-B14F-4D97-AF65-F5344CB8AC3E}">
@@ -10899,7 +9361,7 @@
 </p:sld>
 </file>
 
-<file path=ppt/slides/slide4.xml><?xml version="1.0" encoding="utf-8"?>
+<file path=ppt/slides/slide3.xml><?xml version="1.0" encoding="utf-8"?>
 <p:sld xmlns:a="http://schemas.openxmlformats.org/drawingml/2006/main" xmlns:r="http://schemas.openxmlformats.org/officeDocument/2006/relationships" xmlns:p="http://schemas.openxmlformats.org/presentationml/2006/main">
   <p:cSld>
     <p:spTree>
@@ -10918,126 +9380,6 @@
       </p:grpSpPr>
       <p:sp>
         <p:nvSpPr>
-          <p:cNvPr id="19" name="圓角矩形 18"/>
-          <p:cNvSpPr/>
-          <p:nvPr/>
-        </p:nvSpPr>
-        <p:spPr>
-          <a:xfrm>
-            <a:off x="5847494" y="1833487"/>
-            <a:ext cx="2790310" cy="945297"/>
-          </a:xfrm>
-          <a:prstGeom prst="roundRect">
-            <a:avLst/>
-          </a:prstGeom>
-          <a:solidFill>
-            <a:schemeClr val="bg1">
-              <a:lumMod val="75000"/>
-            </a:schemeClr>
-          </a:solidFill>
-          <a:ln>
-            <a:noFill/>
-          </a:ln>
-          <a:scene3d>
-            <a:camera prst="orthographicFront"/>
-            <a:lightRig rig="threePt" dir="t"/>
-          </a:scene3d>
-          <a:sp3d extrusionH="69850" contourW="12700">
-            <a:bevelT/>
-            <a:extrusionClr>
-              <a:schemeClr val="bg1"/>
-            </a:extrusionClr>
-            <a:contourClr>
-              <a:schemeClr val="bg1"/>
-            </a:contourClr>
-          </a:sp3d>
-        </p:spPr>
-        <p:style>
-          <a:lnRef idx="2">
-            <a:schemeClr val="accent1">
-              <a:shade val="50000"/>
-            </a:schemeClr>
-          </a:lnRef>
-          <a:fillRef idx="1">
-            <a:schemeClr val="accent1"/>
-          </a:fillRef>
-          <a:effectRef idx="0">
-            <a:schemeClr val="accent1"/>
-          </a:effectRef>
-          <a:fontRef idx="minor">
-            <a:schemeClr val="lt1"/>
-          </a:fontRef>
-        </p:style>
-        <p:txBody>
-          <a:bodyPr rtlCol="0" anchor="ctr"/>
-          <a:lstStyle/>
-          <a:p>
-            <a:pPr algn="ctr"/>
-            <a:endParaRPr lang="zh-TW" altLang="en-US"/>
-          </a:p>
-        </p:txBody>
-      </p:sp>
-      <p:sp>
-        <p:nvSpPr>
-          <p:cNvPr id="4" name="圓角矩形 3"/>
-          <p:cNvSpPr/>
-          <p:nvPr/>
-        </p:nvSpPr>
-        <p:spPr>
-          <a:xfrm>
-            <a:off x="714070" y="1148260"/>
-            <a:ext cx="4455495" cy="2647215"/>
-          </a:xfrm>
-          <a:prstGeom prst="roundRect">
-            <a:avLst/>
-          </a:prstGeom>
-          <a:solidFill>
-            <a:srgbClr val="A6CADA"/>
-          </a:solidFill>
-          <a:ln>
-            <a:noFill/>
-          </a:ln>
-          <a:scene3d>
-            <a:camera prst="orthographicFront"/>
-            <a:lightRig rig="threePt" dir="t"/>
-          </a:scene3d>
-          <a:sp3d extrusionH="69850" contourW="12700">
-            <a:bevelT/>
-            <a:extrusionClr>
-              <a:schemeClr val="bg1"/>
-            </a:extrusionClr>
-            <a:contourClr>
-              <a:schemeClr val="bg1"/>
-            </a:contourClr>
-          </a:sp3d>
-        </p:spPr>
-        <p:style>
-          <a:lnRef idx="2">
-            <a:schemeClr val="accent1">
-              <a:shade val="50000"/>
-            </a:schemeClr>
-          </a:lnRef>
-          <a:fillRef idx="1">
-            <a:schemeClr val="accent1"/>
-          </a:fillRef>
-          <a:effectRef idx="0">
-            <a:schemeClr val="accent1"/>
-          </a:effectRef>
-          <a:fontRef idx="minor">
-            <a:schemeClr val="lt1"/>
-          </a:fontRef>
-        </p:style>
-        <p:txBody>
-          <a:bodyPr rtlCol="0" anchor="ctr"/>
-          <a:lstStyle/>
-          <a:p>
-            <a:pPr algn="ctr"/>
-            <a:endParaRPr lang="zh-TW" altLang="en-US"/>
-          </a:p>
-        </p:txBody>
-      </p:sp>
-      <p:sp>
-        <p:nvSpPr>
           <p:cNvPr id="3" name="標題 2"/>
           <p:cNvSpPr>
             <a:spLocks noGrp="1"/>
@@ -11046,26 +9388,55 @@
             <p:ph type="title"/>
           </p:nvPr>
         </p:nvSpPr>
-        <p:spPr/>
+        <p:spPr>
+          <a:xfrm>
+            <a:off x="47152" y="34401"/>
+            <a:ext cx="4189155" cy="524377"/>
+          </a:xfrm>
+        </p:spPr>
         <p:txBody>
           <a:bodyPr>
-            <a:normAutofit/>
+            <a:noAutofit/>
           </a:bodyPr>
           <a:lstStyle/>
           <a:p>
             <a:r>
-              <a:rPr lang="zh-TW" altLang="en-US" sz="2400" dirty="0" smtClean="0"/>
+              <a:rPr lang="zh-TW" altLang="en-US" sz="2800" dirty="0" smtClean="0">
+                <a:solidFill>
+                  <a:schemeClr val="bg1">
+                    <a:alpha val="90000"/>
+                  </a:schemeClr>
+                </a:solidFill>
+              </a:rPr>
               <a:t>最佳化 </a:t>
             </a:r>
             <a:r>
-              <a:rPr lang="en-US" altLang="zh-TW" sz="2400" dirty="0" smtClean="0"/>
+              <a:rPr lang="en-US" altLang="zh-TW" sz="2800" dirty="0" smtClean="0">
+                <a:solidFill>
+                  <a:schemeClr val="bg1">
+                    <a:alpha val="90000"/>
+                  </a:schemeClr>
+                </a:solidFill>
+              </a:rPr>
               <a:t>–ML</a:t>
             </a:r>
             <a:r>
-              <a:rPr lang="zh-TW" altLang="en-US" sz="2400" dirty="0" smtClean="0"/>
+              <a:rPr lang="zh-TW" altLang="en-US" sz="2800" dirty="0" smtClean="0">
+                <a:solidFill>
+                  <a:schemeClr val="bg1">
+                    <a:alpha val="90000"/>
+                  </a:schemeClr>
+                </a:solidFill>
+              </a:rPr>
               <a:t>決策支援報表</a:t>
             </a:r>
-            <a:endParaRPr lang="zh-TW" altLang="en-US" sz="2400" dirty="0"/>
+            <a:endParaRPr lang="zh-TW" altLang="en-US" sz="2800" dirty="0">
+              <a:solidFill>
+                <a:schemeClr val="bg1">
+                  <a:alpha val="90000"/>
+                </a:schemeClr>
+              </a:solidFill>
+            </a:endParaRPr>
           </a:p>
         </p:txBody>
       </p:sp>
@@ -11077,7 +9448,7 @@
         </p:nvSpPr>
         <p:spPr>
           <a:xfrm>
-            <a:off x="971600" y="1131590"/>
+            <a:off x="354366" y="5259090"/>
             <a:ext cx="4275475" cy="2893100"/>
           </a:xfrm>
           <a:prstGeom prst="rect">
@@ -11651,297 +10022,6 @@
           </a:p>
         </p:txBody>
       </p:sp>
-      <p:sp>
-        <p:nvSpPr>
-          <p:cNvPr id="18" name="矩形 17"/>
-          <p:cNvSpPr/>
-          <p:nvPr/>
-        </p:nvSpPr>
-        <p:spPr>
-          <a:xfrm>
-            <a:off x="5992445" y="2009159"/>
-            <a:ext cx="2436886" cy="646331"/>
-          </a:xfrm>
-          <a:prstGeom prst="rect">
-            <a:avLst/>
-          </a:prstGeom>
-          <a:noFill/>
-          <a:scene3d>
-            <a:camera prst="orthographicFront"/>
-            <a:lightRig rig="threePt" dir="t"/>
-          </a:scene3d>
-          <a:sp3d>
-            <a:bevelT w="165100" prst="coolSlant"/>
-          </a:sp3d>
-        </p:spPr>
-        <p:txBody>
-          <a:bodyPr wrap="none">
-            <a:spAutoFit/>
-          </a:bodyPr>
-          <a:lstStyle/>
-          <a:p>
-            <a:r>
-              <a:rPr lang="zh-TW" altLang="en-US" sz="1200" dirty="0" smtClean="0">
-                <a:solidFill>
-                  <a:schemeClr val="tx1">
-                    <a:lumMod val="75000"/>
-                    <a:lumOff val="25000"/>
-                  </a:schemeClr>
-                </a:solidFill>
-              </a:rPr>
-              <a:t>場域應用：</a:t>
-            </a:r>
-            <a:r>
-              <a:rPr lang="en-US" altLang="zh-TW" sz="1200" dirty="0" smtClean="0">
-                <a:solidFill>
-                  <a:schemeClr val="tx1">
-                    <a:lumMod val="75000"/>
-                    <a:lumOff val="25000"/>
-                  </a:schemeClr>
-                </a:solidFill>
-              </a:rPr>
-              <a:t>1. LC</a:t>
-            </a:r>
-            <a:r>
-              <a:rPr lang="zh-TW" altLang="en-US" sz="1200" dirty="0" smtClean="0">
-                <a:solidFill>
-                  <a:schemeClr val="tx1">
-                    <a:lumMod val="75000"/>
-                    <a:lumOff val="25000"/>
-                  </a:schemeClr>
-                </a:solidFill>
-              </a:rPr>
-              <a:t> </a:t>
-            </a:r>
-            <a:r>
-              <a:rPr lang="en-US" altLang="zh-TW" sz="1200" dirty="0" smtClean="0">
-                <a:solidFill>
-                  <a:schemeClr val="tx1">
-                    <a:lumMod val="75000"/>
-                    <a:lumOff val="25000"/>
-                  </a:schemeClr>
-                </a:solidFill>
-              </a:rPr>
-              <a:t>margin</a:t>
-            </a:r>
-            <a:r>
-              <a:rPr lang="zh-TW" altLang="en-US" sz="1200" dirty="0" smtClean="0">
-                <a:solidFill>
-                  <a:schemeClr val="tx1">
-                    <a:lumMod val="75000"/>
-                    <a:lumOff val="25000"/>
-                  </a:schemeClr>
-                </a:solidFill>
-              </a:rPr>
-              <a:t> </a:t>
-            </a:r>
-            <a:r>
-              <a:rPr lang="en-US" altLang="zh-TW" sz="1200" dirty="0" smtClean="0">
-                <a:solidFill>
-                  <a:schemeClr val="tx1">
-                    <a:lumMod val="75000"/>
-                    <a:lumOff val="25000"/>
-                  </a:schemeClr>
-                </a:solidFill>
-              </a:rPr>
-              <a:t>VM</a:t>
-            </a:r>
-            <a:r>
-              <a:rPr lang="zh-TW" altLang="en-US" sz="1200" dirty="0" smtClean="0">
-                <a:solidFill>
-                  <a:schemeClr val="tx1">
-                    <a:lumMod val="75000"/>
-                    <a:lumOff val="25000"/>
-                  </a:schemeClr>
-                </a:solidFill>
-              </a:rPr>
-              <a:t>模組化</a:t>
-            </a:r>
-            <a:r>
-              <a:rPr lang="en-US" altLang="zh-TW" sz="1200" dirty="0" smtClean="0">
-                <a:solidFill>
-                  <a:schemeClr val="tx1">
-                    <a:lumMod val="75000"/>
-                    <a:lumOff val="25000"/>
-                  </a:schemeClr>
-                </a:solidFill>
-              </a:rPr>
-              <a:t/>
-            </a:r>
-            <a:br>
-              <a:rPr lang="en-US" altLang="zh-TW" sz="1200" dirty="0" smtClean="0">
-                <a:solidFill>
-                  <a:schemeClr val="tx1">
-                    <a:lumMod val="75000"/>
-                    <a:lumOff val="25000"/>
-                  </a:schemeClr>
-                </a:solidFill>
-              </a:rPr>
-            </a:br>
-            <a:r>
-              <a:rPr lang="en-US" altLang="zh-TW" sz="1200" dirty="0">
-                <a:solidFill>
-                  <a:schemeClr val="tx1">
-                    <a:lumMod val="75000"/>
-                    <a:lumOff val="25000"/>
-                  </a:schemeClr>
-                </a:solidFill>
-              </a:rPr>
-              <a:t> </a:t>
-            </a:r>
-            <a:r>
-              <a:rPr lang="en-US" altLang="zh-TW" sz="1200" dirty="0" smtClean="0">
-                <a:solidFill>
-                  <a:schemeClr val="tx1">
-                    <a:lumMod val="75000"/>
-                    <a:lumOff val="25000"/>
-                  </a:schemeClr>
-                </a:solidFill>
-              </a:rPr>
-              <a:t>                 2. PEP1</a:t>
-            </a:r>
-            <a:r>
-              <a:rPr lang="zh-TW" altLang="en-US" sz="1200" dirty="0" smtClean="0">
-                <a:solidFill>
-                  <a:schemeClr val="tx1">
-                    <a:lumMod val="75000"/>
-                    <a:lumOff val="25000"/>
-                  </a:schemeClr>
-                </a:solidFill>
-              </a:rPr>
-              <a:t> </a:t>
-            </a:r>
-            <a:r>
-              <a:rPr lang="en-US" altLang="zh-TW" sz="1200" dirty="0" smtClean="0">
-                <a:solidFill>
-                  <a:schemeClr val="tx1">
-                    <a:lumMod val="75000"/>
-                    <a:lumOff val="25000"/>
-                  </a:schemeClr>
-                </a:solidFill>
-              </a:rPr>
-              <a:t>CD</a:t>
-            </a:r>
-            <a:r>
-              <a:rPr lang="zh-TW" altLang="en-US" sz="1200" dirty="0" smtClean="0">
-                <a:solidFill>
-                  <a:schemeClr val="tx1">
-                    <a:lumMod val="75000"/>
-                    <a:lumOff val="25000"/>
-                  </a:schemeClr>
-                </a:solidFill>
-              </a:rPr>
-              <a:t> </a:t>
-            </a:r>
-            <a:r>
-              <a:rPr lang="en-US" altLang="zh-TW" sz="1200" dirty="0" smtClean="0">
-                <a:solidFill>
-                  <a:schemeClr val="tx1">
-                    <a:lumMod val="75000"/>
-                    <a:lumOff val="25000"/>
-                  </a:schemeClr>
-                </a:solidFill>
-              </a:rPr>
-              <a:t>R2R</a:t>
-            </a:r>
-            <a:r>
-              <a:rPr lang="zh-TW" altLang="en-US" sz="1200" dirty="0" smtClean="0">
-                <a:solidFill>
-                  <a:schemeClr val="tx1">
-                    <a:lumMod val="75000"/>
-                    <a:lumOff val="25000"/>
-                  </a:schemeClr>
-                </a:solidFill>
-              </a:rPr>
-              <a:t>補值</a:t>
-            </a:r>
-            <a:r>
-              <a:rPr lang="en-US" altLang="zh-TW" sz="1200" dirty="0">
-                <a:solidFill>
-                  <a:schemeClr val="tx1">
-                    <a:lumMod val="75000"/>
-                    <a:lumOff val="25000"/>
-                  </a:schemeClr>
-                </a:solidFill>
-              </a:rPr>
-              <a:t/>
-            </a:r>
-            <a:br>
-              <a:rPr lang="en-US" altLang="zh-TW" sz="1200" dirty="0">
-                <a:solidFill>
-                  <a:schemeClr val="tx1">
-                    <a:lumMod val="75000"/>
-                    <a:lumOff val="25000"/>
-                  </a:schemeClr>
-                </a:solidFill>
-              </a:rPr>
-            </a:br>
-            <a:r>
-              <a:rPr lang="en-US" altLang="zh-TW" sz="1200" dirty="0">
-                <a:solidFill>
-                  <a:schemeClr val="tx1">
-                    <a:lumMod val="75000"/>
-                    <a:lumOff val="25000"/>
-                  </a:schemeClr>
-                </a:solidFill>
-              </a:rPr>
-              <a:t> </a:t>
-            </a:r>
-            <a:r>
-              <a:rPr lang="en-US" altLang="zh-TW" sz="1200" dirty="0" smtClean="0">
-                <a:solidFill>
-                  <a:schemeClr val="tx1">
-                    <a:lumMod val="75000"/>
-                    <a:lumOff val="25000"/>
-                  </a:schemeClr>
-                </a:solidFill>
-              </a:rPr>
-              <a:t>                 3. CF</a:t>
-            </a:r>
-            <a:r>
-              <a:rPr lang="zh-TW" altLang="en-US" sz="1200" dirty="0" smtClean="0">
-                <a:solidFill>
-                  <a:schemeClr val="tx1">
-                    <a:lumMod val="75000"/>
-                    <a:lumOff val="25000"/>
-                  </a:schemeClr>
-                </a:solidFill>
-              </a:rPr>
-              <a:t> </a:t>
-            </a:r>
-            <a:r>
-              <a:rPr lang="en-US" altLang="zh-TW" sz="1200" dirty="0" smtClean="0">
-                <a:solidFill>
-                  <a:schemeClr val="tx1">
-                    <a:lumMod val="75000"/>
-                    <a:lumOff val="25000"/>
-                  </a:schemeClr>
-                </a:solidFill>
-              </a:rPr>
-              <a:t>CD/OL</a:t>
-            </a:r>
-            <a:r>
-              <a:rPr lang="zh-TW" altLang="en-US" sz="1200" dirty="0" smtClean="0">
-                <a:solidFill>
-                  <a:schemeClr val="tx1">
-                    <a:lumMod val="75000"/>
-                    <a:lumOff val="25000"/>
-                  </a:schemeClr>
-                </a:solidFill>
-              </a:rPr>
-              <a:t>開線</a:t>
-            </a:r>
-            <a:endParaRPr lang="zh-TW" altLang="en-US" sz="1200" dirty="0">
-              <a:solidFill>
-                <a:schemeClr val="tx1">
-                  <a:lumMod val="75000"/>
-                  <a:lumOff val="25000"/>
-                </a:schemeClr>
-              </a:solidFill>
-            </a:endParaRPr>
-          </a:p>
-        </p:txBody>
-      </p:sp>
       <p:pic>
         <p:nvPicPr>
           <p:cNvPr id="1026" name="Picture 2" descr="File:Scikit learn logo small.svg"/>
@@ -11965,7 +10045,7 @@
         </p:blipFill>
         <p:spPr bwMode="auto">
           <a:xfrm>
-            <a:off x="6286743" y="3013172"/>
+            <a:off x="5184948" y="3438977"/>
             <a:ext cx="1124605" cy="605557"/>
           </a:xfrm>
           <a:prstGeom prst="rect">
@@ -11991,8 +10071,8 @@
         </p:nvGrpSpPr>
         <p:grpSpPr>
           <a:xfrm>
-            <a:off x="8193581" y="2934063"/>
-            <a:ext cx="819159" cy="763774"/>
+            <a:off x="7355344" y="3355145"/>
+            <a:ext cx="874420" cy="848810"/>
             <a:chOff x="8206569" y="2928333"/>
             <a:chExt cx="819159" cy="763774"/>
           </a:xfrm>
@@ -12066,189 +10146,1240 @@
           </p:spPr>
         </p:pic>
       </p:grpSp>
-      <p:grpSp>
-        <p:nvGrpSpPr>
-          <p:cNvPr id="27" name="群組 26"/>
-          <p:cNvGrpSpPr/>
+      <p:pic>
+        <p:nvPicPr>
+          <p:cNvPr id="20" name="圖片 19"/>
+          <p:cNvPicPr>
+            <a:picLocks noChangeAspect="1"/>
+          </p:cNvPicPr>
           <p:nvPr/>
-        </p:nvGrpSpPr>
-        <p:grpSpPr>
+        </p:nvPicPr>
+        <p:blipFill>
+          <a:blip r:embed="rId5">
+            <a:extLst>
+              <a:ext uri="{28A0092B-C50C-407E-A947-70E740481C1C}">
+                <a14:useLocalDpi xmlns:a14="http://schemas.microsoft.com/office/drawing/2010/main" val="0"/>
+              </a:ext>
+            </a:extLst>
+          </a:blip>
+          <a:stretch>
+            <a:fillRect/>
+          </a:stretch>
+        </p:blipFill>
+        <p:spPr>
           <a:xfrm>
-            <a:off x="5472100" y="2925036"/>
-            <a:ext cx="759988" cy="861849"/>
-            <a:chOff x="5512476" y="3057692"/>
-            <a:chExt cx="759988" cy="861849"/>
+            <a:off x="4069058" y="3323131"/>
+            <a:ext cx="912838" cy="912838"/>
           </a:xfrm>
-        </p:grpSpPr>
-        <p:pic>
-          <p:nvPicPr>
-            <p:cNvPr id="20" name="圖片 19"/>
-            <p:cNvPicPr>
-              <a:picLocks noChangeAspect="1"/>
-            </p:cNvPicPr>
-            <p:nvPr/>
-          </p:nvPicPr>
-          <p:blipFill>
-            <a:blip r:embed="rId5">
-              <a:extLst>
-                <a:ext uri="{28A0092B-C50C-407E-A947-70E740481C1C}">
-                  <a14:useLocalDpi xmlns:a14="http://schemas.microsoft.com/office/drawing/2010/main" val="0"/>
-                </a:ext>
-              </a:extLst>
-            </a:blip>
-            <a:stretch>
-              <a:fillRect/>
-            </a:stretch>
-          </p:blipFill>
-          <p:spPr>
-            <a:xfrm>
-              <a:off x="5512476" y="3057692"/>
-              <a:ext cx="703995" cy="703995"/>
-            </a:xfrm>
-            <a:prstGeom prst="rect">
-              <a:avLst/>
-            </a:prstGeom>
-          </p:spPr>
-        </p:pic>
-        <p:sp>
-          <p:nvSpPr>
-            <p:cNvPr id="25" name="文字方塊 24"/>
-            <p:cNvSpPr txBox="1"/>
-            <p:nvPr/>
-          </p:nvSpPr>
-          <p:spPr>
-            <a:xfrm>
-              <a:off x="5552384" y="3642542"/>
-              <a:ext cx="720080" cy="276999"/>
-            </a:xfrm>
-            <a:prstGeom prst="rect">
-              <a:avLst/>
-            </a:prstGeom>
-            <a:noFill/>
-          </p:spPr>
-          <p:txBody>
-            <a:bodyPr wrap="square" rtlCol="0">
-              <a:spAutoFit/>
-            </a:bodyPr>
-            <a:lstStyle/>
-            <a:p>
-              <a:r>
-                <a:rPr lang="en-US" altLang="zh-TW" sz="1200" dirty="0" smtClean="0">
-                  <a:solidFill>
-                    <a:schemeClr val="bg1">
-                      <a:lumMod val="50000"/>
-                    </a:schemeClr>
-                  </a:solidFill>
-                </a:rPr>
-                <a:t>Python</a:t>
-              </a:r>
-              <a:endParaRPr lang="zh-TW" altLang="en-US" sz="1200" dirty="0">
+          <a:prstGeom prst="rect">
+            <a:avLst/>
+          </a:prstGeom>
+        </p:spPr>
+      </p:pic>
+      <p:sp>
+        <p:nvSpPr>
+          <p:cNvPr id="25" name="文字方塊 24"/>
+          <p:cNvSpPr txBox="1"/>
+          <p:nvPr/>
+        </p:nvSpPr>
+        <p:spPr>
+          <a:xfrm>
+            <a:off x="4204576" y="4132710"/>
+            <a:ext cx="720080" cy="276999"/>
+          </a:xfrm>
+          <a:prstGeom prst="rect">
+            <a:avLst/>
+          </a:prstGeom>
+          <a:noFill/>
+        </p:spPr>
+        <p:txBody>
+          <a:bodyPr wrap="square" rtlCol="0">
+            <a:spAutoFit/>
+          </a:bodyPr>
+          <a:lstStyle/>
+          <a:p>
+            <a:r>
+              <a:rPr lang="en-US" altLang="zh-TW" sz="1200" dirty="0" smtClean="0">
                 <a:solidFill>
                   <a:schemeClr val="bg1">
                     <a:lumMod val="50000"/>
                   </a:schemeClr>
                 </a:solidFill>
-              </a:endParaRPr>
-            </a:p>
-          </p:txBody>
-        </p:sp>
-      </p:grpSp>
-      <p:grpSp>
-        <p:nvGrpSpPr>
-          <p:cNvPr id="28" name="群組 27"/>
-          <p:cNvGrpSpPr/>
+              </a:rPr>
+              <a:t>Python</a:t>
+            </a:r>
+            <a:endParaRPr lang="zh-TW" altLang="en-US" sz="1200" dirty="0">
+              <a:solidFill>
+                <a:schemeClr val="bg1">
+                  <a:lumMod val="50000"/>
+                </a:schemeClr>
+              </a:solidFill>
+            </a:endParaRPr>
+          </a:p>
+        </p:txBody>
+      </p:sp>
+      <p:pic>
+        <p:nvPicPr>
+          <p:cNvPr id="1028" name="Picture 4" descr="Explainers â SHAP latest documentation"/>
+          <p:cNvPicPr>
+            <a:picLocks noChangeAspect="1" noChangeArrowheads="1"/>
+          </p:cNvPicPr>
           <p:nvPr/>
-        </p:nvGrpSpPr>
-        <p:grpSpPr>
-          <a:xfrm>
-            <a:off x="7494496" y="2988400"/>
-            <a:ext cx="801766" cy="760449"/>
-            <a:chOff x="7534872" y="3121056"/>
-            <a:chExt cx="801766" cy="760449"/>
-          </a:xfrm>
-        </p:grpSpPr>
-        <p:pic>
-          <p:nvPicPr>
-            <p:cNvPr id="1028" name="Picture 4" descr="Explainers â SHAP latest documentation"/>
-            <p:cNvPicPr>
-              <a:picLocks noChangeAspect="1" noChangeArrowheads="1"/>
-            </p:cNvPicPr>
-            <p:nvPr/>
-          </p:nvPicPr>
-          <p:blipFill rotWithShape="1">
-            <a:blip r:embed="rId6" cstate="print">
-              <a:extLst>
-                <a:ext uri="{28A0092B-C50C-407E-A947-70E740481C1C}">
-                  <a14:useLocalDpi xmlns:a14="http://schemas.microsoft.com/office/drawing/2010/main" val="0"/>
-                </a:ext>
-              </a:extLst>
-            </a:blip>
-            <a:srcRect l="41164" r="38353" b="68534"/>
-            <a:stretch/>
-          </p:blipFill>
-          <p:spPr bwMode="auto">
-            <a:xfrm>
-              <a:off x="7534872" y="3121056"/>
-              <a:ext cx="685547" cy="577268"/>
-            </a:xfrm>
-            <a:prstGeom prst="rect">
-              <a:avLst/>
-            </a:prstGeom>
-            <a:noFill/>
+        </p:nvPicPr>
+        <p:blipFill rotWithShape="1">
+          <a:blip r:embed="rId6" cstate="print">
             <a:extLst>
-              <a:ext uri="{909E8E84-426E-40DD-AFC4-6F175D3DCCD1}">
-                <a14:hiddenFill xmlns:a14="http://schemas.microsoft.com/office/drawing/2010/main">
-                  <a:solidFill>
-                    <a:srgbClr val="FFFFFF"/>
-                  </a:solidFill>
-                </a14:hiddenFill>
+              <a:ext uri="{28A0092B-C50C-407E-A947-70E740481C1C}">
+                <a14:useLocalDpi xmlns:a14="http://schemas.microsoft.com/office/drawing/2010/main" val="0"/>
               </a:ext>
             </a:extLst>
-          </p:spPr>
-        </p:pic>
-        <p:sp>
-          <p:nvSpPr>
-            <p:cNvPr id="29" name="文字方塊 28"/>
-            <p:cNvSpPr txBox="1"/>
-            <p:nvPr/>
-          </p:nvSpPr>
-          <p:spPr>
-            <a:xfrm>
-              <a:off x="7616558" y="3604506"/>
-              <a:ext cx="720080" cy="276999"/>
-            </a:xfrm>
-            <a:prstGeom prst="rect">
-              <a:avLst/>
-            </a:prstGeom>
-            <a:noFill/>
-          </p:spPr>
-          <p:txBody>
-            <a:bodyPr wrap="square" rtlCol="0">
-              <a:spAutoFit/>
-            </a:bodyPr>
-            <a:lstStyle/>
-            <a:p>
-              <a:r>
-                <a:rPr lang="en-US" altLang="zh-TW" sz="1200" dirty="0" smtClean="0">
-                  <a:solidFill>
-                    <a:schemeClr val="bg1">
-                      <a:lumMod val="50000"/>
-                    </a:schemeClr>
-                  </a:solidFill>
-                </a:rPr>
-                <a:t>SHAP</a:t>
-              </a:r>
-              <a:endParaRPr lang="zh-TW" altLang="en-US" sz="1200" dirty="0">
+          </a:blip>
+          <a:srcRect l="41164" r="38353" b="68534"/>
+          <a:stretch/>
+        </p:blipFill>
+        <p:spPr bwMode="auto">
+          <a:xfrm>
+            <a:off x="6489066" y="3438977"/>
+            <a:ext cx="851458" cy="716974"/>
+          </a:xfrm>
+          <a:prstGeom prst="rect">
+            <a:avLst/>
+          </a:prstGeom>
+          <a:noFill/>
+          <a:extLst>
+            <a:ext uri="{909E8E84-426E-40DD-AFC4-6F175D3DCCD1}">
+              <a14:hiddenFill xmlns:a14="http://schemas.microsoft.com/office/drawing/2010/main">
+                <a:solidFill>
+                  <a:srgbClr val="FFFFFF"/>
+                </a:solidFill>
+              </a14:hiddenFill>
+            </a:ext>
+          </a:extLst>
+        </p:spPr>
+      </p:pic>
+      <p:sp>
+        <p:nvSpPr>
+          <p:cNvPr id="29" name="文字方塊 28"/>
+          <p:cNvSpPr txBox="1"/>
+          <p:nvPr/>
+        </p:nvSpPr>
+        <p:spPr>
+          <a:xfrm>
+            <a:off x="6635264" y="4132709"/>
+            <a:ext cx="720080" cy="276999"/>
+          </a:xfrm>
+          <a:prstGeom prst="rect">
+            <a:avLst/>
+          </a:prstGeom>
+          <a:noFill/>
+        </p:spPr>
+        <p:txBody>
+          <a:bodyPr wrap="square" rtlCol="0">
+            <a:spAutoFit/>
+          </a:bodyPr>
+          <a:lstStyle/>
+          <a:p>
+            <a:r>
+              <a:rPr lang="en-US" altLang="zh-TW" sz="1200" dirty="0" smtClean="0">
                 <a:solidFill>
                   <a:schemeClr val="bg1">
                     <a:lumMod val="50000"/>
                   </a:schemeClr>
                 </a:solidFill>
-              </a:endParaRPr>
-            </a:p>
-          </p:txBody>
-        </p:sp>
-      </p:grpSp>
+              </a:rPr>
+              <a:t>SHAP</a:t>
+            </a:r>
+            <a:endParaRPr lang="zh-TW" altLang="en-US" sz="1200" dirty="0">
+              <a:solidFill>
+                <a:schemeClr val="bg1">
+                  <a:lumMod val="50000"/>
+                </a:schemeClr>
+              </a:solidFill>
+            </a:endParaRPr>
+          </a:p>
+        </p:txBody>
+      </p:sp>
+      <p:sp>
+        <p:nvSpPr>
+          <p:cNvPr id="2" name="流程圖: 接點 1"/>
+          <p:cNvSpPr/>
+          <p:nvPr/>
+        </p:nvSpPr>
+        <p:spPr>
+          <a:xfrm>
+            <a:off x="2203092" y="1439277"/>
+            <a:ext cx="638495" cy="586518"/>
+          </a:xfrm>
+          <a:prstGeom prst="flowChartConnector">
+            <a:avLst/>
+          </a:prstGeom>
+          <a:solidFill>
+            <a:srgbClr val="237DB3"/>
+          </a:solidFill>
+          <a:ln>
+            <a:noFill/>
+          </a:ln>
+        </p:spPr>
+        <p:style>
+          <a:lnRef idx="2">
+            <a:schemeClr val="accent1">
+              <a:shade val="50000"/>
+            </a:schemeClr>
+          </a:lnRef>
+          <a:fillRef idx="1">
+            <a:schemeClr val="accent1"/>
+          </a:fillRef>
+          <a:effectRef idx="0">
+            <a:schemeClr val="accent1"/>
+          </a:effectRef>
+          <a:fontRef idx="minor">
+            <a:schemeClr val="lt1"/>
+          </a:fontRef>
+        </p:style>
+        <p:txBody>
+          <a:bodyPr rtlCol="0" anchor="ctr"/>
+          <a:lstStyle/>
+          <a:p>
+            <a:pPr algn="ctr"/>
+            <a:r>
+              <a:rPr lang="en-US" altLang="zh-TW" sz="2400" b="1" dirty="0"/>
+              <a:t>2</a:t>
+            </a:r>
+            <a:endParaRPr lang="zh-TW" altLang="en-US" sz="2400" b="1" dirty="0"/>
+          </a:p>
+        </p:txBody>
+      </p:sp>
+      <p:sp>
+        <p:nvSpPr>
+          <p:cNvPr id="22" name="流程圖: 接點 21"/>
+          <p:cNvSpPr/>
+          <p:nvPr/>
+        </p:nvSpPr>
+        <p:spPr>
+          <a:xfrm>
+            <a:off x="3412550" y="2045826"/>
+            <a:ext cx="483208" cy="467793"/>
+          </a:xfrm>
+          <a:prstGeom prst="flowChartConnector">
+            <a:avLst/>
+          </a:prstGeom>
+          <a:solidFill>
+            <a:srgbClr val="3798C5"/>
+          </a:solidFill>
+          <a:ln>
+            <a:noFill/>
+          </a:ln>
+        </p:spPr>
+        <p:style>
+          <a:lnRef idx="2">
+            <a:schemeClr val="accent1">
+              <a:shade val="50000"/>
+            </a:schemeClr>
+          </a:lnRef>
+          <a:fillRef idx="1">
+            <a:schemeClr val="accent1"/>
+          </a:fillRef>
+          <a:effectRef idx="0">
+            <a:schemeClr val="accent1"/>
+          </a:effectRef>
+          <a:fontRef idx="minor">
+            <a:schemeClr val="lt1"/>
+          </a:fontRef>
+        </p:style>
+        <p:txBody>
+          <a:bodyPr rtlCol="0" anchor="ctr"/>
+          <a:lstStyle/>
+          <a:p>
+            <a:pPr algn="ctr"/>
+            <a:r>
+              <a:rPr lang="en-US" altLang="zh-TW" sz="1800" b="1" dirty="0"/>
+              <a:t>3</a:t>
+            </a:r>
+            <a:endParaRPr lang="zh-TW" altLang="en-US" sz="1800" b="1" dirty="0"/>
+          </a:p>
+        </p:txBody>
+      </p:sp>
+      <p:sp>
+        <p:nvSpPr>
+          <p:cNvPr id="26" name="流程圖: 接點 25"/>
+          <p:cNvSpPr/>
+          <p:nvPr/>
+        </p:nvSpPr>
+        <p:spPr>
+          <a:xfrm>
+            <a:off x="4587139" y="1477520"/>
+            <a:ext cx="442915" cy="422143"/>
+          </a:xfrm>
+          <a:prstGeom prst="flowChartConnector">
+            <a:avLst/>
+          </a:prstGeom>
+          <a:solidFill>
+            <a:srgbClr val="59B1C6"/>
+          </a:solidFill>
+          <a:ln>
+            <a:noFill/>
+          </a:ln>
+        </p:spPr>
+        <p:style>
+          <a:lnRef idx="2">
+            <a:schemeClr val="accent1">
+              <a:shade val="50000"/>
+            </a:schemeClr>
+          </a:lnRef>
+          <a:fillRef idx="1">
+            <a:schemeClr val="accent1"/>
+          </a:fillRef>
+          <a:effectRef idx="0">
+            <a:schemeClr val="accent1"/>
+          </a:effectRef>
+          <a:fontRef idx="minor">
+            <a:schemeClr val="lt1"/>
+          </a:fontRef>
+        </p:style>
+        <p:txBody>
+          <a:bodyPr rtlCol="0" anchor="ctr"/>
+          <a:lstStyle/>
+          <a:p>
+            <a:pPr algn="ctr"/>
+            <a:r>
+              <a:rPr lang="en-US" altLang="zh-TW" sz="1600" b="1" dirty="0"/>
+              <a:t>4</a:t>
+            </a:r>
+            <a:endParaRPr lang="zh-TW" altLang="en-US" sz="1600" b="1" dirty="0"/>
+          </a:p>
+        </p:txBody>
+      </p:sp>
+      <p:sp>
+        <p:nvSpPr>
+          <p:cNvPr id="30" name="流程圖: 接點 29"/>
+          <p:cNvSpPr/>
+          <p:nvPr/>
+        </p:nvSpPr>
+        <p:spPr>
+          <a:xfrm>
+            <a:off x="6781876" y="1247180"/>
+            <a:ext cx="511697" cy="511303"/>
+          </a:xfrm>
+          <a:prstGeom prst="flowChartConnector">
+            <a:avLst/>
+          </a:prstGeom>
+          <a:solidFill>
+            <a:srgbClr val="89CDC6"/>
+          </a:solidFill>
+          <a:ln>
+            <a:noFill/>
+          </a:ln>
+        </p:spPr>
+        <p:style>
+          <a:lnRef idx="2">
+            <a:schemeClr val="accent1">
+              <a:shade val="50000"/>
+            </a:schemeClr>
+          </a:lnRef>
+          <a:fillRef idx="1">
+            <a:schemeClr val="accent1"/>
+          </a:fillRef>
+          <a:effectRef idx="0">
+            <a:schemeClr val="accent1"/>
+          </a:effectRef>
+          <a:fontRef idx="minor">
+            <a:schemeClr val="lt1"/>
+          </a:fontRef>
+        </p:style>
+        <p:txBody>
+          <a:bodyPr rtlCol="0" anchor="ctr"/>
+          <a:lstStyle/>
+          <a:p>
+            <a:pPr algn="ctr"/>
+            <a:r>
+              <a:rPr lang="en-US" altLang="zh-TW" sz="2000" b="1" dirty="0"/>
+              <a:t>6</a:t>
+            </a:r>
+            <a:endParaRPr lang="zh-TW" altLang="en-US" sz="2000" b="1" dirty="0"/>
+          </a:p>
+        </p:txBody>
+      </p:sp>
+      <p:sp>
+        <p:nvSpPr>
+          <p:cNvPr id="31" name="流程圖: 接點 30"/>
+          <p:cNvSpPr/>
+          <p:nvPr/>
+        </p:nvSpPr>
+        <p:spPr>
+          <a:xfrm>
+            <a:off x="7956939" y="2019171"/>
+            <a:ext cx="405045" cy="384059"/>
+          </a:xfrm>
+          <a:prstGeom prst="flowChartConnector">
+            <a:avLst/>
+          </a:prstGeom>
+          <a:solidFill>
+            <a:srgbClr val="9AC8CF"/>
+          </a:solidFill>
+          <a:ln>
+            <a:noFill/>
+          </a:ln>
+        </p:spPr>
+        <p:style>
+          <a:lnRef idx="2">
+            <a:schemeClr val="accent1">
+              <a:shade val="50000"/>
+            </a:schemeClr>
+          </a:lnRef>
+          <a:fillRef idx="1">
+            <a:schemeClr val="accent1"/>
+          </a:fillRef>
+          <a:effectRef idx="0">
+            <a:schemeClr val="accent1"/>
+          </a:effectRef>
+          <a:fontRef idx="minor">
+            <a:schemeClr val="lt1"/>
+          </a:fontRef>
+        </p:style>
+        <p:txBody>
+          <a:bodyPr rtlCol="0" anchor="ctr"/>
+          <a:lstStyle/>
+          <a:p>
+            <a:pPr algn="ctr"/>
+            <a:r>
+              <a:rPr lang="en-US" altLang="zh-TW" sz="1600" b="1" dirty="0"/>
+              <a:t>7</a:t>
+            </a:r>
+            <a:endParaRPr lang="zh-TW" altLang="en-US" sz="1600" b="1" dirty="0"/>
+          </a:p>
+        </p:txBody>
+      </p:sp>
+      <p:sp>
+        <p:nvSpPr>
+          <p:cNvPr id="32" name="流程圖: 接點 31"/>
+          <p:cNvSpPr/>
+          <p:nvPr/>
+        </p:nvSpPr>
+        <p:spPr>
+          <a:xfrm>
+            <a:off x="5684533" y="2023389"/>
+            <a:ext cx="483631" cy="464120"/>
+          </a:xfrm>
+          <a:prstGeom prst="flowChartConnector">
+            <a:avLst/>
+          </a:prstGeom>
+          <a:solidFill>
+            <a:srgbClr val="A4DCBB"/>
+          </a:solidFill>
+          <a:ln>
+            <a:noFill/>
+          </a:ln>
+        </p:spPr>
+        <p:style>
+          <a:lnRef idx="2">
+            <a:schemeClr val="accent1">
+              <a:shade val="50000"/>
+            </a:schemeClr>
+          </a:lnRef>
+          <a:fillRef idx="1">
+            <a:schemeClr val="accent1"/>
+          </a:fillRef>
+          <a:effectRef idx="0">
+            <a:schemeClr val="accent1"/>
+          </a:effectRef>
+          <a:fontRef idx="minor">
+            <a:schemeClr val="lt1"/>
+          </a:fontRef>
+        </p:style>
+        <p:txBody>
+          <a:bodyPr rtlCol="0" anchor="ctr"/>
+          <a:lstStyle/>
+          <a:p>
+            <a:pPr algn="ctr"/>
+            <a:r>
+              <a:rPr lang="en-US" altLang="zh-TW" sz="1600" b="1" dirty="0"/>
+              <a:t>5</a:t>
+            </a:r>
+            <a:endParaRPr lang="zh-TW" altLang="en-US" sz="1600" b="1" dirty="0"/>
+          </a:p>
+        </p:txBody>
+      </p:sp>
+      <p:sp>
+        <p:nvSpPr>
+          <p:cNvPr id="33" name="流程圖: 接點 32"/>
+          <p:cNvSpPr/>
+          <p:nvPr/>
+        </p:nvSpPr>
+        <p:spPr>
+          <a:xfrm>
+            <a:off x="984048" y="1096537"/>
+            <a:ext cx="405045" cy="384059"/>
+          </a:xfrm>
+          <a:prstGeom prst="flowChartConnector">
+            <a:avLst/>
+          </a:prstGeom>
+          <a:solidFill>
+            <a:srgbClr val="065B91"/>
+          </a:solidFill>
+          <a:ln>
+            <a:noFill/>
+          </a:ln>
+        </p:spPr>
+        <p:style>
+          <a:lnRef idx="2">
+            <a:schemeClr val="accent1">
+              <a:shade val="50000"/>
+            </a:schemeClr>
+          </a:lnRef>
+          <a:fillRef idx="1">
+            <a:schemeClr val="accent1"/>
+          </a:fillRef>
+          <a:effectRef idx="0">
+            <a:schemeClr val="accent1"/>
+          </a:effectRef>
+          <a:fontRef idx="minor">
+            <a:schemeClr val="lt1"/>
+          </a:fontRef>
+        </p:style>
+        <p:txBody>
+          <a:bodyPr rtlCol="0" anchor="ctr"/>
+          <a:lstStyle/>
+          <a:p>
+            <a:pPr algn="ctr"/>
+            <a:r>
+              <a:rPr lang="en-US" altLang="zh-TW" sz="1600" b="1" dirty="0" smtClean="0"/>
+              <a:t>1</a:t>
+            </a:r>
+            <a:endParaRPr lang="zh-TW" altLang="en-US" sz="1600" b="1" dirty="0"/>
+          </a:p>
+        </p:txBody>
+      </p:sp>
+      <p:cxnSp>
+        <p:nvCxnSpPr>
+          <p:cNvPr id="8" name="直線接點 7"/>
+          <p:cNvCxnSpPr/>
+          <p:nvPr/>
+        </p:nvCxnSpPr>
+        <p:spPr>
+          <a:xfrm>
+            <a:off x="1496655" y="1349220"/>
+            <a:ext cx="645075" cy="284820"/>
+          </a:xfrm>
+          <a:prstGeom prst="line">
+            <a:avLst/>
+          </a:prstGeom>
+          <a:ln w="57150">
+            <a:solidFill>
+              <a:schemeClr val="tx1">
+                <a:lumMod val="65000"/>
+                <a:lumOff val="35000"/>
+              </a:schemeClr>
+            </a:solidFill>
+          </a:ln>
+        </p:spPr>
+        <p:style>
+          <a:lnRef idx="1">
+            <a:schemeClr val="accent1"/>
+          </a:lnRef>
+          <a:fillRef idx="0">
+            <a:schemeClr val="accent1"/>
+          </a:fillRef>
+          <a:effectRef idx="0">
+            <a:schemeClr val="accent1"/>
+          </a:effectRef>
+          <a:fontRef idx="minor">
+            <a:schemeClr val="tx1"/>
+          </a:fontRef>
+        </p:style>
+      </p:cxnSp>
+      <p:sp>
+        <p:nvSpPr>
+          <p:cNvPr id="12" name="文字方塊 11"/>
+          <p:cNvSpPr txBox="1"/>
+          <p:nvPr/>
+        </p:nvSpPr>
+        <p:spPr>
+          <a:xfrm>
+            <a:off x="363508" y="1550093"/>
+            <a:ext cx="1582321" cy="276999"/>
+          </a:xfrm>
+          <a:prstGeom prst="rect">
+            <a:avLst/>
+          </a:prstGeom>
+          <a:noFill/>
+        </p:spPr>
+        <p:txBody>
+          <a:bodyPr wrap="square" rtlCol="0">
+            <a:spAutoFit/>
+          </a:bodyPr>
+          <a:lstStyle/>
+          <a:p>
+            <a:r>
+              <a:rPr lang="zh-TW" altLang="en-US" sz="1200" b="1" dirty="0">
+                <a:solidFill>
+                  <a:schemeClr val="tx1">
+                    <a:lumMod val="75000"/>
+                    <a:lumOff val="25000"/>
+                  </a:schemeClr>
+                </a:solidFill>
+                <a:latin typeface="微軟正黑體" panose="020B0604030504040204" pitchFamily="34" charset="-120"/>
+              </a:rPr>
+              <a:t>參數最佳化分析系統</a:t>
+            </a:r>
+            <a:endParaRPr lang="zh-TW" altLang="en-US" sz="1200" b="1" dirty="0"/>
+          </a:p>
+        </p:txBody>
+      </p:sp>
+      <p:sp>
+        <p:nvSpPr>
+          <p:cNvPr id="34" name="文字方塊 33"/>
+          <p:cNvSpPr txBox="1"/>
+          <p:nvPr/>
+        </p:nvSpPr>
+        <p:spPr>
+          <a:xfrm>
+            <a:off x="1754273" y="2063230"/>
+            <a:ext cx="1408302" cy="276999"/>
+          </a:xfrm>
+          <a:prstGeom prst="rect">
+            <a:avLst/>
+          </a:prstGeom>
+          <a:noFill/>
+        </p:spPr>
+        <p:txBody>
+          <a:bodyPr wrap="square" rtlCol="0">
+            <a:spAutoFit/>
+          </a:bodyPr>
+          <a:lstStyle/>
+          <a:p>
+            <a:r>
+              <a:rPr lang="zh-TW" altLang="en-US" sz="1200" b="1" dirty="0">
+                <a:solidFill>
+                  <a:schemeClr val="tx1">
+                    <a:lumMod val="75000"/>
+                    <a:lumOff val="25000"/>
+                  </a:schemeClr>
+                </a:solidFill>
+                <a:latin typeface="微軟正黑體" panose="020B0604030504040204" pitchFamily="34" charset="-120"/>
+              </a:rPr>
+              <a:t>關鍵因子找尋系統</a:t>
+            </a:r>
+            <a:endParaRPr lang="zh-TW" altLang="en-US" sz="1200" b="1" dirty="0"/>
+          </a:p>
+        </p:txBody>
+      </p:sp>
+      <p:cxnSp>
+        <p:nvCxnSpPr>
+          <p:cNvPr id="35" name="直線接點 34"/>
+          <p:cNvCxnSpPr/>
+          <p:nvPr/>
+        </p:nvCxnSpPr>
+        <p:spPr>
+          <a:xfrm>
+            <a:off x="2899162" y="1920371"/>
+            <a:ext cx="456618" cy="241961"/>
+          </a:xfrm>
+          <a:prstGeom prst="line">
+            <a:avLst/>
+          </a:prstGeom>
+          <a:ln w="57150">
+            <a:solidFill>
+              <a:schemeClr val="tx1">
+                <a:lumMod val="65000"/>
+                <a:lumOff val="35000"/>
+              </a:schemeClr>
+            </a:solidFill>
+          </a:ln>
+        </p:spPr>
+        <p:style>
+          <a:lnRef idx="1">
+            <a:schemeClr val="accent1"/>
+          </a:lnRef>
+          <a:fillRef idx="0">
+            <a:schemeClr val="accent1"/>
+          </a:fillRef>
+          <a:effectRef idx="0">
+            <a:schemeClr val="accent1"/>
+          </a:effectRef>
+          <a:fontRef idx="minor">
+            <a:schemeClr val="tx1"/>
+          </a:fontRef>
+        </p:style>
+      </p:cxnSp>
+      <p:sp>
+        <p:nvSpPr>
+          <p:cNvPr id="36" name="文字方塊 35"/>
+          <p:cNvSpPr txBox="1"/>
+          <p:nvPr/>
+        </p:nvSpPr>
+        <p:spPr>
+          <a:xfrm>
+            <a:off x="2899162" y="2574476"/>
+            <a:ext cx="1864740" cy="276999"/>
+          </a:xfrm>
+          <a:prstGeom prst="rect">
+            <a:avLst/>
+          </a:prstGeom>
+          <a:noFill/>
+        </p:spPr>
+        <p:txBody>
+          <a:bodyPr wrap="square" rtlCol="0">
+            <a:spAutoFit/>
+          </a:bodyPr>
+          <a:lstStyle/>
+          <a:p>
+            <a:r>
+              <a:rPr lang="zh-TW" altLang="en-US" sz="1200" b="1" dirty="0">
+                <a:solidFill>
+                  <a:schemeClr val="tx1">
+                    <a:lumMod val="75000"/>
+                    <a:lumOff val="25000"/>
+                  </a:schemeClr>
+                </a:solidFill>
+                <a:latin typeface="微軟正黑體" panose="020B0604030504040204" pitchFamily="34" charset="-120"/>
+              </a:rPr>
+              <a:t>模型健康度管理系統</a:t>
+            </a:r>
+            <a:endParaRPr lang="zh-TW" altLang="en-US" sz="1200" b="1" dirty="0"/>
+          </a:p>
+        </p:txBody>
+      </p:sp>
+      <p:cxnSp>
+        <p:nvCxnSpPr>
+          <p:cNvPr id="37" name="直線接點 36"/>
+          <p:cNvCxnSpPr/>
+          <p:nvPr/>
+        </p:nvCxnSpPr>
+        <p:spPr>
+          <a:xfrm flipV="1">
+            <a:off x="3915482" y="1827092"/>
+            <a:ext cx="578189" cy="311902"/>
+          </a:xfrm>
+          <a:prstGeom prst="line">
+            <a:avLst/>
+          </a:prstGeom>
+          <a:ln w="57150">
+            <a:solidFill>
+              <a:schemeClr val="tx1">
+                <a:lumMod val="65000"/>
+                <a:lumOff val="35000"/>
+              </a:schemeClr>
+            </a:solidFill>
+          </a:ln>
+        </p:spPr>
+        <p:style>
+          <a:lnRef idx="1">
+            <a:schemeClr val="accent1"/>
+          </a:lnRef>
+          <a:fillRef idx="0">
+            <a:schemeClr val="accent1"/>
+          </a:fillRef>
+          <a:effectRef idx="0">
+            <a:schemeClr val="accent1"/>
+          </a:effectRef>
+          <a:fontRef idx="minor">
+            <a:schemeClr val="tx1"/>
+          </a:fontRef>
+        </p:style>
+      </p:cxnSp>
+      <p:sp>
+        <p:nvSpPr>
+          <p:cNvPr id="38" name="文字方塊 37"/>
+          <p:cNvSpPr txBox="1"/>
+          <p:nvPr/>
+        </p:nvSpPr>
+        <p:spPr>
+          <a:xfrm>
+            <a:off x="4311772" y="1941100"/>
+            <a:ext cx="1160245" cy="461665"/>
+          </a:xfrm>
+          <a:prstGeom prst="rect">
+            <a:avLst/>
+          </a:prstGeom>
+          <a:noFill/>
+        </p:spPr>
+        <p:txBody>
+          <a:bodyPr wrap="square" rtlCol="0">
+            <a:spAutoFit/>
+          </a:bodyPr>
+          <a:lstStyle/>
+          <a:p>
+            <a:r>
+              <a:rPr lang="zh-TW" altLang="en-US" sz="1200" b="1" dirty="0">
+                <a:solidFill>
+                  <a:schemeClr val="tx1">
+                    <a:lumMod val="75000"/>
+                    <a:lumOff val="25000"/>
+                  </a:schemeClr>
+                </a:solidFill>
+                <a:latin typeface="微軟正黑體" panose="020B0604030504040204" pitchFamily="34" charset="-120"/>
+              </a:rPr>
+              <a:t>提供模型建立效度提升測試</a:t>
+            </a:r>
+            <a:endParaRPr lang="zh-TW" altLang="en-US" sz="1200" b="1" dirty="0"/>
+          </a:p>
+        </p:txBody>
+      </p:sp>
+      <p:cxnSp>
+        <p:nvCxnSpPr>
+          <p:cNvPr id="39" name="直線接點 38"/>
+          <p:cNvCxnSpPr/>
+          <p:nvPr/>
+        </p:nvCxnSpPr>
+        <p:spPr>
+          <a:xfrm>
+            <a:off x="5132483" y="1756785"/>
+            <a:ext cx="497908" cy="362584"/>
+          </a:xfrm>
+          <a:prstGeom prst="line">
+            <a:avLst/>
+          </a:prstGeom>
+          <a:ln w="57150">
+            <a:solidFill>
+              <a:schemeClr val="tx1">
+                <a:lumMod val="65000"/>
+                <a:lumOff val="35000"/>
+              </a:schemeClr>
+            </a:solidFill>
+          </a:ln>
+        </p:spPr>
+        <p:style>
+          <a:lnRef idx="1">
+            <a:schemeClr val="accent1"/>
+          </a:lnRef>
+          <a:fillRef idx="0">
+            <a:schemeClr val="accent1"/>
+          </a:fillRef>
+          <a:effectRef idx="0">
+            <a:schemeClr val="accent1"/>
+          </a:effectRef>
+          <a:fontRef idx="minor">
+            <a:schemeClr val="tx1"/>
+          </a:fontRef>
+        </p:style>
+      </p:cxnSp>
+      <p:cxnSp>
+        <p:nvCxnSpPr>
+          <p:cNvPr id="40" name="直線接點 39"/>
+          <p:cNvCxnSpPr/>
+          <p:nvPr/>
+        </p:nvCxnSpPr>
+        <p:spPr>
+          <a:xfrm flipV="1">
+            <a:off x="6208890" y="1651771"/>
+            <a:ext cx="501773" cy="411459"/>
+          </a:xfrm>
+          <a:prstGeom prst="line">
+            <a:avLst/>
+          </a:prstGeom>
+          <a:ln w="57150">
+            <a:solidFill>
+              <a:schemeClr val="tx1">
+                <a:lumMod val="65000"/>
+                <a:lumOff val="35000"/>
+              </a:schemeClr>
+            </a:solidFill>
+          </a:ln>
+        </p:spPr>
+        <p:style>
+          <a:lnRef idx="1">
+            <a:schemeClr val="accent1"/>
+          </a:lnRef>
+          <a:fillRef idx="0">
+            <a:schemeClr val="accent1"/>
+          </a:fillRef>
+          <a:effectRef idx="0">
+            <a:schemeClr val="accent1"/>
+          </a:effectRef>
+          <a:fontRef idx="minor">
+            <a:schemeClr val="tx1"/>
+          </a:fontRef>
+        </p:style>
+      </p:cxnSp>
+      <p:cxnSp>
+        <p:nvCxnSpPr>
+          <p:cNvPr id="41" name="直線接點 40"/>
+          <p:cNvCxnSpPr/>
+          <p:nvPr/>
+        </p:nvCxnSpPr>
+        <p:spPr>
+          <a:xfrm>
+            <a:off x="7343517" y="1618405"/>
+            <a:ext cx="528460" cy="436654"/>
+          </a:xfrm>
+          <a:prstGeom prst="line">
+            <a:avLst/>
+          </a:prstGeom>
+          <a:ln w="57150">
+            <a:solidFill>
+              <a:schemeClr val="tx1">
+                <a:lumMod val="65000"/>
+                <a:lumOff val="35000"/>
+              </a:schemeClr>
+            </a:solidFill>
+          </a:ln>
+        </p:spPr>
+        <p:style>
+          <a:lnRef idx="1">
+            <a:schemeClr val="accent1"/>
+          </a:lnRef>
+          <a:fillRef idx="0">
+            <a:schemeClr val="accent1"/>
+          </a:fillRef>
+          <a:effectRef idx="0">
+            <a:schemeClr val="accent1"/>
+          </a:effectRef>
+          <a:fontRef idx="minor">
+            <a:schemeClr val="tx1"/>
+          </a:fontRef>
+        </p:style>
+      </p:cxnSp>
+      <p:sp>
+        <p:nvSpPr>
+          <p:cNvPr id="42" name="文字方塊 41"/>
+          <p:cNvSpPr txBox="1"/>
+          <p:nvPr/>
+        </p:nvSpPr>
+        <p:spPr>
+          <a:xfrm>
+            <a:off x="5215840" y="2565719"/>
+            <a:ext cx="1864740" cy="276999"/>
+          </a:xfrm>
+          <a:prstGeom prst="rect">
+            <a:avLst/>
+          </a:prstGeom>
+          <a:noFill/>
+        </p:spPr>
+        <p:txBody>
+          <a:bodyPr wrap="square" rtlCol="0">
+            <a:spAutoFit/>
+          </a:bodyPr>
+          <a:lstStyle/>
+          <a:p>
+            <a:r>
+              <a:rPr lang="zh-TW" altLang="en-US" sz="1200" b="1" dirty="0">
+                <a:solidFill>
+                  <a:schemeClr val="tx1">
+                    <a:lumMod val="75000"/>
+                    <a:lumOff val="25000"/>
+                  </a:schemeClr>
+                </a:solidFill>
+                <a:latin typeface="微軟正黑體" panose="020B0604030504040204" pitchFamily="34" charset="-120"/>
+              </a:rPr>
+              <a:t>統計分析圖表視覺化</a:t>
+            </a:r>
+            <a:endParaRPr lang="zh-TW" altLang="en-US" sz="1200" b="1" dirty="0"/>
+          </a:p>
+        </p:txBody>
+      </p:sp>
+      <p:sp>
+        <p:nvSpPr>
+          <p:cNvPr id="43" name="文字方塊 42"/>
+          <p:cNvSpPr txBox="1"/>
+          <p:nvPr/>
+        </p:nvSpPr>
+        <p:spPr>
+          <a:xfrm>
+            <a:off x="6616797" y="1799577"/>
+            <a:ext cx="846740" cy="276999"/>
+          </a:xfrm>
+          <a:prstGeom prst="rect">
+            <a:avLst/>
+          </a:prstGeom>
+          <a:noFill/>
+        </p:spPr>
+        <p:txBody>
+          <a:bodyPr wrap="square" rtlCol="0">
+            <a:spAutoFit/>
+          </a:bodyPr>
+          <a:lstStyle/>
+          <a:p>
+            <a:r>
+              <a:rPr lang="zh-TW" altLang="en-US" sz="1200" b="1" dirty="0">
+                <a:solidFill>
+                  <a:schemeClr val="tx1">
+                    <a:lumMod val="75000"/>
+                    <a:lumOff val="25000"/>
+                  </a:schemeClr>
+                </a:solidFill>
+                <a:latin typeface="微軟正黑體" panose="020B0604030504040204" pitchFamily="34" charset="-120"/>
+              </a:rPr>
+              <a:t>一鍵分析</a:t>
+            </a:r>
+            <a:endParaRPr lang="zh-TW" altLang="en-US" sz="1200" b="1" dirty="0"/>
+          </a:p>
+        </p:txBody>
+      </p:sp>
+      <p:sp>
+        <p:nvSpPr>
+          <p:cNvPr id="44" name="文字方塊 43"/>
+          <p:cNvSpPr txBox="1"/>
+          <p:nvPr/>
+        </p:nvSpPr>
+        <p:spPr>
+          <a:xfrm>
+            <a:off x="7604777" y="2421398"/>
+            <a:ext cx="1160130" cy="276999"/>
+          </a:xfrm>
+          <a:prstGeom prst="rect">
+            <a:avLst/>
+          </a:prstGeom>
+          <a:noFill/>
+        </p:spPr>
+        <p:txBody>
+          <a:bodyPr wrap="square" rtlCol="0">
+            <a:spAutoFit/>
+          </a:bodyPr>
+          <a:lstStyle/>
+          <a:p>
+            <a:r>
+              <a:rPr lang="zh-TW" altLang="en-US" sz="1200" b="1" dirty="0">
+                <a:solidFill>
+                  <a:schemeClr val="tx1">
+                    <a:lumMod val="75000"/>
+                    <a:lumOff val="25000"/>
+                  </a:schemeClr>
+                </a:solidFill>
+                <a:latin typeface="微軟正黑體" panose="020B0604030504040204" pitchFamily="34" charset="-120"/>
+              </a:rPr>
+              <a:t>決策支援輔助</a:t>
+            </a:r>
+            <a:endParaRPr lang="zh-TW" altLang="en-US" sz="1200" b="1" dirty="0"/>
+          </a:p>
+        </p:txBody>
+      </p:sp>
+      <p:pic>
+        <p:nvPicPr>
+          <p:cNvPr id="16" name="圖片 15"/>
+          <p:cNvPicPr>
+            <a:picLocks noChangeAspect="1"/>
+          </p:cNvPicPr>
+          <p:nvPr/>
+        </p:nvPicPr>
+        <p:blipFill>
+          <a:blip r:embed="rId7">
+            <a:extLst>
+              <a:ext uri="{28A0092B-C50C-407E-A947-70E740481C1C}">
+                <a14:useLocalDpi xmlns:a14="http://schemas.microsoft.com/office/drawing/2010/main" val="0"/>
+              </a:ext>
+            </a:extLst>
+          </a:blip>
+          <a:stretch>
+            <a:fillRect/>
+          </a:stretch>
+        </p:blipFill>
+        <p:spPr>
+          <a:xfrm>
+            <a:off x="424987" y="3213257"/>
+            <a:ext cx="2460517" cy="1574177"/>
+          </a:xfrm>
+          <a:prstGeom prst="rect">
+            <a:avLst/>
+          </a:prstGeom>
+        </p:spPr>
+      </p:pic>
+      <p:sp>
+        <p:nvSpPr>
+          <p:cNvPr id="46" name="矩形 45"/>
+          <p:cNvSpPr/>
+          <p:nvPr/>
+        </p:nvSpPr>
+        <p:spPr>
+          <a:xfrm>
+            <a:off x="695368" y="3241372"/>
+            <a:ext cx="1939185" cy="307777"/>
+          </a:xfrm>
+          <a:prstGeom prst="rect">
+            <a:avLst/>
+          </a:prstGeom>
+          <a:noFill/>
+          <a:scene3d>
+            <a:camera prst="orthographicFront"/>
+            <a:lightRig rig="threePt" dir="t"/>
+          </a:scene3d>
+          <a:sp3d>
+            <a:bevelT w="165100" prst="coolSlant"/>
+          </a:sp3d>
+        </p:spPr>
+        <p:txBody>
+          <a:bodyPr wrap="none">
+            <a:spAutoFit/>
+          </a:bodyPr>
+          <a:lstStyle/>
+          <a:p>
+            <a:r>
+              <a:rPr lang="en-US" altLang="zh-TW" b="1" dirty="0" smtClean="0">
+                <a:solidFill>
+                  <a:schemeClr val="bg1"/>
+                </a:solidFill>
+                <a:latin typeface="微軟正黑體" panose="020B0604030504040204" pitchFamily="34" charset="-120"/>
+              </a:rPr>
+              <a:t>LC</a:t>
+            </a:r>
+            <a:r>
+              <a:rPr lang="zh-TW" altLang="en-US" b="1" dirty="0" smtClean="0">
+                <a:solidFill>
+                  <a:schemeClr val="bg1"/>
+                </a:solidFill>
+                <a:latin typeface="微軟正黑體" panose="020B0604030504040204" pitchFamily="34" charset="-120"/>
+              </a:rPr>
+              <a:t> </a:t>
+            </a:r>
+            <a:r>
+              <a:rPr lang="en-US" altLang="zh-TW" b="1" dirty="0" smtClean="0">
+                <a:solidFill>
+                  <a:schemeClr val="bg1"/>
+                </a:solidFill>
+                <a:latin typeface="微軟正黑體" panose="020B0604030504040204" pitchFamily="34" charset="-120"/>
+              </a:rPr>
+              <a:t>margin</a:t>
+            </a:r>
+            <a:r>
+              <a:rPr lang="zh-TW" altLang="en-US" b="1" dirty="0" smtClean="0">
+                <a:solidFill>
+                  <a:schemeClr val="bg1"/>
+                </a:solidFill>
+                <a:latin typeface="微軟正黑體" panose="020B0604030504040204" pitchFamily="34" charset="-120"/>
+              </a:rPr>
+              <a:t> </a:t>
+            </a:r>
+            <a:r>
+              <a:rPr lang="en-US" altLang="zh-TW" b="1" dirty="0" smtClean="0">
+                <a:solidFill>
+                  <a:schemeClr val="bg1"/>
+                </a:solidFill>
+                <a:latin typeface="微軟正黑體" panose="020B0604030504040204" pitchFamily="34" charset="-120"/>
+              </a:rPr>
+              <a:t>VM</a:t>
+            </a:r>
+            <a:r>
+              <a:rPr lang="zh-TW" altLang="en-US" b="1" dirty="0" smtClean="0">
+                <a:solidFill>
+                  <a:schemeClr val="bg1"/>
+                </a:solidFill>
+                <a:latin typeface="微軟正黑體" panose="020B0604030504040204" pitchFamily="34" charset="-120"/>
+              </a:rPr>
+              <a:t>模組化</a:t>
+            </a:r>
+            <a:endParaRPr lang="zh-TW" altLang="en-US" b="1" dirty="0">
+              <a:solidFill>
+                <a:schemeClr val="bg1"/>
+              </a:solidFill>
+              <a:latin typeface="微軟正黑體" panose="020B0604030504040204" pitchFamily="34" charset="-120"/>
+            </a:endParaRPr>
+          </a:p>
+        </p:txBody>
+      </p:sp>
+      <p:sp>
+        <p:nvSpPr>
+          <p:cNvPr id="47" name="矩形 46"/>
+          <p:cNvSpPr/>
+          <p:nvPr/>
+        </p:nvSpPr>
+        <p:spPr>
+          <a:xfrm>
+            <a:off x="722945" y="3860514"/>
+            <a:ext cx="1670650" cy="307777"/>
+          </a:xfrm>
+          <a:prstGeom prst="rect">
+            <a:avLst/>
+          </a:prstGeom>
+          <a:noFill/>
+          <a:scene3d>
+            <a:camera prst="orthographicFront"/>
+            <a:lightRig rig="threePt" dir="t"/>
+          </a:scene3d>
+          <a:sp3d>
+            <a:bevelT w="165100" prst="coolSlant"/>
+          </a:sp3d>
+        </p:spPr>
+        <p:txBody>
+          <a:bodyPr wrap="none">
+            <a:spAutoFit/>
+          </a:bodyPr>
+          <a:lstStyle/>
+          <a:p>
+            <a:r>
+              <a:rPr lang="en-US" altLang="zh-TW" b="1" dirty="0">
+                <a:solidFill>
+                  <a:schemeClr val="bg1"/>
+                </a:solidFill>
+                <a:latin typeface="微軟正黑體" panose="020B0604030504040204" pitchFamily="34" charset="-120"/>
+              </a:rPr>
+              <a:t>PEP1 CD R2R</a:t>
+            </a:r>
+            <a:r>
+              <a:rPr lang="zh-TW" altLang="en-US" b="1" dirty="0">
+                <a:solidFill>
+                  <a:schemeClr val="bg1"/>
+                </a:solidFill>
+                <a:latin typeface="微軟正黑體" panose="020B0604030504040204" pitchFamily="34" charset="-120"/>
+              </a:rPr>
+              <a:t>補</a:t>
+            </a:r>
+            <a:r>
+              <a:rPr lang="zh-TW" altLang="en-US" b="1" dirty="0" smtClean="0">
+                <a:solidFill>
+                  <a:schemeClr val="bg1"/>
+                </a:solidFill>
+                <a:latin typeface="微軟正黑體" panose="020B0604030504040204" pitchFamily="34" charset="-120"/>
+              </a:rPr>
+              <a:t>值</a:t>
+            </a:r>
+            <a:endParaRPr lang="zh-TW" altLang="en-US" b="1" dirty="0">
+              <a:solidFill>
+                <a:schemeClr val="bg1"/>
+              </a:solidFill>
+              <a:latin typeface="微軟正黑體" panose="020B0604030504040204" pitchFamily="34" charset="-120"/>
+            </a:endParaRPr>
+          </a:p>
+        </p:txBody>
+      </p:sp>
+      <p:sp>
+        <p:nvSpPr>
+          <p:cNvPr id="48" name="矩形 47"/>
+          <p:cNvSpPr/>
+          <p:nvPr/>
+        </p:nvSpPr>
+        <p:spPr>
+          <a:xfrm>
+            <a:off x="699051" y="4459677"/>
+            <a:ext cx="1382110" cy="307777"/>
+          </a:xfrm>
+          <a:prstGeom prst="rect">
+            <a:avLst/>
+          </a:prstGeom>
+          <a:noFill/>
+          <a:scene3d>
+            <a:camera prst="orthographicFront"/>
+            <a:lightRig rig="threePt" dir="t"/>
+          </a:scene3d>
+          <a:sp3d>
+            <a:bevelT w="165100" prst="coolSlant"/>
+          </a:sp3d>
+        </p:spPr>
+        <p:txBody>
+          <a:bodyPr wrap="none">
+            <a:spAutoFit/>
+          </a:bodyPr>
+          <a:lstStyle/>
+          <a:p>
+            <a:r>
+              <a:rPr lang="en-US" altLang="zh-TW" b="1" dirty="0">
+                <a:solidFill>
+                  <a:schemeClr val="bg1"/>
+                </a:solidFill>
+                <a:latin typeface="微軟正黑體" panose="020B0604030504040204" pitchFamily="34" charset="-120"/>
+              </a:rPr>
+              <a:t>CF CD/OL</a:t>
+            </a:r>
+            <a:r>
+              <a:rPr lang="zh-TW" altLang="en-US" b="1" dirty="0">
+                <a:solidFill>
+                  <a:schemeClr val="bg1"/>
+                </a:solidFill>
+                <a:latin typeface="微軟正黑體" panose="020B0604030504040204" pitchFamily="34" charset="-120"/>
+              </a:rPr>
+              <a:t>開線</a:t>
+            </a:r>
+          </a:p>
+        </p:txBody>
+      </p:sp>
     </p:spTree>
     <p:extLst>
       <p:ext uri="{BB962C8B-B14F-4D97-AF65-F5344CB8AC3E}">
@@ -12270,7 +11401,7 @@
 </p:sld>
 </file>
 
-<file path=ppt/slides/slide5.xml><?xml version="1.0" encoding="utf-8"?>
+<file path=ppt/slides/slide4.xml><?xml version="1.0" encoding="utf-8"?>
 <p:sld xmlns:a="http://schemas.openxmlformats.org/drawingml/2006/main" xmlns:r="http://schemas.openxmlformats.org/officeDocument/2006/relationships" xmlns:p="http://schemas.openxmlformats.org/presentationml/2006/main">
   <p:cSld>
     <p:spTree>
@@ -12738,14 +11869,7 @@
                 <a:latin typeface="微軟正黑體" panose="020B0604030504040204" pitchFamily="34" charset="-120"/>
                 <a:ea typeface="微軟正黑體" panose="020B0604030504040204" pitchFamily="34" charset="-120"/>
               </a:rPr>
-              <a:t>Feature </a:t>
-            </a:r>
-            <a:r>
-              <a:rPr lang="en-US" altLang="zh-TW" sz="1100" b="1" dirty="0">
-                <a:latin typeface="微軟正黑體" panose="020B0604030504040204" pitchFamily="34" charset="-120"/>
-                <a:ea typeface="微軟正黑體" panose="020B0604030504040204" pitchFamily="34" charset="-120"/>
-              </a:rPr>
-              <a:t>selection</a:t>
+              <a:t>Feature selection</a:t>
             </a:r>
             <a:endParaRPr lang="zh-TW" altLang="en-US" sz="1100" b="1" dirty="0">
               <a:latin typeface="微軟正黑體" panose="020B0604030504040204" pitchFamily="34" charset="-120"/>
@@ -13029,21 +12153,7 @@
                 <a:latin typeface="微軟正黑體" panose="020B0604030504040204" pitchFamily="34" charset="-120"/>
                 <a:ea typeface="微軟正黑體" panose="020B0604030504040204" pitchFamily="34" charset="-120"/>
               </a:rPr>
-              <a:t>P</a:t>
-            </a:r>
-            <a:r>
-              <a:rPr lang="en-US" altLang="zh-TW" sz="1100" b="1" dirty="0">
-                <a:latin typeface="微軟正黑體" panose="020B0604030504040204" pitchFamily="34" charset="-120"/>
-                <a:ea typeface="微軟正黑體" panose="020B0604030504040204" pitchFamily="34" charset="-120"/>
-              </a:rPr>
-              <a:t>rediction </a:t>
-            </a:r>
-            <a:r>
-              <a:rPr lang="en-US" altLang="zh-TW" sz="1100" b="1" dirty="0">
-                <a:latin typeface="微軟正黑體" panose="020B0604030504040204" pitchFamily="34" charset="-120"/>
-                <a:ea typeface="微軟正黑體" panose="020B0604030504040204" pitchFamily="34" charset="-120"/>
-              </a:rPr>
-              <a:t>results</a:t>
+              <a:t>Prediction results</a:t>
             </a:r>
           </a:p>
         </p:txBody>
@@ -14426,7 +13536,7 @@
 </p:sld>
 </file>
 
-<file path=ppt/slides/slide6.xml><?xml version="1.0" encoding="utf-8"?>
+<file path=ppt/slides/slide5.xml><?xml version="1.0" encoding="utf-8"?>
 <p:sld xmlns:a="http://schemas.openxmlformats.org/drawingml/2006/main" xmlns:r="http://schemas.openxmlformats.org/officeDocument/2006/relationships" xmlns:p="http://schemas.openxmlformats.org/presentationml/2006/main">
   <p:cSld>
     <p:spTree>
@@ -34292,7 +33402,7 @@
 </p:sld>
 </file>
 
-<file path=ppt/slides/slide7.xml><?xml version="1.0" encoding="utf-8"?>
+<file path=ppt/slides/slide6.xml><?xml version="1.0" encoding="utf-8"?>
 <p:sld xmlns:a="http://schemas.openxmlformats.org/drawingml/2006/main" xmlns:r="http://schemas.openxmlformats.org/officeDocument/2006/relationships" xmlns:p="http://schemas.openxmlformats.org/presentationml/2006/main">
   <p:cSld>
     <p:spTree>
@@ -35449,7 +34559,7 @@
 </p:sld>
 </file>
 
-<file path=ppt/slides/slide8.xml><?xml version="1.0" encoding="utf-8"?>
+<file path=ppt/slides/slide7.xml><?xml version="1.0" encoding="utf-8"?>
 <p:sld xmlns:a="http://schemas.openxmlformats.org/drawingml/2006/main" xmlns:r="http://schemas.openxmlformats.org/officeDocument/2006/relationships" xmlns:p="http://schemas.openxmlformats.org/presentationml/2006/main">
   <p:cSld>
     <p:spTree>
@@ -37654,7 +36764,7 @@
 </p:sld>
 </file>
 
-<file path=ppt/slides/slide9.xml><?xml version="1.0" encoding="utf-8"?>
+<file path=ppt/slides/slide8.xml><?xml version="1.0" encoding="utf-8"?>
 <p:sld xmlns:a="http://schemas.openxmlformats.org/drawingml/2006/main" xmlns:r="http://schemas.openxmlformats.org/officeDocument/2006/relationships" xmlns:p="http://schemas.openxmlformats.org/presentationml/2006/main">
   <p:cSld>
     <p:spTree>
@@ -39731,6 +38841,825 @@
 </p:sld>
 </file>
 
+<file path=ppt/slides/slide9.xml><?xml version="1.0" encoding="utf-8"?>
+<p:sld xmlns:a="http://schemas.openxmlformats.org/drawingml/2006/main" xmlns:r="http://schemas.openxmlformats.org/officeDocument/2006/relationships" xmlns:p="http://schemas.openxmlformats.org/presentationml/2006/main">
+  <p:cSld>
+    <p:spTree>
+      <p:nvGrpSpPr>
+        <p:cNvPr id="1" name=""/>
+        <p:cNvGrpSpPr/>
+        <p:nvPr/>
+      </p:nvGrpSpPr>
+      <p:grpSpPr>
+        <a:xfrm>
+          <a:off x="0" y="0"/>
+          <a:ext cx="0" cy="0"/>
+          <a:chOff x="0" y="0"/>
+          <a:chExt cx="0" cy="0"/>
+        </a:xfrm>
+      </p:grpSpPr>
+      <p:sp>
+        <p:nvSpPr>
+          <p:cNvPr id="29" name="圓角矩形 28"/>
+          <p:cNvSpPr/>
+          <p:nvPr/>
+        </p:nvSpPr>
+        <p:spPr>
+          <a:xfrm>
+            <a:off x="556848" y="768731"/>
+            <a:ext cx="8276656" cy="4050450"/>
+          </a:xfrm>
+          <a:prstGeom prst="roundRect">
+            <a:avLst>
+              <a:gd name="adj" fmla="val 12067"/>
+            </a:avLst>
+          </a:prstGeom>
+          <a:solidFill>
+            <a:srgbClr val="F9F9F9"/>
+          </a:solidFill>
+          <a:ln>
+            <a:noFill/>
+          </a:ln>
+          <a:effectLst/>
+        </p:spPr>
+        <p:style>
+          <a:lnRef idx="2">
+            <a:schemeClr val="accent1">
+              <a:shade val="50000"/>
+            </a:schemeClr>
+          </a:lnRef>
+          <a:fillRef idx="1">
+            <a:schemeClr val="accent1"/>
+          </a:fillRef>
+          <a:effectRef idx="0">
+            <a:schemeClr val="accent1"/>
+          </a:effectRef>
+          <a:fontRef idx="minor">
+            <a:schemeClr val="lt1"/>
+          </a:fontRef>
+        </p:style>
+        <p:txBody>
+          <a:bodyPr rtlCol="0" anchor="ctr"/>
+          <a:lstStyle/>
+          <a:p>
+            <a:pPr algn="ctr"/>
+            <a:endParaRPr lang="zh-TW" altLang="en-US"/>
+          </a:p>
+        </p:txBody>
+      </p:sp>
+      <p:sp>
+        <p:nvSpPr>
+          <p:cNvPr id="3" name="標題 2"/>
+          <p:cNvSpPr>
+            <a:spLocks noGrp="1"/>
+          </p:cNvSpPr>
+          <p:nvPr>
+            <p:ph type="title"/>
+          </p:nvPr>
+        </p:nvSpPr>
+        <p:spPr/>
+        <p:txBody>
+          <a:bodyPr/>
+          <a:lstStyle/>
+          <a:p>
+            <a:r>
+              <a:rPr lang="en-US" altLang="zh-TW" dirty="0">
+                <a:ea typeface="微軟正黑體 Light" pitchFamily="34" charset="-120"/>
+              </a:rPr>
+              <a:t>L5C</a:t>
+            </a:r>
+            <a:r>
+              <a:rPr lang="zh-TW" altLang="en-US" dirty="0">
+                <a:ea typeface="微軟正黑體 Light" pitchFamily="34" charset="-120"/>
+              </a:rPr>
+              <a:t> </a:t>
+            </a:r>
+            <a:r>
+              <a:rPr lang="en-US" altLang="zh-TW" dirty="0">
+                <a:ea typeface="微軟正黑體 Light" pitchFamily="34" charset="-120"/>
+              </a:rPr>
+              <a:t>Photo</a:t>
+            </a:r>
+            <a:r>
+              <a:rPr lang="zh-TW" altLang="en-US" dirty="0">
+                <a:ea typeface="微軟正黑體 Light" pitchFamily="34" charset="-120"/>
+              </a:rPr>
+              <a:t> </a:t>
+            </a:r>
+            <a:r>
+              <a:rPr lang="en-US" altLang="zh-TW" dirty="0">
+                <a:ea typeface="微軟正黑體 Light" pitchFamily="34" charset="-120"/>
+              </a:rPr>
+              <a:t>PEP1</a:t>
+            </a:r>
+            <a:r>
+              <a:rPr lang="zh-TW" altLang="en-US" dirty="0">
+                <a:ea typeface="微軟正黑體 Light" pitchFamily="34" charset="-120"/>
+              </a:rPr>
+              <a:t> </a:t>
+            </a:r>
+            <a:r>
+              <a:rPr lang="en-US" altLang="zh-TW" dirty="0">
+                <a:ea typeface="微軟正黑體 Light" pitchFamily="34" charset="-120"/>
+              </a:rPr>
+              <a:t>CD</a:t>
+            </a:r>
+            <a:r>
+              <a:rPr lang="zh-TW" altLang="en-US" dirty="0">
+                <a:ea typeface="微軟正黑體 Light" pitchFamily="34" charset="-120"/>
+              </a:rPr>
+              <a:t> </a:t>
+            </a:r>
+            <a:r>
+              <a:rPr lang="en-US" altLang="zh-TW" dirty="0" smtClean="0">
+                <a:ea typeface="微軟正黑體 Light" pitchFamily="34" charset="-120"/>
+              </a:rPr>
+              <a:t>R2R</a:t>
+            </a:r>
+            <a:endParaRPr lang="zh-TW" altLang="en-US" dirty="0">
+              <a:latin typeface="微軟正黑體" panose="020B0604030504040204" pitchFamily="34" charset="-120"/>
+            </a:endParaRPr>
+          </a:p>
+        </p:txBody>
+      </p:sp>
+      <p:sp>
+        <p:nvSpPr>
+          <p:cNvPr id="15" name="圓角矩形 14"/>
+          <p:cNvSpPr/>
+          <p:nvPr/>
+        </p:nvSpPr>
+        <p:spPr>
+          <a:xfrm>
+            <a:off x="1826695" y="1062799"/>
+            <a:ext cx="945105" cy="270030"/>
+          </a:xfrm>
+          <a:prstGeom prst="roundRect">
+            <a:avLst/>
+          </a:prstGeom>
+          <a:solidFill>
+            <a:srgbClr val="8BBACF"/>
+          </a:solidFill>
+          <a:ln>
+            <a:noFill/>
+          </a:ln>
+          <a:effectLst>
+            <a:outerShdw blurRad="50800" dist="38100" dir="2700000" algn="tl" rotWithShape="0">
+              <a:prstClr val="black">
+                <a:alpha val="40000"/>
+              </a:prstClr>
+            </a:outerShdw>
+          </a:effectLst>
+        </p:spPr>
+        <p:style>
+          <a:lnRef idx="2">
+            <a:schemeClr val="accent1">
+              <a:shade val="50000"/>
+            </a:schemeClr>
+          </a:lnRef>
+          <a:fillRef idx="1">
+            <a:schemeClr val="accent1"/>
+          </a:fillRef>
+          <a:effectRef idx="0">
+            <a:schemeClr val="accent1"/>
+          </a:effectRef>
+          <a:fontRef idx="minor">
+            <a:schemeClr val="lt1"/>
+          </a:fontRef>
+        </p:style>
+        <p:txBody>
+          <a:bodyPr rtlCol="0" anchor="ctr"/>
+          <a:lstStyle/>
+          <a:p>
+            <a:pPr algn="ctr"/>
+            <a:r>
+              <a:rPr lang="zh-TW" altLang="en-US" sz="1200" b="1" dirty="0">
+                <a:latin typeface="微軟正黑體" panose="020B0604030504040204" pitchFamily="34" charset="-120"/>
+                <a:ea typeface="微軟正黑體" panose="020B0604030504040204" pitchFamily="34" charset="-120"/>
+              </a:rPr>
+              <a:t>過去</a:t>
+            </a:r>
+            <a:r>
+              <a:rPr lang="zh-TW" altLang="en-US" sz="1200" b="1" dirty="0" smtClean="0">
+                <a:latin typeface="微軟正黑體" panose="020B0604030504040204" pitchFamily="34" charset="-120"/>
+                <a:ea typeface="微軟正黑體" panose="020B0604030504040204" pitchFamily="34" charset="-120"/>
+              </a:rPr>
+              <a:t>模式</a:t>
+            </a:r>
+            <a:endParaRPr lang="zh-TW" altLang="en-US" sz="1200" b="1" dirty="0">
+              <a:latin typeface="微軟正黑體" panose="020B0604030504040204" pitchFamily="34" charset="-120"/>
+              <a:ea typeface="微軟正黑體" panose="020B0604030504040204" pitchFamily="34" charset="-120"/>
+            </a:endParaRPr>
+          </a:p>
+        </p:txBody>
+      </p:sp>
+      <p:sp>
+        <p:nvSpPr>
+          <p:cNvPr id="16" name="圓角矩形 15"/>
+          <p:cNvSpPr/>
+          <p:nvPr/>
+        </p:nvSpPr>
+        <p:spPr>
+          <a:xfrm>
+            <a:off x="1840485" y="3069430"/>
+            <a:ext cx="945105" cy="270030"/>
+          </a:xfrm>
+          <a:prstGeom prst="roundRect">
+            <a:avLst/>
+          </a:prstGeom>
+          <a:solidFill>
+            <a:srgbClr val="428FB1"/>
+          </a:solidFill>
+          <a:ln>
+            <a:noFill/>
+          </a:ln>
+          <a:effectLst>
+            <a:outerShdw blurRad="50800" dist="38100" dir="2700000" algn="tl" rotWithShape="0">
+              <a:prstClr val="black">
+                <a:alpha val="40000"/>
+              </a:prstClr>
+            </a:outerShdw>
+          </a:effectLst>
+        </p:spPr>
+        <p:style>
+          <a:lnRef idx="2">
+            <a:schemeClr val="accent1">
+              <a:shade val="50000"/>
+            </a:schemeClr>
+          </a:lnRef>
+          <a:fillRef idx="1">
+            <a:schemeClr val="accent1"/>
+          </a:fillRef>
+          <a:effectRef idx="0">
+            <a:schemeClr val="accent1"/>
+          </a:effectRef>
+          <a:fontRef idx="minor">
+            <a:schemeClr val="lt1"/>
+          </a:fontRef>
+        </p:style>
+        <p:txBody>
+          <a:bodyPr rtlCol="0" anchor="ctr"/>
+          <a:lstStyle/>
+          <a:p>
+            <a:pPr algn="ctr"/>
+            <a:r>
+              <a:rPr lang="zh-TW" altLang="en-US" sz="1200" b="1" dirty="0" smtClean="0">
+                <a:latin typeface="微軟正黑體" panose="020B0604030504040204" pitchFamily="34" charset="-120"/>
+                <a:ea typeface="微軟正黑體" panose="020B0604030504040204" pitchFamily="34" charset="-120"/>
+              </a:rPr>
+              <a:t>預期目標</a:t>
+            </a:r>
+            <a:endParaRPr lang="zh-TW" altLang="en-US" sz="1200" b="1" dirty="0">
+              <a:latin typeface="微軟正黑體" panose="020B0604030504040204" pitchFamily="34" charset="-120"/>
+              <a:ea typeface="微軟正黑體" panose="020B0604030504040204" pitchFamily="34" charset="-120"/>
+            </a:endParaRPr>
+          </a:p>
+        </p:txBody>
+      </p:sp>
+      <p:sp>
+        <p:nvSpPr>
+          <p:cNvPr id="17" name="文字方塊 16"/>
+          <p:cNvSpPr txBox="1"/>
+          <p:nvPr/>
+        </p:nvSpPr>
+        <p:spPr>
+          <a:xfrm>
+            <a:off x="2771800" y="1062799"/>
+            <a:ext cx="5040560" cy="276999"/>
+          </a:xfrm>
+          <a:prstGeom prst="rect">
+            <a:avLst/>
+          </a:prstGeom>
+          <a:noFill/>
+        </p:spPr>
+        <p:txBody>
+          <a:bodyPr wrap="square" rtlCol="0">
+            <a:spAutoFit/>
+          </a:bodyPr>
+          <a:lstStyle/>
+          <a:p>
+            <a:r>
+              <a:rPr lang="zh-TW" altLang="en-US" sz="1200" dirty="0">
+                <a:solidFill>
+                  <a:schemeClr val="tx1">
+                    <a:lumMod val="85000"/>
+                    <a:lumOff val="15000"/>
+                  </a:schemeClr>
+                </a:solidFill>
+                <a:latin typeface="微軟正黑體" panose="020B0604030504040204" pitchFamily="34" charset="-120"/>
+              </a:rPr>
+              <a:t>需依實際量測</a:t>
+            </a:r>
+            <a:r>
+              <a:rPr lang="zh-TW" altLang="en-US" sz="1200" dirty="0" smtClean="0">
+                <a:solidFill>
+                  <a:schemeClr val="tx1">
+                    <a:lumMod val="85000"/>
+                    <a:lumOff val="15000"/>
+                  </a:schemeClr>
+                </a:solidFill>
+                <a:latin typeface="微軟正黑體" panose="020B0604030504040204" pitchFamily="34" charset="-120"/>
+              </a:rPr>
+              <a:t>狀況</a:t>
+            </a:r>
+            <a:r>
+              <a:rPr lang="zh-TW" altLang="en-US" sz="1200" dirty="0">
+                <a:solidFill>
+                  <a:schemeClr val="tx1">
+                    <a:lumMod val="85000"/>
+                    <a:lumOff val="15000"/>
+                  </a:schemeClr>
+                </a:solidFill>
+                <a:latin typeface="微軟正黑體" panose="020B0604030504040204" pitchFamily="34" charset="-120"/>
+              </a:rPr>
+              <a:t>，</a:t>
+            </a:r>
+            <a:r>
+              <a:rPr lang="zh-TW" altLang="en-US" sz="1200" dirty="0" smtClean="0">
+                <a:solidFill>
+                  <a:schemeClr val="tx1">
+                    <a:lumMod val="85000"/>
+                    <a:lumOff val="15000"/>
+                  </a:schemeClr>
+                </a:solidFill>
+                <a:latin typeface="微軟正黑體" panose="020B0604030504040204" pitchFamily="34" charset="-120"/>
+              </a:rPr>
+              <a:t>手動</a:t>
+            </a:r>
+            <a:r>
+              <a:rPr lang="zh-TW" altLang="en-US" sz="1200" dirty="0">
+                <a:solidFill>
+                  <a:schemeClr val="tx1">
+                    <a:lumMod val="85000"/>
+                    <a:lumOff val="15000"/>
+                  </a:schemeClr>
+                </a:solidFill>
+                <a:latin typeface="微軟正黑體" panose="020B0604030504040204" pitchFamily="34" charset="-120"/>
+              </a:rPr>
+              <a:t>調整補償線寬值</a:t>
+            </a:r>
+            <a:endParaRPr lang="en-US" altLang="zh-TW" sz="1200" dirty="0">
+              <a:solidFill>
+                <a:schemeClr val="tx1">
+                  <a:lumMod val="85000"/>
+                  <a:lumOff val="15000"/>
+                </a:schemeClr>
+              </a:solidFill>
+              <a:latin typeface="微軟正黑體" panose="020B0604030504040204" pitchFamily="34" charset="-120"/>
+            </a:endParaRPr>
+          </a:p>
+        </p:txBody>
+      </p:sp>
+      <p:sp>
+        <p:nvSpPr>
+          <p:cNvPr id="18" name="文字方塊 17"/>
+          <p:cNvSpPr txBox="1"/>
+          <p:nvPr/>
+        </p:nvSpPr>
+        <p:spPr>
+          <a:xfrm>
+            <a:off x="2771800" y="3066805"/>
+            <a:ext cx="4140460" cy="276999"/>
+          </a:xfrm>
+          <a:prstGeom prst="rect">
+            <a:avLst/>
+          </a:prstGeom>
+          <a:noFill/>
+        </p:spPr>
+        <p:txBody>
+          <a:bodyPr wrap="square" rtlCol="0">
+            <a:spAutoFit/>
+          </a:bodyPr>
+          <a:lstStyle/>
+          <a:p>
+            <a:r>
+              <a:rPr lang="zh-TW" altLang="en-US" sz="1200" dirty="0">
+                <a:solidFill>
+                  <a:schemeClr val="tx1">
+                    <a:lumMod val="85000"/>
+                    <a:lumOff val="15000"/>
+                  </a:schemeClr>
+                </a:solidFill>
+                <a:latin typeface="微軟正黑體" panose="020B0604030504040204" pitchFamily="34" charset="-120"/>
+              </a:rPr>
+              <a:t>人工調整補償</a:t>
+            </a:r>
+            <a:r>
+              <a:rPr lang="en-US" altLang="zh-TW" sz="1200" dirty="0">
+                <a:solidFill>
+                  <a:schemeClr val="tx1">
+                    <a:lumMod val="85000"/>
+                    <a:lumOff val="15000"/>
+                  </a:schemeClr>
+                </a:solidFill>
+                <a:latin typeface="微軟正黑體" panose="020B0604030504040204" pitchFamily="34" charset="-120"/>
+              </a:rPr>
+              <a:t>CD</a:t>
+            </a:r>
+            <a:r>
+              <a:rPr lang="zh-TW" altLang="en-US" sz="1200" dirty="0" smtClean="0">
+                <a:solidFill>
+                  <a:schemeClr val="tx1">
+                    <a:lumMod val="85000"/>
+                    <a:lumOff val="15000"/>
+                  </a:schemeClr>
+                </a:solidFill>
+                <a:latin typeface="微軟正黑體" panose="020B0604030504040204" pitchFamily="34" charset="-120"/>
+              </a:rPr>
+              <a:t>機制 </a:t>
+            </a:r>
+            <a:r>
+              <a:rPr lang="zh-TW" altLang="en-US" sz="1200" b="1" dirty="0" smtClean="0"/>
+              <a:t>→</a:t>
+            </a:r>
+            <a:r>
+              <a:rPr lang="zh-TW" altLang="en-US" sz="1200" dirty="0" smtClean="0"/>
+              <a:t> </a:t>
+            </a:r>
+            <a:r>
+              <a:rPr lang="zh-TW" altLang="en-US" sz="1200" b="1" dirty="0" smtClean="0">
+                <a:solidFill>
+                  <a:srgbClr val="C00000"/>
+                </a:solidFill>
+                <a:latin typeface="微軟正黑體" panose="020B0604030504040204" pitchFamily="34" charset="-120"/>
+              </a:rPr>
+              <a:t>自動</a:t>
+            </a:r>
+            <a:r>
+              <a:rPr lang="zh-TW" altLang="en-US" sz="1200" b="1" dirty="0">
+                <a:solidFill>
+                  <a:schemeClr val="tx1">
+                    <a:lumMod val="85000"/>
+                    <a:lumOff val="15000"/>
+                  </a:schemeClr>
+                </a:solidFill>
+                <a:latin typeface="微軟正黑體" panose="020B0604030504040204" pitchFamily="34" charset="-120"/>
+              </a:rPr>
+              <a:t>補償</a:t>
+            </a:r>
+            <a:r>
+              <a:rPr lang="en-US" altLang="zh-TW" sz="1200" b="1" dirty="0">
+                <a:solidFill>
+                  <a:schemeClr val="tx1">
+                    <a:lumMod val="85000"/>
+                    <a:lumOff val="15000"/>
+                  </a:schemeClr>
+                </a:solidFill>
+                <a:latin typeface="微軟正黑體" panose="020B0604030504040204" pitchFamily="34" charset="-120"/>
+              </a:rPr>
+              <a:t>CD</a:t>
+            </a:r>
+            <a:r>
+              <a:rPr lang="zh-TW" altLang="en-US" sz="1200" b="1" dirty="0">
+                <a:solidFill>
+                  <a:schemeClr val="tx1">
+                    <a:lumMod val="85000"/>
+                    <a:lumOff val="15000"/>
+                  </a:schemeClr>
+                </a:solidFill>
+                <a:latin typeface="微軟正黑體" panose="020B0604030504040204" pitchFamily="34" charset="-120"/>
+              </a:rPr>
+              <a:t>機制</a:t>
+            </a:r>
+          </a:p>
+        </p:txBody>
+      </p:sp>
+      <p:pic>
+        <p:nvPicPr>
+          <p:cNvPr id="8" name="圖片 7"/>
+          <p:cNvPicPr>
+            <a:picLocks noChangeAspect="1"/>
+          </p:cNvPicPr>
+          <p:nvPr/>
+        </p:nvPicPr>
+        <p:blipFill>
+          <a:blip r:embed="rId3" cstate="print">
+            <a:extLst>
+              <a:ext uri="{28A0092B-C50C-407E-A947-70E740481C1C}">
+                <a14:useLocalDpi xmlns:a14="http://schemas.microsoft.com/office/drawing/2010/main" val="0"/>
+              </a:ext>
+            </a:extLst>
+          </a:blip>
+          <a:stretch>
+            <a:fillRect/>
+          </a:stretch>
+        </p:blipFill>
+        <p:spPr>
+          <a:xfrm>
+            <a:off x="2178542" y="1572151"/>
+            <a:ext cx="772910" cy="772910"/>
+          </a:xfrm>
+          <a:prstGeom prst="rect">
+            <a:avLst/>
+          </a:prstGeom>
+        </p:spPr>
+      </p:pic>
+      <p:pic>
+        <p:nvPicPr>
+          <p:cNvPr id="9" name="圖片 8"/>
+          <p:cNvPicPr>
+            <a:picLocks noChangeAspect="1"/>
+          </p:cNvPicPr>
+          <p:nvPr/>
+        </p:nvPicPr>
+        <p:blipFill>
+          <a:blip r:embed="rId4" cstate="print">
+            <a:extLst>
+              <a:ext uri="{28A0092B-C50C-407E-A947-70E740481C1C}">
+                <a14:useLocalDpi xmlns:a14="http://schemas.microsoft.com/office/drawing/2010/main" val="0"/>
+              </a:ext>
+            </a:extLst>
+          </a:blip>
+          <a:stretch>
+            <a:fillRect/>
+          </a:stretch>
+        </p:blipFill>
+        <p:spPr>
+          <a:xfrm>
+            <a:off x="3303790" y="1531944"/>
+            <a:ext cx="772910" cy="772910"/>
+          </a:xfrm>
+          <a:prstGeom prst="rect">
+            <a:avLst/>
+          </a:prstGeom>
+        </p:spPr>
+      </p:pic>
+      <p:pic>
+        <p:nvPicPr>
+          <p:cNvPr id="10" name="圖片 9"/>
+          <p:cNvPicPr>
+            <a:picLocks noChangeAspect="1"/>
+          </p:cNvPicPr>
+          <p:nvPr/>
+        </p:nvPicPr>
+        <p:blipFill>
+          <a:blip r:embed="rId5" cstate="print">
+            <a:extLst>
+              <a:ext uri="{28A0092B-C50C-407E-A947-70E740481C1C}">
+                <a14:useLocalDpi xmlns:a14="http://schemas.microsoft.com/office/drawing/2010/main" val="0"/>
+              </a:ext>
+            </a:extLst>
+          </a:blip>
+          <a:stretch>
+            <a:fillRect/>
+          </a:stretch>
+        </p:blipFill>
+        <p:spPr>
+          <a:xfrm>
+            <a:off x="4429038" y="1493773"/>
+            <a:ext cx="862920" cy="862920"/>
+          </a:xfrm>
+          <a:prstGeom prst="rect">
+            <a:avLst/>
+          </a:prstGeom>
+        </p:spPr>
+      </p:pic>
+      <p:pic>
+        <p:nvPicPr>
+          <p:cNvPr id="11" name="圖片 10"/>
+          <p:cNvPicPr>
+            <a:picLocks noChangeAspect="1"/>
+          </p:cNvPicPr>
+          <p:nvPr/>
+        </p:nvPicPr>
+        <p:blipFill>
+          <a:blip r:embed="rId6" cstate="print">
+            <a:extLst>
+              <a:ext uri="{28A0092B-C50C-407E-A947-70E740481C1C}">
+                <a14:useLocalDpi xmlns:a14="http://schemas.microsoft.com/office/drawing/2010/main" val="0"/>
+              </a:ext>
+            </a:extLst>
+          </a:blip>
+          <a:stretch>
+            <a:fillRect/>
+          </a:stretch>
+        </p:blipFill>
+        <p:spPr>
+          <a:xfrm>
+            <a:off x="5644295" y="1572151"/>
+            <a:ext cx="772910" cy="772910"/>
+          </a:xfrm>
+          <a:prstGeom prst="rect">
+            <a:avLst/>
+          </a:prstGeom>
+        </p:spPr>
+      </p:pic>
+      <p:sp>
+        <p:nvSpPr>
+          <p:cNvPr id="12" name="文字方塊 11"/>
+          <p:cNvSpPr txBox="1"/>
+          <p:nvPr/>
+        </p:nvSpPr>
+        <p:spPr>
+          <a:xfrm>
+            <a:off x="2194775" y="2353366"/>
+            <a:ext cx="813196" cy="261610"/>
+          </a:xfrm>
+          <a:prstGeom prst="rect">
+            <a:avLst/>
+          </a:prstGeom>
+          <a:noFill/>
+        </p:spPr>
+        <p:txBody>
+          <a:bodyPr wrap="square" rtlCol="0">
+            <a:spAutoFit/>
+          </a:bodyPr>
+          <a:lstStyle/>
+          <a:p>
+            <a:r>
+              <a:rPr lang="zh-TW" altLang="en-US" sz="1100" dirty="0" smtClean="0"/>
+              <a:t>製</a:t>
+            </a:r>
+            <a:r>
+              <a:rPr lang="zh-TW" altLang="en-US" sz="1100" dirty="0"/>
+              <a:t>程</a:t>
+            </a:r>
+            <a:r>
+              <a:rPr lang="zh-TW" altLang="en-US" sz="1100" dirty="0" smtClean="0"/>
+              <a:t>變化</a:t>
+            </a:r>
+            <a:endParaRPr lang="zh-TW" altLang="en-US" sz="1100" dirty="0"/>
+          </a:p>
+        </p:txBody>
+      </p:sp>
+      <p:sp>
+        <p:nvSpPr>
+          <p:cNvPr id="24" name="文字方塊 23"/>
+          <p:cNvSpPr txBox="1"/>
+          <p:nvPr/>
+        </p:nvSpPr>
+        <p:spPr>
+          <a:xfrm>
+            <a:off x="3179965" y="2357344"/>
+            <a:ext cx="1230569" cy="261610"/>
+          </a:xfrm>
+          <a:prstGeom prst="rect">
+            <a:avLst/>
+          </a:prstGeom>
+          <a:noFill/>
+        </p:spPr>
+        <p:txBody>
+          <a:bodyPr wrap="square" rtlCol="0">
+            <a:spAutoFit/>
+          </a:bodyPr>
+          <a:lstStyle/>
+          <a:p>
+            <a:r>
+              <a:rPr lang="zh-TW" altLang="en-US" sz="1100" dirty="0" smtClean="0"/>
+              <a:t>等待</a:t>
+            </a:r>
+            <a:r>
+              <a:rPr lang="en-US" altLang="zh-TW" sz="1100" dirty="0" smtClean="0"/>
+              <a:t>MQC</a:t>
+            </a:r>
+            <a:r>
+              <a:rPr lang="zh-TW" altLang="en-US" sz="1100" dirty="0" smtClean="0"/>
+              <a:t>結果</a:t>
+            </a:r>
+            <a:endParaRPr lang="zh-TW" altLang="en-US" sz="1100" dirty="0"/>
+          </a:p>
+        </p:txBody>
+      </p:sp>
+      <p:sp>
+        <p:nvSpPr>
+          <p:cNvPr id="25" name="文字方塊 24"/>
+          <p:cNvSpPr txBox="1"/>
+          <p:nvPr/>
+        </p:nvSpPr>
+        <p:spPr>
+          <a:xfrm>
+            <a:off x="4384140" y="2345061"/>
+            <a:ext cx="941658" cy="430887"/>
+          </a:xfrm>
+          <a:prstGeom prst="rect">
+            <a:avLst/>
+          </a:prstGeom>
+          <a:noFill/>
+        </p:spPr>
+        <p:txBody>
+          <a:bodyPr wrap="square" rtlCol="0">
+            <a:spAutoFit/>
+          </a:bodyPr>
+          <a:lstStyle/>
+          <a:p>
+            <a:r>
+              <a:rPr lang="zh-TW" altLang="en-US" sz="1100" dirty="0" smtClean="0"/>
+              <a:t>工程師評估並確認結果</a:t>
+            </a:r>
+            <a:endParaRPr lang="zh-TW" altLang="en-US" sz="1100" dirty="0"/>
+          </a:p>
+        </p:txBody>
+      </p:sp>
+      <p:sp>
+        <p:nvSpPr>
+          <p:cNvPr id="26" name="文字方塊 25"/>
+          <p:cNvSpPr txBox="1"/>
+          <p:nvPr/>
+        </p:nvSpPr>
+        <p:spPr>
+          <a:xfrm>
+            <a:off x="5644295" y="2353366"/>
+            <a:ext cx="800357" cy="261610"/>
+          </a:xfrm>
+          <a:prstGeom prst="rect">
+            <a:avLst/>
+          </a:prstGeom>
+          <a:noFill/>
+        </p:spPr>
+        <p:txBody>
+          <a:bodyPr wrap="square" rtlCol="0">
+            <a:spAutoFit/>
+          </a:bodyPr>
+          <a:lstStyle/>
+          <a:p>
+            <a:r>
+              <a:rPr lang="zh-TW" altLang="en-US" sz="1100" dirty="0" smtClean="0"/>
+              <a:t>手動補值</a:t>
+            </a:r>
+            <a:endParaRPr lang="zh-TW" altLang="en-US" sz="1100" dirty="0"/>
+          </a:p>
+        </p:txBody>
+      </p:sp>
+      <p:pic>
+        <p:nvPicPr>
+          <p:cNvPr id="13" name="圖片 12"/>
+          <p:cNvPicPr>
+            <a:picLocks noChangeAspect="1"/>
+          </p:cNvPicPr>
+          <p:nvPr/>
+        </p:nvPicPr>
+        <p:blipFill>
+          <a:blip r:embed="rId7" cstate="print">
+            <a:extLst>
+              <a:ext uri="{28A0092B-C50C-407E-A947-70E740481C1C}">
+                <a14:useLocalDpi xmlns:a14="http://schemas.microsoft.com/office/drawing/2010/main" val="0"/>
+              </a:ext>
+            </a:extLst>
+          </a:blip>
+          <a:stretch>
+            <a:fillRect/>
+          </a:stretch>
+        </p:blipFill>
+        <p:spPr>
+          <a:xfrm>
+            <a:off x="3311860" y="3444808"/>
+            <a:ext cx="792127" cy="792127"/>
+          </a:xfrm>
+          <a:prstGeom prst="rect">
+            <a:avLst/>
+          </a:prstGeom>
+        </p:spPr>
+      </p:pic>
+      <p:pic>
+        <p:nvPicPr>
+          <p:cNvPr id="14" name="圖片 13"/>
+          <p:cNvPicPr>
+            <a:picLocks noChangeAspect="1"/>
+          </p:cNvPicPr>
+          <p:nvPr/>
+        </p:nvPicPr>
+        <p:blipFill>
+          <a:blip r:embed="rId8" cstate="print">
+            <a:extLst>
+              <a:ext uri="{28A0092B-C50C-407E-A947-70E740481C1C}">
+                <a14:useLocalDpi xmlns:a14="http://schemas.microsoft.com/office/drawing/2010/main" val="0"/>
+              </a:ext>
+            </a:extLst>
+          </a:blip>
+          <a:stretch>
+            <a:fillRect/>
+          </a:stretch>
+        </p:blipFill>
+        <p:spPr>
+          <a:xfrm>
+            <a:off x="4707015" y="3431397"/>
+            <a:ext cx="814954" cy="814954"/>
+          </a:xfrm>
+          <a:prstGeom prst="rect">
+            <a:avLst/>
+          </a:prstGeom>
+        </p:spPr>
+      </p:pic>
+    </p:spTree>
+    <p:extLst>
+      <p:ext uri="{BB962C8B-B14F-4D97-AF65-F5344CB8AC3E}">
+        <p14:creationId xmlns:p14="http://schemas.microsoft.com/office/powerpoint/2010/main" val="64068103"/>
+      </p:ext>
+    </p:extLst>
+  </p:cSld>
+  <p:clrMapOvr>
+    <a:masterClrMapping/>
+  </p:clrMapOvr>
+  <p:transition/>
+  <p:timing>
+    <p:tnLst>
+      <p:par>
+        <p:cTn id="1" dur="indefinite" restart="never" nodeType="tmRoot"/>
+      </p:par>
+    </p:tnLst>
+  </p:timing>
+</p:sld>
+</file>
+
 <file path=ppt/theme/theme1.xml><?xml version="1.0" encoding="utf-8"?>
 <a:theme xmlns:a="http://schemas.openxmlformats.org/drawingml/2006/main" name="Office 佈景主題">
   <a:themeElements>

--- a/20200723_CD_詹惠婷.pptx
+++ b/20200723_CD_詹惠婷.pptx
@@ -5,24 +5,25 @@
     <p:sldMasterId id="2147483918" r:id="rId1"/>
   </p:sldMasterIdLst>
   <p:notesMasterIdLst>
-    <p:notesMasterId r:id="rId14"/>
+    <p:notesMasterId r:id="rId15"/>
   </p:notesMasterIdLst>
   <p:handoutMasterIdLst>
-    <p:handoutMasterId r:id="rId15"/>
+    <p:handoutMasterId r:id="rId16"/>
   </p:handoutMasterIdLst>
   <p:sldIdLst>
     <p:sldId id="1189" r:id="rId2"/>
-    <p:sldId id="1310" r:id="rId3"/>
-    <p:sldId id="1304" r:id="rId4"/>
-    <p:sldId id="1283" r:id="rId5"/>
-    <p:sldId id="1298" r:id="rId6"/>
-    <p:sldId id="1306" r:id="rId7"/>
-    <p:sldId id="1288" r:id="rId8"/>
-    <p:sldId id="1287" r:id="rId9"/>
-    <p:sldId id="1305" r:id="rId10"/>
-    <p:sldId id="1301" r:id="rId11"/>
-    <p:sldId id="1308" r:id="rId12"/>
-    <p:sldId id="1202" r:id="rId13"/>
+    <p:sldId id="1311" r:id="rId3"/>
+    <p:sldId id="1310" r:id="rId4"/>
+    <p:sldId id="1304" r:id="rId5"/>
+    <p:sldId id="1283" r:id="rId6"/>
+    <p:sldId id="1298" r:id="rId7"/>
+    <p:sldId id="1306" r:id="rId8"/>
+    <p:sldId id="1288" r:id="rId9"/>
+    <p:sldId id="1287" r:id="rId10"/>
+    <p:sldId id="1305" r:id="rId11"/>
+    <p:sldId id="1301" r:id="rId12"/>
+    <p:sldId id="1308" r:id="rId13"/>
+    <p:sldId id="1202" r:id="rId14"/>
   </p:sldIdLst>
   <p:sldSz cx="9144000" cy="5143500" type="screen16x9"/>
   <p:notesSz cx="7099300" cy="10234613"/>
@@ -298,7 +299,7 @@
               <a:pPr>
                 <a:defRPr/>
               </a:pPr>
-              <a:t>2020/7/30</a:t>
+              <a:t>2020/7/31</a:t>
             </a:fld>
             <a:endParaRPr lang="zh-TW" altLang="en-US"/>
           </a:p>
@@ -516,7 +517,7 @@
               <a:pPr>
                 <a:defRPr/>
               </a:pPr>
-              <a:t>2020/7/30</a:t>
+              <a:t>2020/7/31</a:t>
             </a:fld>
             <a:endParaRPr lang="zh-TW" altLang="en-US"/>
           </a:p>
@@ -887,139 +888,6 @@
           <a:bodyPr/>
           <a:lstStyle/>
           <a:p>
-            <a:pPr marL="228600" indent="-228600">
-              <a:buAutoNum type="arabicPeriod"/>
-            </a:pPr>
-            <a:r>
-              <a:rPr lang="zh-TW" altLang="en-US" dirty="0" smtClean="0"/>
-              <a:t>我的專案主要是利用機器學習建模進行預測</a:t>
-            </a:r>
-            <a:r>
-              <a:rPr lang="en-US" altLang="zh-TW" dirty="0" smtClean="0"/>
-              <a:t>,</a:t>
-            </a:r>
-            <a:r>
-              <a:rPr lang="zh-TW" altLang="en-US" dirty="0" smtClean="0"/>
-              <a:t>找到符合實際生產狀況的</a:t>
-            </a:r>
-            <a:r>
-              <a:rPr lang="en-US" altLang="zh-TW" dirty="0" smtClean="0"/>
-              <a:t>AI</a:t>
-            </a:r>
-            <a:r>
-              <a:rPr lang="zh-TW" altLang="en-US" dirty="0" smtClean="0"/>
-              <a:t>模型</a:t>
-            </a:r>
-            <a:r>
-              <a:rPr lang="en-US" altLang="zh-TW" dirty="0" smtClean="0"/>
-              <a:t>,</a:t>
-            </a:r>
-            <a:r>
-              <a:rPr lang="zh-TW" altLang="en-US" dirty="0" smtClean="0"/>
-              <a:t>預測未來的生產狀況</a:t>
-            </a:r>
-            <a:r>
-              <a:rPr lang="en-US" altLang="zh-TW" dirty="0" smtClean="0"/>
-              <a:t>,</a:t>
-            </a:r>
-            <a:r>
-              <a:rPr lang="zh-TW" altLang="en-US" dirty="0" smtClean="0"/>
-              <a:t>找出影響模型的關鍵因子</a:t>
-            </a:r>
-            <a:endParaRPr lang="en-US" altLang="zh-TW" dirty="0" smtClean="0"/>
-          </a:p>
-          <a:p>
-            <a:pPr marL="228600" indent="-228600">
-              <a:buAutoNum type="arabicPeriod"/>
-            </a:pPr>
-            <a:r>
-              <a:rPr lang="zh-TW" altLang="en-US" dirty="0" smtClean="0"/>
-              <a:t>目前大多仰賴工程師經驗</a:t>
-            </a:r>
-            <a:r>
-              <a:rPr lang="en-US" altLang="zh-TW" dirty="0" smtClean="0"/>
-              <a:t>,</a:t>
-            </a:r>
-            <a:r>
-              <a:rPr lang="zh-TW" altLang="en-US" dirty="0" smtClean="0"/>
-              <a:t>無法較有效的掌握生產狀況</a:t>
-            </a:r>
-            <a:endParaRPr lang="en-US" altLang="zh-TW" dirty="0" smtClean="0"/>
-          </a:p>
-          <a:p>
-            <a:pPr marL="228600" indent="-228600">
-              <a:buAutoNum type="arabicPeriod"/>
-            </a:pPr>
-            <a:r>
-              <a:rPr lang="zh-TW" altLang="en-US" dirty="0" smtClean="0"/>
-              <a:t>如果開發一個能夠提供快速建立生產模式的</a:t>
-            </a:r>
-            <a:r>
-              <a:rPr lang="en-US" altLang="zh-TW" dirty="0" smtClean="0"/>
-              <a:t>AI</a:t>
-            </a:r>
-            <a:r>
-              <a:rPr lang="zh-TW" altLang="en-US" dirty="0" smtClean="0"/>
-              <a:t>模型</a:t>
-            </a:r>
-            <a:r>
-              <a:rPr lang="en-US" altLang="zh-TW" dirty="0" smtClean="0"/>
-              <a:t>,</a:t>
-            </a:r>
-            <a:r>
-              <a:rPr lang="zh-TW" altLang="en-US" dirty="0" smtClean="0"/>
-              <a:t>有效地找出影響生產流程的關鍵因子</a:t>
-            </a:r>
-            <a:r>
-              <a:rPr lang="en-US" altLang="zh-TW" dirty="0" smtClean="0"/>
-              <a:t>,</a:t>
-            </a:r>
-            <a:r>
-              <a:rPr lang="zh-TW" altLang="en-US" dirty="0" smtClean="0"/>
-              <a:t>就能夠預測未來的生產情形</a:t>
-            </a:r>
-            <a:r>
-              <a:rPr lang="en-US" altLang="zh-TW" dirty="0" smtClean="0"/>
-              <a:t>,</a:t>
-            </a:r>
-            <a:r>
-              <a:rPr lang="zh-TW" altLang="en-US" dirty="0" smtClean="0"/>
-              <a:t>再利用</a:t>
-            </a:r>
-            <a:r>
-              <a:rPr lang="en-US" altLang="zh-TW" dirty="0" smtClean="0"/>
-              <a:t>AI</a:t>
-            </a:r>
-            <a:r>
-              <a:rPr lang="zh-TW" altLang="en-US" dirty="0" smtClean="0"/>
-              <a:t>模型模擬出實際生產下的最佳狀況</a:t>
-            </a:r>
-            <a:endParaRPr lang="en-US" altLang="zh-TW" dirty="0" smtClean="0"/>
-          </a:p>
-          <a:p>
-            <a:pPr marL="228600" indent="-228600">
-              <a:buAutoNum type="arabicPeriod"/>
-            </a:pPr>
-            <a:r>
-              <a:rPr lang="zh-TW" altLang="en-US" dirty="0" smtClean="0"/>
-              <a:t>達到縮短開線時間</a:t>
-            </a:r>
-            <a:r>
-              <a:rPr lang="en-US" altLang="zh-TW" dirty="0" smtClean="0"/>
-              <a:t>,</a:t>
-            </a:r>
-            <a:r>
-              <a:rPr lang="zh-TW" altLang="en-US" dirty="0" smtClean="0"/>
-              <a:t>減少人員負擔</a:t>
-            </a:r>
-            <a:r>
-              <a:rPr lang="en-US" altLang="zh-TW" dirty="0" smtClean="0"/>
-              <a:t>,</a:t>
-            </a:r>
-            <a:r>
-              <a:rPr lang="zh-TW" altLang="en-US" dirty="0" smtClean="0"/>
-              <a:t>並提升產品品質的穩定度</a:t>
-            </a:r>
             <a:endParaRPr lang="zh-TW" altLang="en-US" dirty="0"/>
           </a:p>
         </p:txBody>
@@ -1047,7 +915,7 @@
               <a:pPr>
                 <a:defRPr/>
               </a:pPr>
-              <a:t>2</a:t>
+              <a:t>1</a:t>
             </a:fld>
             <a:endParaRPr lang="zh-TW" altLang="en-US"/>
           </a:p>
@@ -1056,7 +924,7 @@
     </p:spTree>
     <p:extLst>
       <p:ext uri="{BB962C8B-B14F-4D97-AF65-F5344CB8AC3E}">
-        <p14:creationId xmlns:p14="http://schemas.microsoft.com/office/powerpoint/2010/main" val="663799644"/>
+        <p14:creationId xmlns:p14="http://schemas.microsoft.com/office/powerpoint/2010/main" val="2916982559"/>
       </p:ext>
     </p:extLst>
   </p:cSld>
@@ -1067,1116 +935,6 @@
 </file>
 
 <file path=ppt/notesSlides/notesSlide10.xml><?xml version="1.0" encoding="utf-8"?>
-<p:notes xmlns:a="http://schemas.openxmlformats.org/drawingml/2006/main" xmlns:r="http://schemas.openxmlformats.org/officeDocument/2006/relationships" xmlns:p="http://schemas.openxmlformats.org/presentationml/2006/main">
-  <p:cSld>
-    <p:spTree>
-      <p:nvGrpSpPr>
-        <p:cNvPr id="1" name=""/>
-        <p:cNvGrpSpPr/>
-        <p:nvPr/>
-      </p:nvGrpSpPr>
-      <p:grpSpPr>
-        <a:xfrm>
-          <a:off x="0" y="0"/>
-          <a:ext cx="0" cy="0"/>
-          <a:chOff x="0" y="0"/>
-          <a:chExt cx="0" cy="0"/>
-        </a:xfrm>
-      </p:grpSpPr>
-      <p:sp>
-        <p:nvSpPr>
-          <p:cNvPr id="2" name="投影片圖像版面配置區 1"/>
-          <p:cNvSpPr>
-            <a:spLocks noGrp="1" noRot="1" noChangeAspect="1"/>
-          </p:cNvSpPr>
-          <p:nvPr>
-            <p:ph type="sldImg"/>
-          </p:nvPr>
-        </p:nvSpPr>
-        <p:spPr/>
-      </p:sp>
-      <p:sp>
-        <p:nvSpPr>
-          <p:cNvPr id="3" name="備忘稿版面配置區 2"/>
-          <p:cNvSpPr>
-            <a:spLocks noGrp="1"/>
-          </p:cNvSpPr>
-          <p:nvPr>
-            <p:ph type="body" idx="1"/>
-          </p:nvPr>
-        </p:nvSpPr>
-        <p:spPr/>
-        <p:txBody>
-          <a:bodyPr/>
-          <a:lstStyle/>
-          <a:p>
-            <a:pPr marL="0" marR="0" indent="0" algn="l" defTabSz="914400" rtl="0" eaLnBrk="0" fontAlgn="base" latinLnBrk="0" hangingPunct="0">
-              <a:lnSpc>
-                <a:spcPct val="100000"/>
-              </a:lnSpc>
-              <a:spcBef>
-                <a:spcPct val="30000"/>
-              </a:spcBef>
-              <a:spcAft>
-                <a:spcPct val="0"/>
-              </a:spcAft>
-              <a:buClrTx/>
-              <a:buSzTx/>
-              <a:buFontTx/>
-              <a:buNone/>
-              <a:tabLst/>
-              <a:defRPr/>
-            </a:pPr>
-            <a:r>
-              <a:rPr lang="zh-TW" altLang="en-US" sz="1200" dirty="0" smtClean="0"/>
-              <a:t>目前這周已經先確定好專案題目和內容，目前</a:t>
-            </a:r>
-            <a:r>
-              <a:rPr lang="en-US" altLang="zh-TW" sz="1200" dirty="0" smtClean="0"/>
-              <a:t>mentor</a:t>
-            </a:r>
-            <a:r>
-              <a:rPr lang="zh-TW" altLang="en-US" sz="1200" dirty="0" smtClean="0"/>
-              <a:t>讓我先嘗試用不同的機器學習方法去優化 </a:t>
-            </a:r>
-            <a:r>
-              <a:rPr lang="en-US" altLang="zh-TW" sz="1200" dirty="0" smtClean="0"/>
-              <a:t>LC Margin</a:t>
-            </a:r>
-            <a:r>
-              <a:rPr lang="zh-TW" altLang="en-US" sz="1200" dirty="0" smtClean="0"/>
-              <a:t>的預測，這部分先寫的差不多之後，希望能夠套用在專案資料上，後續的流程大致上會先做資料前處理，找出關鍵參數後再建立訓練模型，接著再持續優化模型，後期主要會著重在參數最佳化的部分</a:t>
-            </a:r>
-          </a:p>
-          <a:p>
-            <a:endParaRPr lang="zh-TW" altLang="en-US" dirty="0"/>
-          </a:p>
-        </p:txBody>
-      </p:sp>
-      <p:sp>
-        <p:nvSpPr>
-          <p:cNvPr id="4" name="投影片編號版面配置區 3"/>
-          <p:cNvSpPr>
-            <a:spLocks noGrp="1"/>
-          </p:cNvSpPr>
-          <p:nvPr>
-            <p:ph type="sldNum" sz="quarter" idx="10"/>
-          </p:nvPr>
-        </p:nvSpPr>
-        <p:spPr/>
-        <p:txBody>
-          <a:bodyPr/>
-          <a:lstStyle/>
-          <a:p>
-            <a:pPr>
-              <a:defRPr/>
-            </a:pPr>
-            <a:fld id="{BB8BD76A-2F67-42F1-9619-1A8D2E5EAE40}" type="slidenum">
-              <a:rPr lang="zh-TW" altLang="en-US" smtClean="0"/>
-              <a:pPr>
-                <a:defRPr/>
-              </a:pPr>
-              <a:t>11</a:t>
-            </a:fld>
-            <a:endParaRPr lang="zh-TW" altLang="en-US"/>
-          </a:p>
-        </p:txBody>
-      </p:sp>
-    </p:spTree>
-    <p:extLst>
-      <p:ext uri="{BB962C8B-B14F-4D97-AF65-F5344CB8AC3E}">
-        <p14:creationId xmlns:p14="http://schemas.microsoft.com/office/powerpoint/2010/main" val="2810050349"/>
-      </p:ext>
-    </p:extLst>
-  </p:cSld>
-  <p:clrMapOvr>
-    <a:masterClrMapping/>
-  </p:clrMapOvr>
-</p:notes>
-</file>
-
-<file path=ppt/notesSlides/notesSlide11.xml><?xml version="1.0" encoding="utf-8"?>
-<p:notes xmlns:a="http://schemas.openxmlformats.org/drawingml/2006/main" xmlns:r="http://schemas.openxmlformats.org/officeDocument/2006/relationships" xmlns:p="http://schemas.openxmlformats.org/presentationml/2006/main">
-  <p:cSld>
-    <p:spTree>
-      <p:nvGrpSpPr>
-        <p:cNvPr id="1" name=""/>
-        <p:cNvGrpSpPr/>
-        <p:nvPr/>
-      </p:nvGrpSpPr>
-      <p:grpSpPr>
-        <a:xfrm>
-          <a:off x="0" y="0"/>
-          <a:ext cx="0" cy="0"/>
-          <a:chOff x="0" y="0"/>
-          <a:chExt cx="0" cy="0"/>
-        </a:xfrm>
-      </p:grpSpPr>
-      <p:sp>
-        <p:nvSpPr>
-          <p:cNvPr id="2" name="投影片圖像版面配置區 1"/>
-          <p:cNvSpPr>
-            <a:spLocks noGrp="1" noRot="1" noChangeAspect="1"/>
-          </p:cNvSpPr>
-          <p:nvPr>
-            <p:ph type="sldImg"/>
-          </p:nvPr>
-        </p:nvSpPr>
-        <p:spPr>
-          <a:xfrm>
-            <a:off x="139700" y="766763"/>
-            <a:ext cx="6819900" cy="3836987"/>
-          </a:xfrm>
-        </p:spPr>
-      </p:sp>
-      <p:sp>
-        <p:nvSpPr>
-          <p:cNvPr id="3" name="備忘稿版面配置區 2"/>
-          <p:cNvSpPr>
-            <a:spLocks noGrp="1"/>
-          </p:cNvSpPr>
-          <p:nvPr>
-            <p:ph type="body" idx="1"/>
-          </p:nvPr>
-        </p:nvSpPr>
-        <p:spPr/>
-        <p:txBody>
-          <a:bodyPr>
-            <a:normAutofit/>
-          </a:bodyPr>
-          <a:lstStyle/>
-          <a:p>
-            <a:endParaRPr lang="zh-TW" altLang="en-US" dirty="0"/>
-          </a:p>
-        </p:txBody>
-      </p:sp>
-      <p:sp>
-        <p:nvSpPr>
-          <p:cNvPr id="4" name="投影片編號版面配置區 3"/>
-          <p:cNvSpPr>
-            <a:spLocks noGrp="1"/>
-          </p:cNvSpPr>
-          <p:nvPr>
-            <p:ph type="sldNum" sz="quarter" idx="10"/>
-          </p:nvPr>
-        </p:nvSpPr>
-        <p:spPr/>
-        <p:txBody>
-          <a:bodyPr/>
-          <a:lstStyle/>
-          <a:p>
-            <a:pPr>
-              <a:defRPr/>
-            </a:pPr>
-            <a:fld id="{BB8BD76A-2F67-42F1-9619-1A8D2E5EAE40}" type="slidenum">
-              <a:rPr lang="zh-TW" altLang="en-US" smtClean="0"/>
-              <a:pPr>
-                <a:defRPr/>
-              </a:pPr>
-              <a:t>12</a:t>
-            </a:fld>
-            <a:endParaRPr lang="zh-TW" altLang="en-US"/>
-          </a:p>
-        </p:txBody>
-      </p:sp>
-    </p:spTree>
-    <p:extLst>
-      <p:ext uri="{BB962C8B-B14F-4D97-AF65-F5344CB8AC3E}">
-        <p14:creationId xmlns:p14="http://schemas.microsoft.com/office/powerpoint/2010/main" val="1301914167"/>
-      </p:ext>
-    </p:extLst>
-  </p:cSld>
-  <p:clrMapOvr>
-    <a:masterClrMapping/>
-  </p:clrMapOvr>
-</p:notes>
-</file>
-
-<file path=ppt/notesSlides/notesSlide2.xml><?xml version="1.0" encoding="utf-8"?>
-<p:notes xmlns:a="http://schemas.openxmlformats.org/drawingml/2006/main" xmlns:r="http://schemas.openxmlformats.org/officeDocument/2006/relationships" xmlns:p="http://schemas.openxmlformats.org/presentationml/2006/main">
-  <p:cSld>
-    <p:spTree>
-      <p:nvGrpSpPr>
-        <p:cNvPr id="1" name=""/>
-        <p:cNvGrpSpPr/>
-        <p:nvPr/>
-      </p:nvGrpSpPr>
-      <p:grpSpPr>
-        <a:xfrm>
-          <a:off x="0" y="0"/>
-          <a:ext cx="0" cy="0"/>
-          <a:chOff x="0" y="0"/>
-          <a:chExt cx="0" cy="0"/>
-        </a:xfrm>
-      </p:grpSpPr>
-      <p:sp>
-        <p:nvSpPr>
-          <p:cNvPr id="2" name="投影片圖像版面配置區 1"/>
-          <p:cNvSpPr>
-            <a:spLocks noGrp="1" noRot="1" noChangeAspect="1"/>
-          </p:cNvSpPr>
-          <p:nvPr>
-            <p:ph type="sldImg"/>
-          </p:nvPr>
-        </p:nvSpPr>
-        <p:spPr/>
-      </p:sp>
-      <p:sp>
-        <p:nvSpPr>
-          <p:cNvPr id="3" name="備忘稿版面配置區 2"/>
-          <p:cNvSpPr>
-            <a:spLocks noGrp="1"/>
-          </p:cNvSpPr>
-          <p:nvPr>
-            <p:ph type="body" idx="1"/>
-          </p:nvPr>
-        </p:nvSpPr>
-        <p:spPr/>
-        <p:txBody>
-          <a:bodyPr/>
-          <a:lstStyle/>
-          <a:p>
-            <a:r>
-              <a:rPr lang="zh-TW" altLang="en-US" dirty="0" smtClean="0"/>
-              <a:t>之後會用</a:t>
-            </a:r>
-            <a:r>
-              <a:rPr lang="en-US" altLang="zh-TW" dirty="0" smtClean="0"/>
-              <a:t>EXCEL</a:t>
-            </a:r>
-            <a:r>
-              <a:rPr lang="zh-TW" altLang="en-US" dirty="0" smtClean="0"/>
-              <a:t>當作介面</a:t>
-            </a:r>
-            <a:endParaRPr lang="zh-TW" altLang="en-US" dirty="0"/>
-          </a:p>
-        </p:txBody>
-      </p:sp>
-      <p:sp>
-        <p:nvSpPr>
-          <p:cNvPr id="4" name="投影片編號版面配置區 3"/>
-          <p:cNvSpPr>
-            <a:spLocks noGrp="1"/>
-          </p:cNvSpPr>
-          <p:nvPr>
-            <p:ph type="sldNum" sz="quarter" idx="10"/>
-          </p:nvPr>
-        </p:nvSpPr>
-        <p:spPr/>
-        <p:txBody>
-          <a:bodyPr/>
-          <a:lstStyle/>
-          <a:p>
-            <a:pPr>
-              <a:defRPr/>
-            </a:pPr>
-            <a:fld id="{BB8BD76A-2F67-42F1-9619-1A8D2E5EAE40}" type="slidenum">
-              <a:rPr lang="zh-TW" altLang="en-US" smtClean="0"/>
-              <a:pPr>
-                <a:defRPr/>
-              </a:pPr>
-              <a:t>3</a:t>
-            </a:fld>
-            <a:endParaRPr lang="zh-TW" altLang="en-US"/>
-          </a:p>
-        </p:txBody>
-      </p:sp>
-    </p:spTree>
-    <p:extLst>
-      <p:ext uri="{BB962C8B-B14F-4D97-AF65-F5344CB8AC3E}">
-        <p14:creationId xmlns:p14="http://schemas.microsoft.com/office/powerpoint/2010/main" val="3452896032"/>
-      </p:ext>
-    </p:extLst>
-  </p:cSld>
-  <p:clrMapOvr>
-    <a:masterClrMapping/>
-  </p:clrMapOvr>
-</p:notes>
-</file>
-
-<file path=ppt/notesSlides/notesSlide3.xml><?xml version="1.0" encoding="utf-8"?>
-<p:notes xmlns:a="http://schemas.openxmlformats.org/drawingml/2006/main" xmlns:r="http://schemas.openxmlformats.org/officeDocument/2006/relationships" xmlns:p="http://schemas.openxmlformats.org/presentationml/2006/main">
-  <p:cSld>
-    <p:spTree>
-      <p:nvGrpSpPr>
-        <p:cNvPr id="1" name=""/>
-        <p:cNvGrpSpPr/>
-        <p:nvPr/>
-      </p:nvGrpSpPr>
-      <p:grpSpPr>
-        <a:xfrm>
-          <a:off x="0" y="0"/>
-          <a:ext cx="0" cy="0"/>
-          <a:chOff x="0" y="0"/>
-          <a:chExt cx="0" cy="0"/>
-        </a:xfrm>
-      </p:grpSpPr>
-      <p:sp>
-        <p:nvSpPr>
-          <p:cNvPr id="2" name="投影片圖像版面配置區 1"/>
-          <p:cNvSpPr>
-            <a:spLocks noGrp="1" noRot="1" noChangeAspect="1"/>
-          </p:cNvSpPr>
-          <p:nvPr>
-            <p:ph type="sldImg"/>
-          </p:nvPr>
-        </p:nvSpPr>
-        <p:spPr/>
-      </p:sp>
-      <p:sp>
-        <p:nvSpPr>
-          <p:cNvPr id="3" name="備忘稿版面配置區 2"/>
-          <p:cNvSpPr>
-            <a:spLocks noGrp="1"/>
-          </p:cNvSpPr>
-          <p:nvPr>
-            <p:ph type="body" idx="1"/>
-          </p:nvPr>
-        </p:nvSpPr>
-        <p:spPr/>
-        <p:txBody>
-          <a:bodyPr/>
-          <a:lstStyle/>
-          <a:p>
-            <a:endParaRPr lang="zh-TW" altLang="en-US" dirty="0"/>
-          </a:p>
-        </p:txBody>
-      </p:sp>
-      <p:sp>
-        <p:nvSpPr>
-          <p:cNvPr id="4" name="投影片編號版面配置區 3"/>
-          <p:cNvSpPr>
-            <a:spLocks noGrp="1"/>
-          </p:cNvSpPr>
-          <p:nvPr>
-            <p:ph type="sldNum" sz="quarter" idx="10"/>
-          </p:nvPr>
-        </p:nvSpPr>
-        <p:spPr/>
-        <p:txBody>
-          <a:bodyPr/>
-          <a:lstStyle/>
-          <a:p>
-            <a:pPr>
-              <a:defRPr/>
-            </a:pPr>
-            <a:fld id="{BB8BD76A-2F67-42F1-9619-1A8D2E5EAE40}" type="slidenum">
-              <a:rPr lang="zh-TW" altLang="en-US" smtClean="0"/>
-              <a:pPr>
-                <a:defRPr/>
-              </a:pPr>
-              <a:t>4</a:t>
-            </a:fld>
-            <a:endParaRPr lang="zh-TW" altLang="en-US"/>
-          </a:p>
-        </p:txBody>
-      </p:sp>
-    </p:spTree>
-    <p:extLst>
-      <p:ext uri="{BB962C8B-B14F-4D97-AF65-F5344CB8AC3E}">
-        <p14:creationId xmlns:p14="http://schemas.microsoft.com/office/powerpoint/2010/main" val="2028824577"/>
-      </p:ext>
-    </p:extLst>
-  </p:cSld>
-  <p:clrMapOvr>
-    <a:masterClrMapping/>
-  </p:clrMapOvr>
-</p:notes>
-</file>
-
-<file path=ppt/notesSlides/notesSlide4.xml><?xml version="1.0" encoding="utf-8"?>
-<p:notes xmlns:a="http://schemas.openxmlformats.org/drawingml/2006/main" xmlns:r="http://schemas.openxmlformats.org/officeDocument/2006/relationships" xmlns:p="http://schemas.openxmlformats.org/presentationml/2006/main">
-  <p:cSld>
-    <p:spTree>
-      <p:nvGrpSpPr>
-        <p:cNvPr id="1" name=""/>
-        <p:cNvGrpSpPr/>
-        <p:nvPr/>
-      </p:nvGrpSpPr>
-      <p:grpSpPr>
-        <a:xfrm>
-          <a:off x="0" y="0"/>
-          <a:ext cx="0" cy="0"/>
-          <a:chOff x="0" y="0"/>
-          <a:chExt cx="0" cy="0"/>
-        </a:xfrm>
-      </p:grpSpPr>
-      <p:sp>
-        <p:nvSpPr>
-          <p:cNvPr id="2" name="投影片圖像版面配置區 1"/>
-          <p:cNvSpPr>
-            <a:spLocks noGrp="1" noRot="1" noChangeAspect="1"/>
-          </p:cNvSpPr>
-          <p:nvPr>
-            <p:ph type="sldImg"/>
-          </p:nvPr>
-        </p:nvSpPr>
-        <p:spPr/>
-      </p:sp>
-      <p:sp>
-        <p:nvSpPr>
-          <p:cNvPr id="3" name="備忘稿版面配置區 2"/>
-          <p:cNvSpPr>
-            <a:spLocks noGrp="1"/>
-          </p:cNvSpPr>
-          <p:nvPr>
-            <p:ph type="body" idx="1"/>
-          </p:nvPr>
-        </p:nvSpPr>
-        <p:spPr/>
-        <p:txBody>
-          <a:bodyPr/>
-          <a:lstStyle/>
-          <a:p>
-            <a:endParaRPr lang="zh-TW" altLang="en-US" dirty="0"/>
-          </a:p>
-        </p:txBody>
-      </p:sp>
-      <p:sp>
-        <p:nvSpPr>
-          <p:cNvPr id="4" name="投影片編號版面配置區 3"/>
-          <p:cNvSpPr>
-            <a:spLocks noGrp="1"/>
-          </p:cNvSpPr>
-          <p:nvPr>
-            <p:ph type="sldNum" sz="quarter" idx="10"/>
-          </p:nvPr>
-        </p:nvSpPr>
-        <p:spPr/>
-        <p:txBody>
-          <a:bodyPr/>
-          <a:lstStyle/>
-          <a:p>
-            <a:pPr>
-              <a:defRPr/>
-            </a:pPr>
-            <a:fld id="{BB8BD76A-2F67-42F1-9619-1A8D2E5EAE40}" type="slidenum">
-              <a:rPr lang="zh-TW" altLang="en-US" smtClean="0"/>
-              <a:pPr>
-                <a:defRPr/>
-              </a:pPr>
-              <a:t>5</a:t>
-            </a:fld>
-            <a:endParaRPr lang="zh-TW" altLang="en-US"/>
-          </a:p>
-        </p:txBody>
-      </p:sp>
-    </p:spTree>
-    <p:extLst>
-      <p:ext uri="{BB962C8B-B14F-4D97-AF65-F5344CB8AC3E}">
-        <p14:creationId xmlns:p14="http://schemas.microsoft.com/office/powerpoint/2010/main" val="62528058"/>
-      </p:ext>
-    </p:extLst>
-  </p:cSld>
-  <p:clrMapOvr>
-    <a:masterClrMapping/>
-  </p:clrMapOvr>
-</p:notes>
-</file>
-
-<file path=ppt/notesSlides/notesSlide5.xml><?xml version="1.0" encoding="utf-8"?>
-<p:notes xmlns:a="http://schemas.openxmlformats.org/drawingml/2006/main" xmlns:r="http://schemas.openxmlformats.org/officeDocument/2006/relationships" xmlns:p="http://schemas.openxmlformats.org/presentationml/2006/main">
-  <p:cSld>
-    <p:spTree>
-      <p:nvGrpSpPr>
-        <p:cNvPr id="1" name=""/>
-        <p:cNvGrpSpPr/>
-        <p:nvPr/>
-      </p:nvGrpSpPr>
-      <p:grpSpPr>
-        <a:xfrm>
-          <a:off x="0" y="0"/>
-          <a:ext cx="0" cy="0"/>
-          <a:chOff x="0" y="0"/>
-          <a:chExt cx="0" cy="0"/>
-        </a:xfrm>
-      </p:grpSpPr>
-      <p:sp>
-        <p:nvSpPr>
-          <p:cNvPr id="2" name="投影片圖像版面配置區 1"/>
-          <p:cNvSpPr>
-            <a:spLocks noGrp="1" noRot="1" noChangeAspect="1"/>
-          </p:cNvSpPr>
-          <p:nvPr>
-            <p:ph type="sldImg"/>
-          </p:nvPr>
-        </p:nvSpPr>
-        <p:spPr/>
-      </p:sp>
-      <p:sp>
-        <p:nvSpPr>
-          <p:cNvPr id="3" name="備忘稿版面配置區 2"/>
-          <p:cNvSpPr>
-            <a:spLocks noGrp="1"/>
-          </p:cNvSpPr>
-          <p:nvPr>
-            <p:ph type="body" idx="1"/>
-          </p:nvPr>
-        </p:nvSpPr>
-        <p:spPr/>
-        <p:txBody>
-          <a:bodyPr/>
-          <a:lstStyle/>
-          <a:p>
-            <a:endParaRPr lang="zh-TW" altLang="en-US" dirty="0"/>
-          </a:p>
-        </p:txBody>
-      </p:sp>
-      <p:sp>
-        <p:nvSpPr>
-          <p:cNvPr id="4" name="投影片編號版面配置區 3"/>
-          <p:cNvSpPr>
-            <a:spLocks noGrp="1"/>
-          </p:cNvSpPr>
-          <p:nvPr>
-            <p:ph type="sldNum" sz="quarter" idx="10"/>
-          </p:nvPr>
-        </p:nvSpPr>
-        <p:spPr/>
-        <p:txBody>
-          <a:bodyPr/>
-          <a:lstStyle/>
-          <a:p>
-            <a:pPr>
-              <a:defRPr/>
-            </a:pPr>
-            <a:fld id="{BB8BD76A-2F67-42F1-9619-1A8D2E5EAE40}" type="slidenum">
-              <a:rPr lang="zh-TW" altLang="en-US" smtClean="0"/>
-              <a:pPr>
-                <a:defRPr/>
-              </a:pPr>
-              <a:t>6</a:t>
-            </a:fld>
-            <a:endParaRPr lang="zh-TW" altLang="en-US"/>
-          </a:p>
-        </p:txBody>
-      </p:sp>
-    </p:spTree>
-    <p:extLst>
-      <p:ext uri="{BB962C8B-B14F-4D97-AF65-F5344CB8AC3E}">
-        <p14:creationId xmlns:p14="http://schemas.microsoft.com/office/powerpoint/2010/main" val="3192295545"/>
-      </p:ext>
-    </p:extLst>
-  </p:cSld>
-  <p:clrMapOvr>
-    <a:masterClrMapping/>
-  </p:clrMapOvr>
-</p:notes>
-</file>
-
-<file path=ppt/notesSlides/notesSlide6.xml><?xml version="1.0" encoding="utf-8"?>
-<p:notes xmlns:a="http://schemas.openxmlformats.org/drawingml/2006/main" xmlns:r="http://schemas.openxmlformats.org/officeDocument/2006/relationships" xmlns:p="http://schemas.openxmlformats.org/presentationml/2006/main">
-  <p:cSld>
-    <p:spTree>
-      <p:nvGrpSpPr>
-        <p:cNvPr id="1" name=""/>
-        <p:cNvGrpSpPr/>
-        <p:nvPr/>
-      </p:nvGrpSpPr>
-      <p:grpSpPr>
-        <a:xfrm>
-          <a:off x="0" y="0"/>
-          <a:ext cx="0" cy="0"/>
-          <a:chOff x="0" y="0"/>
-          <a:chExt cx="0" cy="0"/>
-        </a:xfrm>
-      </p:grpSpPr>
-      <p:sp>
-        <p:nvSpPr>
-          <p:cNvPr id="2" name="投影片圖像版面配置區 1"/>
-          <p:cNvSpPr>
-            <a:spLocks noGrp="1" noRot="1" noChangeAspect="1"/>
-          </p:cNvSpPr>
-          <p:nvPr>
-            <p:ph type="sldImg"/>
-          </p:nvPr>
-        </p:nvSpPr>
-        <p:spPr/>
-      </p:sp>
-      <p:sp>
-        <p:nvSpPr>
-          <p:cNvPr id="3" name="備忘稿版面配置區 2"/>
-          <p:cNvSpPr>
-            <a:spLocks noGrp="1"/>
-          </p:cNvSpPr>
-          <p:nvPr>
-            <p:ph type="body" idx="1"/>
-          </p:nvPr>
-        </p:nvSpPr>
-        <p:spPr/>
-        <p:txBody>
-          <a:bodyPr/>
-          <a:lstStyle/>
-          <a:p>
-            <a:r>
-              <a:rPr lang="zh-TW" altLang="en-US" dirty="0" smtClean="0"/>
-              <a:t>因為這份測試資料是沒有完整答案的</a:t>
-            </a:r>
-            <a:r>
-              <a:rPr lang="en-US" altLang="zh-TW" dirty="0" smtClean="0"/>
-              <a:t>,</a:t>
-            </a:r>
-            <a:r>
-              <a:rPr lang="zh-TW" altLang="en-US" dirty="0" smtClean="0"/>
-              <a:t>所以我將有答案的訓練資料切割</a:t>
-            </a:r>
-            <a:r>
-              <a:rPr lang="en-US" altLang="zh-TW" dirty="0" smtClean="0"/>
-              <a:t>,70%</a:t>
-            </a:r>
-            <a:r>
-              <a:rPr lang="zh-TW" altLang="en-US" dirty="0" smtClean="0"/>
-              <a:t>拿來</a:t>
-            </a:r>
-            <a:r>
-              <a:rPr lang="en-US" altLang="zh-TW" dirty="0" smtClean="0"/>
-              <a:t>train</a:t>
-            </a:r>
-            <a:r>
-              <a:rPr lang="zh-TW" altLang="en-US" dirty="0" smtClean="0"/>
-              <a:t> </a:t>
-            </a:r>
-            <a:r>
-              <a:rPr lang="en-US" altLang="zh-TW" dirty="0" smtClean="0"/>
-              <a:t>model,30%</a:t>
-            </a:r>
-            <a:r>
-              <a:rPr lang="zh-TW" altLang="en-US" dirty="0" smtClean="0"/>
-              <a:t>作為</a:t>
-            </a:r>
-            <a:r>
-              <a:rPr lang="en-US" altLang="zh-TW" dirty="0" err="1" smtClean="0"/>
-              <a:t>validation,validation</a:t>
-            </a:r>
-            <a:r>
-              <a:rPr lang="zh-TW" altLang="en-US" dirty="0" smtClean="0"/>
-              <a:t>拿來驗證預測效果</a:t>
-            </a:r>
-            <a:endParaRPr lang="en-US" altLang="zh-TW" dirty="0" smtClean="0"/>
-          </a:p>
-          <a:p>
-            <a:endParaRPr lang="zh-TW" altLang="en-US" dirty="0"/>
-          </a:p>
-        </p:txBody>
-      </p:sp>
-      <p:sp>
-        <p:nvSpPr>
-          <p:cNvPr id="4" name="投影片編號版面配置區 3"/>
-          <p:cNvSpPr>
-            <a:spLocks noGrp="1"/>
-          </p:cNvSpPr>
-          <p:nvPr>
-            <p:ph type="sldNum" sz="quarter" idx="10"/>
-          </p:nvPr>
-        </p:nvSpPr>
-        <p:spPr/>
-        <p:txBody>
-          <a:bodyPr/>
-          <a:lstStyle/>
-          <a:p>
-            <a:pPr>
-              <a:defRPr/>
-            </a:pPr>
-            <a:fld id="{BB8BD76A-2F67-42F1-9619-1A8D2E5EAE40}" type="slidenum">
-              <a:rPr lang="zh-TW" altLang="en-US" smtClean="0"/>
-              <a:pPr>
-                <a:defRPr/>
-              </a:pPr>
-              <a:t>7</a:t>
-            </a:fld>
-            <a:endParaRPr lang="zh-TW" altLang="en-US"/>
-          </a:p>
-        </p:txBody>
-      </p:sp>
-    </p:spTree>
-    <p:extLst>
-      <p:ext uri="{BB962C8B-B14F-4D97-AF65-F5344CB8AC3E}">
-        <p14:creationId xmlns:p14="http://schemas.microsoft.com/office/powerpoint/2010/main" val="466074538"/>
-      </p:ext>
-    </p:extLst>
-  </p:cSld>
-  <p:clrMapOvr>
-    <a:masterClrMapping/>
-  </p:clrMapOvr>
-</p:notes>
-</file>
-
-<file path=ppt/notesSlides/notesSlide7.xml><?xml version="1.0" encoding="utf-8"?>
-<p:notes xmlns:a="http://schemas.openxmlformats.org/drawingml/2006/main" xmlns:r="http://schemas.openxmlformats.org/officeDocument/2006/relationships" xmlns:p="http://schemas.openxmlformats.org/presentationml/2006/main">
-  <p:cSld>
-    <p:spTree>
-      <p:nvGrpSpPr>
-        <p:cNvPr id="1" name=""/>
-        <p:cNvGrpSpPr/>
-        <p:nvPr/>
-      </p:nvGrpSpPr>
-      <p:grpSpPr>
-        <a:xfrm>
-          <a:off x="0" y="0"/>
-          <a:ext cx="0" cy="0"/>
-          <a:chOff x="0" y="0"/>
-          <a:chExt cx="0" cy="0"/>
-        </a:xfrm>
-      </p:grpSpPr>
-      <p:sp>
-        <p:nvSpPr>
-          <p:cNvPr id="2" name="投影片圖像版面配置區 1"/>
-          <p:cNvSpPr>
-            <a:spLocks noGrp="1" noRot="1" noChangeAspect="1"/>
-          </p:cNvSpPr>
-          <p:nvPr>
-            <p:ph type="sldImg"/>
-          </p:nvPr>
-        </p:nvSpPr>
-        <p:spPr/>
-      </p:sp>
-      <p:sp>
-        <p:nvSpPr>
-          <p:cNvPr id="3" name="備忘稿版面配置區 2"/>
-          <p:cNvSpPr>
-            <a:spLocks noGrp="1"/>
-          </p:cNvSpPr>
-          <p:nvPr>
-            <p:ph type="body" idx="1"/>
-          </p:nvPr>
-        </p:nvSpPr>
-        <p:spPr/>
-        <p:txBody>
-          <a:bodyPr/>
-          <a:lstStyle/>
-          <a:p>
-            <a:pPr marL="171450" indent="-171450">
-              <a:buClr>
-                <a:srgbClr val="333333"/>
-              </a:buClr>
-              <a:buSzPct val="50000"/>
-              <a:buFont typeface="Wingdings" panose="05000000000000000000" pitchFamily="2" charset="2"/>
-              <a:buChar char="n"/>
-            </a:pPr>
-            <a:r>
-              <a:rPr lang="en-US" altLang="zh-TW" sz="1200" dirty="0" smtClean="0">
-                <a:solidFill>
-                  <a:srgbClr val="333333"/>
-                </a:solidFill>
-                <a:latin typeface="微軟正黑體" panose="020B0604030504040204" pitchFamily="34" charset="-120"/>
-              </a:rPr>
-              <a:t>In sample error</a:t>
-            </a:r>
-            <a:r>
-              <a:rPr lang="zh-TW" altLang="en-US" sz="1200" dirty="0" smtClean="0">
-                <a:solidFill>
-                  <a:srgbClr val="333333"/>
-                </a:solidFill>
-                <a:latin typeface="微軟正黑體" panose="020B0604030504040204" pitchFamily="34" charset="-120"/>
-              </a:rPr>
-              <a:t>：將</a:t>
-            </a:r>
-            <a:r>
-              <a:rPr lang="en-US" altLang="zh-TW" sz="1200" dirty="0" smtClean="0">
-                <a:solidFill>
-                  <a:srgbClr val="333333"/>
-                </a:solidFill>
-                <a:latin typeface="微軟正黑體" panose="020B0604030504040204" pitchFamily="34" charset="-120"/>
-              </a:rPr>
-              <a:t>train</a:t>
-            </a:r>
-            <a:r>
-              <a:rPr lang="zh-TW" altLang="en-US" sz="1200" dirty="0" smtClean="0">
-                <a:solidFill>
-                  <a:srgbClr val="333333"/>
-                </a:solidFill>
-                <a:latin typeface="微軟正黑體" panose="020B0604030504040204" pitchFamily="34" charset="-120"/>
-              </a:rPr>
-              <a:t>好的模型拿來預測</a:t>
-            </a:r>
-            <a:r>
-              <a:rPr lang="en-US" altLang="zh-TW" sz="1200" dirty="0" smtClean="0">
-                <a:solidFill>
-                  <a:srgbClr val="333333"/>
-                </a:solidFill>
-                <a:latin typeface="微軟正黑體" panose="020B0604030504040204" pitchFamily="34" charset="-120"/>
-              </a:rPr>
-              <a:t>training set</a:t>
-            </a:r>
-            <a:r>
-              <a:rPr lang="zh-TW" altLang="en-US" sz="1200" dirty="0" smtClean="0">
-                <a:solidFill>
-                  <a:srgbClr val="333333"/>
-                </a:solidFill>
-                <a:latin typeface="微軟正黑體" panose="020B0604030504040204" pitchFamily="34" charset="-120"/>
-              </a:rPr>
-              <a:t>，正常來說誤差會比較小。</a:t>
-            </a:r>
-            <a:r>
-              <a:rPr lang="en-US" altLang="zh-TW" sz="1200" dirty="0" smtClean="0">
-                <a:solidFill>
-                  <a:srgbClr val="333333"/>
-                </a:solidFill>
-                <a:latin typeface="微軟正黑體" panose="020B0604030504040204" pitchFamily="34" charset="-120"/>
-              </a:rPr>
-              <a:t/>
-            </a:r>
-            <a:br>
-              <a:rPr lang="en-US" altLang="zh-TW" sz="1200" dirty="0" smtClean="0">
-                <a:solidFill>
-                  <a:srgbClr val="333333"/>
-                </a:solidFill>
-                <a:latin typeface="微軟正黑體" panose="020B0604030504040204" pitchFamily="34" charset="-120"/>
-              </a:rPr>
-            </a:br>
-            <a:endParaRPr lang="en-US" altLang="zh-TW" sz="1200" dirty="0" smtClean="0">
-              <a:solidFill>
-                <a:srgbClr val="333333"/>
-              </a:solidFill>
-              <a:latin typeface="微軟正黑體" panose="020B0604030504040204" pitchFamily="34" charset="-120"/>
-            </a:endParaRPr>
-          </a:p>
-          <a:p>
-            <a:pPr marL="171450" indent="-171450">
-              <a:buClr>
-                <a:srgbClr val="333333"/>
-              </a:buClr>
-              <a:buSzPct val="50000"/>
-              <a:buFont typeface="Wingdings" panose="05000000000000000000" pitchFamily="2" charset="2"/>
-              <a:buChar char="n"/>
-            </a:pPr>
-            <a:r>
-              <a:rPr lang="en-US" altLang="zh-TW" sz="1200" dirty="0" smtClean="0">
-                <a:solidFill>
-                  <a:srgbClr val="333333"/>
-                </a:solidFill>
-                <a:latin typeface="微軟正黑體" panose="020B0604030504040204" pitchFamily="34" charset="-120"/>
-              </a:rPr>
-              <a:t>Out of sample error</a:t>
-            </a:r>
-            <a:r>
-              <a:rPr lang="zh-TW" altLang="en-US" sz="1200" dirty="0" smtClean="0">
-                <a:solidFill>
-                  <a:srgbClr val="333333"/>
-                </a:solidFill>
-                <a:latin typeface="微軟正黑體" panose="020B0604030504040204" pitchFamily="34" charset="-120"/>
-              </a:rPr>
-              <a:t>：將</a:t>
-            </a:r>
-            <a:r>
-              <a:rPr lang="en-US" altLang="zh-TW" sz="1200" dirty="0" smtClean="0">
-                <a:solidFill>
-                  <a:srgbClr val="333333"/>
-                </a:solidFill>
-                <a:latin typeface="微軟正黑體" panose="020B0604030504040204" pitchFamily="34" charset="-120"/>
-              </a:rPr>
-              <a:t>train</a:t>
-            </a:r>
-            <a:r>
-              <a:rPr lang="zh-TW" altLang="en-US" sz="1200" dirty="0" smtClean="0">
-                <a:solidFill>
-                  <a:srgbClr val="333333"/>
-                </a:solidFill>
-                <a:latin typeface="微軟正黑體" panose="020B0604030504040204" pitchFamily="34" charset="-120"/>
-              </a:rPr>
-              <a:t>好的模型拿來預測</a:t>
-            </a:r>
-            <a:r>
-              <a:rPr lang="en-US" altLang="zh-TW" sz="1200" dirty="0" smtClean="0">
-                <a:solidFill>
-                  <a:srgbClr val="333333"/>
-                </a:solidFill>
-                <a:latin typeface="微軟正黑體" panose="020B0604030504040204" pitchFamily="34" charset="-120"/>
-              </a:rPr>
-              <a:t>validation set</a:t>
-            </a:r>
-            <a:r>
-              <a:rPr lang="zh-TW" altLang="en-US" sz="1200" dirty="0" smtClean="0">
-                <a:solidFill>
-                  <a:srgbClr val="333333"/>
-                </a:solidFill>
-                <a:latin typeface="微軟正黑體" panose="020B0604030504040204" pitchFamily="34" charset="-120"/>
-              </a:rPr>
-              <a:t>，由於這些資料是沒有丟進模型</a:t>
-            </a:r>
-            <a:r>
-              <a:rPr lang="en-US" altLang="zh-TW" sz="1200" dirty="0" smtClean="0">
-                <a:solidFill>
-                  <a:srgbClr val="333333"/>
-                </a:solidFill>
-                <a:latin typeface="微軟正黑體" panose="020B0604030504040204" pitchFamily="34" charset="-120"/>
-              </a:rPr>
-              <a:t>train</a:t>
-            </a:r>
-            <a:r>
-              <a:rPr lang="zh-TW" altLang="en-US" sz="1200" dirty="0" smtClean="0">
-                <a:solidFill>
-                  <a:srgbClr val="333333"/>
-                </a:solidFill>
-                <a:latin typeface="微軟正黑體" panose="020B0604030504040204" pitchFamily="34" charset="-120"/>
-              </a:rPr>
-              <a:t>過的，所以</a:t>
-            </a:r>
-            <a:r>
-              <a:rPr lang="en-US" altLang="zh-TW" sz="1200" dirty="0" smtClean="0">
-                <a:solidFill>
-                  <a:srgbClr val="333333"/>
-                </a:solidFill>
-                <a:latin typeface="微軟正黑體" panose="020B0604030504040204" pitchFamily="34" charset="-120"/>
-              </a:rPr>
-              <a:t>Out of sample error</a:t>
-            </a:r>
-            <a:r>
-              <a:rPr lang="zh-TW" altLang="en-US" sz="1200" dirty="0" smtClean="0">
-                <a:solidFill>
-                  <a:srgbClr val="333333"/>
-                </a:solidFill>
-                <a:latin typeface="微軟正黑體" panose="020B0604030504040204" pitchFamily="34" charset="-120"/>
-              </a:rPr>
-              <a:t>會比較符合模型的實際狀況。</a:t>
-            </a:r>
-          </a:p>
-          <a:p>
-            <a:endParaRPr lang="zh-TW" altLang="en-US" dirty="0"/>
-          </a:p>
-        </p:txBody>
-      </p:sp>
-      <p:sp>
-        <p:nvSpPr>
-          <p:cNvPr id="4" name="投影片編號版面配置區 3"/>
-          <p:cNvSpPr>
-            <a:spLocks noGrp="1"/>
-          </p:cNvSpPr>
-          <p:nvPr>
-            <p:ph type="sldNum" sz="quarter" idx="10"/>
-          </p:nvPr>
-        </p:nvSpPr>
-        <p:spPr/>
-        <p:txBody>
-          <a:bodyPr/>
-          <a:lstStyle/>
-          <a:p>
-            <a:pPr>
-              <a:defRPr/>
-            </a:pPr>
-            <a:fld id="{BB8BD76A-2F67-42F1-9619-1A8D2E5EAE40}" type="slidenum">
-              <a:rPr lang="zh-TW" altLang="en-US" smtClean="0"/>
-              <a:pPr>
-                <a:defRPr/>
-              </a:pPr>
-              <a:t>8</a:t>
-            </a:fld>
-            <a:endParaRPr lang="zh-TW" altLang="en-US"/>
-          </a:p>
-        </p:txBody>
-      </p:sp>
-    </p:spTree>
-    <p:extLst>
-      <p:ext uri="{BB962C8B-B14F-4D97-AF65-F5344CB8AC3E}">
-        <p14:creationId xmlns:p14="http://schemas.microsoft.com/office/powerpoint/2010/main" val="1020357255"/>
-      </p:ext>
-    </p:extLst>
-  </p:cSld>
-  <p:clrMapOvr>
-    <a:masterClrMapping/>
-  </p:clrMapOvr>
-</p:notes>
-</file>
-
-<file path=ppt/notesSlides/notesSlide8.xml><?xml version="1.0" encoding="utf-8"?>
-<p:notes xmlns:a="http://schemas.openxmlformats.org/drawingml/2006/main" xmlns:r="http://schemas.openxmlformats.org/officeDocument/2006/relationships" xmlns:p="http://schemas.openxmlformats.org/presentationml/2006/main">
-  <p:cSld>
-    <p:spTree>
-      <p:nvGrpSpPr>
-        <p:cNvPr id="1" name=""/>
-        <p:cNvGrpSpPr/>
-        <p:nvPr/>
-      </p:nvGrpSpPr>
-      <p:grpSpPr>
-        <a:xfrm>
-          <a:off x="0" y="0"/>
-          <a:ext cx="0" cy="0"/>
-          <a:chOff x="0" y="0"/>
-          <a:chExt cx="0" cy="0"/>
-        </a:xfrm>
-      </p:grpSpPr>
-      <p:sp>
-        <p:nvSpPr>
-          <p:cNvPr id="2" name="投影片圖像版面配置區 1"/>
-          <p:cNvSpPr>
-            <a:spLocks noGrp="1" noRot="1" noChangeAspect="1"/>
-          </p:cNvSpPr>
-          <p:nvPr>
-            <p:ph type="sldImg"/>
-          </p:nvPr>
-        </p:nvSpPr>
-        <p:spPr/>
-      </p:sp>
-      <p:sp>
-        <p:nvSpPr>
-          <p:cNvPr id="3" name="備忘稿版面配置區 2"/>
-          <p:cNvSpPr>
-            <a:spLocks noGrp="1"/>
-          </p:cNvSpPr>
-          <p:nvPr>
-            <p:ph type="body" idx="1"/>
-          </p:nvPr>
-        </p:nvSpPr>
-        <p:spPr/>
-        <p:txBody>
-          <a:bodyPr/>
-          <a:lstStyle/>
-          <a:p>
-            <a:r>
-              <a:rPr lang="zh-TW" altLang="en-US" dirty="0" smtClean="0"/>
-              <a:t>黃光製程</a:t>
-            </a:r>
-            <a:r>
-              <a:rPr lang="en-US" altLang="zh-TW" dirty="0" smtClean="0"/>
-              <a:t>CD</a:t>
-            </a:r>
-            <a:endParaRPr lang="zh-TW" altLang="en-US" dirty="0"/>
-          </a:p>
-        </p:txBody>
-      </p:sp>
-      <p:sp>
-        <p:nvSpPr>
-          <p:cNvPr id="4" name="投影片編號版面配置區 3"/>
-          <p:cNvSpPr>
-            <a:spLocks noGrp="1"/>
-          </p:cNvSpPr>
-          <p:nvPr>
-            <p:ph type="sldNum" sz="quarter" idx="10"/>
-          </p:nvPr>
-        </p:nvSpPr>
-        <p:spPr/>
-        <p:txBody>
-          <a:bodyPr/>
-          <a:lstStyle/>
-          <a:p>
-            <a:pPr>
-              <a:defRPr/>
-            </a:pPr>
-            <a:fld id="{BB8BD76A-2F67-42F1-9619-1A8D2E5EAE40}" type="slidenum">
-              <a:rPr lang="zh-TW" altLang="en-US" smtClean="0"/>
-              <a:pPr>
-                <a:defRPr/>
-              </a:pPr>
-              <a:t>9</a:t>
-            </a:fld>
-            <a:endParaRPr lang="zh-TW" altLang="en-US"/>
-          </a:p>
-        </p:txBody>
-      </p:sp>
-    </p:spTree>
-    <p:extLst>
-      <p:ext uri="{BB962C8B-B14F-4D97-AF65-F5344CB8AC3E}">
-        <p14:creationId xmlns:p14="http://schemas.microsoft.com/office/powerpoint/2010/main" val="2380207849"/>
-      </p:ext>
-    </p:extLst>
-  </p:cSld>
-  <p:clrMapOvr>
-    <a:masterClrMapping/>
-  </p:clrMapOvr>
-</p:notes>
-</file>
-
-<file path=ppt/notesSlides/notesSlide9.xml><?xml version="1.0" encoding="utf-8"?>
 <p:notes xmlns:a="http://schemas.openxmlformats.org/drawingml/2006/main" xmlns:r="http://schemas.openxmlformats.org/officeDocument/2006/relationships" xmlns:p="http://schemas.openxmlformats.org/presentationml/2006/main">
   <p:cSld>
     <p:spTree>
@@ -2634,6 +1392,1339 @@
               <a:pPr>
                 <a:defRPr/>
               </a:pPr>
+              <a:t>11</a:t>
+            </a:fld>
+            <a:endParaRPr lang="zh-TW" altLang="en-US"/>
+          </a:p>
+        </p:txBody>
+      </p:sp>
+    </p:spTree>
+    <p:extLst>
+      <p:ext uri="{BB962C8B-B14F-4D97-AF65-F5344CB8AC3E}">
+        <p14:creationId xmlns:p14="http://schemas.microsoft.com/office/powerpoint/2010/main" val="2418192126"/>
+      </p:ext>
+    </p:extLst>
+  </p:cSld>
+  <p:clrMapOvr>
+    <a:masterClrMapping/>
+  </p:clrMapOvr>
+</p:notes>
+</file>
+
+<file path=ppt/notesSlides/notesSlide11.xml><?xml version="1.0" encoding="utf-8"?>
+<p:notes xmlns:a="http://schemas.openxmlformats.org/drawingml/2006/main" xmlns:r="http://schemas.openxmlformats.org/officeDocument/2006/relationships" xmlns:p="http://schemas.openxmlformats.org/presentationml/2006/main">
+  <p:cSld>
+    <p:spTree>
+      <p:nvGrpSpPr>
+        <p:cNvPr id="1" name=""/>
+        <p:cNvGrpSpPr/>
+        <p:nvPr/>
+      </p:nvGrpSpPr>
+      <p:grpSpPr>
+        <a:xfrm>
+          <a:off x="0" y="0"/>
+          <a:ext cx="0" cy="0"/>
+          <a:chOff x="0" y="0"/>
+          <a:chExt cx="0" cy="0"/>
+        </a:xfrm>
+      </p:grpSpPr>
+      <p:sp>
+        <p:nvSpPr>
+          <p:cNvPr id="2" name="投影片圖像版面配置區 1"/>
+          <p:cNvSpPr>
+            <a:spLocks noGrp="1" noRot="1" noChangeAspect="1"/>
+          </p:cNvSpPr>
+          <p:nvPr>
+            <p:ph type="sldImg"/>
+          </p:nvPr>
+        </p:nvSpPr>
+        <p:spPr/>
+      </p:sp>
+      <p:sp>
+        <p:nvSpPr>
+          <p:cNvPr id="3" name="備忘稿版面配置區 2"/>
+          <p:cNvSpPr>
+            <a:spLocks noGrp="1"/>
+          </p:cNvSpPr>
+          <p:nvPr>
+            <p:ph type="body" idx="1"/>
+          </p:nvPr>
+        </p:nvSpPr>
+        <p:spPr/>
+        <p:txBody>
+          <a:bodyPr/>
+          <a:lstStyle/>
+          <a:p>
+            <a:pPr marL="0" marR="0" indent="0" algn="l" defTabSz="914400" rtl="0" eaLnBrk="0" fontAlgn="base" latinLnBrk="0" hangingPunct="0">
+              <a:lnSpc>
+                <a:spcPct val="100000"/>
+              </a:lnSpc>
+              <a:spcBef>
+                <a:spcPct val="30000"/>
+              </a:spcBef>
+              <a:spcAft>
+                <a:spcPct val="0"/>
+              </a:spcAft>
+              <a:buClrTx/>
+              <a:buSzTx/>
+              <a:buFontTx/>
+              <a:buNone/>
+              <a:tabLst/>
+              <a:defRPr/>
+            </a:pPr>
+            <a:r>
+              <a:rPr lang="zh-TW" altLang="en-US" sz="1200" dirty="0" smtClean="0"/>
+              <a:t>目前這周已經先確定好專案題目和內容，目前</a:t>
+            </a:r>
+            <a:r>
+              <a:rPr lang="en-US" altLang="zh-TW" sz="1200" dirty="0" smtClean="0"/>
+              <a:t>mentor</a:t>
+            </a:r>
+            <a:r>
+              <a:rPr lang="zh-TW" altLang="en-US" sz="1200" dirty="0" smtClean="0"/>
+              <a:t>讓我先嘗試用不同的機器學習方法去優化 </a:t>
+            </a:r>
+            <a:r>
+              <a:rPr lang="en-US" altLang="zh-TW" sz="1200" dirty="0" smtClean="0"/>
+              <a:t>LC Margin</a:t>
+            </a:r>
+            <a:r>
+              <a:rPr lang="zh-TW" altLang="en-US" sz="1200" dirty="0" smtClean="0"/>
+              <a:t>的預測，這部分先寫的差不多之後，希望能夠套用在專案資料上，後續的流程大致上會先做資料前處理，找出關鍵參數後再建立訓練模型，接著再持續優化模型，後期主要會著重在參數最佳化的部分</a:t>
+            </a:r>
+          </a:p>
+          <a:p>
+            <a:endParaRPr lang="zh-TW" altLang="en-US" dirty="0"/>
+          </a:p>
+        </p:txBody>
+      </p:sp>
+      <p:sp>
+        <p:nvSpPr>
+          <p:cNvPr id="4" name="投影片編號版面配置區 3"/>
+          <p:cNvSpPr>
+            <a:spLocks noGrp="1"/>
+          </p:cNvSpPr>
+          <p:nvPr>
+            <p:ph type="sldNum" sz="quarter" idx="10"/>
+          </p:nvPr>
+        </p:nvSpPr>
+        <p:spPr/>
+        <p:txBody>
+          <a:bodyPr/>
+          <a:lstStyle/>
+          <a:p>
+            <a:pPr>
+              <a:defRPr/>
+            </a:pPr>
+            <a:fld id="{BB8BD76A-2F67-42F1-9619-1A8D2E5EAE40}" type="slidenum">
+              <a:rPr lang="zh-TW" altLang="en-US" smtClean="0"/>
+              <a:pPr>
+                <a:defRPr/>
+              </a:pPr>
+              <a:t>12</a:t>
+            </a:fld>
+            <a:endParaRPr lang="zh-TW" altLang="en-US"/>
+          </a:p>
+        </p:txBody>
+      </p:sp>
+    </p:spTree>
+    <p:extLst>
+      <p:ext uri="{BB962C8B-B14F-4D97-AF65-F5344CB8AC3E}">
+        <p14:creationId xmlns:p14="http://schemas.microsoft.com/office/powerpoint/2010/main" val="2810050349"/>
+      </p:ext>
+    </p:extLst>
+  </p:cSld>
+  <p:clrMapOvr>
+    <a:masterClrMapping/>
+  </p:clrMapOvr>
+</p:notes>
+</file>
+
+<file path=ppt/notesSlides/notesSlide12.xml><?xml version="1.0" encoding="utf-8"?>
+<p:notes xmlns:a="http://schemas.openxmlformats.org/drawingml/2006/main" xmlns:r="http://schemas.openxmlformats.org/officeDocument/2006/relationships" xmlns:p="http://schemas.openxmlformats.org/presentationml/2006/main">
+  <p:cSld>
+    <p:spTree>
+      <p:nvGrpSpPr>
+        <p:cNvPr id="1" name=""/>
+        <p:cNvGrpSpPr/>
+        <p:nvPr/>
+      </p:nvGrpSpPr>
+      <p:grpSpPr>
+        <a:xfrm>
+          <a:off x="0" y="0"/>
+          <a:ext cx="0" cy="0"/>
+          <a:chOff x="0" y="0"/>
+          <a:chExt cx="0" cy="0"/>
+        </a:xfrm>
+      </p:grpSpPr>
+      <p:sp>
+        <p:nvSpPr>
+          <p:cNvPr id="2" name="投影片圖像版面配置區 1"/>
+          <p:cNvSpPr>
+            <a:spLocks noGrp="1" noRot="1" noChangeAspect="1"/>
+          </p:cNvSpPr>
+          <p:nvPr>
+            <p:ph type="sldImg"/>
+          </p:nvPr>
+        </p:nvSpPr>
+        <p:spPr>
+          <a:xfrm>
+            <a:off x="139700" y="766763"/>
+            <a:ext cx="6819900" cy="3836987"/>
+          </a:xfrm>
+        </p:spPr>
+      </p:sp>
+      <p:sp>
+        <p:nvSpPr>
+          <p:cNvPr id="3" name="備忘稿版面配置區 2"/>
+          <p:cNvSpPr>
+            <a:spLocks noGrp="1"/>
+          </p:cNvSpPr>
+          <p:nvPr>
+            <p:ph type="body" idx="1"/>
+          </p:nvPr>
+        </p:nvSpPr>
+        <p:spPr/>
+        <p:txBody>
+          <a:bodyPr>
+            <a:normAutofit/>
+          </a:bodyPr>
+          <a:lstStyle/>
+          <a:p>
+            <a:endParaRPr lang="zh-TW" altLang="en-US" dirty="0"/>
+          </a:p>
+        </p:txBody>
+      </p:sp>
+      <p:sp>
+        <p:nvSpPr>
+          <p:cNvPr id="4" name="投影片編號版面配置區 3"/>
+          <p:cNvSpPr>
+            <a:spLocks noGrp="1"/>
+          </p:cNvSpPr>
+          <p:nvPr>
+            <p:ph type="sldNum" sz="quarter" idx="10"/>
+          </p:nvPr>
+        </p:nvSpPr>
+        <p:spPr/>
+        <p:txBody>
+          <a:bodyPr/>
+          <a:lstStyle/>
+          <a:p>
+            <a:pPr>
+              <a:defRPr/>
+            </a:pPr>
+            <a:fld id="{BB8BD76A-2F67-42F1-9619-1A8D2E5EAE40}" type="slidenum">
+              <a:rPr lang="zh-TW" altLang="en-US" smtClean="0"/>
+              <a:pPr>
+                <a:defRPr/>
+              </a:pPr>
+              <a:t>13</a:t>
+            </a:fld>
+            <a:endParaRPr lang="zh-TW" altLang="en-US"/>
+          </a:p>
+        </p:txBody>
+      </p:sp>
+    </p:spTree>
+    <p:extLst>
+      <p:ext uri="{BB962C8B-B14F-4D97-AF65-F5344CB8AC3E}">
+        <p14:creationId xmlns:p14="http://schemas.microsoft.com/office/powerpoint/2010/main" val="1301914167"/>
+      </p:ext>
+    </p:extLst>
+  </p:cSld>
+  <p:clrMapOvr>
+    <a:masterClrMapping/>
+  </p:clrMapOvr>
+</p:notes>
+</file>
+
+<file path=ppt/notesSlides/notesSlide2.xml><?xml version="1.0" encoding="utf-8"?>
+<p:notes xmlns:a="http://schemas.openxmlformats.org/drawingml/2006/main" xmlns:r="http://schemas.openxmlformats.org/officeDocument/2006/relationships" xmlns:p="http://schemas.openxmlformats.org/presentationml/2006/main">
+  <p:cSld>
+    <p:spTree>
+      <p:nvGrpSpPr>
+        <p:cNvPr id="1" name=""/>
+        <p:cNvGrpSpPr/>
+        <p:nvPr/>
+      </p:nvGrpSpPr>
+      <p:grpSpPr>
+        <a:xfrm>
+          <a:off x="0" y="0"/>
+          <a:ext cx="0" cy="0"/>
+          <a:chOff x="0" y="0"/>
+          <a:chExt cx="0" cy="0"/>
+        </a:xfrm>
+      </p:grpSpPr>
+      <p:sp>
+        <p:nvSpPr>
+          <p:cNvPr id="2" name="投影片圖像版面配置區 1"/>
+          <p:cNvSpPr>
+            <a:spLocks noGrp="1" noRot="1" noChangeAspect="1"/>
+          </p:cNvSpPr>
+          <p:nvPr>
+            <p:ph type="sldImg"/>
+          </p:nvPr>
+        </p:nvSpPr>
+        <p:spPr/>
+      </p:sp>
+      <p:sp>
+        <p:nvSpPr>
+          <p:cNvPr id="3" name="備忘稿版面配置區 2"/>
+          <p:cNvSpPr>
+            <a:spLocks noGrp="1"/>
+          </p:cNvSpPr>
+          <p:nvPr>
+            <p:ph type="body" idx="1"/>
+          </p:nvPr>
+        </p:nvSpPr>
+        <p:spPr/>
+        <p:txBody>
+          <a:bodyPr/>
+          <a:lstStyle/>
+          <a:p>
+            <a:pPr marL="228600" indent="-228600">
+              <a:buAutoNum type="arabicPeriod"/>
+            </a:pPr>
+            <a:r>
+              <a:rPr lang="zh-TW" altLang="en-US" dirty="0" smtClean="0"/>
+              <a:t>我的專案主要是利用機器學習建模進行預測</a:t>
+            </a:r>
+            <a:r>
+              <a:rPr lang="en-US" altLang="zh-TW" dirty="0" smtClean="0"/>
+              <a:t>,</a:t>
+            </a:r>
+            <a:r>
+              <a:rPr lang="zh-TW" altLang="en-US" dirty="0" smtClean="0"/>
+              <a:t>找到符合實際生產狀況的</a:t>
+            </a:r>
+            <a:r>
+              <a:rPr lang="en-US" altLang="zh-TW" dirty="0" smtClean="0"/>
+              <a:t>AI</a:t>
+            </a:r>
+            <a:r>
+              <a:rPr lang="zh-TW" altLang="en-US" dirty="0" smtClean="0"/>
+              <a:t>模型</a:t>
+            </a:r>
+            <a:r>
+              <a:rPr lang="en-US" altLang="zh-TW" dirty="0" smtClean="0"/>
+              <a:t>,</a:t>
+            </a:r>
+            <a:r>
+              <a:rPr lang="zh-TW" altLang="en-US" dirty="0" smtClean="0"/>
+              <a:t>預測未來的生產狀況</a:t>
+            </a:r>
+            <a:r>
+              <a:rPr lang="en-US" altLang="zh-TW" dirty="0" smtClean="0"/>
+              <a:t>,</a:t>
+            </a:r>
+            <a:r>
+              <a:rPr lang="zh-TW" altLang="en-US" dirty="0" smtClean="0"/>
+              <a:t>找出影響模型的關鍵因子</a:t>
+            </a:r>
+            <a:endParaRPr lang="en-US" altLang="zh-TW" dirty="0" smtClean="0"/>
+          </a:p>
+          <a:p>
+            <a:pPr marL="228600" indent="-228600">
+              <a:buAutoNum type="arabicPeriod"/>
+            </a:pPr>
+            <a:r>
+              <a:rPr lang="zh-TW" altLang="en-US" dirty="0" smtClean="0"/>
+              <a:t>目前大多仰賴工程師經驗</a:t>
+            </a:r>
+            <a:r>
+              <a:rPr lang="en-US" altLang="zh-TW" dirty="0" smtClean="0"/>
+              <a:t>,</a:t>
+            </a:r>
+            <a:r>
+              <a:rPr lang="zh-TW" altLang="en-US" dirty="0" smtClean="0"/>
+              <a:t>無法較有效的掌握生產狀況</a:t>
+            </a:r>
+            <a:endParaRPr lang="en-US" altLang="zh-TW" dirty="0" smtClean="0"/>
+          </a:p>
+          <a:p>
+            <a:pPr marL="228600" indent="-228600">
+              <a:buAutoNum type="arabicPeriod"/>
+            </a:pPr>
+            <a:r>
+              <a:rPr lang="zh-TW" altLang="en-US" dirty="0" smtClean="0"/>
+              <a:t>如果開發一個能夠提供快速建立生產模式的</a:t>
+            </a:r>
+            <a:r>
+              <a:rPr lang="en-US" altLang="zh-TW" dirty="0" smtClean="0"/>
+              <a:t>AI</a:t>
+            </a:r>
+            <a:r>
+              <a:rPr lang="zh-TW" altLang="en-US" dirty="0" smtClean="0"/>
+              <a:t>模型</a:t>
+            </a:r>
+            <a:r>
+              <a:rPr lang="en-US" altLang="zh-TW" dirty="0" smtClean="0"/>
+              <a:t>,</a:t>
+            </a:r>
+            <a:r>
+              <a:rPr lang="zh-TW" altLang="en-US" dirty="0" smtClean="0"/>
+              <a:t>有效地找出影響生產流程的關鍵因子</a:t>
+            </a:r>
+            <a:r>
+              <a:rPr lang="en-US" altLang="zh-TW" dirty="0" smtClean="0"/>
+              <a:t>,</a:t>
+            </a:r>
+            <a:r>
+              <a:rPr lang="zh-TW" altLang="en-US" dirty="0" smtClean="0"/>
+              <a:t>就能夠預測未來的生產情形</a:t>
+            </a:r>
+            <a:r>
+              <a:rPr lang="en-US" altLang="zh-TW" dirty="0" smtClean="0"/>
+              <a:t>,</a:t>
+            </a:r>
+            <a:r>
+              <a:rPr lang="zh-TW" altLang="en-US" dirty="0" smtClean="0"/>
+              <a:t>再利用</a:t>
+            </a:r>
+            <a:r>
+              <a:rPr lang="en-US" altLang="zh-TW" dirty="0" smtClean="0"/>
+              <a:t>AI</a:t>
+            </a:r>
+            <a:r>
+              <a:rPr lang="zh-TW" altLang="en-US" dirty="0" smtClean="0"/>
+              <a:t>模型模擬出實際生產下的最佳狀況</a:t>
+            </a:r>
+            <a:endParaRPr lang="en-US" altLang="zh-TW" dirty="0" smtClean="0"/>
+          </a:p>
+          <a:p>
+            <a:pPr marL="228600" indent="-228600">
+              <a:buAutoNum type="arabicPeriod"/>
+            </a:pPr>
+            <a:r>
+              <a:rPr lang="zh-TW" altLang="en-US" dirty="0" smtClean="0"/>
+              <a:t>達到縮短開線時間</a:t>
+            </a:r>
+            <a:r>
+              <a:rPr lang="en-US" altLang="zh-TW" dirty="0" smtClean="0"/>
+              <a:t>,</a:t>
+            </a:r>
+            <a:r>
+              <a:rPr lang="zh-TW" altLang="en-US" dirty="0" smtClean="0"/>
+              <a:t>減少人員負擔</a:t>
+            </a:r>
+            <a:r>
+              <a:rPr lang="en-US" altLang="zh-TW" dirty="0" smtClean="0"/>
+              <a:t>,</a:t>
+            </a:r>
+            <a:r>
+              <a:rPr lang="zh-TW" altLang="en-US" dirty="0" smtClean="0"/>
+              <a:t>並提升產品品質的穩定度</a:t>
+            </a:r>
+            <a:endParaRPr lang="zh-TW" altLang="en-US" dirty="0"/>
+          </a:p>
+        </p:txBody>
+      </p:sp>
+      <p:sp>
+        <p:nvSpPr>
+          <p:cNvPr id="4" name="投影片編號版面配置區 3"/>
+          <p:cNvSpPr>
+            <a:spLocks noGrp="1"/>
+          </p:cNvSpPr>
+          <p:nvPr>
+            <p:ph type="sldNum" sz="quarter" idx="10"/>
+          </p:nvPr>
+        </p:nvSpPr>
+        <p:spPr/>
+        <p:txBody>
+          <a:bodyPr/>
+          <a:lstStyle/>
+          <a:p>
+            <a:pPr>
+              <a:defRPr/>
+            </a:pPr>
+            <a:fld id="{BB8BD76A-2F67-42F1-9619-1A8D2E5EAE40}" type="slidenum">
+              <a:rPr lang="zh-TW" altLang="en-US" smtClean="0"/>
+              <a:pPr>
+                <a:defRPr/>
+              </a:pPr>
+              <a:t>3</a:t>
+            </a:fld>
+            <a:endParaRPr lang="zh-TW" altLang="en-US"/>
+          </a:p>
+        </p:txBody>
+      </p:sp>
+    </p:spTree>
+    <p:extLst>
+      <p:ext uri="{BB962C8B-B14F-4D97-AF65-F5344CB8AC3E}">
+        <p14:creationId xmlns:p14="http://schemas.microsoft.com/office/powerpoint/2010/main" val="663799644"/>
+      </p:ext>
+    </p:extLst>
+  </p:cSld>
+  <p:clrMapOvr>
+    <a:masterClrMapping/>
+  </p:clrMapOvr>
+</p:notes>
+</file>
+
+<file path=ppt/notesSlides/notesSlide3.xml><?xml version="1.0" encoding="utf-8"?>
+<p:notes xmlns:a="http://schemas.openxmlformats.org/drawingml/2006/main" xmlns:r="http://schemas.openxmlformats.org/officeDocument/2006/relationships" xmlns:p="http://schemas.openxmlformats.org/presentationml/2006/main">
+  <p:cSld>
+    <p:spTree>
+      <p:nvGrpSpPr>
+        <p:cNvPr id="1" name=""/>
+        <p:cNvGrpSpPr/>
+        <p:nvPr/>
+      </p:nvGrpSpPr>
+      <p:grpSpPr>
+        <a:xfrm>
+          <a:off x="0" y="0"/>
+          <a:ext cx="0" cy="0"/>
+          <a:chOff x="0" y="0"/>
+          <a:chExt cx="0" cy="0"/>
+        </a:xfrm>
+      </p:grpSpPr>
+      <p:sp>
+        <p:nvSpPr>
+          <p:cNvPr id="2" name="投影片圖像版面配置區 1"/>
+          <p:cNvSpPr>
+            <a:spLocks noGrp="1" noRot="1" noChangeAspect="1"/>
+          </p:cNvSpPr>
+          <p:nvPr>
+            <p:ph type="sldImg"/>
+          </p:nvPr>
+        </p:nvSpPr>
+        <p:spPr/>
+      </p:sp>
+      <p:sp>
+        <p:nvSpPr>
+          <p:cNvPr id="3" name="備忘稿版面配置區 2"/>
+          <p:cNvSpPr>
+            <a:spLocks noGrp="1"/>
+          </p:cNvSpPr>
+          <p:nvPr>
+            <p:ph type="body" idx="1"/>
+          </p:nvPr>
+        </p:nvSpPr>
+        <p:spPr/>
+        <p:txBody>
+          <a:bodyPr/>
+          <a:lstStyle/>
+          <a:p>
+            <a:r>
+              <a:rPr lang="zh-TW" altLang="en-US" dirty="0" smtClean="0"/>
+              <a:t>之後會用</a:t>
+            </a:r>
+            <a:r>
+              <a:rPr lang="en-US" altLang="zh-TW" dirty="0" smtClean="0"/>
+              <a:t>EXCEL</a:t>
+            </a:r>
+            <a:r>
+              <a:rPr lang="zh-TW" altLang="en-US" dirty="0" smtClean="0"/>
+              <a:t>當作介面</a:t>
+            </a:r>
+            <a:endParaRPr lang="zh-TW" altLang="en-US" dirty="0"/>
+          </a:p>
+        </p:txBody>
+      </p:sp>
+      <p:sp>
+        <p:nvSpPr>
+          <p:cNvPr id="4" name="投影片編號版面配置區 3"/>
+          <p:cNvSpPr>
+            <a:spLocks noGrp="1"/>
+          </p:cNvSpPr>
+          <p:nvPr>
+            <p:ph type="sldNum" sz="quarter" idx="10"/>
+          </p:nvPr>
+        </p:nvSpPr>
+        <p:spPr/>
+        <p:txBody>
+          <a:bodyPr/>
+          <a:lstStyle/>
+          <a:p>
+            <a:pPr>
+              <a:defRPr/>
+            </a:pPr>
+            <a:fld id="{BB8BD76A-2F67-42F1-9619-1A8D2E5EAE40}" type="slidenum">
+              <a:rPr lang="zh-TW" altLang="en-US" smtClean="0"/>
+              <a:pPr>
+                <a:defRPr/>
+              </a:pPr>
+              <a:t>4</a:t>
+            </a:fld>
+            <a:endParaRPr lang="zh-TW" altLang="en-US"/>
+          </a:p>
+        </p:txBody>
+      </p:sp>
+    </p:spTree>
+    <p:extLst>
+      <p:ext uri="{BB962C8B-B14F-4D97-AF65-F5344CB8AC3E}">
+        <p14:creationId xmlns:p14="http://schemas.microsoft.com/office/powerpoint/2010/main" val="3452896032"/>
+      </p:ext>
+    </p:extLst>
+  </p:cSld>
+  <p:clrMapOvr>
+    <a:masterClrMapping/>
+  </p:clrMapOvr>
+</p:notes>
+</file>
+
+<file path=ppt/notesSlides/notesSlide4.xml><?xml version="1.0" encoding="utf-8"?>
+<p:notes xmlns:a="http://schemas.openxmlformats.org/drawingml/2006/main" xmlns:r="http://schemas.openxmlformats.org/officeDocument/2006/relationships" xmlns:p="http://schemas.openxmlformats.org/presentationml/2006/main">
+  <p:cSld>
+    <p:spTree>
+      <p:nvGrpSpPr>
+        <p:cNvPr id="1" name=""/>
+        <p:cNvGrpSpPr/>
+        <p:nvPr/>
+      </p:nvGrpSpPr>
+      <p:grpSpPr>
+        <a:xfrm>
+          <a:off x="0" y="0"/>
+          <a:ext cx="0" cy="0"/>
+          <a:chOff x="0" y="0"/>
+          <a:chExt cx="0" cy="0"/>
+        </a:xfrm>
+      </p:grpSpPr>
+      <p:sp>
+        <p:nvSpPr>
+          <p:cNvPr id="2" name="投影片圖像版面配置區 1"/>
+          <p:cNvSpPr>
+            <a:spLocks noGrp="1" noRot="1" noChangeAspect="1"/>
+          </p:cNvSpPr>
+          <p:nvPr>
+            <p:ph type="sldImg"/>
+          </p:nvPr>
+        </p:nvSpPr>
+        <p:spPr/>
+      </p:sp>
+      <p:sp>
+        <p:nvSpPr>
+          <p:cNvPr id="3" name="備忘稿版面配置區 2"/>
+          <p:cNvSpPr>
+            <a:spLocks noGrp="1"/>
+          </p:cNvSpPr>
+          <p:nvPr>
+            <p:ph type="body" idx="1"/>
+          </p:nvPr>
+        </p:nvSpPr>
+        <p:spPr/>
+        <p:txBody>
+          <a:bodyPr/>
+          <a:lstStyle/>
+          <a:p>
+            <a:endParaRPr lang="zh-TW" altLang="en-US" dirty="0"/>
+          </a:p>
+        </p:txBody>
+      </p:sp>
+      <p:sp>
+        <p:nvSpPr>
+          <p:cNvPr id="4" name="投影片編號版面配置區 3"/>
+          <p:cNvSpPr>
+            <a:spLocks noGrp="1"/>
+          </p:cNvSpPr>
+          <p:nvPr>
+            <p:ph type="sldNum" sz="quarter" idx="10"/>
+          </p:nvPr>
+        </p:nvSpPr>
+        <p:spPr/>
+        <p:txBody>
+          <a:bodyPr/>
+          <a:lstStyle/>
+          <a:p>
+            <a:pPr>
+              <a:defRPr/>
+            </a:pPr>
+            <a:fld id="{BB8BD76A-2F67-42F1-9619-1A8D2E5EAE40}" type="slidenum">
+              <a:rPr lang="zh-TW" altLang="en-US" smtClean="0"/>
+              <a:pPr>
+                <a:defRPr/>
+              </a:pPr>
+              <a:t>5</a:t>
+            </a:fld>
+            <a:endParaRPr lang="zh-TW" altLang="en-US"/>
+          </a:p>
+        </p:txBody>
+      </p:sp>
+    </p:spTree>
+    <p:extLst>
+      <p:ext uri="{BB962C8B-B14F-4D97-AF65-F5344CB8AC3E}">
+        <p14:creationId xmlns:p14="http://schemas.microsoft.com/office/powerpoint/2010/main" val="2028824577"/>
+      </p:ext>
+    </p:extLst>
+  </p:cSld>
+  <p:clrMapOvr>
+    <a:masterClrMapping/>
+  </p:clrMapOvr>
+</p:notes>
+</file>
+
+<file path=ppt/notesSlides/notesSlide5.xml><?xml version="1.0" encoding="utf-8"?>
+<p:notes xmlns:a="http://schemas.openxmlformats.org/drawingml/2006/main" xmlns:r="http://schemas.openxmlformats.org/officeDocument/2006/relationships" xmlns:p="http://schemas.openxmlformats.org/presentationml/2006/main">
+  <p:cSld>
+    <p:spTree>
+      <p:nvGrpSpPr>
+        <p:cNvPr id="1" name=""/>
+        <p:cNvGrpSpPr/>
+        <p:nvPr/>
+      </p:nvGrpSpPr>
+      <p:grpSpPr>
+        <a:xfrm>
+          <a:off x="0" y="0"/>
+          <a:ext cx="0" cy="0"/>
+          <a:chOff x="0" y="0"/>
+          <a:chExt cx="0" cy="0"/>
+        </a:xfrm>
+      </p:grpSpPr>
+      <p:sp>
+        <p:nvSpPr>
+          <p:cNvPr id="2" name="投影片圖像版面配置區 1"/>
+          <p:cNvSpPr>
+            <a:spLocks noGrp="1" noRot="1" noChangeAspect="1"/>
+          </p:cNvSpPr>
+          <p:nvPr>
+            <p:ph type="sldImg"/>
+          </p:nvPr>
+        </p:nvSpPr>
+        <p:spPr/>
+      </p:sp>
+      <p:sp>
+        <p:nvSpPr>
+          <p:cNvPr id="3" name="備忘稿版面配置區 2"/>
+          <p:cNvSpPr>
+            <a:spLocks noGrp="1"/>
+          </p:cNvSpPr>
+          <p:nvPr>
+            <p:ph type="body" idx="1"/>
+          </p:nvPr>
+        </p:nvSpPr>
+        <p:spPr/>
+        <p:txBody>
+          <a:bodyPr/>
+          <a:lstStyle/>
+          <a:p>
+            <a:endParaRPr lang="zh-TW" altLang="en-US" dirty="0"/>
+          </a:p>
+        </p:txBody>
+      </p:sp>
+      <p:sp>
+        <p:nvSpPr>
+          <p:cNvPr id="4" name="投影片編號版面配置區 3"/>
+          <p:cNvSpPr>
+            <a:spLocks noGrp="1"/>
+          </p:cNvSpPr>
+          <p:nvPr>
+            <p:ph type="sldNum" sz="quarter" idx="10"/>
+          </p:nvPr>
+        </p:nvSpPr>
+        <p:spPr/>
+        <p:txBody>
+          <a:bodyPr/>
+          <a:lstStyle/>
+          <a:p>
+            <a:pPr>
+              <a:defRPr/>
+            </a:pPr>
+            <a:fld id="{BB8BD76A-2F67-42F1-9619-1A8D2E5EAE40}" type="slidenum">
+              <a:rPr lang="zh-TW" altLang="en-US" smtClean="0"/>
+              <a:pPr>
+                <a:defRPr/>
+              </a:pPr>
+              <a:t>6</a:t>
+            </a:fld>
+            <a:endParaRPr lang="zh-TW" altLang="en-US"/>
+          </a:p>
+        </p:txBody>
+      </p:sp>
+    </p:spTree>
+    <p:extLst>
+      <p:ext uri="{BB962C8B-B14F-4D97-AF65-F5344CB8AC3E}">
+        <p14:creationId xmlns:p14="http://schemas.microsoft.com/office/powerpoint/2010/main" val="62528058"/>
+      </p:ext>
+    </p:extLst>
+  </p:cSld>
+  <p:clrMapOvr>
+    <a:masterClrMapping/>
+  </p:clrMapOvr>
+</p:notes>
+</file>
+
+<file path=ppt/notesSlides/notesSlide6.xml><?xml version="1.0" encoding="utf-8"?>
+<p:notes xmlns:a="http://schemas.openxmlformats.org/drawingml/2006/main" xmlns:r="http://schemas.openxmlformats.org/officeDocument/2006/relationships" xmlns:p="http://schemas.openxmlformats.org/presentationml/2006/main">
+  <p:cSld>
+    <p:spTree>
+      <p:nvGrpSpPr>
+        <p:cNvPr id="1" name=""/>
+        <p:cNvGrpSpPr/>
+        <p:nvPr/>
+      </p:nvGrpSpPr>
+      <p:grpSpPr>
+        <a:xfrm>
+          <a:off x="0" y="0"/>
+          <a:ext cx="0" cy="0"/>
+          <a:chOff x="0" y="0"/>
+          <a:chExt cx="0" cy="0"/>
+        </a:xfrm>
+      </p:grpSpPr>
+      <p:sp>
+        <p:nvSpPr>
+          <p:cNvPr id="2" name="投影片圖像版面配置區 1"/>
+          <p:cNvSpPr>
+            <a:spLocks noGrp="1" noRot="1" noChangeAspect="1"/>
+          </p:cNvSpPr>
+          <p:nvPr>
+            <p:ph type="sldImg"/>
+          </p:nvPr>
+        </p:nvSpPr>
+        <p:spPr/>
+      </p:sp>
+      <p:sp>
+        <p:nvSpPr>
+          <p:cNvPr id="3" name="備忘稿版面配置區 2"/>
+          <p:cNvSpPr>
+            <a:spLocks noGrp="1"/>
+          </p:cNvSpPr>
+          <p:nvPr>
+            <p:ph type="body" idx="1"/>
+          </p:nvPr>
+        </p:nvSpPr>
+        <p:spPr/>
+        <p:txBody>
+          <a:bodyPr/>
+          <a:lstStyle/>
+          <a:p>
+            <a:endParaRPr lang="zh-TW" altLang="en-US" dirty="0"/>
+          </a:p>
+        </p:txBody>
+      </p:sp>
+      <p:sp>
+        <p:nvSpPr>
+          <p:cNvPr id="4" name="投影片編號版面配置區 3"/>
+          <p:cNvSpPr>
+            <a:spLocks noGrp="1"/>
+          </p:cNvSpPr>
+          <p:nvPr>
+            <p:ph type="sldNum" sz="quarter" idx="10"/>
+          </p:nvPr>
+        </p:nvSpPr>
+        <p:spPr/>
+        <p:txBody>
+          <a:bodyPr/>
+          <a:lstStyle/>
+          <a:p>
+            <a:pPr>
+              <a:defRPr/>
+            </a:pPr>
+            <a:fld id="{BB8BD76A-2F67-42F1-9619-1A8D2E5EAE40}" type="slidenum">
+              <a:rPr lang="zh-TW" altLang="en-US" smtClean="0"/>
+              <a:pPr>
+                <a:defRPr/>
+              </a:pPr>
+              <a:t>7</a:t>
+            </a:fld>
+            <a:endParaRPr lang="zh-TW" altLang="en-US"/>
+          </a:p>
+        </p:txBody>
+      </p:sp>
+    </p:spTree>
+    <p:extLst>
+      <p:ext uri="{BB962C8B-B14F-4D97-AF65-F5344CB8AC3E}">
+        <p14:creationId xmlns:p14="http://schemas.microsoft.com/office/powerpoint/2010/main" val="3192295545"/>
+      </p:ext>
+    </p:extLst>
+  </p:cSld>
+  <p:clrMapOvr>
+    <a:masterClrMapping/>
+  </p:clrMapOvr>
+</p:notes>
+</file>
+
+<file path=ppt/notesSlides/notesSlide7.xml><?xml version="1.0" encoding="utf-8"?>
+<p:notes xmlns:a="http://schemas.openxmlformats.org/drawingml/2006/main" xmlns:r="http://schemas.openxmlformats.org/officeDocument/2006/relationships" xmlns:p="http://schemas.openxmlformats.org/presentationml/2006/main">
+  <p:cSld>
+    <p:spTree>
+      <p:nvGrpSpPr>
+        <p:cNvPr id="1" name=""/>
+        <p:cNvGrpSpPr/>
+        <p:nvPr/>
+      </p:nvGrpSpPr>
+      <p:grpSpPr>
+        <a:xfrm>
+          <a:off x="0" y="0"/>
+          <a:ext cx="0" cy="0"/>
+          <a:chOff x="0" y="0"/>
+          <a:chExt cx="0" cy="0"/>
+        </a:xfrm>
+      </p:grpSpPr>
+      <p:sp>
+        <p:nvSpPr>
+          <p:cNvPr id="2" name="投影片圖像版面配置區 1"/>
+          <p:cNvSpPr>
+            <a:spLocks noGrp="1" noRot="1" noChangeAspect="1"/>
+          </p:cNvSpPr>
+          <p:nvPr>
+            <p:ph type="sldImg"/>
+          </p:nvPr>
+        </p:nvSpPr>
+        <p:spPr/>
+      </p:sp>
+      <p:sp>
+        <p:nvSpPr>
+          <p:cNvPr id="3" name="備忘稿版面配置區 2"/>
+          <p:cNvSpPr>
+            <a:spLocks noGrp="1"/>
+          </p:cNvSpPr>
+          <p:nvPr>
+            <p:ph type="body" idx="1"/>
+          </p:nvPr>
+        </p:nvSpPr>
+        <p:spPr/>
+        <p:txBody>
+          <a:bodyPr/>
+          <a:lstStyle/>
+          <a:p>
+            <a:r>
+              <a:rPr lang="zh-TW" altLang="en-US" dirty="0" smtClean="0"/>
+              <a:t>因為這份測試資料是沒有完整答案的</a:t>
+            </a:r>
+            <a:r>
+              <a:rPr lang="en-US" altLang="zh-TW" dirty="0" smtClean="0"/>
+              <a:t>,</a:t>
+            </a:r>
+            <a:r>
+              <a:rPr lang="zh-TW" altLang="en-US" dirty="0" smtClean="0"/>
+              <a:t>所以我將有答案的訓練資料切割</a:t>
+            </a:r>
+            <a:r>
+              <a:rPr lang="en-US" altLang="zh-TW" dirty="0" smtClean="0"/>
+              <a:t>,70%</a:t>
+            </a:r>
+            <a:r>
+              <a:rPr lang="zh-TW" altLang="en-US" dirty="0" smtClean="0"/>
+              <a:t>拿來</a:t>
+            </a:r>
+            <a:r>
+              <a:rPr lang="en-US" altLang="zh-TW" dirty="0" smtClean="0"/>
+              <a:t>train</a:t>
+            </a:r>
+            <a:r>
+              <a:rPr lang="zh-TW" altLang="en-US" dirty="0" smtClean="0"/>
+              <a:t> </a:t>
+            </a:r>
+            <a:r>
+              <a:rPr lang="en-US" altLang="zh-TW" dirty="0" smtClean="0"/>
+              <a:t>model,30%</a:t>
+            </a:r>
+            <a:r>
+              <a:rPr lang="zh-TW" altLang="en-US" dirty="0" smtClean="0"/>
+              <a:t>作為</a:t>
+            </a:r>
+            <a:r>
+              <a:rPr lang="en-US" altLang="zh-TW" dirty="0" err="1" smtClean="0"/>
+              <a:t>validation,validation</a:t>
+            </a:r>
+            <a:r>
+              <a:rPr lang="zh-TW" altLang="en-US" dirty="0" smtClean="0"/>
+              <a:t>拿來驗證預測效果</a:t>
+            </a:r>
+            <a:endParaRPr lang="en-US" altLang="zh-TW" dirty="0" smtClean="0"/>
+          </a:p>
+          <a:p>
+            <a:endParaRPr lang="zh-TW" altLang="en-US" dirty="0"/>
+          </a:p>
+        </p:txBody>
+      </p:sp>
+      <p:sp>
+        <p:nvSpPr>
+          <p:cNvPr id="4" name="投影片編號版面配置區 3"/>
+          <p:cNvSpPr>
+            <a:spLocks noGrp="1"/>
+          </p:cNvSpPr>
+          <p:nvPr>
+            <p:ph type="sldNum" sz="quarter" idx="10"/>
+          </p:nvPr>
+        </p:nvSpPr>
+        <p:spPr/>
+        <p:txBody>
+          <a:bodyPr/>
+          <a:lstStyle/>
+          <a:p>
+            <a:pPr>
+              <a:defRPr/>
+            </a:pPr>
+            <a:fld id="{BB8BD76A-2F67-42F1-9619-1A8D2E5EAE40}" type="slidenum">
+              <a:rPr lang="zh-TW" altLang="en-US" smtClean="0"/>
+              <a:pPr>
+                <a:defRPr/>
+              </a:pPr>
+              <a:t>8</a:t>
+            </a:fld>
+            <a:endParaRPr lang="zh-TW" altLang="en-US"/>
+          </a:p>
+        </p:txBody>
+      </p:sp>
+    </p:spTree>
+    <p:extLst>
+      <p:ext uri="{BB962C8B-B14F-4D97-AF65-F5344CB8AC3E}">
+        <p14:creationId xmlns:p14="http://schemas.microsoft.com/office/powerpoint/2010/main" val="466074538"/>
+      </p:ext>
+    </p:extLst>
+  </p:cSld>
+  <p:clrMapOvr>
+    <a:masterClrMapping/>
+  </p:clrMapOvr>
+</p:notes>
+</file>
+
+<file path=ppt/notesSlides/notesSlide8.xml><?xml version="1.0" encoding="utf-8"?>
+<p:notes xmlns:a="http://schemas.openxmlformats.org/drawingml/2006/main" xmlns:r="http://schemas.openxmlformats.org/officeDocument/2006/relationships" xmlns:p="http://schemas.openxmlformats.org/presentationml/2006/main">
+  <p:cSld>
+    <p:spTree>
+      <p:nvGrpSpPr>
+        <p:cNvPr id="1" name=""/>
+        <p:cNvGrpSpPr/>
+        <p:nvPr/>
+      </p:nvGrpSpPr>
+      <p:grpSpPr>
+        <a:xfrm>
+          <a:off x="0" y="0"/>
+          <a:ext cx="0" cy="0"/>
+          <a:chOff x="0" y="0"/>
+          <a:chExt cx="0" cy="0"/>
+        </a:xfrm>
+      </p:grpSpPr>
+      <p:sp>
+        <p:nvSpPr>
+          <p:cNvPr id="2" name="投影片圖像版面配置區 1"/>
+          <p:cNvSpPr>
+            <a:spLocks noGrp="1" noRot="1" noChangeAspect="1"/>
+          </p:cNvSpPr>
+          <p:nvPr>
+            <p:ph type="sldImg"/>
+          </p:nvPr>
+        </p:nvSpPr>
+        <p:spPr/>
+      </p:sp>
+      <p:sp>
+        <p:nvSpPr>
+          <p:cNvPr id="3" name="備忘稿版面配置區 2"/>
+          <p:cNvSpPr>
+            <a:spLocks noGrp="1"/>
+          </p:cNvSpPr>
+          <p:nvPr>
+            <p:ph type="body" idx="1"/>
+          </p:nvPr>
+        </p:nvSpPr>
+        <p:spPr/>
+        <p:txBody>
+          <a:bodyPr/>
+          <a:lstStyle/>
+          <a:p>
+            <a:pPr marL="171450" indent="-171450">
+              <a:buClr>
+                <a:srgbClr val="333333"/>
+              </a:buClr>
+              <a:buSzPct val="50000"/>
+              <a:buFont typeface="Wingdings" panose="05000000000000000000" pitchFamily="2" charset="2"/>
+              <a:buChar char="n"/>
+            </a:pPr>
+            <a:r>
+              <a:rPr lang="en-US" altLang="zh-TW" sz="1200" dirty="0" smtClean="0">
+                <a:solidFill>
+                  <a:srgbClr val="333333"/>
+                </a:solidFill>
+                <a:latin typeface="微軟正黑體" panose="020B0604030504040204" pitchFamily="34" charset="-120"/>
+              </a:rPr>
+              <a:t>In sample error</a:t>
+            </a:r>
+            <a:r>
+              <a:rPr lang="zh-TW" altLang="en-US" sz="1200" dirty="0" smtClean="0">
+                <a:solidFill>
+                  <a:srgbClr val="333333"/>
+                </a:solidFill>
+                <a:latin typeface="微軟正黑體" panose="020B0604030504040204" pitchFamily="34" charset="-120"/>
+              </a:rPr>
+              <a:t>：將</a:t>
+            </a:r>
+            <a:r>
+              <a:rPr lang="en-US" altLang="zh-TW" sz="1200" dirty="0" smtClean="0">
+                <a:solidFill>
+                  <a:srgbClr val="333333"/>
+                </a:solidFill>
+                <a:latin typeface="微軟正黑體" panose="020B0604030504040204" pitchFamily="34" charset="-120"/>
+              </a:rPr>
+              <a:t>train</a:t>
+            </a:r>
+            <a:r>
+              <a:rPr lang="zh-TW" altLang="en-US" sz="1200" dirty="0" smtClean="0">
+                <a:solidFill>
+                  <a:srgbClr val="333333"/>
+                </a:solidFill>
+                <a:latin typeface="微軟正黑體" panose="020B0604030504040204" pitchFamily="34" charset="-120"/>
+              </a:rPr>
+              <a:t>好的模型拿來預測</a:t>
+            </a:r>
+            <a:r>
+              <a:rPr lang="en-US" altLang="zh-TW" sz="1200" dirty="0" smtClean="0">
+                <a:solidFill>
+                  <a:srgbClr val="333333"/>
+                </a:solidFill>
+                <a:latin typeface="微軟正黑體" panose="020B0604030504040204" pitchFamily="34" charset="-120"/>
+              </a:rPr>
+              <a:t>training set</a:t>
+            </a:r>
+            <a:r>
+              <a:rPr lang="zh-TW" altLang="en-US" sz="1200" dirty="0" smtClean="0">
+                <a:solidFill>
+                  <a:srgbClr val="333333"/>
+                </a:solidFill>
+                <a:latin typeface="微軟正黑體" panose="020B0604030504040204" pitchFamily="34" charset="-120"/>
+              </a:rPr>
+              <a:t>，正常來說誤差會比較小。</a:t>
+            </a:r>
+            <a:r>
+              <a:rPr lang="en-US" altLang="zh-TW" sz="1200" dirty="0" smtClean="0">
+                <a:solidFill>
+                  <a:srgbClr val="333333"/>
+                </a:solidFill>
+                <a:latin typeface="微軟正黑體" panose="020B0604030504040204" pitchFamily="34" charset="-120"/>
+              </a:rPr>
+              <a:t/>
+            </a:r>
+            <a:br>
+              <a:rPr lang="en-US" altLang="zh-TW" sz="1200" dirty="0" smtClean="0">
+                <a:solidFill>
+                  <a:srgbClr val="333333"/>
+                </a:solidFill>
+                <a:latin typeface="微軟正黑體" panose="020B0604030504040204" pitchFamily="34" charset="-120"/>
+              </a:rPr>
+            </a:br>
+            <a:endParaRPr lang="en-US" altLang="zh-TW" sz="1200" dirty="0" smtClean="0">
+              <a:solidFill>
+                <a:srgbClr val="333333"/>
+              </a:solidFill>
+              <a:latin typeface="微軟正黑體" panose="020B0604030504040204" pitchFamily="34" charset="-120"/>
+            </a:endParaRPr>
+          </a:p>
+          <a:p>
+            <a:pPr marL="171450" indent="-171450">
+              <a:buClr>
+                <a:srgbClr val="333333"/>
+              </a:buClr>
+              <a:buSzPct val="50000"/>
+              <a:buFont typeface="Wingdings" panose="05000000000000000000" pitchFamily="2" charset="2"/>
+              <a:buChar char="n"/>
+            </a:pPr>
+            <a:r>
+              <a:rPr lang="en-US" altLang="zh-TW" sz="1200" dirty="0" smtClean="0">
+                <a:solidFill>
+                  <a:srgbClr val="333333"/>
+                </a:solidFill>
+                <a:latin typeface="微軟正黑體" panose="020B0604030504040204" pitchFamily="34" charset="-120"/>
+              </a:rPr>
+              <a:t>Out of sample error</a:t>
+            </a:r>
+            <a:r>
+              <a:rPr lang="zh-TW" altLang="en-US" sz="1200" dirty="0" smtClean="0">
+                <a:solidFill>
+                  <a:srgbClr val="333333"/>
+                </a:solidFill>
+                <a:latin typeface="微軟正黑體" panose="020B0604030504040204" pitchFamily="34" charset="-120"/>
+              </a:rPr>
+              <a:t>：將</a:t>
+            </a:r>
+            <a:r>
+              <a:rPr lang="en-US" altLang="zh-TW" sz="1200" dirty="0" smtClean="0">
+                <a:solidFill>
+                  <a:srgbClr val="333333"/>
+                </a:solidFill>
+                <a:latin typeface="微軟正黑體" panose="020B0604030504040204" pitchFamily="34" charset="-120"/>
+              </a:rPr>
+              <a:t>train</a:t>
+            </a:r>
+            <a:r>
+              <a:rPr lang="zh-TW" altLang="en-US" sz="1200" dirty="0" smtClean="0">
+                <a:solidFill>
+                  <a:srgbClr val="333333"/>
+                </a:solidFill>
+                <a:latin typeface="微軟正黑體" panose="020B0604030504040204" pitchFamily="34" charset="-120"/>
+              </a:rPr>
+              <a:t>好的模型拿來預測</a:t>
+            </a:r>
+            <a:r>
+              <a:rPr lang="en-US" altLang="zh-TW" sz="1200" dirty="0" smtClean="0">
+                <a:solidFill>
+                  <a:srgbClr val="333333"/>
+                </a:solidFill>
+                <a:latin typeface="微軟正黑體" panose="020B0604030504040204" pitchFamily="34" charset="-120"/>
+              </a:rPr>
+              <a:t>validation set</a:t>
+            </a:r>
+            <a:r>
+              <a:rPr lang="zh-TW" altLang="en-US" sz="1200" dirty="0" smtClean="0">
+                <a:solidFill>
+                  <a:srgbClr val="333333"/>
+                </a:solidFill>
+                <a:latin typeface="微軟正黑體" panose="020B0604030504040204" pitchFamily="34" charset="-120"/>
+              </a:rPr>
+              <a:t>，由於這些資料是沒有丟進模型</a:t>
+            </a:r>
+            <a:r>
+              <a:rPr lang="en-US" altLang="zh-TW" sz="1200" dirty="0" smtClean="0">
+                <a:solidFill>
+                  <a:srgbClr val="333333"/>
+                </a:solidFill>
+                <a:latin typeface="微軟正黑體" panose="020B0604030504040204" pitchFamily="34" charset="-120"/>
+              </a:rPr>
+              <a:t>train</a:t>
+            </a:r>
+            <a:r>
+              <a:rPr lang="zh-TW" altLang="en-US" sz="1200" dirty="0" smtClean="0">
+                <a:solidFill>
+                  <a:srgbClr val="333333"/>
+                </a:solidFill>
+                <a:latin typeface="微軟正黑體" panose="020B0604030504040204" pitchFamily="34" charset="-120"/>
+              </a:rPr>
+              <a:t>過的，所以</a:t>
+            </a:r>
+            <a:r>
+              <a:rPr lang="en-US" altLang="zh-TW" sz="1200" dirty="0" smtClean="0">
+                <a:solidFill>
+                  <a:srgbClr val="333333"/>
+                </a:solidFill>
+                <a:latin typeface="微軟正黑體" panose="020B0604030504040204" pitchFamily="34" charset="-120"/>
+              </a:rPr>
+              <a:t>Out of sample error</a:t>
+            </a:r>
+            <a:r>
+              <a:rPr lang="zh-TW" altLang="en-US" sz="1200" dirty="0" smtClean="0">
+                <a:solidFill>
+                  <a:srgbClr val="333333"/>
+                </a:solidFill>
+                <a:latin typeface="微軟正黑體" panose="020B0604030504040204" pitchFamily="34" charset="-120"/>
+              </a:rPr>
+              <a:t>會比較符合模型的實際狀況。</a:t>
+            </a:r>
+          </a:p>
+          <a:p>
+            <a:endParaRPr lang="zh-TW" altLang="en-US" dirty="0"/>
+          </a:p>
+        </p:txBody>
+      </p:sp>
+      <p:sp>
+        <p:nvSpPr>
+          <p:cNvPr id="4" name="投影片編號版面配置區 3"/>
+          <p:cNvSpPr>
+            <a:spLocks noGrp="1"/>
+          </p:cNvSpPr>
+          <p:nvPr>
+            <p:ph type="sldNum" sz="quarter" idx="10"/>
+          </p:nvPr>
+        </p:nvSpPr>
+        <p:spPr/>
+        <p:txBody>
+          <a:bodyPr/>
+          <a:lstStyle/>
+          <a:p>
+            <a:pPr>
+              <a:defRPr/>
+            </a:pPr>
+            <a:fld id="{BB8BD76A-2F67-42F1-9619-1A8D2E5EAE40}" type="slidenum">
+              <a:rPr lang="zh-TW" altLang="en-US" smtClean="0"/>
+              <a:pPr>
+                <a:defRPr/>
+              </a:pPr>
+              <a:t>9</a:t>
+            </a:fld>
+            <a:endParaRPr lang="zh-TW" altLang="en-US"/>
+          </a:p>
+        </p:txBody>
+      </p:sp>
+    </p:spTree>
+    <p:extLst>
+      <p:ext uri="{BB962C8B-B14F-4D97-AF65-F5344CB8AC3E}">
+        <p14:creationId xmlns:p14="http://schemas.microsoft.com/office/powerpoint/2010/main" val="1020357255"/>
+      </p:ext>
+    </p:extLst>
+  </p:cSld>
+  <p:clrMapOvr>
+    <a:masterClrMapping/>
+  </p:clrMapOvr>
+</p:notes>
+</file>
+
+<file path=ppt/notesSlides/notesSlide9.xml><?xml version="1.0" encoding="utf-8"?>
+<p:notes xmlns:a="http://schemas.openxmlformats.org/drawingml/2006/main" xmlns:r="http://schemas.openxmlformats.org/officeDocument/2006/relationships" xmlns:p="http://schemas.openxmlformats.org/presentationml/2006/main">
+  <p:cSld>
+    <p:spTree>
+      <p:nvGrpSpPr>
+        <p:cNvPr id="1" name=""/>
+        <p:cNvGrpSpPr/>
+        <p:nvPr/>
+      </p:nvGrpSpPr>
+      <p:grpSpPr>
+        <a:xfrm>
+          <a:off x="0" y="0"/>
+          <a:ext cx="0" cy="0"/>
+          <a:chOff x="0" y="0"/>
+          <a:chExt cx="0" cy="0"/>
+        </a:xfrm>
+      </p:grpSpPr>
+      <p:sp>
+        <p:nvSpPr>
+          <p:cNvPr id="2" name="投影片圖像版面配置區 1"/>
+          <p:cNvSpPr>
+            <a:spLocks noGrp="1" noRot="1" noChangeAspect="1"/>
+          </p:cNvSpPr>
+          <p:nvPr>
+            <p:ph type="sldImg"/>
+          </p:nvPr>
+        </p:nvSpPr>
+        <p:spPr/>
+      </p:sp>
+      <p:sp>
+        <p:nvSpPr>
+          <p:cNvPr id="3" name="備忘稿版面配置區 2"/>
+          <p:cNvSpPr>
+            <a:spLocks noGrp="1"/>
+          </p:cNvSpPr>
+          <p:nvPr>
+            <p:ph type="body" idx="1"/>
+          </p:nvPr>
+        </p:nvSpPr>
+        <p:spPr/>
+        <p:txBody>
+          <a:bodyPr/>
+          <a:lstStyle/>
+          <a:p>
+            <a:r>
+              <a:rPr lang="zh-TW" altLang="en-US" dirty="0" smtClean="0"/>
+              <a:t>黃光製程</a:t>
+            </a:r>
+            <a:r>
+              <a:rPr lang="en-US" altLang="zh-TW" dirty="0" smtClean="0"/>
+              <a:t>CD</a:t>
+            </a:r>
+            <a:endParaRPr lang="zh-TW" altLang="en-US" dirty="0"/>
+          </a:p>
+        </p:txBody>
+      </p:sp>
+      <p:sp>
+        <p:nvSpPr>
+          <p:cNvPr id="4" name="投影片編號版面配置區 3"/>
+          <p:cNvSpPr>
+            <a:spLocks noGrp="1"/>
+          </p:cNvSpPr>
+          <p:nvPr>
+            <p:ph type="sldNum" sz="quarter" idx="10"/>
+          </p:nvPr>
+        </p:nvSpPr>
+        <p:spPr/>
+        <p:txBody>
+          <a:bodyPr/>
+          <a:lstStyle/>
+          <a:p>
+            <a:pPr>
+              <a:defRPr/>
+            </a:pPr>
+            <a:fld id="{BB8BD76A-2F67-42F1-9619-1A8D2E5EAE40}" type="slidenum">
+              <a:rPr lang="zh-TW" altLang="en-US" smtClean="0"/>
+              <a:pPr>
+                <a:defRPr/>
+              </a:pPr>
               <a:t>10</a:t>
             </a:fld>
             <a:endParaRPr lang="zh-TW" altLang="en-US"/>
@@ -2643,7 +2734,7 @@
     </p:spTree>
     <p:extLst>
       <p:ext uri="{BB962C8B-B14F-4D97-AF65-F5344CB8AC3E}">
-        <p14:creationId xmlns:p14="http://schemas.microsoft.com/office/powerpoint/2010/main" val="2418192126"/>
+        <p14:creationId xmlns:p14="http://schemas.microsoft.com/office/powerpoint/2010/main" val="2380207849"/>
       </p:ext>
     </p:extLst>
   </p:cSld>
@@ -4859,6 +4950,13 @@
     <a:masterClrMapping/>
   </p:clrMapOvr>
   <p:transition/>
+  <p:timing>
+    <p:tnLst>
+      <p:par>
+        <p:cTn id="1" dur="indefinite" restart="never" nodeType="tmRoot"/>
+      </p:par>
+    </p:tnLst>
+  </p:timing>
 </p:sldLayout>
 </file>
 
@@ -5106,6 +5204,13 @@
   <p:clrMapOvr>
     <a:masterClrMapping/>
   </p:clrMapOvr>
+  <p:timing>
+    <p:tnLst>
+      <p:par>
+        <p:cTn id="1" dur="indefinite" restart="never" nodeType="tmRoot"/>
+      </p:par>
+    </p:tnLst>
+  </p:timing>
 </p:sldLayout>
 </file>
 
@@ -5859,6 +5964,13 @@
   <p:clrMapOvr>
     <a:masterClrMapping/>
   </p:clrMapOvr>
+  <p:timing>
+    <p:tnLst>
+      <p:par>
+        <p:cTn id="1" dur="indefinite" restart="never" nodeType="tmRoot"/>
+      </p:par>
+    </p:tnLst>
+  </p:timing>
 </p:sldLayout>
 </file>
 
@@ -6741,7 +6853,7 @@
           <p:nvPr/>
         </p:nvPicPr>
         <p:blipFill>
-          <a:blip r:embed="rId2" cstate="print">
+          <a:blip r:embed="rId3" cstate="print">
             <a:extLst>
               <a:ext uri="{28A0092B-C50C-407E-A947-70E740481C1C}">
                 <a14:useLocalDpi xmlns:a14="http://schemas.microsoft.com/office/drawing/2010/main" val="0"/>
@@ -6843,7 +6955,7 @@
           <a:lstStyle/>
           <a:p>
             <a:r>
-              <a:rPr lang="zh-TW" altLang="en-US" sz="4000" dirty="0">
+              <a:rPr lang="zh-TW" altLang="en-US" sz="4000" dirty="0" smtClean="0">
                 <a:gradFill flip="none" rotWithShape="1">
                   <a:gsLst>
                     <a:gs pos="0">
@@ -6869,66 +6981,34 @@
                   <a:tileRect/>
                 </a:gradFill>
               </a:rPr>
-              <a:t>最佳化 </a:t>
+              <a:t>機器學習的最佳化方法</a:t>
             </a:r>
-            <a:r>
-              <a:rPr lang="en-US" altLang="zh-TW" sz="4000" dirty="0">
-                <a:gradFill flip="none" rotWithShape="1">
-                  <a:gsLst>
-                    <a:gs pos="0">
-                      <a:srgbClr val="0083A2">
-                        <a:shade val="30000"/>
-                        <a:satMod val="115000"/>
-                      </a:srgbClr>
-                    </a:gs>
-                    <a:gs pos="50000">
-                      <a:srgbClr val="0083A2">
-                        <a:shade val="67500"/>
-                        <a:satMod val="115000"/>
-                      </a:srgbClr>
-                    </a:gs>
-                    <a:gs pos="100000">
-                      <a:srgbClr val="0083A2">
-                        <a:shade val="100000"/>
-                        <a:satMod val="115000"/>
-                      </a:srgbClr>
-                    </a:gs>
-                  </a:gsLst>
-                  <a:lin ang="5400000" scaled="1"/>
-                  <a:tileRect/>
-                </a:gradFill>
-              </a:rPr>
-              <a:t>–ML</a:t>
-            </a:r>
-            <a:r>
-              <a:rPr lang="zh-TW" altLang="en-US" sz="4000" dirty="0">
-                <a:gradFill flip="none" rotWithShape="1">
-                  <a:gsLst>
-                    <a:gs pos="0">
-                      <a:srgbClr val="0083A2">
-                        <a:shade val="30000"/>
-                        <a:satMod val="115000"/>
-                      </a:srgbClr>
-                    </a:gs>
-                    <a:gs pos="50000">
-                      <a:srgbClr val="0083A2">
-                        <a:shade val="67500"/>
-                        <a:satMod val="115000"/>
-                      </a:srgbClr>
-                    </a:gs>
-                    <a:gs pos="100000">
-                      <a:srgbClr val="0083A2">
-                        <a:shade val="100000"/>
-                        <a:satMod val="115000"/>
-                      </a:srgbClr>
-                    </a:gs>
-                  </a:gsLst>
-                  <a:lin ang="5400000" scaled="1"/>
-                  <a:tileRect/>
-                </a:gradFill>
-              </a:rPr>
-              <a:t>決策支援報表</a:t>
-            </a:r>
+            <a:endParaRPr lang="zh-TW" altLang="en-US" sz="4000" dirty="0">
+              <a:gradFill flip="none" rotWithShape="1">
+                <a:gsLst>
+                  <a:gs pos="0">
+                    <a:srgbClr val="0083A2">
+                      <a:shade val="30000"/>
+                      <a:satMod val="115000"/>
+                    </a:srgbClr>
+                  </a:gs>
+                  <a:gs pos="50000">
+                    <a:srgbClr val="0083A2">
+                      <a:shade val="67500"/>
+                      <a:satMod val="115000"/>
+                    </a:srgbClr>
+                  </a:gs>
+                  <a:gs pos="100000">
+                    <a:srgbClr val="0083A2">
+                      <a:shade val="100000"/>
+                      <a:satMod val="115000"/>
+                    </a:srgbClr>
+                  </a:gs>
+                </a:gsLst>
+                <a:lin ang="5400000" scaled="1"/>
+                <a:tileRect/>
+              </a:gradFill>
+            </a:endParaRPr>
           </a:p>
         </p:txBody>
       </p:sp>
@@ -6941,7 +7021,7 @@
           <p:nvPr/>
         </p:nvPicPr>
         <p:blipFill>
-          <a:blip r:embed="rId3">
+          <a:blip r:embed="rId4">
             <a:extLst>
               <a:ext uri="{28A0092B-C50C-407E-A947-70E740481C1C}">
                 <a14:useLocalDpi xmlns:a14="http://schemas.microsoft.com/office/drawing/2010/main" val="0"/>
@@ -7096,16 +7176,852 @@
             <p:ph type="title"/>
           </p:nvPr>
         </p:nvSpPr>
-        <p:spPr/>
+        <p:spPr>
+          <a:xfrm>
+            <a:off x="62991" y="40408"/>
+            <a:ext cx="7464515" cy="1170130"/>
+          </a:xfrm>
+        </p:spPr>
         <p:txBody>
-          <a:bodyPr/>
+          <a:bodyPr>
+            <a:normAutofit/>
+          </a:bodyPr>
           <a:lstStyle/>
           <a:p>
             <a:r>
-              <a:rPr lang="en-US" altLang="zh-TW" dirty="0" smtClean="0"/>
+              <a:rPr lang="en-US" altLang="zh-TW" sz="2800" dirty="0">
+                <a:solidFill>
+                  <a:schemeClr val="bg1">
+                    <a:alpha val="90000"/>
+                  </a:schemeClr>
+                </a:solidFill>
+              </a:rPr>
+              <a:t>L5C</a:t>
+            </a:r>
+            <a:r>
+              <a:rPr lang="zh-TW" altLang="en-US" sz="2800" dirty="0">
+                <a:solidFill>
+                  <a:schemeClr val="bg1">
+                    <a:alpha val="90000"/>
+                  </a:schemeClr>
+                </a:solidFill>
+              </a:rPr>
+              <a:t> </a:t>
+            </a:r>
+            <a:r>
+              <a:rPr lang="en-US" altLang="zh-TW" sz="2800" dirty="0">
+                <a:solidFill>
+                  <a:schemeClr val="bg1">
+                    <a:alpha val="90000"/>
+                  </a:schemeClr>
+                </a:solidFill>
+              </a:rPr>
+              <a:t>Photo</a:t>
+            </a:r>
+            <a:r>
+              <a:rPr lang="zh-TW" altLang="en-US" sz="2800" dirty="0">
+                <a:solidFill>
+                  <a:schemeClr val="bg1">
+                    <a:alpha val="90000"/>
+                  </a:schemeClr>
+                </a:solidFill>
+              </a:rPr>
+              <a:t> </a:t>
+            </a:r>
+            <a:r>
+              <a:rPr lang="en-US" altLang="zh-TW" sz="2800" dirty="0">
+                <a:solidFill>
+                  <a:schemeClr val="bg1">
+                    <a:alpha val="90000"/>
+                  </a:schemeClr>
+                </a:solidFill>
+              </a:rPr>
+              <a:t>PEP1</a:t>
+            </a:r>
+            <a:r>
+              <a:rPr lang="zh-TW" altLang="en-US" sz="2800" dirty="0">
+                <a:solidFill>
+                  <a:schemeClr val="bg1">
+                    <a:alpha val="90000"/>
+                  </a:schemeClr>
+                </a:solidFill>
+              </a:rPr>
+              <a:t> </a:t>
+            </a:r>
+            <a:r>
+              <a:rPr lang="en-US" altLang="zh-TW" sz="2800" dirty="0">
+                <a:solidFill>
+                  <a:schemeClr val="bg1">
+                    <a:alpha val="90000"/>
+                  </a:schemeClr>
+                </a:solidFill>
+              </a:rPr>
+              <a:t>CD</a:t>
+            </a:r>
+            <a:r>
+              <a:rPr lang="zh-TW" altLang="en-US" sz="2800" dirty="0">
+                <a:solidFill>
+                  <a:schemeClr val="bg1">
+                    <a:alpha val="90000"/>
+                  </a:schemeClr>
+                </a:solidFill>
+              </a:rPr>
+              <a:t> </a:t>
+            </a:r>
+            <a:r>
+              <a:rPr lang="en-US" altLang="zh-TW" sz="2800" dirty="0">
+                <a:solidFill>
+                  <a:schemeClr val="bg1">
+                    <a:alpha val="90000"/>
+                  </a:schemeClr>
+                </a:solidFill>
+              </a:rPr>
+              <a:t>R2R</a:t>
+            </a:r>
+            <a:endParaRPr lang="zh-TW" altLang="en-US" sz="2800" dirty="0">
+              <a:solidFill>
+                <a:schemeClr val="bg1">
+                  <a:alpha val="90000"/>
+                </a:schemeClr>
+              </a:solidFill>
+            </a:endParaRPr>
+          </a:p>
+        </p:txBody>
+      </p:sp>
+      <p:sp>
+        <p:nvSpPr>
+          <p:cNvPr id="15" name="圓角矩形 14"/>
+          <p:cNvSpPr/>
+          <p:nvPr/>
+        </p:nvSpPr>
+        <p:spPr>
+          <a:xfrm>
+            <a:off x="1826695" y="1062799"/>
+            <a:ext cx="945105" cy="270030"/>
+          </a:xfrm>
+          <a:prstGeom prst="roundRect">
+            <a:avLst/>
+          </a:prstGeom>
+          <a:solidFill>
+            <a:srgbClr val="8BBACF"/>
+          </a:solidFill>
+          <a:ln>
+            <a:noFill/>
+          </a:ln>
+          <a:effectLst>
+            <a:outerShdw blurRad="50800" dist="38100" dir="2700000" algn="tl" rotWithShape="0">
+              <a:prstClr val="black">
+                <a:alpha val="40000"/>
+              </a:prstClr>
+            </a:outerShdw>
+          </a:effectLst>
+        </p:spPr>
+        <p:style>
+          <a:lnRef idx="2">
+            <a:schemeClr val="accent1">
+              <a:shade val="50000"/>
+            </a:schemeClr>
+          </a:lnRef>
+          <a:fillRef idx="1">
+            <a:schemeClr val="accent1"/>
+          </a:fillRef>
+          <a:effectRef idx="0">
+            <a:schemeClr val="accent1"/>
+          </a:effectRef>
+          <a:fontRef idx="minor">
+            <a:schemeClr val="lt1"/>
+          </a:fontRef>
+        </p:style>
+        <p:txBody>
+          <a:bodyPr rtlCol="0" anchor="ctr"/>
+          <a:lstStyle/>
+          <a:p>
+            <a:pPr algn="ctr"/>
+            <a:r>
+              <a:rPr lang="zh-TW" altLang="en-US" sz="1200" b="1" dirty="0">
+                <a:latin typeface="微軟正黑體" panose="020B0604030504040204" pitchFamily="34" charset="-120"/>
+                <a:ea typeface="微軟正黑體" panose="020B0604030504040204" pitchFamily="34" charset="-120"/>
+              </a:rPr>
+              <a:t>過去</a:t>
+            </a:r>
+            <a:r>
+              <a:rPr lang="zh-TW" altLang="en-US" sz="1200" b="1" dirty="0" smtClean="0">
+                <a:latin typeface="微軟正黑體" panose="020B0604030504040204" pitchFamily="34" charset="-120"/>
+                <a:ea typeface="微軟正黑體" panose="020B0604030504040204" pitchFamily="34" charset="-120"/>
+              </a:rPr>
+              <a:t>模式</a:t>
+            </a:r>
+            <a:endParaRPr lang="zh-TW" altLang="en-US" sz="1200" b="1" dirty="0">
+              <a:latin typeface="微軟正黑體" panose="020B0604030504040204" pitchFamily="34" charset="-120"/>
+              <a:ea typeface="微軟正黑體" panose="020B0604030504040204" pitchFamily="34" charset="-120"/>
+            </a:endParaRPr>
+          </a:p>
+        </p:txBody>
+      </p:sp>
+      <p:sp>
+        <p:nvSpPr>
+          <p:cNvPr id="16" name="圓角矩形 15"/>
+          <p:cNvSpPr/>
+          <p:nvPr/>
+        </p:nvSpPr>
+        <p:spPr>
+          <a:xfrm>
+            <a:off x="1840485" y="3069430"/>
+            <a:ext cx="945105" cy="270030"/>
+          </a:xfrm>
+          <a:prstGeom prst="roundRect">
+            <a:avLst/>
+          </a:prstGeom>
+          <a:solidFill>
+            <a:srgbClr val="428FB1"/>
+          </a:solidFill>
+          <a:ln>
+            <a:noFill/>
+          </a:ln>
+          <a:effectLst>
+            <a:outerShdw blurRad="50800" dist="38100" dir="2700000" algn="tl" rotWithShape="0">
+              <a:prstClr val="black">
+                <a:alpha val="40000"/>
+              </a:prstClr>
+            </a:outerShdw>
+          </a:effectLst>
+        </p:spPr>
+        <p:style>
+          <a:lnRef idx="2">
+            <a:schemeClr val="accent1">
+              <a:shade val="50000"/>
+            </a:schemeClr>
+          </a:lnRef>
+          <a:fillRef idx="1">
+            <a:schemeClr val="accent1"/>
+          </a:fillRef>
+          <a:effectRef idx="0">
+            <a:schemeClr val="accent1"/>
+          </a:effectRef>
+          <a:fontRef idx="minor">
+            <a:schemeClr val="lt1"/>
+          </a:fontRef>
+        </p:style>
+        <p:txBody>
+          <a:bodyPr rtlCol="0" anchor="ctr"/>
+          <a:lstStyle/>
+          <a:p>
+            <a:pPr algn="ctr"/>
+            <a:r>
+              <a:rPr lang="zh-TW" altLang="en-US" sz="1200" b="1" dirty="0" smtClean="0">
+                <a:latin typeface="微軟正黑體" panose="020B0604030504040204" pitchFamily="34" charset="-120"/>
+                <a:ea typeface="微軟正黑體" panose="020B0604030504040204" pitchFamily="34" charset="-120"/>
+              </a:rPr>
+              <a:t>預期目標</a:t>
+            </a:r>
+            <a:endParaRPr lang="zh-TW" altLang="en-US" sz="1200" b="1" dirty="0">
+              <a:latin typeface="微軟正黑體" panose="020B0604030504040204" pitchFamily="34" charset="-120"/>
+              <a:ea typeface="微軟正黑體" panose="020B0604030504040204" pitchFamily="34" charset="-120"/>
+            </a:endParaRPr>
+          </a:p>
+        </p:txBody>
+      </p:sp>
+      <p:sp>
+        <p:nvSpPr>
+          <p:cNvPr id="17" name="文字方塊 16"/>
+          <p:cNvSpPr txBox="1"/>
+          <p:nvPr/>
+        </p:nvSpPr>
+        <p:spPr>
+          <a:xfrm>
+            <a:off x="2771800" y="1062799"/>
+            <a:ext cx="5040560" cy="276999"/>
+          </a:xfrm>
+          <a:prstGeom prst="rect">
+            <a:avLst/>
+          </a:prstGeom>
+          <a:noFill/>
+        </p:spPr>
+        <p:txBody>
+          <a:bodyPr wrap="square" rtlCol="0">
+            <a:spAutoFit/>
+          </a:bodyPr>
+          <a:lstStyle/>
+          <a:p>
+            <a:r>
+              <a:rPr lang="zh-TW" altLang="en-US" sz="1200" dirty="0">
+                <a:solidFill>
+                  <a:schemeClr val="tx1">
+                    <a:lumMod val="85000"/>
+                    <a:lumOff val="15000"/>
+                  </a:schemeClr>
+                </a:solidFill>
+                <a:latin typeface="微軟正黑體" panose="020B0604030504040204" pitchFamily="34" charset="-120"/>
+              </a:rPr>
+              <a:t>需依實際量測</a:t>
+            </a:r>
+            <a:r>
+              <a:rPr lang="zh-TW" altLang="en-US" sz="1200" dirty="0" smtClean="0">
+                <a:solidFill>
+                  <a:schemeClr val="tx1">
+                    <a:lumMod val="85000"/>
+                    <a:lumOff val="15000"/>
+                  </a:schemeClr>
+                </a:solidFill>
+                <a:latin typeface="微軟正黑體" panose="020B0604030504040204" pitchFamily="34" charset="-120"/>
+              </a:rPr>
+              <a:t>狀況</a:t>
+            </a:r>
+            <a:r>
+              <a:rPr lang="zh-TW" altLang="en-US" sz="1200" dirty="0">
+                <a:solidFill>
+                  <a:schemeClr val="tx1">
+                    <a:lumMod val="85000"/>
+                    <a:lumOff val="15000"/>
+                  </a:schemeClr>
+                </a:solidFill>
+                <a:latin typeface="微軟正黑體" panose="020B0604030504040204" pitchFamily="34" charset="-120"/>
+              </a:rPr>
+              <a:t>，</a:t>
+            </a:r>
+            <a:r>
+              <a:rPr lang="zh-TW" altLang="en-US" sz="1200" dirty="0" smtClean="0">
+                <a:solidFill>
+                  <a:schemeClr val="tx1">
+                    <a:lumMod val="85000"/>
+                    <a:lumOff val="15000"/>
+                  </a:schemeClr>
+                </a:solidFill>
+                <a:latin typeface="微軟正黑體" panose="020B0604030504040204" pitchFamily="34" charset="-120"/>
+              </a:rPr>
+              <a:t>手動</a:t>
+            </a:r>
+            <a:r>
+              <a:rPr lang="zh-TW" altLang="en-US" sz="1200" dirty="0">
+                <a:solidFill>
+                  <a:schemeClr val="tx1">
+                    <a:lumMod val="85000"/>
+                    <a:lumOff val="15000"/>
+                  </a:schemeClr>
+                </a:solidFill>
+                <a:latin typeface="微軟正黑體" panose="020B0604030504040204" pitchFamily="34" charset="-120"/>
+              </a:rPr>
+              <a:t>調整補償線寬值</a:t>
+            </a:r>
+            <a:endParaRPr lang="en-US" altLang="zh-TW" sz="1200" dirty="0">
+              <a:solidFill>
+                <a:schemeClr val="tx1">
+                  <a:lumMod val="85000"/>
+                  <a:lumOff val="15000"/>
+                </a:schemeClr>
+              </a:solidFill>
+              <a:latin typeface="微軟正黑體" panose="020B0604030504040204" pitchFamily="34" charset="-120"/>
+            </a:endParaRPr>
+          </a:p>
+        </p:txBody>
+      </p:sp>
+      <p:sp>
+        <p:nvSpPr>
+          <p:cNvPr id="18" name="文字方塊 17"/>
+          <p:cNvSpPr txBox="1"/>
+          <p:nvPr/>
+        </p:nvSpPr>
+        <p:spPr>
+          <a:xfrm>
+            <a:off x="2771800" y="3066805"/>
+            <a:ext cx="4140460" cy="276999"/>
+          </a:xfrm>
+          <a:prstGeom prst="rect">
+            <a:avLst/>
+          </a:prstGeom>
+          <a:noFill/>
+        </p:spPr>
+        <p:txBody>
+          <a:bodyPr wrap="square" rtlCol="0">
+            <a:spAutoFit/>
+          </a:bodyPr>
+          <a:lstStyle/>
+          <a:p>
+            <a:r>
+              <a:rPr lang="zh-TW" altLang="en-US" sz="1200" dirty="0">
+                <a:solidFill>
+                  <a:schemeClr val="tx1">
+                    <a:lumMod val="85000"/>
+                    <a:lumOff val="15000"/>
+                  </a:schemeClr>
+                </a:solidFill>
+                <a:latin typeface="微軟正黑體" panose="020B0604030504040204" pitchFamily="34" charset="-120"/>
+              </a:rPr>
+              <a:t>人工調整補償</a:t>
+            </a:r>
+            <a:r>
+              <a:rPr lang="en-US" altLang="zh-TW" sz="1200" dirty="0">
+                <a:solidFill>
+                  <a:schemeClr val="tx1">
+                    <a:lumMod val="85000"/>
+                    <a:lumOff val="15000"/>
+                  </a:schemeClr>
+                </a:solidFill>
+                <a:latin typeface="微軟正黑體" panose="020B0604030504040204" pitchFamily="34" charset="-120"/>
+              </a:rPr>
+              <a:t>CD</a:t>
+            </a:r>
+            <a:r>
+              <a:rPr lang="zh-TW" altLang="en-US" sz="1200" dirty="0" smtClean="0">
+                <a:solidFill>
+                  <a:schemeClr val="tx1">
+                    <a:lumMod val="85000"/>
+                    <a:lumOff val="15000"/>
+                  </a:schemeClr>
+                </a:solidFill>
+                <a:latin typeface="微軟正黑體" panose="020B0604030504040204" pitchFamily="34" charset="-120"/>
+              </a:rPr>
+              <a:t>機制 </a:t>
+            </a:r>
+            <a:r>
+              <a:rPr lang="zh-TW" altLang="en-US" sz="1200" b="1" dirty="0" smtClean="0"/>
+              <a:t>→</a:t>
+            </a:r>
+            <a:r>
+              <a:rPr lang="zh-TW" altLang="en-US" sz="1200" dirty="0" smtClean="0"/>
+              <a:t> </a:t>
+            </a:r>
+            <a:r>
+              <a:rPr lang="zh-TW" altLang="en-US" sz="1200" b="1" dirty="0" smtClean="0">
+                <a:solidFill>
+                  <a:srgbClr val="C00000"/>
+                </a:solidFill>
+                <a:latin typeface="微軟正黑體" panose="020B0604030504040204" pitchFamily="34" charset="-120"/>
+              </a:rPr>
+              <a:t>自動</a:t>
+            </a:r>
+            <a:r>
+              <a:rPr lang="zh-TW" altLang="en-US" sz="1200" b="1" dirty="0">
+                <a:solidFill>
+                  <a:schemeClr val="tx1">
+                    <a:lumMod val="85000"/>
+                    <a:lumOff val="15000"/>
+                  </a:schemeClr>
+                </a:solidFill>
+                <a:latin typeface="微軟正黑體" panose="020B0604030504040204" pitchFamily="34" charset="-120"/>
+              </a:rPr>
+              <a:t>補償</a:t>
+            </a:r>
+            <a:r>
+              <a:rPr lang="en-US" altLang="zh-TW" sz="1200" b="1" dirty="0">
+                <a:solidFill>
+                  <a:schemeClr val="tx1">
+                    <a:lumMod val="85000"/>
+                    <a:lumOff val="15000"/>
+                  </a:schemeClr>
+                </a:solidFill>
+                <a:latin typeface="微軟正黑體" panose="020B0604030504040204" pitchFamily="34" charset="-120"/>
+              </a:rPr>
+              <a:t>CD</a:t>
+            </a:r>
+            <a:r>
+              <a:rPr lang="zh-TW" altLang="en-US" sz="1200" b="1" dirty="0">
+                <a:solidFill>
+                  <a:schemeClr val="tx1">
+                    <a:lumMod val="85000"/>
+                    <a:lumOff val="15000"/>
+                  </a:schemeClr>
+                </a:solidFill>
+                <a:latin typeface="微軟正黑體" panose="020B0604030504040204" pitchFamily="34" charset="-120"/>
+              </a:rPr>
+              <a:t>機制</a:t>
+            </a:r>
+          </a:p>
+        </p:txBody>
+      </p:sp>
+      <p:pic>
+        <p:nvPicPr>
+          <p:cNvPr id="8" name="圖片 7"/>
+          <p:cNvPicPr>
+            <a:picLocks noChangeAspect="1"/>
+          </p:cNvPicPr>
+          <p:nvPr/>
+        </p:nvPicPr>
+        <p:blipFill>
+          <a:blip r:embed="rId3" cstate="print">
+            <a:extLst>
+              <a:ext uri="{28A0092B-C50C-407E-A947-70E740481C1C}">
+                <a14:useLocalDpi xmlns:a14="http://schemas.microsoft.com/office/drawing/2010/main" val="0"/>
+              </a:ext>
+            </a:extLst>
+          </a:blip>
+          <a:stretch>
+            <a:fillRect/>
+          </a:stretch>
+        </p:blipFill>
+        <p:spPr>
+          <a:xfrm>
+            <a:off x="2178542" y="1572151"/>
+            <a:ext cx="772910" cy="772910"/>
+          </a:xfrm>
+          <a:prstGeom prst="rect">
+            <a:avLst/>
+          </a:prstGeom>
+        </p:spPr>
+      </p:pic>
+      <p:pic>
+        <p:nvPicPr>
+          <p:cNvPr id="9" name="圖片 8"/>
+          <p:cNvPicPr>
+            <a:picLocks noChangeAspect="1"/>
+          </p:cNvPicPr>
+          <p:nvPr/>
+        </p:nvPicPr>
+        <p:blipFill>
+          <a:blip r:embed="rId4" cstate="print">
+            <a:extLst>
+              <a:ext uri="{28A0092B-C50C-407E-A947-70E740481C1C}">
+                <a14:useLocalDpi xmlns:a14="http://schemas.microsoft.com/office/drawing/2010/main" val="0"/>
+              </a:ext>
+            </a:extLst>
+          </a:blip>
+          <a:stretch>
+            <a:fillRect/>
+          </a:stretch>
+        </p:blipFill>
+        <p:spPr>
+          <a:xfrm>
+            <a:off x="3303790" y="1531944"/>
+            <a:ext cx="772910" cy="772910"/>
+          </a:xfrm>
+          <a:prstGeom prst="rect">
+            <a:avLst/>
+          </a:prstGeom>
+        </p:spPr>
+      </p:pic>
+      <p:pic>
+        <p:nvPicPr>
+          <p:cNvPr id="10" name="圖片 9"/>
+          <p:cNvPicPr>
+            <a:picLocks noChangeAspect="1"/>
+          </p:cNvPicPr>
+          <p:nvPr/>
+        </p:nvPicPr>
+        <p:blipFill>
+          <a:blip r:embed="rId5" cstate="print">
+            <a:extLst>
+              <a:ext uri="{28A0092B-C50C-407E-A947-70E740481C1C}">
+                <a14:useLocalDpi xmlns:a14="http://schemas.microsoft.com/office/drawing/2010/main" val="0"/>
+              </a:ext>
+            </a:extLst>
+          </a:blip>
+          <a:stretch>
+            <a:fillRect/>
+          </a:stretch>
+        </p:blipFill>
+        <p:spPr>
+          <a:xfrm>
+            <a:off x="4429038" y="1493773"/>
+            <a:ext cx="862920" cy="862920"/>
+          </a:xfrm>
+          <a:prstGeom prst="rect">
+            <a:avLst/>
+          </a:prstGeom>
+        </p:spPr>
+      </p:pic>
+      <p:pic>
+        <p:nvPicPr>
+          <p:cNvPr id="11" name="圖片 10"/>
+          <p:cNvPicPr>
+            <a:picLocks noChangeAspect="1"/>
+          </p:cNvPicPr>
+          <p:nvPr/>
+        </p:nvPicPr>
+        <p:blipFill>
+          <a:blip r:embed="rId6" cstate="print">
+            <a:extLst>
+              <a:ext uri="{28A0092B-C50C-407E-A947-70E740481C1C}">
+                <a14:useLocalDpi xmlns:a14="http://schemas.microsoft.com/office/drawing/2010/main" val="0"/>
+              </a:ext>
+            </a:extLst>
+          </a:blip>
+          <a:stretch>
+            <a:fillRect/>
+          </a:stretch>
+        </p:blipFill>
+        <p:spPr>
+          <a:xfrm>
+            <a:off x="5644295" y="1572151"/>
+            <a:ext cx="772910" cy="772910"/>
+          </a:xfrm>
+          <a:prstGeom prst="rect">
+            <a:avLst/>
+          </a:prstGeom>
+        </p:spPr>
+      </p:pic>
+      <p:sp>
+        <p:nvSpPr>
+          <p:cNvPr id="12" name="文字方塊 11"/>
+          <p:cNvSpPr txBox="1"/>
+          <p:nvPr/>
+        </p:nvSpPr>
+        <p:spPr>
+          <a:xfrm>
+            <a:off x="2194775" y="2353366"/>
+            <a:ext cx="813196" cy="261610"/>
+          </a:xfrm>
+          <a:prstGeom prst="rect">
+            <a:avLst/>
+          </a:prstGeom>
+          <a:noFill/>
+        </p:spPr>
+        <p:txBody>
+          <a:bodyPr wrap="square" rtlCol="0">
+            <a:spAutoFit/>
+          </a:bodyPr>
+          <a:lstStyle/>
+          <a:p>
+            <a:r>
+              <a:rPr lang="zh-TW" altLang="en-US" sz="1100" dirty="0" smtClean="0"/>
+              <a:t>製</a:t>
+            </a:r>
+            <a:r>
+              <a:rPr lang="zh-TW" altLang="en-US" sz="1100" dirty="0"/>
+              <a:t>程</a:t>
+            </a:r>
+            <a:r>
+              <a:rPr lang="zh-TW" altLang="en-US" sz="1100" dirty="0" smtClean="0"/>
+              <a:t>變化</a:t>
+            </a:r>
+            <a:endParaRPr lang="zh-TW" altLang="en-US" sz="1100" dirty="0"/>
+          </a:p>
+        </p:txBody>
+      </p:sp>
+      <p:sp>
+        <p:nvSpPr>
+          <p:cNvPr id="24" name="文字方塊 23"/>
+          <p:cNvSpPr txBox="1"/>
+          <p:nvPr/>
+        </p:nvSpPr>
+        <p:spPr>
+          <a:xfrm>
+            <a:off x="3179965" y="2357344"/>
+            <a:ext cx="1230569" cy="261610"/>
+          </a:xfrm>
+          <a:prstGeom prst="rect">
+            <a:avLst/>
+          </a:prstGeom>
+          <a:noFill/>
+        </p:spPr>
+        <p:txBody>
+          <a:bodyPr wrap="square" rtlCol="0">
+            <a:spAutoFit/>
+          </a:bodyPr>
+          <a:lstStyle/>
+          <a:p>
+            <a:r>
+              <a:rPr lang="zh-TW" altLang="en-US" sz="1100" dirty="0" smtClean="0"/>
+              <a:t>等待</a:t>
+            </a:r>
+            <a:r>
+              <a:rPr lang="en-US" altLang="zh-TW" sz="1100" dirty="0" smtClean="0"/>
+              <a:t>MQC</a:t>
+            </a:r>
+            <a:r>
+              <a:rPr lang="zh-TW" altLang="en-US" sz="1100" dirty="0" smtClean="0"/>
+              <a:t>結果</a:t>
+            </a:r>
+            <a:endParaRPr lang="zh-TW" altLang="en-US" sz="1100" dirty="0"/>
+          </a:p>
+        </p:txBody>
+      </p:sp>
+      <p:sp>
+        <p:nvSpPr>
+          <p:cNvPr id="25" name="文字方塊 24"/>
+          <p:cNvSpPr txBox="1"/>
+          <p:nvPr/>
+        </p:nvSpPr>
+        <p:spPr>
+          <a:xfrm>
+            <a:off x="4384140" y="2345061"/>
+            <a:ext cx="941658" cy="430887"/>
+          </a:xfrm>
+          <a:prstGeom prst="rect">
+            <a:avLst/>
+          </a:prstGeom>
+          <a:noFill/>
+        </p:spPr>
+        <p:txBody>
+          <a:bodyPr wrap="square" rtlCol="0">
+            <a:spAutoFit/>
+          </a:bodyPr>
+          <a:lstStyle/>
+          <a:p>
+            <a:r>
+              <a:rPr lang="zh-TW" altLang="en-US" sz="1100" dirty="0" smtClean="0"/>
+              <a:t>工程師評估並確認結果</a:t>
+            </a:r>
+            <a:endParaRPr lang="zh-TW" altLang="en-US" sz="1100" dirty="0"/>
+          </a:p>
+        </p:txBody>
+      </p:sp>
+      <p:sp>
+        <p:nvSpPr>
+          <p:cNvPr id="26" name="文字方塊 25"/>
+          <p:cNvSpPr txBox="1"/>
+          <p:nvPr/>
+        </p:nvSpPr>
+        <p:spPr>
+          <a:xfrm>
+            <a:off x="5644295" y="2353366"/>
+            <a:ext cx="800357" cy="261610"/>
+          </a:xfrm>
+          <a:prstGeom prst="rect">
+            <a:avLst/>
+          </a:prstGeom>
+          <a:noFill/>
+        </p:spPr>
+        <p:txBody>
+          <a:bodyPr wrap="square" rtlCol="0">
+            <a:spAutoFit/>
+          </a:bodyPr>
+          <a:lstStyle/>
+          <a:p>
+            <a:r>
+              <a:rPr lang="zh-TW" altLang="en-US" sz="1100" dirty="0" smtClean="0"/>
+              <a:t>手動補值</a:t>
+            </a:r>
+            <a:endParaRPr lang="zh-TW" altLang="en-US" sz="1100" dirty="0"/>
+          </a:p>
+        </p:txBody>
+      </p:sp>
+      <p:pic>
+        <p:nvPicPr>
+          <p:cNvPr id="13" name="圖片 12"/>
+          <p:cNvPicPr>
+            <a:picLocks noChangeAspect="1"/>
+          </p:cNvPicPr>
+          <p:nvPr/>
+        </p:nvPicPr>
+        <p:blipFill>
+          <a:blip r:embed="rId7" cstate="print">
+            <a:extLst>
+              <a:ext uri="{28A0092B-C50C-407E-A947-70E740481C1C}">
+                <a14:useLocalDpi xmlns:a14="http://schemas.microsoft.com/office/drawing/2010/main" val="0"/>
+              </a:ext>
+            </a:extLst>
+          </a:blip>
+          <a:stretch>
+            <a:fillRect/>
+          </a:stretch>
+        </p:blipFill>
+        <p:spPr>
+          <a:xfrm>
+            <a:off x="3311860" y="3444808"/>
+            <a:ext cx="792127" cy="792127"/>
+          </a:xfrm>
+          <a:prstGeom prst="rect">
+            <a:avLst/>
+          </a:prstGeom>
+        </p:spPr>
+      </p:pic>
+      <p:pic>
+        <p:nvPicPr>
+          <p:cNvPr id="14" name="圖片 13"/>
+          <p:cNvPicPr>
+            <a:picLocks noChangeAspect="1"/>
+          </p:cNvPicPr>
+          <p:nvPr/>
+        </p:nvPicPr>
+        <p:blipFill>
+          <a:blip r:embed="rId8" cstate="print">
+            <a:extLst>
+              <a:ext uri="{28A0092B-C50C-407E-A947-70E740481C1C}">
+                <a14:useLocalDpi xmlns:a14="http://schemas.microsoft.com/office/drawing/2010/main" val="0"/>
+              </a:ext>
+            </a:extLst>
+          </a:blip>
+          <a:stretch>
+            <a:fillRect/>
+          </a:stretch>
+        </p:blipFill>
+        <p:spPr>
+          <a:xfrm>
+            <a:off x="4707015" y="3431397"/>
+            <a:ext cx="814954" cy="814954"/>
+          </a:xfrm>
+          <a:prstGeom prst="rect">
+            <a:avLst/>
+          </a:prstGeom>
+        </p:spPr>
+      </p:pic>
+    </p:spTree>
+    <p:extLst>
+      <p:ext uri="{BB962C8B-B14F-4D97-AF65-F5344CB8AC3E}">
+        <p14:creationId xmlns:p14="http://schemas.microsoft.com/office/powerpoint/2010/main" val="64068103"/>
+      </p:ext>
+    </p:extLst>
+  </p:cSld>
+  <p:clrMapOvr>
+    <a:masterClrMapping/>
+  </p:clrMapOvr>
+  <p:transition/>
+  <p:timing>
+    <p:tnLst>
+      <p:par>
+        <p:cTn id="1" dur="indefinite" restart="never" nodeType="tmRoot"/>
+      </p:par>
+    </p:tnLst>
+  </p:timing>
+</p:sld>
+</file>
+
+<file path=ppt/slides/slide11.xml><?xml version="1.0" encoding="utf-8"?>
+<p:sld xmlns:a="http://schemas.openxmlformats.org/drawingml/2006/main" xmlns:r="http://schemas.openxmlformats.org/officeDocument/2006/relationships" xmlns:p="http://schemas.openxmlformats.org/presentationml/2006/main">
+  <p:cSld>
+    <p:spTree>
+      <p:nvGrpSpPr>
+        <p:cNvPr id="1" name=""/>
+        <p:cNvGrpSpPr/>
+        <p:nvPr/>
+      </p:nvGrpSpPr>
+      <p:grpSpPr>
+        <a:xfrm>
+          <a:off x="0" y="0"/>
+          <a:ext cx="0" cy="0"/>
+          <a:chOff x="0" y="0"/>
+          <a:chExt cx="0" cy="0"/>
+        </a:xfrm>
+      </p:grpSpPr>
+      <p:sp>
+        <p:nvSpPr>
+          <p:cNvPr id="3" name="標題 2"/>
+          <p:cNvSpPr>
+            <a:spLocks noGrp="1"/>
+          </p:cNvSpPr>
+          <p:nvPr>
+            <p:ph type="title"/>
+          </p:nvPr>
+        </p:nvSpPr>
+        <p:spPr>
+          <a:xfrm>
+            <a:off x="116505" y="51470"/>
+            <a:ext cx="7464515" cy="1170130"/>
+          </a:xfrm>
+        </p:spPr>
+        <p:txBody>
+          <a:bodyPr>
+            <a:normAutofit/>
+          </a:bodyPr>
+          <a:lstStyle/>
+          <a:p>
+            <a:r>
+              <a:rPr lang="en-US" altLang="zh-TW" sz="2800" dirty="0">
+                <a:solidFill>
+                  <a:schemeClr val="bg1">
+                    <a:alpha val="90000"/>
+                  </a:schemeClr>
+                </a:solidFill>
+              </a:rPr>
               <a:t>SHAP</a:t>
             </a:r>
-            <a:endParaRPr lang="zh-TW" altLang="en-US" dirty="0"/>
+            <a:endParaRPr lang="zh-TW" altLang="en-US" sz="2800" dirty="0">
+              <a:solidFill>
+                <a:schemeClr val="bg1">
+                  <a:alpha val="90000"/>
+                </a:schemeClr>
+              </a:solidFill>
+            </a:endParaRPr>
           </a:p>
         </p:txBody>
       </p:sp>
@@ -7400,7 +8316,7 @@
 </p:sld>
 </file>
 
-<file path=ppt/slides/slide11.xml><?xml version="1.0" encoding="utf-8"?>
+<file path=ppt/slides/slide12.xml><?xml version="1.0" encoding="utf-8"?>
 <p:sld xmlns:a="http://schemas.openxmlformats.org/drawingml/2006/main" xmlns:r="http://schemas.openxmlformats.org/officeDocument/2006/relationships" xmlns:p="http://schemas.openxmlformats.org/presentationml/2006/main">
   <p:cSld>
     <p:spTree>
@@ -7429,19 +8345,26 @@
         </p:nvSpPr>
         <p:spPr>
           <a:xfrm>
-            <a:off x="527865" y="141480"/>
+            <a:off x="39630" y="24468"/>
             <a:ext cx="7419510" cy="612067"/>
           </a:xfrm>
         </p:spPr>
         <p:txBody>
-          <a:bodyPr/>
+          <a:bodyPr>
+            <a:normAutofit/>
+          </a:bodyPr>
           <a:lstStyle/>
           <a:p>
             <a:r>
-              <a:rPr lang="zh-TW" altLang="en-US" dirty="0" smtClean="0"/>
+              <a:rPr lang="zh-TW" altLang="en-US" sz="2800" dirty="0">
+                <a:solidFill>
+                  <a:schemeClr val="bg1">
+                    <a:alpha val="90000"/>
+                  </a:schemeClr>
+                </a:solidFill>
+              </a:rPr>
               <a:t>進度規劃＆本周進度</a:t>
             </a:r>
-            <a:endParaRPr lang="zh-TW" altLang="en-US" dirty="0"/>
           </a:p>
         </p:txBody>
       </p:sp>
@@ -7557,7 +8480,7 @@
 </p:sld>
 </file>
 
-<file path=ppt/slides/slide12.xml><?xml version="1.0" encoding="utf-8"?>
+<file path=ppt/slides/slide13.xml><?xml version="1.0" encoding="utf-8"?>
 <p:sld xmlns:a="http://schemas.openxmlformats.org/drawingml/2006/main" xmlns:r="http://schemas.openxmlformats.org/officeDocument/2006/relationships" xmlns:p="http://schemas.openxmlformats.org/presentationml/2006/main">
   <p:cSld>
     <p:spTree>
@@ -7591,6 +8514,82 @@
 </file>
 
 <file path=ppt/slides/slide2.xml><?xml version="1.0" encoding="utf-8"?>
+<p:sld xmlns:a="http://schemas.openxmlformats.org/drawingml/2006/main" xmlns:r="http://schemas.openxmlformats.org/officeDocument/2006/relationships" xmlns:p="http://schemas.openxmlformats.org/presentationml/2006/main">
+  <p:cSld>
+    <p:spTree>
+      <p:nvGrpSpPr>
+        <p:cNvPr id="1" name=""/>
+        <p:cNvGrpSpPr/>
+        <p:nvPr/>
+      </p:nvGrpSpPr>
+      <p:grpSpPr>
+        <a:xfrm>
+          <a:off x="0" y="0"/>
+          <a:ext cx="0" cy="0"/>
+          <a:chOff x="0" y="0"/>
+          <a:chExt cx="0" cy="0"/>
+        </a:xfrm>
+      </p:grpSpPr>
+      <p:sp>
+        <p:nvSpPr>
+          <p:cNvPr id="2" name="內容版面配置區 1"/>
+          <p:cNvSpPr>
+            <a:spLocks noGrp="1"/>
+          </p:cNvSpPr>
+          <p:nvPr>
+            <p:ph sz="quarter" idx="22"/>
+          </p:nvPr>
+        </p:nvSpPr>
+        <p:spPr/>
+        <p:txBody>
+          <a:bodyPr/>
+          <a:lstStyle/>
+          <a:p>
+            <a:endParaRPr lang="zh-TW" altLang="en-US"/>
+          </a:p>
+        </p:txBody>
+      </p:sp>
+      <p:sp>
+        <p:nvSpPr>
+          <p:cNvPr id="3" name="文字版面配置區 2"/>
+          <p:cNvSpPr>
+            <a:spLocks noGrp="1"/>
+          </p:cNvSpPr>
+          <p:nvPr>
+            <p:ph type="body" sz="quarter" idx="19"/>
+          </p:nvPr>
+        </p:nvSpPr>
+        <p:spPr/>
+        <p:txBody>
+          <a:bodyPr/>
+          <a:lstStyle/>
+          <a:p>
+            <a:endParaRPr lang="zh-TW" altLang="en-US"/>
+          </a:p>
+        </p:txBody>
+      </p:sp>
+    </p:spTree>
+    <p:extLst>
+      <p:ext uri="{BB962C8B-B14F-4D97-AF65-F5344CB8AC3E}">
+        <p14:creationId xmlns:p14="http://schemas.microsoft.com/office/powerpoint/2010/main" val="3576386547"/>
+      </p:ext>
+    </p:extLst>
+  </p:cSld>
+  <p:clrMapOvr>
+    <a:masterClrMapping/>
+  </p:clrMapOvr>
+  <p:transition/>
+  <p:timing>
+    <p:tnLst>
+      <p:par>
+        <p:cTn id="1" dur="indefinite" restart="never" nodeType="tmRoot"/>
+      </p:par>
+    </p:tnLst>
+  </p:timing>
+</p:sld>
+</file>
+
+<file path=ppt/slides/slide3.xml><?xml version="1.0" encoding="utf-8"?>
 <p:sld xmlns:a="http://schemas.openxmlformats.org/drawingml/2006/main" xmlns:r="http://schemas.openxmlformats.org/officeDocument/2006/relationships" xmlns:p="http://schemas.openxmlformats.org/presentationml/2006/main">
   <p:cSld>
     <p:spTree>
@@ -7689,13 +8688,6 @@
               </a:rPr>
               <a:t>決策支援報表</a:t>
             </a:r>
-            <a:endParaRPr lang="zh-TW" altLang="en-US" sz="2800" dirty="0">
-              <a:solidFill>
-                <a:schemeClr val="bg1">
-                  <a:alpha val="90000"/>
-                </a:schemeClr>
-              </a:solidFill>
-            </a:endParaRPr>
           </a:p>
         </p:txBody>
       </p:sp>
@@ -9361,7 +10353,7 @@
 </p:sld>
 </file>
 
-<file path=ppt/slides/slide3.xml><?xml version="1.0" encoding="utf-8"?>
+<file path=ppt/slides/slide4.xml><?xml version="1.0" encoding="utf-8"?>
 <p:sld xmlns:a="http://schemas.openxmlformats.org/drawingml/2006/main" xmlns:r="http://schemas.openxmlformats.org/officeDocument/2006/relationships" xmlns:p="http://schemas.openxmlformats.org/presentationml/2006/main">
   <p:cSld>
     <p:spTree>
@@ -10045,7 +11037,7 @@
         </p:blipFill>
         <p:spPr bwMode="auto">
           <a:xfrm>
-            <a:off x="5184948" y="3438977"/>
+            <a:off x="5046532" y="3476772"/>
             <a:ext cx="1124605" cy="605557"/>
           </a:xfrm>
           <a:prstGeom prst="rect">
@@ -10168,8 +11160,8 @@
         </p:blipFill>
         <p:spPr>
           <a:xfrm>
-            <a:off x="4069058" y="3323131"/>
-            <a:ext cx="912838" cy="912838"/>
+            <a:off x="4107185" y="3393064"/>
+            <a:ext cx="772972" cy="772972"/>
           </a:xfrm>
           <a:prstGeom prst="rect">
             <a:avLst/>
@@ -10184,7 +11176,7 @@
         </p:nvSpPr>
         <p:spPr>
           <a:xfrm>
-            <a:off x="4204576" y="4132710"/>
+            <a:off x="4185682" y="4027536"/>
             <a:ext cx="720080" cy="276999"/>
           </a:xfrm>
           <a:prstGeom prst="rect">
@@ -10239,7 +11231,7 @@
         </p:blipFill>
         <p:spPr bwMode="auto">
           <a:xfrm>
-            <a:off x="6489066" y="3438977"/>
+            <a:off x="6337512" y="3421063"/>
             <a:ext cx="851458" cy="716974"/>
           </a:xfrm>
           <a:prstGeom prst="rect">
@@ -10265,7 +11257,7 @@
         </p:nvSpPr>
         <p:spPr>
           <a:xfrm>
-            <a:off x="6635264" y="4132709"/>
+            <a:off x="6503395" y="4027536"/>
             <a:ext cx="720080" cy="276999"/>
           </a:xfrm>
           <a:prstGeom prst="rect">
@@ -11394,14 +12386,1974 @@
   <p:timing>
     <p:tnLst>
       <p:par>
-        <p:cTn id="1" dur="indefinite" restart="never" nodeType="tmRoot"/>
+        <p:cTn id="1" dur="indefinite" restart="never" nodeType="tmRoot">
+          <p:childTnLst>
+            <p:seq concurrent="1" nextAc="seek">
+              <p:cTn id="2" dur="indefinite" nodeType="mainSeq">
+                <p:childTnLst>
+                  <p:par>
+                    <p:cTn id="3" fill="hold">
+                      <p:stCondLst>
+                        <p:cond delay="indefinite"/>
+                      </p:stCondLst>
+                      <p:childTnLst>
+                        <p:par>
+                          <p:cTn id="4" fill="hold">
+                            <p:stCondLst>
+                              <p:cond delay="0"/>
+                            </p:stCondLst>
+                            <p:childTnLst>
+                              <p:par>
+                                <p:cTn id="5" presetID="42" presetClass="entr" presetSubtype="0" fill="hold" grpId="0" nodeType="clickEffect">
+                                  <p:stCondLst>
+                                    <p:cond delay="0"/>
+                                  </p:stCondLst>
+                                  <p:childTnLst>
+                                    <p:set>
+                                      <p:cBhvr>
+                                        <p:cTn id="6" dur="1" fill="hold">
+                                          <p:stCondLst>
+                                            <p:cond delay="0"/>
+                                          </p:stCondLst>
+                                        </p:cTn>
+                                        <p:tgtEl>
+                                          <p:spTgt spid="2"/>
+                                        </p:tgtEl>
+                                        <p:attrNameLst>
+                                          <p:attrName>style.visibility</p:attrName>
+                                        </p:attrNameLst>
+                                      </p:cBhvr>
+                                      <p:to>
+                                        <p:strVal val="visible"/>
+                                      </p:to>
+                                    </p:set>
+                                    <p:animEffect transition="in" filter="fade">
+                                      <p:cBhvr>
+                                        <p:cTn id="7" dur="1000"/>
+                                        <p:tgtEl>
+                                          <p:spTgt spid="2"/>
+                                        </p:tgtEl>
+                                      </p:cBhvr>
+                                    </p:animEffect>
+                                    <p:anim calcmode="lin" valueType="num">
+                                      <p:cBhvr>
+                                        <p:cTn id="8" dur="1000" fill="hold"/>
+                                        <p:tgtEl>
+                                          <p:spTgt spid="2"/>
+                                        </p:tgtEl>
+                                        <p:attrNameLst>
+                                          <p:attrName>ppt_x</p:attrName>
+                                        </p:attrNameLst>
+                                      </p:cBhvr>
+                                      <p:tavLst>
+                                        <p:tav tm="0">
+                                          <p:val>
+                                            <p:strVal val="#ppt_x"/>
+                                          </p:val>
+                                        </p:tav>
+                                        <p:tav tm="100000">
+                                          <p:val>
+                                            <p:strVal val="#ppt_x"/>
+                                          </p:val>
+                                        </p:tav>
+                                      </p:tavLst>
+                                    </p:anim>
+                                    <p:anim calcmode="lin" valueType="num">
+                                      <p:cBhvr>
+                                        <p:cTn id="9" dur="1000" fill="hold"/>
+                                        <p:tgtEl>
+                                          <p:spTgt spid="2"/>
+                                        </p:tgtEl>
+                                        <p:attrNameLst>
+                                          <p:attrName>ppt_y</p:attrName>
+                                        </p:attrNameLst>
+                                      </p:cBhvr>
+                                      <p:tavLst>
+                                        <p:tav tm="0">
+                                          <p:val>
+                                            <p:strVal val="#ppt_y+.1"/>
+                                          </p:val>
+                                        </p:tav>
+                                        <p:tav tm="100000">
+                                          <p:val>
+                                            <p:strVal val="#ppt_y"/>
+                                          </p:val>
+                                        </p:tav>
+                                      </p:tavLst>
+                                    </p:anim>
+                                  </p:childTnLst>
+                                </p:cTn>
+                              </p:par>
+                              <p:par>
+                                <p:cTn id="10" presetID="42" presetClass="entr" presetSubtype="0" fill="hold" grpId="0" nodeType="withEffect">
+                                  <p:stCondLst>
+                                    <p:cond delay="0"/>
+                                  </p:stCondLst>
+                                  <p:childTnLst>
+                                    <p:set>
+                                      <p:cBhvr>
+                                        <p:cTn id="11" dur="1" fill="hold">
+                                          <p:stCondLst>
+                                            <p:cond delay="0"/>
+                                          </p:stCondLst>
+                                        </p:cTn>
+                                        <p:tgtEl>
+                                          <p:spTgt spid="22"/>
+                                        </p:tgtEl>
+                                        <p:attrNameLst>
+                                          <p:attrName>style.visibility</p:attrName>
+                                        </p:attrNameLst>
+                                      </p:cBhvr>
+                                      <p:to>
+                                        <p:strVal val="visible"/>
+                                      </p:to>
+                                    </p:set>
+                                    <p:animEffect transition="in" filter="fade">
+                                      <p:cBhvr>
+                                        <p:cTn id="12" dur="1000"/>
+                                        <p:tgtEl>
+                                          <p:spTgt spid="22"/>
+                                        </p:tgtEl>
+                                      </p:cBhvr>
+                                    </p:animEffect>
+                                    <p:anim calcmode="lin" valueType="num">
+                                      <p:cBhvr>
+                                        <p:cTn id="13" dur="1000" fill="hold"/>
+                                        <p:tgtEl>
+                                          <p:spTgt spid="22"/>
+                                        </p:tgtEl>
+                                        <p:attrNameLst>
+                                          <p:attrName>ppt_x</p:attrName>
+                                        </p:attrNameLst>
+                                      </p:cBhvr>
+                                      <p:tavLst>
+                                        <p:tav tm="0">
+                                          <p:val>
+                                            <p:strVal val="#ppt_x"/>
+                                          </p:val>
+                                        </p:tav>
+                                        <p:tav tm="100000">
+                                          <p:val>
+                                            <p:strVal val="#ppt_x"/>
+                                          </p:val>
+                                        </p:tav>
+                                      </p:tavLst>
+                                    </p:anim>
+                                    <p:anim calcmode="lin" valueType="num">
+                                      <p:cBhvr>
+                                        <p:cTn id="14" dur="1000" fill="hold"/>
+                                        <p:tgtEl>
+                                          <p:spTgt spid="22"/>
+                                        </p:tgtEl>
+                                        <p:attrNameLst>
+                                          <p:attrName>ppt_y</p:attrName>
+                                        </p:attrNameLst>
+                                      </p:cBhvr>
+                                      <p:tavLst>
+                                        <p:tav tm="0">
+                                          <p:val>
+                                            <p:strVal val="#ppt_y+.1"/>
+                                          </p:val>
+                                        </p:tav>
+                                        <p:tav tm="100000">
+                                          <p:val>
+                                            <p:strVal val="#ppt_y"/>
+                                          </p:val>
+                                        </p:tav>
+                                      </p:tavLst>
+                                    </p:anim>
+                                  </p:childTnLst>
+                                </p:cTn>
+                              </p:par>
+                              <p:par>
+                                <p:cTn id="15" presetID="42" presetClass="entr" presetSubtype="0" fill="hold" grpId="0" nodeType="withEffect">
+                                  <p:stCondLst>
+                                    <p:cond delay="0"/>
+                                  </p:stCondLst>
+                                  <p:childTnLst>
+                                    <p:set>
+                                      <p:cBhvr>
+                                        <p:cTn id="16" dur="1" fill="hold">
+                                          <p:stCondLst>
+                                            <p:cond delay="0"/>
+                                          </p:stCondLst>
+                                        </p:cTn>
+                                        <p:tgtEl>
+                                          <p:spTgt spid="26"/>
+                                        </p:tgtEl>
+                                        <p:attrNameLst>
+                                          <p:attrName>style.visibility</p:attrName>
+                                        </p:attrNameLst>
+                                      </p:cBhvr>
+                                      <p:to>
+                                        <p:strVal val="visible"/>
+                                      </p:to>
+                                    </p:set>
+                                    <p:animEffect transition="in" filter="fade">
+                                      <p:cBhvr>
+                                        <p:cTn id="17" dur="1000"/>
+                                        <p:tgtEl>
+                                          <p:spTgt spid="26"/>
+                                        </p:tgtEl>
+                                      </p:cBhvr>
+                                    </p:animEffect>
+                                    <p:anim calcmode="lin" valueType="num">
+                                      <p:cBhvr>
+                                        <p:cTn id="18" dur="1000" fill="hold"/>
+                                        <p:tgtEl>
+                                          <p:spTgt spid="26"/>
+                                        </p:tgtEl>
+                                        <p:attrNameLst>
+                                          <p:attrName>ppt_x</p:attrName>
+                                        </p:attrNameLst>
+                                      </p:cBhvr>
+                                      <p:tavLst>
+                                        <p:tav tm="0">
+                                          <p:val>
+                                            <p:strVal val="#ppt_x"/>
+                                          </p:val>
+                                        </p:tav>
+                                        <p:tav tm="100000">
+                                          <p:val>
+                                            <p:strVal val="#ppt_x"/>
+                                          </p:val>
+                                        </p:tav>
+                                      </p:tavLst>
+                                    </p:anim>
+                                    <p:anim calcmode="lin" valueType="num">
+                                      <p:cBhvr>
+                                        <p:cTn id="19" dur="1000" fill="hold"/>
+                                        <p:tgtEl>
+                                          <p:spTgt spid="26"/>
+                                        </p:tgtEl>
+                                        <p:attrNameLst>
+                                          <p:attrName>ppt_y</p:attrName>
+                                        </p:attrNameLst>
+                                      </p:cBhvr>
+                                      <p:tavLst>
+                                        <p:tav tm="0">
+                                          <p:val>
+                                            <p:strVal val="#ppt_y+.1"/>
+                                          </p:val>
+                                        </p:tav>
+                                        <p:tav tm="100000">
+                                          <p:val>
+                                            <p:strVal val="#ppt_y"/>
+                                          </p:val>
+                                        </p:tav>
+                                      </p:tavLst>
+                                    </p:anim>
+                                  </p:childTnLst>
+                                </p:cTn>
+                              </p:par>
+                              <p:par>
+                                <p:cTn id="20" presetID="42" presetClass="entr" presetSubtype="0" fill="hold" grpId="0" nodeType="withEffect">
+                                  <p:stCondLst>
+                                    <p:cond delay="0"/>
+                                  </p:stCondLst>
+                                  <p:childTnLst>
+                                    <p:set>
+                                      <p:cBhvr>
+                                        <p:cTn id="21" dur="1" fill="hold">
+                                          <p:stCondLst>
+                                            <p:cond delay="0"/>
+                                          </p:stCondLst>
+                                        </p:cTn>
+                                        <p:tgtEl>
+                                          <p:spTgt spid="30"/>
+                                        </p:tgtEl>
+                                        <p:attrNameLst>
+                                          <p:attrName>style.visibility</p:attrName>
+                                        </p:attrNameLst>
+                                      </p:cBhvr>
+                                      <p:to>
+                                        <p:strVal val="visible"/>
+                                      </p:to>
+                                    </p:set>
+                                    <p:animEffect transition="in" filter="fade">
+                                      <p:cBhvr>
+                                        <p:cTn id="22" dur="1000"/>
+                                        <p:tgtEl>
+                                          <p:spTgt spid="30"/>
+                                        </p:tgtEl>
+                                      </p:cBhvr>
+                                    </p:animEffect>
+                                    <p:anim calcmode="lin" valueType="num">
+                                      <p:cBhvr>
+                                        <p:cTn id="23" dur="1000" fill="hold"/>
+                                        <p:tgtEl>
+                                          <p:spTgt spid="30"/>
+                                        </p:tgtEl>
+                                        <p:attrNameLst>
+                                          <p:attrName>ppt_x</p:attrName>
+                                        </p:attrNameLst>
+                                      </p:cBhvr>
+                                      <p:tavLst>
+                                        <p:tav tm="0">
+                                          <p:val>
+                                            <p:strVal val="#ppt_x"/>
+                                          </p:val>
+                                        </p:tav>
+                                        <p:tav tm="100000">
+                                          <p:val>
+                                            <p:strVal val="#ppt_x"/>
+                                          </p:val>
+                                        </p:tav>
+                                      </p:tavLst>
+                                    </p:anim>
+                                    <p:anim calcmode="lin" valueType="num">
+                                      <p:cBhvr>
+                                        <p:cTn id="24" dur="1000" fill="hold"/>
+                                        <p:tgtEl>
+                                          <p:spTgt spid="30"/>
+                                        </p:tgtEl>
+                                        <p:attrNameLst>
+                                          <p:attrName>ppt_y</p:attrName>
+                                        </p:attrNameLst>
+                                      </p:cBhvr>
+                                      <p:tavLst>
+                                        <p:tav tm="0">
+                                          <p:val>
+                                            <p:strVal val="#ppt_y+.1"/>
+                                          </p:val>
+                                        </p:tav>
+                                        <p:tav tm="100000">
+                                          <p:val>
+                                            <p:strVal val="#ppt_y"/>
+                                          </p:val>
+                                        </p:tav>
+                                      </p:tavLst>
+                                    </p:anim>
+                                  </p:childTnLst>
+                                </p:cTn>
+                              </p:par>
+                              <p:par>
+                                <p:cTn id="25" presetID="42" presetClass="entr" presetSubtype="0" fill="hold" grpId="0" nodeType="withEffect">
+                                  <p:stCondLst>
+                                    <p:cond delay="0"/>
+                                  </p:stCondLst>
+                                  <p:childTnLst>
+                                    <p:set>
+                                      <p:cBhvr>
+                                        <p:cTn id="26" dur="1" fill="hold">
+                                          <p:stCondLst>
+                                            <p:cond delay="0"/>
+                                          </p:stCondLst>
+                                        </p:cTn>
+                                        <p:tgtEl>
+                                          <p:spTgt spid="31"/>
+                                        </p:tgtEl>
+                                        <p:attrNameLst>
+                                          <p:attrName>style.visibility</p:attrName>
+                                        </p:attrNameLst>
+                                      </p:cBhvr>
+                                      <p:to>
+                                        <p:strVal val="visible"/>
+                                      </p:to>
+                                    </p:set>
+                                    <p:animEffect transition="in" filter="fade">
+                                      <p:cBhvr>
+                                        <p:cTn id="27" dur="1000"/>
+                                        <p:tgtEl>
+                                          <p:spTgt spid="31"/>
+                                        </p:tgtEl>
+                                      </p:cBhvr>
+                                    </p:animEffect>
+                                    <p:anim calcmode="lin" valueType="num">
+                                      <p:cBhvr>
+                                        <p:cTn id="28" dur="1000" fill="hold"/>
+                                        <p:tgtEl>
+                                          <p:spTgt spid="31"/>
+                                        </p:tgtEl>
+                                        <p:attrNameLst>
+                                          <p:attrName>ppt_x</p:attrName>
+                                        </p:attrNameLst>
+                                      </p:cBhvr>
+                                      <p:tavLst>
+                                        <p:tav tm="0">
+                                          <p:val>
+                                            <p:strVal val="#ppt_x"/>
+                                          </p:val>
+                                        </p:tav>
+                                        <p:tav tm="100000">
+                                          <p:val>
+                                            <p:strVal val="#ppt_x"/>
+                                          </p:val>
+                                        </p:tav>
+                                      </p:tavLst>
+                                    </p:anim>
+                                    <p:anim calcmode="lin" valueType="num">
+                                      <p:cBhvr>
+                                        <p:cTn id="29" dur="1000" fill="hold"/>
+                                        <p:tgtEl>
+                                          <p:spTgt spid="31"/>
+                                        </p:tgtEl>
+                                        <p:attrNameLst>
+                                          <p:attrName>ppt_y</p:attrName>
+                                        </p:attrNameLst>
+                                      </p:cBhvr>
+                                      <p:tavLst>
+                                        <p:tav tm="0">
+                                          <p:val>
+                                            <p:strVal val="#ppt_y+.1"/>
+                                          </p:val>
+                                        </p:tav>
+                                        <p:tav tm="100000">
+                                          <p:val>
+                                            <p:strVal val="#ppt_y"/>
+                                          </p:val>
+                                        </p:tav>
+                                      </p:tavLst>
+                                    </p:anim>
+                                  </p:childTnLst>
+                                </p:cTn>
+                              </p:par>
+                              <p:par>
+                                <p:cTn id="30" presetID="42" presetClass="entr" presetSubtype="0" fill="hold" grpId="0" nodeType="withEffect">
+                                  <p:stCondLst>
+                                    <p:cond delay="0"/>
+                                  </p:stCondLst>
+                                  <p:childTnLst>
+                                    <p:set>
+                                      <p:cBhvr>
+                                        <p:cTn id="31" dur="1" fill="hold">
+                                          <p:stCondLst>
+                                            <p:cond delay="0"/>
+                                          </p:stCondLst>
+                                        </p:cTn>
+                                        <p:tgtEl>
+                                          <p:spTgt spid="32"/>
+                                        </p:tgtEl>
+                                        <p:attrNameLst>
+                                          <p:attrName>style.visibility</p:attrName>
+                                        </p:attrNameLst>
+                                      </p:cBhvr>
+                                      <p:to>
+                                        <p:strVal val="visible"/>
+                                      </p:to>
+                                    </p:set>
+                                    <p:animEffect transition="in" filter="fade">
+                                      <p:cBhvr>
+                                        <p:cTn id="32" dur="1000"/>
+                                        <p:tgtEl>
+                                          <p:spTgt spid="32"/>
+                                        </p:tgtEl>
+                                      </p:cBhvr>
+                                    </p:animEffect>
+                                    <p:anim calcmode="lin" valueType="num">
+                                      <p:cBhvr>
+                                        <p:cTn id="33" dur="1000" fill="hold"/>
+                                        <p:tgtEl>
+                                          <p:spTgt spid="32"/>
+                                        </p:tgtEl>
+                                        <p:attrNameLst>
+                                          <p:attrName>ppt_x</p:attrName>
+                                        </p:attrNameLst>
+                                      </p:cBhvr>
+                                      <p:tavLst>
+                                        <p:tav tm="0">
+                                          <p:val>
+                                            <p:strVal val="#ppt_x"/>
+                                          </p:val>
+                                        </p:tav>
+                                        <p:tav tm="100000">
+                                          <p:val>
+                                            <p:strVal val="#ppt_x"/>
+                                          </p:val>
+                                        </p:tav>
+                                      </p:tavLst>
+                                    </p:anim>
+                                    <p:anim calcmode="lin" valueType="num">
+                                      <p:cBhvr>
+                                        <p:cTn id="34" dur="1000" fill="hold"/>
+                                        <p:tgtEl>
+                                          <p:spTgt spid="32"/>
+                                        </p:tgtEl>
+                                        <p:attrNameLst>
+                                          <p:attrName>ppt_y</p:attrName>
+                                        </p:attrNameLst>
+                                      </p:cBhvr>
+                                      <p:tavLst>
+                                        <p:tav tm="0">
+                                          <p:val>
+                                            <p:strVal val="#ppt_y+.1"/>
+                                          </p:val>
+                                        </p:tav>
+                                        <p:tav tm="100000">
+                                          <p:val>
+                                            <p:strVal val="#ppt_y"/>
+                                          </p:val>
+                                        </p:tav>
+                                      </p:tavLst>
+                                    </p:anim>
+                                  </p:childTnLst>
+                                </p:cTn>
+                              </p:par>
+                              <p:par>
+                                <p:cTn id="35" presetID="42" presetClass="entr" presetSubtype="0" fill="hold" grpId="0" nodeType="withEffect">
+                                  <p:stCondLst>
+                                    <p:cond delay="0"/>
+                                  </p:stCondLst>
+                                  <p:childTnLst>
+                                    <p:set>
+                                      <p:cBhvr>
+                                        <p:cTn id="36" dur="1" fill="hold">
+                                          <p:stCondLst>
+                                            <p:cond delay="0"/>
+                                          </p:stCondLst>
+                                        </p:cTn>
+                                        <p:tgtEl>
+                                          <p:spTgt spid="33"/>
+                                        </p:tgtEl>
+                                        <p:attrNameLst>
+                                          <p:attrName>style.visibility</p:attrName>
+                                        </p:attrNameLst>
+                                      </p:cBhvr>
+                                      <p:to>
+                                        <p:strVal val="visible"/>
+                                      </p:to>
+                                    </p:set>
+                                    <p:animEffect transition="in" filter="fade">
+                                      <p:cBhvr>
+                                        <p:cTn id="37" dur="1000"/>
+                                        <p:tgtEl>
+                                          <p:spTgt spid="33"/>
+                                        </p:tgtEl>
+                                      </p:cBhvr>
+                                    </p:animEffect>
+                                    <p:anim calcmode="lin" valueType="num">
+                                      <p:cBhvr>
+                                        <p:cTn id="38" dur="1000" fill="hold"/>
+                                        <p:tgtEl>
+                                          <p:spTgt spid="33"/>
+                                        </p:tgtEl>
+                                        <p:attrNameLst>
+                                          <p:attrName>ppt_x</p:attrName>
+                                        </p:attrNameLst>
+                                      </p:cBhvr>
+                                      <p:tavLst>
+                                        <p:tav tm="0">
+                                          <p:val>
+                                            <p:strVal val="#ppt_x"/>
+                                          </p:val>
+                                        </p:tav>
+                                        <p:tav tm="100000">
+                                          <p:val>
+                                            <p:strVal val="#ppt_x"/>
+                                          </p:val>
+                                        </p:tav>
+                                      </p:tavLst>
+                                    </p:anim>
+                                    <p:anim calcmode="lin" valueType="num">
+                                      <p:cBhvr>
+                                        <p:cTn id="39" dur="1000" fill="hold"/>
+                                        <p:tgtEl>
+                                          <p:spTgt spid="33"/>
+                                        </p:tgtEl>
+                                        <p:attrNameLst>
+                                          <p:attrName>ppt_y</p:attrName>
+                                        </p:attrNameLst>
+                                      </p:cBhvr>
+                                      <p:tavLst>
+                                        <p:tav tm="0">
+                                          <p:val>
+                                            <p:strVal val="#ppt_y+.1"/>
+                                          </p:val>
+                                        </p:tav>
+                                        <p:tav tm="100000">
+                                          <p:val>
+                                            <p:strVal val="#ppt_y"/>
+                                          </p:val>
+                                        </p:tav>
+                                      </p:tavLst>
+                                    </p:anim>
+                                  </p:childTnLst>
+                                </p:cTn>
+                              </p:par>
+                              <p:par>
+                                <p:cTn id="40" presetID="42" presetClass="entr" presetSubtype="0" fill="hold" nodeType="withEffect">
+                                  <p:stCondLst>
+                                    <p:cond delay="0"/>
+                                  </p:stCondLst>
+                                  <p:childTnLst>
+                                    <p:set>
+                                      <p:cBhvr>
+                                        <p:cTn id="41" dur="1" fill="hold">
+                                          <p:stCondLst>
+                                            <p:cond delay="0"/>
+                                          </p:stCondLst>
+                                        </p:cTn>
+                                        <p:tgtEl>
+                                          <p:spTgt spid="8"/>
+                                        </p:tgtEl>
+                                        <p:attrNameLst>
+                                          <p:attrName>style.visibility</p:attrName>
+                                        </p:attrNameLst>
+                                      </p:cBhvr>
+                                      <p:to>
+                                        <p:strVal val="visible"/>
+                                      </p:to>
+                                    </p:set>
+                                    <p:animEffect transition="in" filter="fade">
+                                      <p:cBhvr>
+                                        <p:cTn id="42" dur="1000"/>
+                                        <p:tgtEl>
+                                          <p:spTgt spid="8"/>
+                                        </p:tgtEl>
+                                      </p:cBhvr>
+                                    </p:animEffect>
+                                    <p:anim calcmode="lin" valueType="num">
+                                      <p:cBhvr>
+                                        <p:cTn id="43" dur="1000" fill="hold"/>
+                                        <p:tgtEl>
+                                          <p:spTgt spid="8"/>
+                                        </p:tgtEl>
+                                        <p:attrNameLst>
+                                          <p:attrName>ppt_x</p:attrName>
+                                        </p:attrNameLst>
+                                      </p:cBhvr>
+                                      <p:tavLst>
+                                        <p:tav tm="0">
+                                          <p:val>
+                                            <p:strVal val="#ppt_x"/>
+                                          </p:val>
+                                        </p:tav>
+                                        <p:tav tm="100000">
+                                          <p:val>
+                                            <p:strVal val="#ppt_x"/>
+                                          </p:val>
+                                        </p:tav>
+                                      </p:tavLst>
+                                    </p:anim>
+                                    <p:anim calcmode="lin" valueType="num">
+                                      <p:cBhvr>
+                                        <p:cTn id="44" dur="1000" fill="hold"/>
+                                        <p:tgtEl>
+                                          <p:spTgt spid="8"/>
+                                        </p:tgtEl>
+                                        <p:attrNameLst>
+                                          <p:attrName>ppt_y</p:attrName>
+                                        </p:attrNameLst>
+                                      </p:cBhvr>
+                                      <p:tavLst>
+                                        <p:tav tm="0">
+                                          <p:val>
+                                            <p:strVal val="#ppt_y+.1"/>
+                                          </p:val>
+                                        </p:tav>
+                                        <p:tav tm="100000">
+                                          <p:val>
+                                            <p:strVal val="#ppt_y"/>
+                                          </p:val>
+                                        </p:tav>
+                                      </p:tavLst>
+                                    </p:anim>
+                                  </p:childTnLst>
+                                </p:cTn>
+                              </p:par>
+                              <p:par>
+                                <p:cTn id="45" presetID="42" presetClass="entr" presetSubtype="0" fill="hold" grpId="0" nodeType="withEffect">
+                                  <p:stCondLst>
+                                    <p:cond delay="0"/>
+                                  </p:stCondLst>
+                                  <p:childTnLst>
+                                    <p:set>
+                                      <p:cBhvr>
+                                        <p:cTn id="46" dur="1" fill="hold">
+                                          <p:stCondLst>
+                                            <p:cond delay="0"/>
+                                          </p:stCondLst>
+                                        </p:cTn>
+                                        <p:tgtEl>
+                                          <p:spTgt spid="12"/>
+                                        </p:tgtEl>
+                                        <p:attrNameLst>
+                                          <p:attrName>style.visibility</p:attrName>
+                                        </p:attrNameLst>
+                                      </p:cBhvr>
+                                      <p:to>
+                                        <p:strVal val="visible"/>
+                                      </p:to>
+                                    </p:set>
+                                    <p:animEffect transition="in" filter="fade">
+                                      <p:cBhvr>
+                                        <p:cTn id="47" dur="1000"/>
+                                        <p:tgtEl>
+                                          <p:spTgt spid="12"/>
+                                        </p:tgtEl>
+                                      </p:cBhvr>
+                                    </p:animEffect>
+                                    <p:anim calcmode="lin" valueType="num">
+                                      <p:cBhvr>
+                                        <p:cTn id="48" dur="1000" fill="hold"/>
+                                        <p:tgtEl>
+                                          <p:spTgt spid="12"/>
+                                        </p:tgtEl>
+                                        <p:attrNameLst>
+                                          <p:attrName>ppt_x</p:attrName>
+                                        </p:attrNameLst>
+                                      </p:cBhvr>
+                                      <p:tavLst>
+                                        <p:tav tm="0">
+                                          <p:val>
+                                            <p:strVal val="#ppt_x"/>
+                                          </p:val>
+                                        </p:tav>
+                                        <p:tav tm="100000">
+                                          <p:val>
+                                            <p:strVal val="#ppt_x"/>
+                                          </p:val>
+                                        </p:tav>
+                                      </p:tavLst>
+                                    </p:anim>
+                                    <p:anim calcmode="lin" valueType="num">
+                                      <p:cBhvr>
+                                        <p:cTn id="49" dur="1000" fill="hold"/>
+                                        <p:tgtEl>
+                                          <p:spTgt spid="12"/>
+                                        </p:tgtEl>
+                                        <p:attrNameLst>
+                                          <p:attrName>ppt_y</p:attrName>
+                                        </p:attrNameLst>
+                                      </p:cBhvr>
+                                      <p:tavLst>
+                                        <p:tav tm="0">
+                                          <p:val>
+                                            <p:strVal val="#ppt_y+.1"/>
+                                          </p:val>
+                                        </p:tav>
+                                        <p:tav tm="100000">
+                                          <p:val>
+                                            <p:strVal val="#ppt_y"/>
+                                          </p:val>
+                                        </p:tav>
+                                      </p:tavLst>
+                                    </p:anim>
+                                  </p:childTnLst>
+                                </p:cTn>
+                              </p:par>
+                              <p:par>
+                                <p:cTn id="50" presetID="42" presetClass="entr" presetSubtype="0" fill="hold" grpId="0" nodeType="withEffect">
+                                  <p:stCondLst>
+                                    <p:cond delay="0"/>
+                                  </p:stCondLst>
+                                  <p:childTnLst>
+                                    <p:set>
+                                      <p:cBhvr>
+                                        <p:cTn id="51" dur="1" fill="hold">
+                                          <p:stCondLst>
+                                            <p:cond delay="0"/>
+                                          </p:stCondLst>
+                                        </p:cTn>
+                                        <p:tgtEl>
+                                          <p:spTgt spid="34"/>
+                                        </p:tgtEl>
+                                        <p:attrNameLst>
+                                          <p:attrName>style.visibility</p:attrName>
+                                        </p:attrNameLst>
+                                      </p:cBhvr>
+                                      <p:to>
+                                        <p:strVal val="visible"/>
+                                      </p:to>
+                                    </p:set>
+                                    <p:animEffect transition="in" filter="fade">
+                                      <p:cBhvr>
+                                        <p:cTn id="52" dur="1000"/>
+                                        <p:tgtEl>
+                                          <p:spTgt spid="34"/>
+                                        </p:tgtEl>
+                                      </p:cBhvr>
+                                    </p:animEffect>
+                                    <p:anim calcmode="lin" valueType="num">
+                                      <p:cBhvr>
+                                        <p:cTn id="53" dur="1000" fill="hold"/>
+                                        <p:tgtEl>
+                                          <p:spTgt spid="34"/>
+                                        </p:tgtEl>
+                                        <p:attrNameLst>
+                                          <p:attrName>ppt_x</p:attrName>
+                                        </p:attrNameLst>
+                                      </p:cBhvr>
+                                      <p:tavLst>
+                                        <p:tav tm="0">
+                                          <p:val>
+                                            <p:strVal val="#ppt_x"/>
+                                          </p:val>
+                                        </p:tav>
+                                        <p:tav tm="100000">
+                                          <p:val>
+                                            <p:strVal val="#ppt_x"/>
+                                          </p:val>
+                                        </p:tav>
+                                      </p:tavLst>
+                                    </p:anim>
+                                    <p:anim calcmode="lin" valueType="num">
+                                      <p:cBhvr>
+                                        <p:cTn id="54" dur="1000" fill="hold"/>
+                                        <p:tgtEl>
+                                          <p:spTgt spid="34"/>
+                                        </p:tgtEl>
+                                        <p:attrNameLst>
+                                          <p:attrName>ppt_y</p:attrName>
+                                        </p:attrNameLst>
+                                      </p:cBhvr>
+                                      <p:tavLst>
+                                        <p:tav tm="0">
+                                          <p:val>
+                                            <p:strVal val="#ppt_y+.1"/>
+                                          </p:val>
+                                        </p:tav>
+                                        <p:tav tm="100000">
+                                          <p:val>
+                                            <p:strVal val="#ppt_y"/>
+                                          </p:val>
+                                        </p:tav>
+                                      </p:tavLst>
+                                    </p:anim>
+                                  </p:childTnLst>
+                                </p:cTn>
+                              </p:par>
+                              <p:par>
+                                <p:cTn id="55" presetID="42" presetClass="entr" presetSubtype="0" fill="hold" nodeType="withEffect">
+                                  <p:stCondLst>
+                                    <p:cond delay="0"/>
+                                  </p:stCondLst>
+                                  <p:childTnLst>
+                                    <p:set>
+                                      <p:cBhvr>
+                                        <p:cTn id="56" dur="1" fill="hold">
+                                          <p:stCondLst>
+                                            <p:cond delay="0"/>
+                                          </p:stCondLst>
+                                        </p:cTn>
+                                        <p:tgtEl>
+                                          <p:spTgt spid="35"/>
+                                        </p:tgtEl>
+                                        <p:attrNameLst>
+                                          <p:attrName>style.visibility</p:attrName>
+                                        </p:attrNameLst>
+                                      </p:cBhvr>
+                                      <p:to>
+                                        <p:strVal val="visible"/>
+                                      </p:to>
+                                    </p:set>
+                                    <p:animEffect transition="in" filter="fade">
+                                      <p:cBhvr>
+                                        <p:cTn id="57" dur="1000"/>
+                                        <p:tgtEl>
+                                          <p:spTgt spid="35"/>
+                                        </p:tgtEl>
+                                      </p:cBhvr>
+                                    </p:animEffect>
+                                    <p:anim calcmode="lin" valueType="num">
+                                      <p:cBhvr>
+                                        <p:cTn id="58" dur="1000" fill="hold"/>
+                                        <p:tgtEl>
+                                          <p:spTgt spid="35"/>
+                                        </p:tgtEl>
+                                        <p:attrNameLst>
+                                          <p:attrName>ppt_x</p:attrName>
+                                        </p:attrNameLst>
+                                      </p:cBhvr>
+                                      <p:tavLst>
+                                        <p:tav tm="0">
+                                          <p:val>
+                                            <p:strVal val="#ppt_x"/>
+                                          </p:val>
+                                        </p:tav>
+                                        <p:tav tm="100000">
+                                          <p:val>
+                                            <p:strVal val="#ppt_x"/>
+                                          </p:val>
+                                        </p:tav>
+                                      </p:tavLst>
+                                    </p:anim>
+                                    <p:anim calcmode="lin" valueType="num">
+                                      <p:cBhvr>
+                                        <p:cTn id="59" dur="1000" fill="hold"/>
+                                        <p:tgtEl>
+                                          <p:spTgt spid="35"/>
+                                        </p:tgtEl>
+                                        <p:attrNameLst>
+                                          <p:attrName>ppt_y</p:attrName>
+                                        </p:attrNameLst>
+                                      </p:cBhvr>
+                                      <p:tavLst>
+                                        <p:tav tm="0">
+                                          <p:val>
+                                            <p:strVal val="#ppt_y+.1"/>
+                                          </p:val>
+                                        </p:tav>
+                                        <p:tav tm="100000">
+                                          <p:val>
+                                            <p:strVal val="#ppt_y"/>
+                                          </p:val>
+                                        </p:tav>
+                                      </p:tavLst>
+                                    </p:anim>
+                                  </p:childTnLst>
+                                </p:cTn>
+                              </p:par>
+                              <p:par>
+                                <p:cTn id="60" presetID="42" presetClass="entr" presetSubtype="0" fill="hold" grpId="0" nodeType="withEffect">
+                                  <p:stCondLst>
+                                    <p:cond delay="0"/>
+                                  </p:stCondLst>
+                                  <p:childTnLst>
+                                    <p:set>
+                                      <p:cBhvr>
+                                        <p:cTn id="61" dur="1" fill="hold">
+                                          <p:stCondLst>
+                                            <p:cond delay="0"/>
+                                          </p:stCondLst>
+                                        </p:cTn>
+                                        <p:tgtEl>
+                                          <p:spTgt spid="36"/>
+                                        </p:tgtEl>
+                                        <p:attrNameLst>
+                                          <p:attrName>style.visibility</p:attrName>
+                                        </p:attrNameLst>
+                                      </p:cBhvr>
+                                      <p:to>
+                                        <p:strVal val="visible"/>
+                                      </p:to>
+                                    </p:set>
+                                    <p:animEffect transition="in" filter="fade">
+                                      <p:cBhvr>
+                                        <p:cTn id="62" dur="1000"/>
+                                        <p:tgtEl>
+                                          <p:spTgt spid="36"/>
+                                        </p:tgtEl>
+                                      </p:cBhvr>
+                                    </p:animEffect>
+                                    <p:anim calcmode="lin" valueType="num">
+                                      <p:cBhvr>
+                                        <p:cTn id="63" dur="1000" fill="hold"/>
+                                        <p:tgtEl>
+                                          <p:spTgt spid="36"/>
+                                        </p:tgtEl>
+                                        <p:attrNameLst>
+                                          <p:attrName>ppt_x</p:attrName>
+                                        </p:attrNameLst>
+                                      </p:cBhvr>
+                                      <p:tavLst>
+                                        <p:tav tm="0">
+                                          <p:val>
+                                            <p:strVal val="#ppt_x"/>
+                                          </p:val>
+                                        </p:tav>
+                                        <p:tav tm="100000">
+                                          <p:val>
+                                            <p:strVal val="#ppt_x"/>
+                                          </p:val>
+                                        </p:tav>
+                                      </p:tavLst>
+                                    </p:anim>
+                                    <p:anim calcmode="lin" valueType="num">
+                                      <p:cBhvr>
+                                        <p:cTn id="64" dur="1000" fill="hold"/>
+                                        <p:tgtEl>
+                                          <p:spTgt spid="36"/>
+                                        </p:tgtEl>
+                                        <p:attrNameLst>
+                                          <p:attrName>ppt_y</p:attrName>
+                                        </p:attrNameLst>
+                                      </p:cBhvr>
+                                      <p:tavLst>
+                                        <p:tav tm="0">
+                                          <p:val>
+                                            <p:strVal val="#ppt_y+.1"/>
+                                          </p:val>
+                                        </p:tav>
+                                        <p:tav tm="100000">
+                                          <p:val>
+                                            <p:strVal val="#ppt_y"/>
+                                          </p:val>
+                                        </p:tav>
+                                      </p:tavLst>
+                                    </p:anim>
+                                  </p:childTnLst>
+                                </p:cTn>
+                              </p:par>
+                              <p:par>
+                                <p:cTn id="65" presetID="42" presetClass="entr" presetSubtype="0" fill="hold" nodeType="withEffect">
+                                  <p:stCondLst>
+                                    <p:cond delay="0"/>
+                                  </p:stCondLst>
+                                  <p:childTnLst>
+                                    <p:set>
+                                      <p:cBhvr>
+                                        <p:cTn id="66" dur="1" fill="hold">
+                                          <p:stCondLst>
+                                            <p:cond delay="0"/>
+                                          </p:stCondLst>
+                                        </p:cTn>
+                                        <p:tgtEl>
+                                          <p:spTgt spid="37"/>
+                                        </p:tgtEl>
+                                        <p:attrNameLst>
+                                          <p:attrName>style.visibility</p:attrName>
+                                        </p:attrNameLst>
+                                      </p:cBhvr>
+                                      <p:to>
+                                        <p:strVal val="visible"/>
+                                      </p:to>
+                                    </p:set>
+                                    <p:animEffect transition="in" filter="fade">
+                                      <p:cBhvr>
+                                        <p:cTn id="67" dur="1000"/>
+                                        <p:tgtEl>
+                                          <p:spTgt spid="37"/>
+                                        </p:tgtEl>
+                                      </p:cBhvr>
+                                    </p:animEffect>
+                                    <p:anim calcmode="lin" valueType="num">
+                                      <p:cBhvr>
+                                        <p:cTn id="68" dur="1000" fill="hold"/>
+                                        <p:tgtEl>
+                                          <p:spTgt spid="37"/>
+                                        </p:tgtEl>
+                                        <p:attrNameLst>
+                                          <p:attrName>ppt_x</p:attrName>
+                                        </p:attrNameLst>
+                                      </p:cBhvr>
+                                      <p:tavLst>
+                                        <p:tav tm="0">
+                                          <p:val>
+                                            <p:strVal val="#ppt_x"/>
+                                          </p:val>
+                                        </p:tav>
+                                        <p:tav tm="100000">
+                                          <p:val>
+                                            <p:strVal val="#ppt_x"/>
+                                          </p:val>
+                                        </p:tav>
+                                      </p:tavLst>
+                                    </p:anim>
+                                    <p:anim calcmode="lin" valueType="num">
+                                      <p:cBhvr>
+                                        <p:cTn id="69" dur="1000" fill="hold"/>
+                                        <p:tgtEl>
+                                          <p:spTgt spid="37"/>
+                                        </p:tgtEl>
+                                        <p:attrNameLst>
+                                          <p:attrName>ppt_y</p:attrName>
+                                        </p:attrNameLst>
+                                      </p:cBhvr>
+                                      <p:tavLst>
+                                        <p:tav tm="0">
+                                          <p:val>
+                                            <p:strVal val="#ppt_y+.1"/>
+                                          </p:val>
+                                        </p:tav>
+                                        <p:tav tm="100000">
+                                          <p:val>
+                                            <p:strVal val="#ppt_y"/>
+                                          </p:val>
+                                        </p:tav>
+                                      </p:tavLst>
+                                    </p:anim>
+                                  </p:childTnLst>
+                                </p:cTn>
+                              </p:par>
+                              <p:par>
+                                <p:cTn id="70" presetID="42" presetClass="entr" presetSubtype="0" fill="hold" grpId="0" nodeType="withEffect">
+                                  <p:stCondLst>
+                                    <p:cond delay="0"/>
+                                  </p:stCondLst>
+                                  <p:childTnLst>
+                                    <p:set>
+                                      <p:cBhvr>
+                                        <p:cTn id="71" dur="1" fill="hold">
+                                          <p:stCondLst>
+                                            <p:cond delay="0"/>
+                                          </p:stCondLst>
+                                        </p:cTn>
+                                        <p:tgtEl>
+                                          <p:spTgt spid="38"/>
+                                        </p:tgtEl>
+                                        <p:attrNameLst>
+                                          <p:attrName>style.visibility</p:attrName>
+                                        </p:attrNameLst>
+                                      </p:cBhvr>
+                                      <p:to>
+                                        <p:strVal val="visible"/>
+                                      </p:to>
+                                    </p:set>
+                                    <p:animEffect transition="in" filter="fade">
+                                      <p:cBhvr>
+                                        <p:cTn id="72" dur="1000"/>
+                                        <p:tgtEl>
+                                          <p:spTgt spid="38"/>
+                                        </p:tgtEl>
+                                      </p:cBhvr>
+                                    </p:animEffect>
+                                    <p:anim calcmode="lin" valueType="num">
+                                      <p:cBhvr>
+                                        <p:cTn id="73" dur="1000" fill="hold"/>
+                                        <p:tgtEl>
+                                          <p:spTgt spid="38"/>
+                                        </p:tgtEl>
+                                        <p:attrNameLst>
+                                          <p:attrName>ppt_x</p:attrName>
+                                        </p:attrNameLst>
+                                      </p:cBhvr>
+                                      <p:tavLst>
+                                        <p:tav tm="0">
+                                          <p:val>
+                                            <p:strVal val="#ppt_x"/>
+                                          </p:val>
+                                        </p:tav>
+                                        <p:tav tm="100000">
+                                          <p:val>
+                                            <p:strVal val="#ppt_x"/>
+                                          </p:val>
+                                        </p:tav>
+                                      </p:tavLst>
+                                    </p:anim>
+                                    <p:anim calcmode="lin" valueType="num">
+                                      <p:cBhvr>
+                                        <p:cTn id="74" dur="1000" fill="hold"/>
+                                        <p:tgtEl>
+                                          <p:spTgt spid="38"/>
+                                        </p:tgtEl>
+                                        <p:attrNameLst>
+                                          <p:attrName>ppt_y</p:attrName>
+                                        </p:attrNameLst>
+                                      </p:cBhvr>
+                                      <p:tavLst>
+                                        <p:tav tm="0">
+                                          <p:val>
+                                            <p:strVal val="#ppt_y+.1"/>
+                                          </p:val>
+                                        </p:tav>
+                                        <p:tav tm="100000">
+                                          <p:val>
+                                            <p:strVal val="#ppt_y"/>
+                                          </p:val>
+                                        </p:tav>
+                                      </p:tavLst>
+                                    </p:anim>
+                                  </p:childTnLst>
+                                </p:cTn>
+                              </p:par>
+                              <p:par>
+                                <p:cTn id="75" presetID="42" presetClass="entr" presetSubtype="0" fill="hold" nodeType="withEffect">
+                                  <p:stCondLst>
+                                    <p:cond delay="0"/>
+                                  </p:stCondLst>
+                                  <p:childTnLst>
+                                    <p:set>
+                                      <p:cBhvr>
+                                        <p:cTn id="76" dur="1" fill="hold">
+                                          <p:stCondLst>
+                                            <p:cond delay="0"/>
+                                          </p:stCondLst>
+                                        </p:cTn>
+                                        <p:tgtEl>
+                                          <p:spTgt spid="39"/>
+                                        </p:tgtEl>
+                                        <p:attrNameLst>
+                                          <p:attrName>style.visibility</p:attrName>
+                                        </p:attrNameLst>
+                                      </p:cBhvr>
+                                      <p:to>
+                                        <p:strVal val="visible"/>
+                                      </p:to>
+                                    </p:set>
+                                    <p:animEffect transition="in" filter="fade">
+                                      <p:cBhvr>
+                                        <p:cTn id="77" dur="1000"/>
+                                        <p:tgtEl>
+                                          <p:spTgt spid="39"/>
+                                        </p:tgtEl>
+                                      </p:cBhvr>
+                                    </p:animEffect>
+                                    <p:anim calcmode="lin" valueType="num">
+                                      <p:cBhvr>
+                                        <p:cTn id="78" dur="1000" fill="hold"/>
+                                        <p:tgtEl>
+                                          <p:spTgt spid="39"/>
+                                        </p:tgtEl>
+                                        <p:attrNameLst>
+                                          <p:attrName>ppt_x</p:attrName>
+                                        </p:attrNameLst>
+                                      </p:cBhvr>
+                                      <p:tavLst>
+                                        <p:tav tm="0">
+                                          <p:val>
+                                            <p:strVal val="#ppt_x"/>
+                                          </p:val>
+                                        </p:tav>
+                                        <p:tav tm="100000">
+                                          <p:val>
+                                            <p:strVal val="#ppt_x"/>
+                                          </p:val>
+                                        </p:tav>
+                                      </p:tavLst>
+                                    </p:anim>
+                                    <p:anim calcmode="lin" valueType="num">
+                                      <p:cBhvr>
+                                        <p:cTn id="79" dur="1000" fill="hold"/>
+                                        <p:tgtEl>
+                                          <p:spTgt spid="39"/>
+                                        </p:tgtEl>
+                                        <p:attrNameLst>
+                                          <p:attrName>ppt_y</p:attrName>
+                                        </p:attrNameLst>
+                                      </p:cBhvr>
+                                      <p:tavLst>
+                                        <p:tav tm="0">
+                                          <p:val>
+                                            <p:strVal val="#ppt_y+.1"/>
+                                          </p:val>
+                                        </p:tav>
+                                        <p:tav tm="100000">
+                                          <p:val>
+                                            <p:strVal val="#ppt_y"/>
+                                          </p:val>
+                                        </p:tav>
+                                      </p:tavLst>
+                                    </p:anim>
+                                  </p:childTnLst>
+                                </p:cTn>
+                              </p:par>
+                              <p:par>
+                                <p:cTn id="80" presetID="42" presetClass="entr" presetSubtype="0" fill="hold" nodeType="withEffect">
+                                  <p:stCondLst>
+                                    <p:cond delay="0"/>
+                                  </p:stCondLst>
+                                  <p:childTnLst>
+                                    <p:set>
+                                      <p:cBhvr>
+                                        <p:cTn id="81" dur="1" fill="hold">
+                                          <p:stCondLst>
+                                            <p:cond delay="0"/>
+                                          </p:stCondLst>
+                                        </p:cTn>
+                                        <p:tgtEl>
+                                          <p:spTgt spid="40"/>
+                                        </p:tgtEl>
+                                        <p:attrNameLst>
+                                          <p:attrName>style.visibility</p:attrName>
+                                        </p:attrNameLst>
+                                      </p:cBhvr>
+                                      <p:to>
+                                        <p:strVal val="visible"/>
+                                      </p:to>
+                                    </p:set>
+                                    <p:animEffect transition="in" filter="fade">
+                                      <p:cBhvr>
+                                        <p:cTn id="82" dur="1000"/>
+                                        <p:tgtEl>
+                                          <p:spTgt spid="40"/>
+                                        </p:tgtEl>
+                                      </p:cBhvr>
+                                    </p:animEffect>
+                                    <p:anim calcmode="lin" valueType="num">
+                                      <p:cBhvr>
+                                        <p:cTn id="83" dur="1000" fill="hold"/>
+                                        <p:tgtEl>
+                                          <p:spTgt spid="40"/>
+                                        </p:tgtEl>
+                                        <p:attrNameLst>
+                                          <p:attrName>ppt_x</p:attrName>
+                                        </p:attrNameLst>
+                                      </p:cBhvr>
+                                      <p:tavLst>
+                                        <p:tav tm="0">
+                                          <p:val>
+                                            <p:strVal val="#ppt_x"/>
+                                          </p:val>
+                                        </p:tav>
+                                        <p:tav tm="100000">
+                                          <p:val>
+                                            <p:strVal val="#ppt_x"/>
+                                          </p:val>
+                                        </p:tav>
+                                      </p:tavLst>
+                                    </p:anim>
+                                    <p:anim calcmode="lin" valueType="num">
+                                      <p:cBhvr>
+                                        <p:cTn id="84" dur="1000" fill="hold"/>
+                                        <p:tgtEl>
+                                          <p:spTgt spid="40"/>
+                                        </p:tgtEl>
+                                        <p:attrNameLst>
+                                          <p:attrName>ppt_y</p:attrName>
+                                        </p:attrNameLst>
+                                      </p:cBhvr>
+                                      <p:tavLst>
+                                        <p:tav tm="0">
+                                          <p:val>
+                                            <p:strVal val="#ppt_y+.1"/>
+                                          </p:val>
+                                        </p:tav>
+                                        <p:tav tm="100000">
+                                          <p:val>
+                                            <p:strVal val="#ppt_y"/>
+                                          </p:val>
+                                        </p:tav>
+                                      </p:tavLst>
+                                    </p:anim>
+                                  </p:childTnLst>
+                                </p:cTn>
+                              </p:par>
+                              <p:par>
+                                <p:cTn id="85" presetID="42" presetClass="entr" presetSubtype="0" fill="hold" nodeType="withEffect">
+                                  <p:stCondLst>
+                                    <p:cond delay="0"/>
+                                  </p:stCondLst>
+                                  <p:childTnLst>
+                                    <p:set>
+                                      <p:cBhvr>
+                                        <p:cTn id="86" dur="1" fill="hold">
+                                          <p:stCondLst>
+                                            <p:cond delay="0"/>
+                                          </p:stCondLst>
+                                        </p:cTn>
+                                        <p:tgtEl>
+                                          <p:spTgt spid="41"/>
+                                        </p:tgtEl>
+                                        <p:attrNameLst>
+                                          <p:attrName>style.visibility</p:attrName>
+                                        </p:attrNameLst>
+                                      </p:cBhvr>
+                                      <p:to>
+                                        <p:strVal val="visible"/>
+                                      </p:to>
+                                    </p:set>
+                                    <p:animEffect transition="in" filter="fade">
+                                      <p:cBhvr>
+                                        <p:cTn id="87" dur="1000"/>
+                                        <p:tgtEl>
+                                          <p:spTgt spid="41"/>
+                                        </p:tgtEl>
+                                      </p:cBhvr>
+                                    </p:animEffect>
+                                    <p:anim calcmode="lin" valueType="num">
+                                      <p:cBhvr>
+                                        <p:cTn id="88" dur="1000" fill="hold"/>
+                                        <p:tgtEl>
+                                          <p:spTgt spid="41"/>
+                                        </p:tgtEl>
+                                        <p:attrNameLst>
+                                          <p:attrName>ppt_x</p:attrName>
+                                        </p:attrNameLst>
+                                      </p:cBhvr>
+                                      <p:tavLst>
+                                        <p:tav tm="0">
+                                          <p:val>
+                                            <p:strVal val="#ppt_x"/>
+                                          </p:val>
+                                        </p:tav>
+                                        <p:tav tm="100000">
+                                          <p:val>
+                                            <p:strVal val="#ppt_x"/>
+                                          </p:val>
+                                        </p:tav>
+                                      </p:tavLst>
+                                    </p:anim>
+                                    <p:anim calcmode="lin" valueType="num">
+                                      <p:cBhvr>
+                                        <p:cTn id="89" dur="1000" fill="hold"/>
+                                        <p:tgtEl>
+                                          <p:spTgt spid="41"/>
+                                        </p:tgtEl>
+                                        <p:attrNameLst>
+                                          <p:attrName>ppt_y</p:attrName>
+                                        </p:attrNameLst>
+                                      </p:cBhvr>
+                                      <p:tavLst>
+                                        <p:tav tm="0">
+                                          <p:val>
+                                            <p:strVal val="#ppt_y+.1"/>
+                                          </p:val>
+                                        </p:tav>
+                                        <p:tav tm="100000">
+                                          <p:val>
+                                            <p:strVal val="#ppt_y"/>
+                                          </p:val>
+                                        </p:tav>
+                                      </p:tavLst>
+                                    </p:anim>
+                                  </p:childTnLst>
+                                </p:cTn>
+                              </p:par>
+                              <p:par>
+                                <p:cTn id="90" presetID="42" presetClass="entr" presetSubtype="0" fill="hold" grpId="0" nodeType="withEffect">
+                                  <p:stCondLst>
+                                    <p:cond delay="0"/>
+                                  </p:stCondLst>
+                                  <p:childTnLst>
+                                    <p:set>
+                                      <p:cBhvr>
+                                        <p:cTn id="91" dur="1" fill="hold">
+                                          <p:stCondLst>
+                                            <p:cond delay="0"/>
+                                          </p:stCondLst>
+                                        </p:cTn>
+                                        <p:tgtEl>
+                                          <p:spTgt spid="42"/>
+                                        </p:tgtEl>
+                                        <p:attrNameLst>
+                                          <p:attrName>style.visibility</p:attrName>
+                                        </p:attrNameLst>
+                                      </p:cBhvr>
+                                      <p:to>
+                                        <p:strVal val="visible"/>
+                                      </p:to>
+                                    </p:set>
+                                    <p:animEffect transition="in" filter="fade">
+                                      <p:cBhvr>
+                                        <p:cTn id="92" dur="1000"/>
+                                        <p:tgtEl>
+                                          <p:spTgt spid="42"/>
+                                        </p:tgtEl>
+                                      </p:cBhvr>
+                                    </p:animEffect>
+                                    <p:anim calcmode="lin" valueType="num">
+                                      <p:cBhvr>
+                                        <p:cTn id="93" dur="1000" fill="hold"/>
+                                        <p:tgtEl>
+                                          <p:spTgt spid="42"/>
+                                        </p:tgtEl>
+                                        <p:attrNameLst>
+                                          <p:attrName>ppt_x</p:attrName>
+                                        </p:attrNameLst>
+                                      </p:cBhvr>
+                                      <p:tavLst>
+                                        <p:tav tm="0">
+                                          <p:val>
+                                            <p:strVal val="#ppt_x"/>
+                                          </p:val>
+                                        </p:tav>
+                                        <p:tav tm="100000">
+                                          <p:val>
+                                            <p:strVal val="#ppt_x"/>
+                                          </p:val>
+                                        </p:tav>
+                                      </p:tavLst>
+                                    </p:anim>
+                                    <p:anim calcmode="lin" valueType="num">
+                                      <p:cBhvr>
+                                        <p:cTn id="94" dur="1000" fill="hold"/>
+                                        <p:tgtEl>
+                                          <p:spTgt spid="42"/>
+                                        </p:tgtEl>
+                                        <p:attrNameLst>
+                                          <p:attrName>ppt_y</p:attrName>
+                                        </p:attrNameLst>
+                                      </p:cBhvr>
+                                      <p:tavLst>
+                                        <p:tav tm="0">
+                                          <p:val>
+                                            <p:strVal val="#ppt_y+.1"/>
+                                          </p:val>
+                                        </p:tav>
+                                        <p:tav tm="100000">
+                                          <p:val>
+                                            <p:strVal val="#ppt_y"/>
+                                          </p:val>
+                                        </p:tav>
+                                      </p:tavLst>
+                                    </p:anim>
+                                  </p:childTnLst>
+                                </p:cTn>
+                              </p:par>
+                              <p:par>
+                                <p:cTn id="95" presetID="42" presetClass="entr" presetSubtype="0" fill="hold" grpId="0" nodeType="withEffect">
+                                  <p:stCondLst>
+                                    <p:cond delay="0"/>
+                                  </p:stCondLst>
+                                  <p:childTnLst>
+                                    <p:set>
+                                      <p:cBhvr>
+                                        <p:cTn id="96" dur="1" fill="hold">
+                                          <p:stCondLst>
+                                            <p:cond delay="0"/>
+                                          </p:stCondLst>
+                                        </p:cTn>
+                                        <p:tgtEl>
+                                          <p:spTgt spid="43"/>
+                                        </p:tgtEl>
+                                        <p:attrNameLst>
+                                          <p:attrName>style.visibility</p:attrName>
+                                        </p:attrNameLst>
+                                      </p:cBhvr>
+                                      <p:to>
+                                        <p:strVal val="visible"/>
+                                      </p:to>
+                                    </p:set>
+                                    <p:animEffect transition="in" filter="fade">
+                                      <p:cBhvr>
+                                        <p:cTn id="97" dur="1000"/>
+                                        <p:tgtEl>
+                                          <p:spTgt spid="43"/>
+                                        </p:tgtEl>
+                                      </p:cBhvr>
+                                    </p:animEffect>
+                                    <p:anim calcmode="lin" valueType="num">
+                                      <p:cBhvr>
+                                        <p:cTn id="98" dur="1000" fill="hold"/>
+                                        <p:tgtEl>
+                                          <p:spTgt spid="43"/>
+                                        </p:tgtEl>
+                                        <p:attrNameLst>
+                                          <p:attrName>ppt_x</p:attrName>
+                                        </p:attrNameLst>
+                                      </p:cBhvr>
+                                      <p:tavLst>
+                                        <p:tav tm="0">
+                                          <p:val>
+                                            <p:strVal val="#ppt_x"/>
+                                          </p:val>
+                                        </p:tav>
+                                        <p:tav tm="100000">
+                                          <p:val>
+                                            <p:strVal val="#ppt_x"/>
+                                          </p:val>
+                                        </p:tav>
+                                      </p:tavLst>
+                                    </p:anim>
+                                    <p:anim calcmode="lin" valueType="num">
+                                      <p:cBhvr>
+                                        <p:cTn id="99" dur="1000" fill="hold"/>
+                                        <p:tgtEl>
+                                          <p:spTgt spid="43"/>
+                                        </p:tgtEl>
+                                        <p:attrNameLst>
+                                          <p:attrName>ppt_y</p:attrName>
+                                        </p:attrNameLst>
+                                      </p:cBhvr>
+                                      <p:tavLst>
+                                        <p:tav tm="0">
+                                          <p:val>
+                                            <p:strVal val="#ppt_y+.1"/>
+                                          </p:val>
+                                        </p:tav>
+                                        <p:tav tm="100000">
+                                          <p:val>
+                                            <p:strVal val="#ppt_y"/>
+                                          </p:val>
+                                        </p:tav>
+                                      </p:tavLst>
+                                    </p:anim>
+                                  </p:childTnLst>
+                                </p:cTn>
+                              </p:par>
+                              <p:par>
+                                <p:cTn id="100" presetID="42" presetClass="entr" presetSubtype="0" fill="hold" grpId="0" nodeType="withEffect">
+                                  <p:stCondLst>
+                                    <p:cond delay="0"/>
+                                  </p:stCondLst>
+                                  <p:childTnLst>
+                                    <p:set>
+                                      <p:cBhvr>
+                                        <p:cTn id="101" dur="1" fill="hold">
+                                          <p:stCondLst>
+                                            <p:cond delay="0"/>
+                                          </p:stCondLst>
+                                        </p:cTn>
+                                        <p:tgtEl>
+                                          <p:spTgt spid="44"/>
+                                        </p:tgtEl>
+                                        <p:attrNameLst>
+                                          <p:attrName>style.visibility</p:attrName>
+                                        </p:attrNameLst>
+                                      </p:cBhvr>
+                                      <p:to>
+                                        <p:strVal val="visible"/>
+                                      </p:to>
+                                    </p:set>
+                                    <p:animEffect transition="in" filter="fade">
+                                      <p:cBhvr>
+                                        <p:cTn id="102" dur="1000"/>
+                                        <p:tgtEl>
+                                          <p:spTgt spid="44"/>
+                                        </p:tgtEl>
+                                      </p:cBhvr>
+                                    </p:animEffect>
+                                    <p:anim calcmode="lin" valueType="num">
+                                      <p:cBhvr>
+                                        <p:cTn id="103" dur="1000" fill="hold"/>
+                                        <p:tgtEl>
+                                          <p:spTgt spid="44"/>
+                                        </p:tgtEl>
+                                        <p:attrNameLst>
+                                          <p:attrName>ppt_x</p:attrName>
+                                        </p:attrNameLst>
+                                      </p:cBhvr>
+                                      <p:tavLst>
+                                        <p:tav tm="0">
+                                          <p:val>
+                                            <p:strVal val="#ppt_x"/>
+                                          </p:val>
+                                        </p:tav>
+                                        <p:tav tm="100000">
+                                          <p:val>
+                                            <p:strVal val="#ppt_x"/>
+                                          </p:val>
+                                        </p:tav>
+                                      </p:tavLst>
+                                    </p:anim>
+                                    <p:anim calcmode="lin" valueType="num">
+                                      <p:cBhvr>
+                                        <p:cTn id="104" dur="1000" fill="hold"/>
+                                        <p:tgtEl>
+                                          <p:spTgt spid="44"/>
+                                        </p:tgtEl>
+                                        <p:attrNameLst>
+                                          <p:attrName>ppt_y</p:attrName>
+                                        </p:attrNameLst>
+                                      </p:cBhvr>
+                                      <p:tavLst>
+                                        <p:tav tm="0">
+                                          <p:val>
+                                            <p:strVal val="#ppt_y+.1"/>
+                                          </p:val>
+                                        </p:tav>
+                                        <p:tav tm="100000">
+                                          <p:val>
+                                            <p:strVal val="#ppt_y"/>
+                                          </p:val>
+                                        </p:tav>
+                                      </p:tavLst>
+                                    </p:anim>
+                                  </p:childTnLst>
+                                </p:cTn>
+                              </p:par>
+                            </p:childTnLst>
+                          </p:cTn>
+                        </p:par>
+                      </p:childTnLst>
+                    </p:cTn>
+                  </p:par>
+                  <p:par>
+                    <p:cTn id="105" fill="hold">
+                      <p:stCondLst>
+                        <p:cond delay="indefinite"/>
+                      </p:stCondLst>
+                      <p:childTnLst>
+                        <p:par>
+                          <p:cTn id="106" fill="hold">
+                            <p:stCondLst>
+                              <p:cond delay="0"/>
+                            </p:stCondLst>
+                            <p:childTnLst>
+                              <p:par>
+                                <p:cTn id="107" presetID="10" presetClass="entr" presetSubtype="0" fill="hold" nodeType="clickEffect">
+                                  <p:stCondLst>
+                                    <p:cond delay="0"/>
+                                  </p:stCondLst>
+                                  <p:childTnLst>
+                                    <p:set>
+                                      <p:cBhvr>
+                                        <p:cTn id="108" dur="1" fill="hold">
+                                          <p:stCondLst>
+                                            <p:cond delay="0"/>
+                                          </p:stCondLst>
+                                        </p:cTn>
+                                        <p:tgtEl>
+                                          <p:spTgt spid="16"/>
+                                        </p:tgtEl>
+                                        <p:attrNameLst>
+                                          <p:attrName>style.visibility</p:attrName>
+                                        </p:attrNameLst>
+                                      </p:cBhvr>
+                                      <p:to>
+                                        <p:strVal val="visible"/>
+                                      </p:to>
+                                    </p:set>
+                                    <p:animEffect transition="in" filter="fade">
+                                      <p:cBhvr>
+                                        <p:cTn id="109" dur="500"/>
+                                        <p:tgtEl>
+                                          <p:spTgt spid="16"/>
+                                        </p:tgtEl>
+                                      </p:cBhvr>
+                                    </p:animEffect>
+                                  </p:childTnLst>
+                                </p:cTn>
+                              </p:par>
+                            </p:childTnLst>
+                          </p:cTn>
+                        </p:par>
+                      </p:childTnLst>
+                    </p:cTn>
+                  </p:par>
+                  <p:par>
+                    <p:cTn id="110" fill="hold">
+                      <p:stCondLst>
+                        <p:cond delay="indefinite"/>
+                      </p:stCondLst>
+                      <p:childTnLst>
+                        <p:par>
+                          <p:cTn id="111" fill="hold">
+                            <p:stCondLst>
+                              <p:cond delay="0"/>
+                            </p:stCondLst>
+                            <p:childTnLst>
+                              <p:par>
+                                <p:cTn id="112" presetID="10" presetClass="entr" presetSubtype="0" fill="hold" nodeType="clickEffect">
+                                  <p:stCondLst>
+                                    <p:cond delay="0"/>
+                                  </p:stCondLst>
+                                  <p:childTnLst>
+                                    <p:set>
+                                      <p:cBhvr>
+                                        <p:cTn id="113" dur="1" fill="hold">
+                                          <p:stCondLst>
+                                            <p:cond delay="0"/>
+                                          </p:stCondLst>
+                                        </p:cTn>
+                                        <p:tgtEl>
+                                          <p:spTgt spid="1026"/>
+                                        </p:tgtEl>
+                                        <p:attrNameLst>
+                                          <p:attrName>style.visibility</p:attrName>
+                                        </p:attrNameLst>
+                                      </p:cBhvr>
+                                      <p:to>
+                                        <p:strVal val="visible"/>
+                                      </p:to>
+                                    </p:set>
+                                    <p:animEffect transition="in" filter="fade">
+                                      <p:cBhvr>
+                                        <p:cTn id="114" dur="500"/>
+                                        <p:tgtEl>
+                                          <p:spTgt spid="1026"/>
+                                        </p:tgtEl>
+                                      </p:cBhvr>
+                                    </p:animEffect>
+                                  </p:childTnLst>
+                                </p:cTn>
+                              </p:par>
+                              <p:par>
+                                <p:cTn id="115" presetID="10" presetClass="entr" presetSubtype="0" fill="hold" nodeType="withEffect">
+                                  <p:stCondLst>
+                                    <p:cond delay="0"/>
+                                  </p:stCondLst>
+                                  <p:childTnLst>
+                                    <p:set>
+                                      <p:cBhvr>
+                                        <p:cTn id="116" dur="1" fill="hold">
+                                          <p:stCondLst>
+                                            <p:cond delay="0"/>
+                                          </p:stCondLst>
+                                        </p:cTn>
+                                        <p:tgtEl>
+                                          <p:spTgt spid="23"/>
+                                        </p:tgtEl>
+                                        <p:attrNameLst>
+                                          <p:attrName>style.visibility</p:attrName>
+                                        </p:attrNameLst>
+                                      </p:cBhvr>
+                                      <p:to>
+                                        <p:strVal val="visible"/>
+                                      </p:to>
+                                    </p:set>
+                                    <p:animEffect transition="in" filter="fade">
+                                      <p:cBhvr>
+                                        <p:cTn id="117" dur="500"/>
+                                        <p:tgtEl>
+                                          <p:spTgt spid="23"/>
+                                        </p:tgtEl>
+                                      </p:cBhvr>
+                                    </p:animEffect>
+                                  </p:childTnLst>
+                                </p:cTn>
+                              </p:par>
+                              <p:par>
+                                <p:cTn id="118" presetID="10" presetClass="entr" presetSubtype="0" fill="hold" nodeType="withEffect">
+                                  <p:stCondLst>
+                                    <p:cond delay="0"/>
+                                  </p:stCondLst>
+                                  <p:childTnLst>
+                                    <p:set>
+                                      <p:cBhvr>
+                                        <p:cTn id="119" dur="1" fill="hold">
+                                          <p:stCondLst>
+                                            <p:cond delay="0"/>
+                                          </p:stCondLst>
+                                        </p:cTn>
+                                        <p:tgtEl>
+                                          <p:spTgt spid="20"/>
+                                        </p:tgtEl>
+                                        <p:attrNameLst>
+                                          <p:attrName>style.visibility</p:attrName>
+                                        </p:attrNameLst>
+                                      </p:cBhvr>
+                                      <p:to>
+                                        <p:strVal val="visible"/>
+                                      </p:to>
+                                    </p:set>
+                                    <p:animEffect transition="in" filter="fade">
+                                      <p:cBhvr>
+                                        <p:cTn id="120" dur="500"/>
+                                        <p:tgtEl>
+                                          <p:spTgt spid="20"/>
+                                        </p:tgtEl>
+                                      </p:cBhvr>
+                                    </p:animEffect>
+                                  </p:childTnLst>
+                                </p:cTn>
+                              </p:par>
+                              <p:par>
+                                <p:cTn id="121" presetID="10" presetClass="entr" presetSubtype="0" fill="hold" grpId="0" nodeType="withEffect">
+                                  <p:stCondLst>
+                                    <p:cond delay="0"/>
+                                  </p:stCondLst>
+                                  <p:childTnLst>
+                                    <p:set>
+                                      <p:cBhvr>
+                                        <p:cTn id="122" dur="1" fill="hold">
+                                          <p:stCondLst>
+                                            <p:cond delay="0"/>
+                                          </p:stCondLst>
+                                        </p:cTn>
+                                        <p:tgtEl>
+                                          <p:spTgt spid="25"/>
+                                        </p:tgtEl>
+                                        <p:attrNameLst>
+                                          <p:attrName>style.visibility</p:attrName>
+                                        </p:attrNameLst>
+                                      </p:cBhvr>
+                                      <p:to>
+                                        <p:strVal val="visible"/>
+                                      </p:to>
+                                    </p:set>
+                                    <p:animEffect transition="in" filter="fade">
+                                      <p:cBhvr>
+                                        <p:cTn id="123" dur="500"/>
+                                        <p:tgtEl>
+                                          <p:spTgt spid="25"/>
+                                        </p:tgtEl>
+                                      </p:cBhvr>
+                                    </p:animEffect>
+                                  </p:childTnLst>
+                                </p:cTn>
+                              </p:par>
+                              <p:par>
+                                <p:cTn id="124" presetID="10" presetClass="entr" presetSubtype="0" fill="hold" nodeType="withEffect">
+                                  <p:stCondLst>
+                                    <p:cond delay="0"/>
+                                  </p:stCondLst>
+                                  <p:childTnLst>
+                                    <p:set>
+                                      <p:cBhvr>
+                                        <p:cTn id="125" dur="1" fill="hold">
+                                          <p:stCondLst>
+                                            <p:cond delay="0"/>
+                                          </p:stCondLst>
+                                        </p:cTn>
+                                        <p:tgtEl>
+                                          <p:spTgt spid="1028"/>
+                                        </p:tgtEl>
+                                        <p:attrNameLst>
+                                          <p:attrName>style.visibility</p:attrName>
+                                        </p:attrNameLst>
+                                      </p:cBhvr>
+                                      <p:to>
+                                        <p:strVal val="visible"/>
+                                      </p:to>
+                                    </p:set>
+                                    <p:animEffect transition="in" filter="fade">
+                                      <p:cBhvr>
+                                        <p:cTn id="126" dur="500"/>
+                                        <p:tgtEl>
+                                          <p:spTgt spid="1028"/>
+                                        </p:tgtEl>
+                                      </p:cBhvr>
+                                    </p:animEffect>
+                                  </p:childTnLst>
+                                </p:cTn>
+                              </p:par>
+                              <p:par>
+                                <p:cTn id="127" presetID="10" presetClass="entr" presetSubtype="0" fill="hold" grpId="0" nodeType="withEffect">
+                                  <p:stCondLst>
+                                    <p:cond delay="0"/>
+                                  </p:stCondLst>
+                                  <p:childTnLst>
+                                    <p:set>
+                                      <p:cBhvr>
+                                        <p:cTn id="128" dur="1" fill="hold">
+                                          <p:stCondLst>
+                                            <p:cond delay="0"/>
+                                          </p:stCondLst>
+                                        </p:cTn>
+                                        <p:tgtEl>
+                                          <p:spTgt spid="29"/>
+                                        </p:tgtEl>
+                                        <p:attrNameLst>
+                                          <p:attrName>style.visibility</p:attrName>
+                                        </p:attrNameLst>
+                                      </p:cBhvr>
+                                      <p:to>
+                                        <p:strVal val="visible"/>
+                                      </p:to>
+                                    </p:set>
+                                    <p:animEffect transition="in" filter="fade">
+                                      <p:cBhvr>
+                                        <p:cTn id="129" dur="500"/>
+                                        <p:tgtEl>
+                                          <p:spTgt spid="29"/>
+                                        </p:tgtEl>
+                                      </p:cBhvr>
+                                    </p:animEffect>
+                                  </p:childTnLst>
+                                </p:cTn>
+                              </p:par>
+                            </p:childTnLst>
+                          </p:cTn>
+                        </p:par>
+                      </p:childTnLst>
+                    </p:cTn>
+                  </p:par>
+                </p:childTnLst>
+              </p:cTn>
+              <p:prevCondLst>
+                <p:cond evt="onPrev" delay="0">
+                  <p:tgtEl>
+                    <p:sldTgt/>
+                  </p:tgtEl>
+                </p:cond>
+              </p:prevCondLst>
+              <p:nextCondLst>
+                <p:cond evt="onNext" delay="0">
+                  <p:tgtEl>
+                    <p:sldTgt/>
+                  </p:tgtEl>
+                </p:cond>
+              </p:nextCondLst>
+            </p:seq>
+          </p:childTnLst>
+        </p:cTn>
       </p:par>
     </p:tnLst>
+    <p:bldLst>
+      <p:bldP spid="25" grpId="0"/>
+      <p:bldP spid="29" grpId="0"/>
+      <p:bldP spid="2" grpId="0" animBg="1"/>
+      <p:bldP spid="22" grpId="0" animBg="1"/>
+      <p:bldP spid="26" grpId="0" animBg="1"/>
+      <p:bldP spid="30" grpId="0" animBg="1"/>
+      <p:bldP spid="31" grpId="0" animBg="1"/>
+      <p:bldP spid="32" grpId="0" animBg="1"/>
+      <p:bldP spid="33" grpId="0" animBg="1"/>
+      <p:bldP spid="12" grpId="0"/>
+      <p:bldP spid="34" grpId="0"/>
+      <p:bldP spid="36" grpId="0"/>
+      <p:bldP spid="38" grpId="0"/>
+      <p:bldP spid="42" grpId="0"/>
+      <p:bldP spid="43" grpId="0"/>
+      <p:bldP spid="44" grpId="0"/>
+    </p:bldLst>
   </p:timing>
 </p:sld>
 </file>
 
-<file path=ppt/slides/slide4.xml><?xml version="1.0" encoding="utf-8"?>
+<file path=ppt/slides/slide5.xml><?xml version="1.0" encoding="utf-8"?>
 <p:sld xmlns:a="http://schemas.openxmlformats.org/drawingml/2006/main" xmlns:r="http://schemas.openxmlformats.org/officeDocument/2006/relationships" xmlns:p="http://schemas.openxmlformats.org/presentationml/2006/main">
   <p:cSld>
     <p:spTree>
@@ -11428,7 +14380,12 @@
             <p:ph type="title"/>
           </p:nvPr>
         </p:nvSpPr>
-        <p:spPr/>
+        <p:spPr>
+          <a:xfrm>
+            <a:off x="71500" y="-7114"/>
+            <a:ext cx="7464515" cy="1170130"/>
+          </a:xfrm>
+        </p:spPr>
         <p:txBody>
           <a:bodyPr>
             <a:normAutofit/>
@@ -11436,10 +14393,22 @@
           <a:lstStyle/>
           <a:p>
             <a:r>
-              <a:rPr lang="en-US" altLang="zh-TW" sz="2400" dirty="0"/>
+              <a:rPr lang="en-US" altLang="zh-TW" sz="2800" dirty="0">
+                <a:solidFill>
+                  <a:schemeClr val="bg1">
+                    <a:alpha val="90000"/>
+                  </a:schemeClr>
+                </a:solidFill>
+              </a:rPr>
               <a:t>Model architecture</a:t>
             </a:r>
-            <a:endParaRPr lang="zh-TW" altLang="en-US" sz="2400" dirty="0"/>
+            <a:endParaRPr lang="zh-TW" altLang="en-US" sz="2800" dirty="0">
+              <a:solidFill>
+                <a:schemeClr val="bg1">
+                  <a:alpha val="90000"/>
+                </a:schemeClr>
+              </a:solidFill>
+            </a:endParaRPr>
           </a:p>
         </p:txBody>
       </p:sp>
@@ -13536,7 +16505,7 @@
 </p:sld>
 </file>
 
-<file path=ppt/slides/slide5.xml><?xml version="1.0" encoding="utf-8"?>
+<file path=ppt/slides/slide6.xml><?xml version="1.0" encoding="utf-8"?>
 <p:sld xmlns:a="http://schemas.openxmlformats.org/drawingml/2006/main" xmlns:r="http://schemas.openxmlformats.org/officeDocument/2006/relationships" xmlns:p="http://schemas.openxmlformats.org/presentationml/2006/main">
   <p:cSld>
     <p:spTree>
@@ -13555,55 +16524,6 @@
       </p:grpSpPr>
       <p:sp>
         <p:nvSpPr>
-          <p:cNvPr id="13" name="圓角矩形 12"/>
-          <p:cNvSpPr/>
-          <p:nvPr/>
-        </p:nvSpPr>
-        <p:spPr>
-          <a:xfrm>
-            <a:off x="442645" y="862643"/>
-            <a:ext cx="8276656" cy="4050450"/>
-          </a:xfrm>
-          <a:prstGeom prst="roundRect">
-            <a:avLst>
-              <a:gd name="adj" fmla="val 12067"/>
-            </a:avLst>
-          </a:prstGeom>
-          <a:solidFill>
-            <a:srgbClr val="F9F9F9"/>
-          </a:solidFill>
-          <a:ln>
-            <a:noFill/>
-          </a:ln>
-          <a:effectLst/>
-        </p:spPr>
-        <p:style>
-          <a:lnRef idx="2">
-            <a:schemeClr val="accent1">
-              <a:shade val="50000"/>
-            </a:schemeClr>
-          </a:lnRef>
-          <a:fillRef idx="1">
-            <a:schemeClr val="accent1"/>
-          </a:fillRef>
-          <a:effectRef idx="0">
-            <a:schemeClr val="accent1"/>
-          </a:effectRef>
-          <a:fontRef idx="minor">
-            <a:schemeClr val="lt1"/>
-          </a:fontRef>
-        </p:style>
-        <p:txBody>
-          <a:bodyPr rtlCol="0" anchor="ctr"/>
-          <a:lstStyle/>
-          <a:p>
-            <a:pPr algn="ctr"/>
-            <a:endParaRPr lang="zh-TW" altLang="en-US"/>
-          </a:p>
-        </p:txBody>
-      </p:sp>
-      <p:sp>
-        <p:nvSpPr>
           <p:cNvPr id="3" name="標題 2"/>
           <p:cNvSpPr>
             <a:spLocks noGrp="1"/>
@@ -13612,7 +16532,12 @@
             <p:ph type="title"/>
           </p:nvPr>
         </p:nvSpPr>
-        <p:spPr/>
+        <p:spPr>
+          <a:xfrm>
+            <a:off x="56184" y="52476"/>
+            <a:ext cx="7464515" cy="1170130"/>
+          </a:xfrm>
+        </p:spPr>
         <p:txBody>
           <a:bodyPr>
             <a:normAutofit/>
@@ -13620,36 +16545,62 @@
           <a:lstStyle/>
           <a:p>
             <a:r>
-              <a:rPr lang="en-US" altLang="zh-TW" sz="2400" dirty="0" smtClean="0"/>
-              <a:t>L5C</a:t>
+              <a:rPr lang="en-US" altLang="zh-TW" sz="2800" dirty="0">
+                <a:solidFill>
+                  <a:schemeClr val="bg1">
+                    <a:alpha val="90000"/>
+                  </a:schemeClr>
+                </a:solidFill>
+              </a:rPr>
+              <a:t>L5C </a:t>
             </a:r>
             <a:r>
-              <a:rPr lang="en-US" altLang="zh-TW" sz="2400" dirty="0" smtClean="0">
-                <a:latin typeface="微軟正黑體" panose="020B0604030504040204" pitchFamily="34" charset="-120"/>
+              <a:rPr lang="zh-TW" altLang="en-US" sz="2800" dirty="0">
+                <a:solidFill>
+                  <a:schemeClr val="bg1">
+                    <a:alpha val="90000"/>
+                  </a:schemeClr>
+                </a:solidFill>
+              </a:rPr>
+              <a:t>新產品</a:t>
+            </a:r>
+            <a:r>
+              <a:rPr lang="en-US" altLang="zh-TW" sz="2800" dirty="0">
+                <a:solidFill>
+                  <a:schemeClr val="bg1">
+                    <a:alpha val="90000"/>
+                  </a:schemeClr>
+                </a:solidFill>
+              </a:rPr>
+              <a:t>LC</a:t>
+            </a:r>
+            <a:r>
+              <a:rPr lang="zh-TW" altLang="en-US" sz="2800" dirty="0">
+                <a:solidFill>
+                  <a:schemeClr val="bg1">
+                    <a:alpha val="90000"/>
+                  </a:schemeClr>
+                </a:solidFill>
               </a:rPr>
               <a:t> </a:t>
             </a:r>
             <a:r>
-              <a:rPr lang="zh-TW" altLang="en-US" sz="2400" dirty="0" smtClean="0">
-                <a:latin typeface="微軟正黑體" panose="020B0604030504040204" pitchFamily="34" charset="-120"/>
+              <a:rPr lang="en-US" altLang="zh-TW" sz="2800" dirty="0">
+                <a:solidFill>
+                  <a:schemeClr val="bg1">
+                    <a:alpha val="90000"/>
+                  </a:schemeClr>
+                </a:solidFill>
               </a:rPr>
-              <a:t>新產品</a:t>
-            </a:r>
-            <a:r>
-              <a:rPr lang="en-US" altLang="zh-TW" sz="2400" dirty="0"/>
-              <a:t>LC</a:t>
-            </a:r>
-            <a:r>
-              <a:rPr lang="zh-TW" altLang="en-US" sz="2400" dirty="0"/>
-              <a:t> </a:t>
-            </a:r>
-            <a:r>
-              <a:rPr lang="en-US" altLang="zh-TW" sz="2400" dirty="0"/>
               <a:t>Margin</a:t>
             </a:r>
             <a:r>
-              <a:rPr lang="zh-TW" altLang="en-US" sz="2400" dirty="0">
-                <a:latin typeface="微軟正黑體" panose="020B0604030504040204" pitchFamily="34" charset="-120"/>
+              <a:rPr lang="zh-TW" altLang="en-US" sz="2800" dirty="0">
+                <a:solidFill>
+                  <a:schemeClr val="bg1">
+                    <a:alpha val="90000"/>
+                  </a:schemeClr>
+                </a:solidFill>
               </a:rPr>
               <a:t>預測</a:t>
             </a:r>
@@ -13791,83 +16742,13 @@
       </p:grpSp>
       <p:sp>
         <p:nvSpPr>
-          <p:cNvPr id="15" name="圓角矩形 14"/>
-          <p:cNvSpPr/>
-          <p:nvPr/>
-        </p:nvSpPr>
-        <p:spPr>
-          <a:xfrm>
-            <a:off x="1151620" y="1311610"/>
-            <a:ext cx="945105" cy="270030"/>
-          </a:xfrm>
-          <a:prstGeom prst="roundRect">
-            <a:avLst/>
-          </a:prstGeom>
-          <a:solidFill>
-            <a:srgbClr val="8BBACF"/>
-          </a:solidFill>
-          <a:ln>
-            <a:noFill/>
-          </a:ln>
-          <a:effectLst>
-            <a:outerShdw blurRad="50800" dist="38100" dir="2700000" algn="tl" rotWithShape="0">
-              <a:prstClr val="black">
-                <a:alpha val="40000"/>
-              </a:prstClr>
-            </a:outerShdw>
-          </a:effectLst>
-        </p:spPr>
-        <p:style>
-          <a:lnRef idx="2">
-            <a:schemeClr val="accent1">
-              <a:shade val="50000"/>
-            </a:schemeClr>
-          </a:lnRef>
-          <a:fillRef idx="1">
-            <a:schemeClr val="accent1"/>
-          </a:fillRef>
-          <a:effectRef idx="0">
-            <a:schemeClr val="accent1"/>
-          </a:effectRef>
-          <a:fontRef idx="minor">
-            <a:schemeClr val="lt1"/>
-          </a:fontRef>
-        </p:style>
-        <p:txBody>
-          <a:bodyPr rtlCol="0" anchor="ctr"/>
-          <a:lstStyle/>
-          <a:p>
-            <a:pPr algn="ctr"/>
-            <a:r>
-              <a:rPr lang="zh-TW" altLang="en-US" sz="1200" b="1" dirty="0">
-                <a:latin typeface="微軟正黑體" panose="020B0604030504040204" pitchFamily="34" charset="-120"/>
-                <a:ea typeface="微軟正黑體" panose="020B0604030504040204" pitchFamily="34" charset="-120"/>
-              </a:rPr>
-              <a:t>過去</a:t>
-            </a:r>
-            <a:r>
-              <a:rPr lang="zh-TW" altLang="en-US" sz="1200" b="1" dirty="0" smtClean="0">
-                <a:latin typeface="微軟正黑體" panose="020B0604030504040204" pitchFamily="34" charset="-120"/>
-                <a:ea typeface="微軟正黑體" panose="020B0604030504040204" pitchFamily="34" charset="-120"/>
-              </a:rPr>
-              <a:t>模式</a:t>
-            </a:r>
-            <a:endParaRPr lang="zh-TW" altLang="en-US" sz="1200" b="1" dirty="0">
-              <a:latin typeface="微軟正黑體" panose="020B0604030504040204" pitchFamily="34" charset="-120"/>
-              <a:ea typeface="微軟正黑體" panose="020B0604030504040204" pitchFamily="34" charset="-120"/>
-            </a:endParaRPr>
-          </a:p>
-        </p:txBody>
-      </p:sp>
-      <p:sp>
-        <p:nvSpPr>
           <p:cNvPr id="16" name="圓角矩形 15"/>
           <p:cNvSpPr/>
           <p:nvPr/>
         </p:nvSpPr>
         <p:spPr>
           <a:xfrm>
-            <a:off x="1151619" y="2159736"/>
+            <a:off x="971182" y="3051670"/>
             <a:ext cx="945105" cy="270030"/>
           </a:xfrm>
           <a:prstGeom prst="roundRect">
@@ -13930,7 +16811,7 @@
         </p:nvSpPr>
         <p:spPr>
           <a:xfrm>
-            <a:off x="2096724" y="1254990"/>
+            <a:off x="2139886" y="1284127"/>
             <a:ext cx="5040560" cy="461665"/>
           </a:xfrm>
           <a:prstGeom prst="rect">
@@ -30462,9 +33343,11 @@
             <a:avLst/>
           </a:prstGeom>
           <a:solidFill>
-            <a:srgbClr val="FFFFFF">
-              <a:alpha val="67843"/>
-            </a:srgbClr>
+            <a:schemeClr val="tx2">
+              <a:lumMod val="20000"/>
+              <a:lumOff val="80000"/>
+              <a:alpha val="50196"/>
+            </a:schemeClr>
           </a:solidFill>
           <a:ln>
             <a:noFill/>
@@ -32854,6 +35737,958 @@
           </a:p>
         </p:txBody>
       </p:sp>
+      <p:sp>
+        <p:nvSpPr>
+          <p:cNvPr id="209" name="文字方塊 208"/>
+          <p:cNvSpPr txBox="1"/>
+          <p:nvPr/>
+        </p:nvSpPr>
+        <p:spPr>
+          <a:xfrm>
+            <a:off x="822613" y="1289990"/>
+            <a:ext cx="900100" cy="307777"/>
+          </a:xfrm>
+          <a:prstGeom prst="rect">
+            <a:avLst/>
+          </a:prstGeom>
+          <a:noFill/>
+        </p:spPr>
+        <p:txBody>
+          <a:bodyPr wrap="square" rtlCol="0">
+            <a:spAutoFit/>
+          </a:bodyPr>
+          <a:lstStyle/>
+          <a:p>
+            <a:r>
+              <a:rPr lang="zh-TW" altLang="en-US" b="1" dirty="0">
+                <a:solidFill>
+                  <a:schemeClr val="bg1"/>
+                </a:solidFill>
+                <a:latin typeface="微軟正黑體" panose="020B0604030504040204" pitchFamily="34" charset="-120"/>
+              </a:rPr>
+              <a:t>過去</a:t>
+            </a:r>
+            <a:r>
+              <a:rPr lang="zh-TW" altLang="en-US" b="1" dirty="0" smtClean="0">
+                <a:solidFill>
+                  <a:schemeClr val="bg1"/>
+                </a:solidFill>
+                <a:latin typeface="微軟正黑體" panose="020B0604030504040204" pitchFamily="34" charset="-120"/>
+              </a:rPr>
+              <a:t>模式</a:t>
+            </a:r>
+            <a:endParaRPr lang="zh-TW" altLang="en-US" b="1" dirty="0">
+              <a:solidFill>
+                <a:schemeClr val="bg1"/>
+              </a:solidFill>
+              <a:latin typeface="微軟正黑體" panose="020B0604030504040204" pitchFamily="34" charset="-120"/>
+            </a:endParaRPr>
+          </a:p>
+        </p:txBody>
+      </p:sp>
+      <p:grpSp>
+        <p:nvGrpSpPr>
+          <p:cNvPr id="213" name="群組 212"/>
+          <p:cNvGrpSpPr/>
+          <p:nvPr/>
+        </p:nvGrpSpPr>
+        <p:grpSpPr>
+          <a:xfrm>
+            <a:off x="457345" y="1307469"/>
+            <a:ext cx="1640225" cy="276999"/>
+            <a:chOff x="457345" y="1307469"/>
+            <a:chExt cx="1640225" cy="276999"/>
+          </a:xfrm>
+        </p:grpSpPr>
+        <p:grpSp>
+          <p:nvGrpSpPr>
+            <p:cNvPr id="203" name="群組 202"/>
+            <p:cNvGrpSpPr/>
+            <p:nvPr/>
+          </p:nvGrpSpPr>
+          <p:grpSpPr>
+            <a:xfrm>
+              <a:off x="457345" y="1320775"/>
+              <a:ext cx="1640225" cy="239743"/>
+              <a:chOff x="457345" y="1320775"/>
+              <a:chExt cx="1640225" cy="239743"/>
+            </a:xfrm>
+          </p:grpSpPr>
+          <p:sp>
+            <p:nvSpPr>
+              <p:cNvPr id="15" name="矩形 14"/>
+              <p:cNvSpPr/>
+              <p:nvPr/>
+            </p:nvSpPr>
+            <p:spPr>
+              <a:xfrm>
+                <a:off x="457345" y="1320775"/>
+                <a:ext cx="1345665" cy="239743"/>
+              </a:xfrm>
+              <a:custGeom>
+                <a:avLst/>
+                <a:gdLst>
+                  <a:gd name="connsiteX0" fmla="*/ 0 w 1307008"/>
+                  <a:gd name="connsiteY0" fmla="*/ 0 h 239743"/>
+                  <a:gd name="connsiteX1" fmla="*/ 1307008 w 1307008"/>
+                  <a:gd name="connsiteY1" fmla="*/ 0 h 239743"/>
+                  <a:gd name="connsiteX2" fmla="*/ 1307008 w 1307008"/>
+                  <a:gd name="connsiteY2" fmla="*/ 239743 h 239743"/>
+                  <a:gd name="connsiteX3" fmla="*/ 0 w 1307008"/>
+                  <a:gd name="connsiteY3" fmla="*/ 239743 h 239743"/>
+                  <a:gd name="connsiteX4" fmla="*/ 0 w 1307008"/>
+                  <a:gd name="connsiteY4" fmla="*/ 0 h 239743"/>
+                  <a:gd name="connsiteX0" fmla="*/ 0 w 1307008"/>
+                  <a:gd name="connsiteY0" fmla="*/ 0 h 239743"/>
+                  <a:gd name="connsiteX1" fmla="*/ 1307008 w 1307008"/>
+                  <a:gd name="connsiteY1" fmla="*/ 0 h 239743"/>
+                  <a:gd name="connsiteX2" fmla="*/ 1028712 w 1307008"/>
+                  <a:gd name="connsiteY2" fmla="*/ 239743 h 239743"/>
+                  <a:gd name="connsiteX3" fmla="*/ 0 w 1307008"/>
+                  <a:gd name="connsiteY3" fmla="*/ 239743 h 239743"/>
+                  <a:gd name="connsiteX4" fmla="*/ 0 w 1307008"/>
+                  <a:gd name="connsiteY4" fmla="*/ 0 h 239743"/>
+                  <a:gd name="connsiteX0" fmla="*/ 0 w 1157921"/>
+                  <a:gd name="connsiteY0" fmla="*/ 0 h 239743"/>
+                  <a:gd name="connsiteX1" fmla="*/ 1157921 w 1157921"/>
+                  <a:gd name="connsiteY1" fmla="*/ 0 h 239743"/>
+                  <a:gd name="connsiteX2" fmla="*/ 1028712 w 1157921"/>
+                  <a:gd name="connsiteY2" fmla="*/ 239743 h 239743"/>
+                  <a:gd name="connsiteX3" fmla="*/ 0 w 1157921"/>
+                  <a:gd name="connsiteY3" fmla="*/ 239743 h 239743"/>
+                  <a:gd name="connsiteX4" fmla="*/ 0 w 1157921"/>
+                  <a:gd name="connsiteY4" fmla="*/ 0 h 239743"/>
+                  <a:gd name="connsiteX0" fmla="*/ 0 w 1147982"/>
+                  <a:gd name="connsiteY0" fmla="*/ 0 h 239743"/>
+                  <a:gd name="connsiteX1" fmla="*/ 1147982 w 1147982"/>
+                  <a:gd name="connsiteY1" fmla="*/ 9940 h 239743"/>
+                  <a:gd name="connsiteX2" fmla="*/ 1028712 w 1147982"/>
+                  <a:gd name="connsiteY2" fmla="*/ 239743 h 239743"/>
+                  <a:gd name="connsiteX3" fmla="*/ 0 w 1147982"/>
+                  <a:gd name="connsiteY3" fmla="*/ 239743 h 239743"/>
+                  <a:gd name="connsiteX4" fmla="*/ 0 w 1147982"/>
+                  <a:gd name="connsiteY4" fmla="*/ 0 h 239743"/>
+                  <a:gd name="connsiteX0" fmla="*/ 0 w 1108225"/>
+                  <a:gd name="connsiteY0" fmla="*/ 0 h 239743"/>
+                  <a:gd name="connsiteX1" fmla="*/ 1108225 w 1108225"/>
+                  <a:gd name="connsiteY1" fmla="*/ 9940 h 239743"/>
+                  <a:gd name="connsiteX2" fmla="*/ 1028712 w 1108225"/>
+                  <a:gd name="connsiteY2" fmla="*/ 239743 h 239743"/>
+                  <a:gd name="connsiteX3" fmla="*/ 0 w 1108225"/>
+                  <a:gd name="connsiteY3" fmla="*/ 239743 h 239743"/>
+                  <a:gd name="connsiteX4" fmla="*/ 0 w 1108225"/>
+                  <a:gd name="connsiteY4" fmla="*/ 0 h 239743"/>
+                  <a:gd name="connsiteX0" fmla="*/ 0 w 1147982"/>
+                  <a:gd name="connsiteY0" fmla="*/ 0 h 239743"/>
+                  <a:gd name="connsiteX1" fmla="*/ 1147982 w 1147982"/>
+                  <a:gd name="connsiteY1" fmla="*/ 9940 h 239743"/>
+                  <a:gd name="connsiteX2" fmla="*/ 1028712 w 1147982"/>
+                  <a:gd name="connsiteY2" fmla="*/ 239743 h 239743"/>
+                  <a:gd name="connsiteX3" fmla="*/ 0 w 1147982"/>
+                  <a:gd name="connsiteY3" fmla="*/ 239743 h 239743"/>
+                  <a:gd name="connsiteX4" fmla="*/ 0 w 1147982"/>
+                  <a:gd name="connsiteY4" fmla="*/ 0 h 239743"/>
+                  <a:gd name="connsiteX0" fmla="*/ 0 w 1147982"/>
+                  <a:gd name="connsiteY0" fmla="*/ 0 h 239743"/>
+                  <a:gd name="connsiteX1" fmla="*/ 1147982 w 1147982"/>
+                  <a:gd name="connsiteY1" fmla="*/ 9940 h 239743"/>
+                  <a:gd name="connsiteX2" fmla="*/ 1088346 w 1147982"/>
+                  <a:gd name="connsiteY2" fmla="*/ 239743 h 239743"/>
+                  <a:gd name="connsiteX3" fmla="*/ 0 w 1147982"/>
+                  <a:gd name="connsiteY3" fmla="*/ 239743 h 239743"/>
+                  <a:gd name="connsiteX4" fmla="*/ 0 w 1147982"/>
+                  <a:gd name="connsiteY4" fmla="*/ 0 h 239743"/>
+                  <a:gd name="connsiteX0" fmla="*/ 0 w 1228779"/>
+                  <a:gd name="connsiteY0" fmla="*/ 0 h 239743"/>
+                  <a:gd name="connsiteX1" fmla="*/ 1228779 w 1228779"/>
+                  <a:gd name="connsiteY1" fmla="*/ 9940 h 239743"/>
+                  <a:gd name="connsiteX2" fmla="*/ 1088346 w 1228779"/>
+                  <a:gd name="connsiteY2" fmla="*/ 239743 h 239743"/>
+                  <a:gd name="connsiteX3" fmla="*/ 0 w 1228779"/>
+                  <a:gd name="connsiteY3" fmla="*/ 239743 h 239743"/>
+                  <a:gd name="connsiteX4" fmla="*/ 0 w 1228779"/>
+                  <a:gd name="connsiteY4" fmla="*/ 0 h 239743"/>
+                  <a:gd name="connsiteX0" fmla="*/ 0 w 1208797"/>
+                  <a:gd name="connsiteY0" fmla="*/ 0 h 239743"/>
+                  <a:gd name="connsiteX1" fmla="*/ 1208797 w 1208797"/>
+                  <a:gd name="connsiteY1" fmla="*/ 9940 h 239743"/>
+                  <a:gd name="connsiteX2" fmla="*/ 1088346 w 1208797"/>
+                  <a:gd name="connsiteY2" fmla="*/ 239743 h 239743"/>
+                  <a:gd name="connsiteX3" fmla="*/ 0 w 1208797"/>
+                  <a:gd name="connsiteY3" fmla="*/ 239743 h 239743"/>
+                  <a:gd name="connsiteX4" fmla="*/ 0 w 1208797"/>
+                  <a:gd name="connsiteY4" fmla="*/ 0 h 239743"/>
+                  <a:gd name="connsiteX0" fmla="*/ 0 w 1215457"/>
+                  <a:gd name="connsiteY0" fmla="*/ 0 h 239743"/>
+                  <a:gd name="connsiteX1" fmla="*/ 1215457 w 1215457"/>
+                  <a:gd name="connsiteY1" fmla="*/ 9940 h 239743"/>
+                  <a:gd name="connsiteX2" fmla="*/ 1088346 w 1215457"/>
+                  <a:gd name="connsiteY2" fmla="*/ 239743 h 239743"/>
+                  <a:gd name="connsiteX3" fmla="*/ 0 w 1215457"/>
+                  <a:gd name="connsiteY3" fmla="*/ 239743 h 239743"/>
+                  <a:gd name="connsiteX4" fmla="*/ 0 w 1215457"/>
+                  <a:gd name="connsiteY4" fmla="*/ 0 h 239743"/>
+                </a:gdLst>
+                <a:ahLst/>
+                <a:cxnLst>
+                  <a:cxn ang="0">
+                    <a:pos x="connsiteX0" y="connsiteY0"/>
+                  </a:cxn>
+                  <a:cxn ang="0">
+                    <a:pos x="connsiteX1" y="connsiteY1"/>
+                  </a:cxn>
+                  <a:cxn ang="0">
+                    <a:pos x="connsiteX2" y="connsiteY2"/>
+                  </a:cxn>
+                  <a:cxn ang="0">
+                    <a:pos x="connsiteX3" y="connsiteY3"/>
+                  </a:cxn>
+                  <a:cxn ang="0">
+                    <a:pos x="connsiteX4" y="connsiteY4"/>
+                  </a:cxn>
+                </a:cxnLst>
+                <a:rect l="l" t="t" r="r" b="b"/>
+                <a:pathLst>
+                  <a:path w="1215457" h="239743">
+                    <a:moveTo>
+                      <a:pt x="0" y="0"/>
+                    </a:moveTo>
+                    <a:lnTo>
+                      <a:pt x="1215457" y="9940"/>
+                    </a:lnTo>
+                    <a:lnTo>
+                      <a:pt x="1088346" y="239743"/>
+                    </a:lnTo>
+                    <a:lnTo>
+                      <a:pt x="0" y="239743"/>
+                    </a:lnTo>
+                    <a:lnTo>
+                      <a:pt x="0" y="0"/>
+                    </a:lnTo>
+                    <a:close/>
+                  </a:path>
+                </a:pathLst>
+              </a:custGeom>
+              <a:solidFill>
+                <a:srgbClr val="3E9DC5"/>
+              </a:solidFill>
+              <a:ln>
+                <a:noFill/>
+              </a:ln>
+              <a:effectLst>
+                <a:outerShdw blurRad="50800" dist="38100" dir="2700000" algn="tl" rotWithShape="0">
+                  <a:prstClr val="black">
+                    <a:alpha val="40000"/>
+                  </a:prstClr>
+                </a:outerShdw>
+              </a:effectLst>
+            </p:spPr>
+            <p:style>
+              <a:lnRef idx="2">
+                <a:schemeClr val="accent1">
+                  <a:shade val="50000"/>
+                </a:schemeClr>
+              </a:lnRef>
+              <a:fillRef idx="1">
+                <a:schemeClr val="accent1"/>
+              </a:fillRef>
+              <a:effectRef idx="0">
+                <a:schemeClr val="accent1"/>
+              </a:effectRef>
+              <a:fontRef idx="minor">
+                <a:schemeClr val="lt1"/>
+              </a:fontRef>
+            </p:style>
+            <p:txBody>
+              <a:bodyPr rtlCol="0" anchor="ctr"/>
+              <a:lstStyle/>
+              <a:p>
+                <a:pPr algn="ctr"/>
+                <a:endParaRPr lang="zh-TW" altLang="en-US" sz="1200" b="1" dirty="0">
+                  <a:latin typeface="微軟正黑體" panose="020B0604030504040204" pitchFamily="34" charset="-120"/>
+                  <a:ea typeface="微軟正黑體" panose="020B0604030504040204" pitchFamily="34" charset="-120"/>
+                </a:endParaRPr>
+              </a:p>
+            </p:txBody>
+          </p:sp>
+          <p:sp>
+            <p:nvSpPr>
+              <p:cNvPr id="211" name="平行四邊形 210"/>
+              <p:cNvSpPr/>
+              <p:nvPr/>
+            </p:nvSpPr>
+            <p:spPr>
+              <a:xfrm>
+                <a:off x="1731672" y="1326518"/>
+                <a:ext cx="365898" cy="234000"/>
+              </a:xfrm>
+              <a:custGeom>
+                <a:avLst/>
+                <a:gdLst>
+                  <a:gd name="connsiteX0" fmla="*/ 0 w 256568"/>
+                  <a:gd name="connsiteY0" fmla="*/ 243438 h 243438"/>
+                  <a:gd name="connsiteX1" fmla="*/ 60860 w 256568"/>
+                  <a:gd name="connsiteY1" fmla="*/ 0 h 243438"/>
+                  <a:gd name="connsiteX2" fmla="*/ 256568 w 256568"/>
+                  <a:gd name="connsiteY2" fmla="*/ 0 h 243438"/>
+                  <a:gd name="connsiteX3" fmla="*/ 195709 w 256568"/>
+                  <a:gd name="connsiteY3" fmla="*/ 243438 h 243438"/>
+                  <a:gd name="connsiteX4" fmla="*/ 0 w 256568"/>
+                  <a:gd name="connsiteY4" fmla="*/ 243438 h 243438"/>
+                  <a:gd name="connsiteX0" fmla="*/ 0 w 316203"/>
+                  <a:gd name="connsiteY0" fmla="*/ 213621 h 243438"/>
+                  <a:gd name="connsiteX1" fmla="*/ 120495 w 316203"/>
+                  <a:gd name="connsiteY1" fmla="*/ 0 h 243438"/>
+                  <a:gd name="connsiteX2" fmla="*/ 316203 w 316203"/>
+                  <a:gd name="connsiteY2" fmla="*/ 0 h 243438"/>
+                  <a:gd name="connsiteX3" fmla="*/ 255344 w 316203"/>
+                  <a:gd name="connsiteY3" fmla="*/ 243438 h 243438"/>
+                  <a:gd name="connsiteX4" fmla="*/ 0 w 316203"/>
+                  <a:gd name="connsiteY4" fmla="*/ 213621 h 243438"/>
+                  <a:gd name="connsiteX0" fmla="*/ 0 w 286386"/>
+                  <a:gd name="connsiteY0" fmla="*/ 213621 h 243438"/>
+                  <a:gd name="connsiteX1" fmla="*/ 90678 w 286386"/>
+                  <a:gd name="connsiteY1" fmla="*/ 0 h 243438"/>
+                  <a:gd name="connsiteX2" fmla="*/ 286386 w 286386"/>
+                  <a:gd name="connsiteY2" fmla="*/ 0 h 243438"/>
+                  <a:gd name="connsiteX3" fmla="*/ 225527 w 286386"/>
+                  <a:gd name="connsiteY3" fmla="*/ 243438 h 243438"/>
+                  <a:gd name="connsiteX4" fmla="*/ 0 w 286386"/>
+                  <a:gd name="connsiteY4" fmla="*/ 213621 h 243438"/>
+                  <a:gd name="connsiteX0" fmla="*/ 0 w 286386"/>
+                  <a:gd name="connsiteY0" fmla="*/ 213621 h 223560"/>
+                  <a:gd name="connsiteX1" fmla="*/ 90678 w 286386"/>
+                  <a:gd name="connsiteY1" fmla="*/ 0 h 223560"/>
+                  <a:gd name="connsiteX2" fmla="*/ 286386 w 286386"/>
+                  <a:gd name="connsiteY2" fmla="*/ 0 h 223560"/>
+                  <a:gd name="connsiteX3" fmla="*/ 245405 w 286386"/>
+                  <a:gd name="connsiteY3" fmla="*/ 223560 h 223560"/>
+                  <a:gd name="connsiteX4" fmla="*/ 0 w 286386"/>
+                  <a:gd name="connsiteY4" fmla="*/ 213621 h 223560"/>
+                  <a:gd name="connsiteX0" fmla="*/ 0 w 286386"/>
+                  <a:gd name="connsiteY0" fmla="*/ 213621 h 223560"/>
+                  <a:gd name="connsiteX1" fmla="*/ 90678 w 286386"/>
+                  <a:gd name="connsiteY1" fmla="*/ 0 h 223560"/>
+                  <a:gd name="connsiteX2" fmla="*/ 286386 w 286386"/>
+                  <a:gd name="connsiteY2" fmla="*/ 0 h 223560"/>
+                  <a:gd name="connsiteX3" fmla="*/ 195710 w 286386"/>
+                  <a:gd name="connsiteY3" fmla="*/ 223560 h 223560"/>
+                  <a:gd name="connsiteX4" fmla="*/ 0 w 286386"/>
+                  <a:gd name="connsiteY4" fmla="*/ 213621 h 223560"/>
+                  <a:gd name="connsiteX0" fmla="*/ 0 w 286386"/>
+                  <a:gd name="connsiteY0" fmla="*/ 213621 h 213621"/>
+                  <a:gd name="connsiteX1" fmla="*/ 90678 w 286386"/>
+                  <a:gd name="connsiteY1" fmla="*/ 0 h 213621"/>
+                  <a:gd name="connsiteX2" fmla="*/ 286386 w 286386"/>
+                  <a:gd name="connsiteY2" fmla="*/ 0 h 213621"/>
+                  <a:gd name="connsiteX3" fmla="*/ 185771 w 286386"/>
+                  <a:gd name="connsiteY3" fmla="*/ 213620 h 213621"/>
+                  <a:gd name="connsiteX4" fmla="*/ 0 w 286386"/>
+                  <a:gd name="connsiteY4" fmla="*/ 213621 h 213621"/>
+                  <a:gd name="connsiteX0" fmla="*/ 0 w 326142"/>
+                  <a:gd name="connsiteY0" fmla="*/ 213621 h 213621"/>
+                  <a:gd name="connsiteX1" fmla="*/ 90678 w 326142"/>
+                  <a:gd name="connsiteY1" fmla="*/ 0 h 213621"/>
+                  <a:gd name="connsiteX2" fmla="*/ 326142 w 326142"/>
+                  <a:gd name="connsiteY2" fmla="*/ 0 h 213621"/>
+                  <a:gd name="connsiteX3" fmla="*/ 185771 w 326142"/>
+                  <a:gd name="connsiteY3" fmla="*/ 213620 h 213621"/>
+                  <a:gd name="connsiteX4" fmla="*/ 0 w 326142"/>
+                  <a:gd name="connsiteY4" fmla="*/ 213621 h 213621"/>
+                  <a:gd name="connsiteX0" fmla="*/ 0 w 365898"/>
+                  <a:gd name="connsiteY0" fmla="*/ 213621 h 213621"/>
+                  <a:gd name="connsiteX1" fmla="*/ 130434 w 365898"/>
+                  <a:gd name="connsiteY1" fmla="*/ 0 h 213621"/>
+                  <a:gd name="connsiteX2" fmla="*/ 365898 w 365898"/>
+                  <a:gd name="connsiteY2" fmla="*/ 0 h 213621"/>
+                  <a:gd name="connsiteX3" fmla="*/ 225527 w 365898"/>
+                  <a:gd name="connsiteY3" fmla="*/ 213620 h 213621"/>
+                  <a:gd name="connsiteX4" fmla="*/ 0 w 365898"/>
+                  <a:gd name="connsiteY4" fmla="*/ 213621 h 213621"/>
+                  <a:gd name="connsiteX0" fmla="*/ 0 w 365898"/>
+                  <a:gd name="connsiteY0" fmla="*/ 213621 h 213621"/>
+                  <a:gd name="connsiteX1" fmla="*/ 120495 w 365898"/>
+                  <a:gd name="connsiteY1" fmla="*/ 0 h 213621"/>
+                  <a:gd name="connsiteX2" fmla="*/ 365898 w 365898"/>
+                  <a:gd name="connsiteY2" fmla="*/ 0 h 213621"/>
+                  <a:gd name="connsiteX3" fmla="*/ 225527 w 365898"/>
+                  <a:gd name="connsiteY3" fmla="*/ 213620 h 213621"/>
+                  <a:gd name="connsiteX4" fmla="*/ 0 w 365898"/>
+                  <a:gd name="connsiteY4" fmla="*/ 213621 h 213621"/>
+                  <a:gd name="connsiteX0" fmla="*/ 0 w 365898"/>
+                  <a:gd name="connsiteY0" fmla="*/ 213621 h 213621"/>
+                  <a:gd name="connsiteX1" fmla="*/ 140373 w 365898"/>
+                  <a:gd name="connsiteY1" fmla="*/ 0 h 213621"/>
+                  <a:gd name="connsiteX2" fmla="*/ 365898 w 365898"/>
+                  <a:gd name="connsiteY2" fmla="*/ 0 h 213621"/>
+                  <a:gd name="connsiteX3" fmla="*/ 225527 w 365898"/>
+                  <a:gd name="connsiteY3" fmla="*/ 213620 h 213621"/>
+                  <a:gd name="connsiteX4" fmla="*/ 0 w 365898"/>
+                  <a:gd name="connsiteY4" fmla="*/ 213621 h 213621"/>
+                </a:gdLst>
+                <a:ahLst/>
+                <a:cxnLst>
+                  <a:cxn ang="0">
+                    <a:pos x="connsiteX0" y="connsiteY0"/>
+                  </a:cxn>
+                  <a:cxn ang="0">
+                    <a:pos x="connsiteX1" y="connsiteY1"/>
+                  </a:cxn>
+                  <a:cxn ang="0">
+                    <a:pos x="connsiteX2" y="connsiteY2"/>
+                  </a:cxn>
+                  <a:cxn ang="0">
+                    <a:pos x="connsiteX3" y="connsiteY3"/>
+                  </a:cxn>
+                  <a:cxn ang="0">
+                    <a:pos x="connsiteX4" y="connsiteY4"/>
+                  </a:cxn>
+                </a:cxnLst>
+                <a:rect l="l" t="t" r="r" b="b"/>
+                <a:pathLst>
+                  <a:path w="365898" h="213621">
+                    <a:moveTo>
+                      <a:pt x="0" y="213621"/>
+                    </a:moveTo>
+                    <a:lnTo>
+                      <a:pt x="140373" y="0"/>
+                    </a:lnTo>
+                    <a:lnTo>
+                      <a:pt x="365898" y="0"/>
+                    </a:lnTo>
+                    <a:lnTo>
+                      <a:pt x="225527" y="213620"/>
+                    </a:lnTo>
+                    <a:lnTo>
+                      <a:pt x="0" y="213621"/>
+                    </a:lnTo>
+                    <a:close/>
+                  </a:path>
+                </a:pathLst>
+              </a:custGeom>
+              <a:solidFill>
+                <a:srgbClr val="5DADC5"/>
+              </a:solidFill>
+              <a:ln>
+                <a:noFill/>
+              </a:ln>
+              <a:effectLst>
+                <a:outerShdw blurRad="50800" dist="38100" dir="2700000" algn="tl" rotWithShape="0">
+                  <a:prstClr val="black">
+                    <a:alpha val="40000"/>
+                  </a:prstClr>
+                </a:outerShdw>
+              </a:effectLst>
+            </p:spPr>
+            <p:style>
+              <a:lnRef idx="2">
+                <a:schemeClr val="accent1">
+                  <a:shade val="50000"/>
+                </a:schemeClr>
+              </a:lnRef>
+              <a:fillRef idx="1">
+                <a:schemeClr val="accent1"/>
+              </a:fillRef>
+              <a:effectRef idx="0">
+                <a:schemeClr val="accent1"/>
+              </a:effectRef>
+              <a:fontRef idx="minor">
+                <a:schemeClr val="lt1"/>
+              </a:fontRef>
+            </p:style>
+            <p:txBody>
+              <a:bodyPr rtlCol="0" anchor="ctr"/>
+              <a:lstStyle/>
+              <a:p>
+                <a:pPr algn="ctr"/>
+                <a:endParaRPr lang="zh-TW" altLang="en-US"/>
+              </a:p>
+            </p:txBody>
+          </p:sp>
+        </p:grpSp>
+        <p:sp>
+          <p:nvSpPr>
+            <p:cNvPr id="13" name="文字方塊 12"/>
+            <p:cNvSpPr txBox="1"/>
+            <p:nvPr/>
+          </p:nvSpPr>
+          <p:spPr>
+            <a:xfrm>
+              <a:off x="728375" y="1307469"/>
+              <a:ext cx="914617" cy="276999"/>
+            </a:xfrm>
+            <a:prstGeom prst="rect">
+              <a:avLst/>
+            </a:prstGeom>
+            <a:noFill/>
+          </p:spPr>
+          <p:txBody>
+            <a:bodyPr wrap="square" rtlCol="0">
+              <a:spAutoFit/>
+            </a:bodyPr>
+            <a:lstStyle/>
+            <a:p>
+              <a:r>
+                <a:rPr lang="zh-TW" altLang="en-US" sz="1200" b="1" dirty="0" smtClean="0">
+                  <a:solidFill>
+                    <a:schemeClr val="bg1"/>
+                  </a:solidFill>
+                </a:rPr>
+                <a:t>過去模式</a:t>
+              </a:r>
+              <a:endParaRPr lang="zh-TW" altLang="en-US" sz="1200" b="1" dirty="0">
+                <a:solidFill>
+                  <a:schemeClr val="bg1"/>
+                </a:solidFill>
+              </a:endParaRPr>
+            </a:p>
+          </p:txBody>
+        </p:sp>
+      </p:grpSp>
+      <p:grpSp>
+        <p:nvGrpSpPr>
+          <p:cNvPr id="212" name="群組 211"/>
+          <p:cNvGrpSpPr/>
+          <p:nvPr/>
+        </p:nvGrpSpPr>
+        <p:grpSpPr>
+          <a:xfrm>
+            <a:off x="457345" y="2158701"/>
+            <a:ext cx="1640225" cy="276999"/>
+            <a:chOff x="457345" y="2158701"/>
+            <a:chExt cx="1640225" cy="276999"/>
+          </a:xfrm>
+        </p:grpSpPr>
+        <p:sp>
+          <p:nvSpPr>
+            <p:cNvPr id="220" name="矩形 14"/>
+            <p:cNvSpPr/>
+            <p:nvPr/>
+          </p:nvSpPr>
+          <p:spPr>
+            <a:xfrm>
+              <a:off x="457345" y="2172007"/>
+              <a:ext cx="1345665" cy="239743"/>
+            </a:xfrm>
+            <a:custGeom>
+              <a:avLst/>
+              <a:gdLst>
+                <a:gd name="connsiteX0" fmla="*/ 0 w 1307008"/>
+                <a:gd name="connsiteY0" fmla="*/ 0 h 239743"/>
+                <a:gd name="connsiteX1" fmla="*/ 1307008 w 1307008"/>
+                <a:gd name="connsiteY1" fmla="*/ 0 h 239743"/>
+                <a:gd name="connsiteX2" fmla="*/ 1307008 w 1307008"/>
+                <a:gd name="connsiteY2" fmla="*/ 239743 h 239743"/>
+                <a:gd name="connsiteX3" fmla="*/ 0 w 1307008"/>
+                <a:gd name="connsiteY3" fmla="*/ 239743 h 239743"/>
+                <a:gd name="connsiteX4" fmla="*/ 0 w 1307008"/>
+                <a:gd name="connsiteY4" fmla="*/ 0 h 239743"/>
+                <a:gd name="connsiteX0" fmla="*/ 0 w 1307008"/>
+                <a:gd name="connsiteY0" fmla="*/ 0 h 239743"/>
+                <a:gd name="connsiteX1" fmla="*/ 1307008 w 1307008"/>
+                <a:gd name="connsiteY1" fmla="*/ 0 h 239743"/>
+                <a:gd name="connsiteX2" fmla="*/ 1028712 w 1307008"/>
+                <a:gd name="connsiteY2" fmla="*/ 239743 h 239743"/>
+                <a:gd name="connsiteX3" fmla="*/ 0 w 1307008"/>
+                <a:gd name="connsiteY3" fmla="*/ 239743 h 239743"/>
+                <a:gd name="connsiteX4" fmla="*/ 0 w 1307008"/>
+                <a:gd name="connsiteY4" fmla="*/ 0 h 239743"/>
+                <a:gd name="connsiteX0" fmla="*/ 0 w 1157921"/>
+                <a:gd name="connsiteY0" fmla="*/ 0 h 239743"/>
+                <a:gd name="connsiteX1" fmla="*/ 1157921 w 1157921"/>
+                <a:gd name="connsiteY1" fmla="*/ 0 h 239743"/>
+                <a:gd name="connsiteX2" fmla="*/ 1028712 w 1157921"/>
+                <a:gd name="connsiteY2" fmla="*/ 239743 h 239743"/>
+                <a:gd name="connsiteX3" fmla="*/ 0 w 1157921"/>
+                <a:gd name="connsiteY3" fmla="*/ 239743 h 239743"/>
+                <a:gd name="connsiteX4" fmla="*/ 0 w 1157921"/>
+                <a:gd name="connsiteY4" fmla="*/ 0 h 239743"/>
+                <a:gd name="connsiteX0" fmla="*/ 0 w 1147982"/>
+                <a:gd name="connsiteY0" fmla="*/ 0 h 239743"/>
+                <a:gd name="connsiteX1" fmla="*/ 1147982 w 1147982"/>
+                <a:gd name="connsiteY1" fmla="*/ 9940 h 239743"/>
+                <a:gd name="connsiteX2" fmla="*/ 1028712 w 1147982"/>
+                <a:gd name="connsiteY2" fmla="*/ 239743 h 239743"/>
+                <a:gd name="connsiteX3" fmla="*/ 0 w 1147982"/>
+                <a:gd name="connsiteY3" fmla="*/ 239743 h 239743"/>
+                <a:gd name="connsiteX4" fmla="*/ 0 w 1147982"/>
+                <a:gd name="connsiteY4" fmla="*/ 0 h 239743"/>
+                <a:gd name="connsiteX0" fmla="*/ 0 w 1108225"/>
+                <a:gd name="connsiteY0" fmla="*/ 0 h 239743"/>
+                <a:gd name="connsiteX1" fmla="*/ 1108225 w 1108225"/>
+                <a:gd name="connsiteY1" fmla="*/ 9940 h 239743"/>
+                <a:gd name="connsiteX2" fmla="*/ 1028712 w 1108225"/>
+                <a:gd name="connsiteY2" fmla="*/ 239743 h 239743"/>
+                <a:gd name="connsiteX3" fmla="*/ 0 w 1108225"/>
+                <a:gd name="connsiteY3" fmla="*/ 239743 h 239743"/>
+                <a:gd name="connsiteX4" fmla="*/ 0 w 1108225"/>
+                <a:gd name="connsiteY4" fmla="*/ 0 h 239743"/>
+                <a:gd name="connsiteX0" fmla="*/ 0 w 1147982"/>
+                <a:gd name="connsiteY0" fmla="*/ 0 h 239743"/>
+                <a:gd name="connsiteX1" fmla="*/ 1147982 w 1147982"/>
+                <a:gd name="connsiteY1" fmla="*/ 9940 h 239743"/>
+                <a:gd name="connsiteX2" fmla="*/ 1028712 w 1147982"/>
+                <a:gd name="connsiteY2" fmla="*/ 239743 h 239743"/>
+                <a:gd name="connsiteX3" fmla="*/ 0 w 1147982"/>
+                <a:gd name="connsiteY3" fmla="*/ 239743 h 239743"/>
+                <a:gd name="connsiteX4" fmla="*/ 0 w 1147982"/>
+                <a:gd name="connsiteY4" fmla="*/ 0 h 239743"/>
+                <a:gd name="connsiteX0" fmla="*/ 0 w 1147982"/>
+                <a:gd name="connsiteY0" fmla="*/ 0 h 239743"/>
+                <a:gd name="connsiteX1" fmla="*/ 1147982 w 1147982"/>
+                <a:gd name="connsiteY1" fmla="*/ 9940 h 239743"/>
+                <a:gd name="connsiteX2" fmla="*/ 1088346 w 1147982"/>
+                <a:gd name="connsiteY2" fmla="*/ 239743 h 239743"/>
+                <a:gd name="connsiteX3" fmla="*/ 0 w 1147982"/>
+                <a:gd name="connsiteY3" fmla="*/ 239743 h 239743"/>
+                <a:gd name="connsiteX4" fmla="*/ 0 w 1147982"/>
+                <a:gd name="connsiteY4" fmla="*/ 0 h 239743"/>
+                <a:gd name="connsiteX0" fmla="*/ 0 w 1228779"/>
+                <a:gd name="connsiteY0" fmla="*/ 0 h 239743"/>
+                <a:gd name="connsiteX1" fmla="*/ 1228779 w 1228779"/>
+                <a:gd name="connsiteY1" fmla="*/ 9940 h 239743"/>
+                <a:gd name="connsiteX2" fmla="*/ 1088346 w 1228779"/>
+                <a:gd name="connsiteY2" fmla="*/ 239743 h 239743"/>
+                <a:gd name="connsiteX3" fmla="*/ 0 w 1228779"/>
+                <a:gd name="connsiteY3" fmla="*/ 239743 h 239743"/>
+                <a:gd name="connsiteX4" fmla="*/ 0 w 1228779"/>
+                <a:gd name="connsiteY4" fmla="*/ 0 h 239743"/>
+                <a:gd name="connsiteX0" fmla="*/ 0 w 1208797"/>
+                <a:gd name="connsiteY0" fmla="*/ 0 h 239743"/>
+                <a:gd name="connsiteX1" fmla="*/ 1208797 w 1208797"/>
+                <a:gd name="connsiteY1" fmla="*/ 9940 h 239743"/>
+                <a:gd name="connsiteX2" fmla="*/ 1088346 w 1208797"/>
+                <a:gd name="connsiteY2" fmla="*/ 239743 h 239743"/>
+                <a:gd name="connsiteX3" fmla="*/ 0 w 1208797"/>
+                <a:gd name="connsiteY3" fmla="*/ 239743 h 239743"/>
+                <a:gd name="connsiteX4" fmla="*/ 0 w 1208797"/>
+                <a:gd name="connsiteY4" fmla="*/ 0 h 239743"/>
+                <a:gd name="connsiteX0" fmla="*/ 0 w 1215457"/>
+                <a:gd name="connsiteY0" fmla="*/ 0 h 239743"/>
+                <a:gd name="connsiteX1" fmla="*/ 1215457 w 1215457"/>
+                <a:gd name="connsiteY1" fmla="*/ 9940 h 239743"/>
+                <a:gd name="connsiteX2" fmla="*/ 1088346 w 1215457"/>
+                <a:gd name="connsiteY2" fmla="*/ 239743 h 239743"/>
+                <a:gd name="connsiteX3" fmla="*/ 0 w 1215457"/>
+                <a:gd name="connsiteY3" fmla="*/ 239743 h 239743"/>
+                <a:gd name="connsiteX4" fmla="*/ 0 w 1215457"/>
+                <a:gd name="connsiteY4" fmla="*/ 0 h 239743"/>
+              </a:gdLst>
+              <a:ahLst/>
+              <a:cxnLst>
+                <a:cxn ang="0">
+                  <a:pos x="connsiteX0" y="connsiteY0"/>
+                </a:cxn>
+                <a:cxn ang="0">
+                  <a:pos x="connsiteX1" y="connsiteY1"/>
+                </a:cxn>
+                <a:cxn ang="0">
+                  <a:pos x="connsiteX2" y="connsiteY2"/>
+                </a:cxn>
+                <a:cxn ang="0">
+                  <a:pos x="connsiteX3" y="connsiteY3"/>
+                </a:cxn>
+                <a:cxn ang="0">
+                  <a:pos x="connsiteX4" y="connsiteY4"/>
+                </a:cxn>
+              </a:cxnLst>
+              <a:rect l="l" t="t" r="r" b="b"/>
+              <a:pathLst>
+                <a:path w="1215457" h="239743">
+                  <a:moveTo>
+                    <a:pt x="0" y="0"/>
+                  </a:moveTo>
+                  <a:lnTo>
+                    <a:pt x="1215457" y="9940"/>
+                  </a:lnTo>
+                  <a:lnTo>
+                    <a:pt x="1088346" y="239743"/>
+                  </a:lnTo>
+                  <a:lnTo>
+                    <a:pt x="0" y="239743"/>
+                  </a:lnTo>
+                  <a:lnTo>
+                    <a:pt x="0" y="0"/>
+                  </a:lnTo>
+                  <a:close/>
+                </a:path>
+              </a:pathLst>
+            </a:custGeom>
+            <a:solidFill>
+              <a:srgbClr val="71ABBA"/>
+            </a:solidFill>
+            <a:ln>
+              <a:noFill/>
+            </a:ln>
+            <a:effectLst>
+              <a:outerShdw blurRad="50800" dist="38100" dir="2700000" algn="tl" rotWithShape="0">
+                <a:prstClr val="black">
+                  <a:alpha val="40000"/>
+                </a:prstClr>
+              </a:outerShdw>
+            </a:effectLst>
+          </p:spPr>
+          <p:style>
+            <a:lnRef idx="2">
+              <a:schemeClr val="accent1">
+                <a:shade val="50000"/>
+              </a:schemeClr>
+            </a:lnRef>
+            <a:fillRef idx="1">
+              <a:schemeClr val="accent1"/>
+            </a:fillRef>
+            <a:effectRef idx="0">
+              <a:schemeClr val="accent1"/>
+            </a:effectRef>
+            <a:fontRef idx="minor">
+              <a:schemeClr val="lt1"/>
+            </a:fontRef>
+          </p:style>
+          <p:txBody>
+            <a:bodyPr rtlCol="0" anchor="ctr"/>
+            <a:lstStyle/>
+            <a:p>
+              <a:pPr algn="ctr"/>
+              <a:endParaRPr lang="zh-TW" altLang="en-US" sz="1200" b="1" dirty="0">
+                <a:latin typeface="微軟正黑體" panose="020B0604030504040204" pitchFamily="34" charset="-120"/>
+                <a:ea typeface="微軟正黑體" panose="020B0604030504040204" pitchFamily="34" charset="-120"/>
+              </a:endParaRPr>
+            </a:p>
+          </p:txBody>
+        </p:sp>
+        <p:sp>
+          <p:nvSpPr>
+            <p:cNvPr id="221" name="平行四邊形 210"/>
+            <p:cNvSpPr/>
+            <p:nvPr/>
+          </p:nvSpPr>
+          <p:spPr>
+            <a:xfrm>
+              <a:off x="1731672" y="2177750"/>
+              <a:ext cx="365898" cy="234000"/>
+            </a:xfrm>
+            <a:custGeom>
+              <a:avLst/>
+              <a:gdLst>
+                <a:gd name="connsiteX0" fmla="*/ 0 w 256568"/>
+                <a:gd name="connsiteY0" fmla="*/ 243438 h 243438"/>
+                <a:gd name="connsiteX1" fmla="*/ 60860 w 256568"/>
+                <a:gd name="connsiteY1" fmla="*/ 0 h 243438"/>
+                <a:gd name="connsiteX2" fmla="*/ 256568 w 256568"/>
+                <a:gd name="connsiteY2" fmla="*/ 0 h 243438"/>
+                <a:gd name="connsiteX3" fmla="*/ 195709 w 256568"/>
+                <a:gd name="connsiteY3" fmla="*/ 243438 h 243438"/>
+                <a:gd name="connsiteX4" fmla="*/ 0 w 256568"/>
+                <a:gd name="connsiteY4" fmla="*/ 243438 h 243438"/>
+                <a:gd name="connsiteX0" fmla="*/ 0 w 316203"/>
+                <a:gd name="connsiteY0" fmla="*/ 213621 h 243438"/>
+                <a:gd name="connsiteX1" fmla="*/ 120495 w 316203"/>
+                <a:gd name="connsiteY1" fmla="*/ 0 h 243438"/>
+                <a:gd name="connsiteX2" fmla="*/ 316203 w 316203"/>
+                <a:gd name="connsiteY2" fmla="*/ 0 h 243438"/>
+                <a:gd name="connsiteX3" fmla="*/ 255344 w 316203"/>
+                <a:gd name="connsiteY3" fmla="*/ 243438 h 243438"/>
+                <a:gd name="connsiteX4" fmla="*/ 0 w 316203"/>
+                <a:gd name="connsiteY4" fmla="*/ 213621 h 243438"/>
+                <a:gd name="connsiteX0" fmla="*/ 0 w 286386"/>
+                <a:gd name="connsiteY0" fmla="*/ 213621 h 243438"/>
+                <a:gd name="connsiteX1" fmla="*/ 90678 w 286386"/>
+                <a:gd name="connsiteY1" fmla="*/ 0 h 243438"/>
+                <a:gd name="connsiteX2" fmla="*/ 286386 w 286386"/>
+                <a:gd name="connsiteY2" fmla="*/ 0 h 243438"/>
+                <a:gd name="connsiteX3" fmla="*/ 225527 w 286386"/>
+                <a:gd name="connsiteY3" fmla="*/ 243438 h 243438"/>
+                <a:gd name="connsiteX4" fmla="*/ 0 w 286386"/>
+                <a:gd name="connsiteY4" fmla="*/ 213621 h 243438"/>
+                <a:gd name="connsiteX0" fmla="*/ 0 w 286386"/>
+                <a:gd name="connsiteY0" fmla="*/ 213621 h 223560"/>
+                <a:gd name="connsiteX1" fmla="*/ 90678 w 286386"/>
+                <a:gd name="connsiteY1" fmla="*/ 0 h 223560"/>
+                <a:gd name="connsiteX2" fmla="*/ 286386 w 286386"/>
+                <a:gd name="connsiteY2" fmla="*/ 0 h 223560"/>
+                <a:gd name="connsiteX3" fmla="*/ 245405 w 286386"/>
+                <a:gd name="connsiteY3" fmla="*/ 223560 h 223560"/>
+                <a:gd name="connsiteX4" fmla="*/ 0 w 286386"/>
+                <a:gd name="connsiteY4" fmla="*/ 213621 h 223560"/>
+                <a:gd name="connsiteX0" fmla="*/ 0 w 286386"/>
+                <a:gd name="connsiteY0" fmla="*/ 213621 h 223560"/>
+                <a:gd name="connsiteX1" fmla="*/ 90678 w 286386"/>
+                <a:gd name="connsiteY1" fmla="*/ 0 h 223560"/>
+                <a:gd name="connsiteX2" fmla="*/ 286386 w 286386"/>
+                <a:gd name="connsiteY2" fmla="*/ 0 h 223560"/>
+                <a:gd name="connsiteX3" fmla="*/ 195710 w 286386"/>
+                <a:gd name="connsiteY3" fmla="*/ 223560 h 223560"/>
+                <a:gd name="connsiteX4" fmla="*/ 0 w 286386"/>
+                <a:gd name="connsiteY4" fmla="*/ 213621 h 223560"/>
+                <a:gd name="connsiteX0" fmla="*/ 0 w 286386"/>
+                <a:gd name="connsiteY0" fmla="*/ 213621 h 213621"/>
+                <a:gd name="connsiteX1" fmla="*/ 90678 w 286386"/>
+                <a:gd name="connsiteY1" fmla="*/ 0 h 213621"/>
+                <a:gd name="connsiteX2" fmla="*/ 286386 w 286386"/>
+                <a:gd name="connsiteY2" fmla="*/ 0 h 213621"/>
+                <a:gd name="connsiteX3" fmla="*/ 185771 w 286386"/>
+                <a:gd name="connsiteY3" fmla="*/ 213620 h 213621"/>
+                <a:gd name="connsiteX4" fmla="*/ 0 w 286386"/>
+                <a:gd name="connsiteY4" fmla="*/ 213621 h 213621"/>
+                <a:gd name="connsiteX0" fmla="*/ 0 w 326142"/>
+                <a:gd name="connsiteY0" fmla="*/ 213621 h 213621"/>
+                <a:gd name="connsiteX1" fmla="*/ 90678 w 326142"/>
+                <a:gd name="connsiteY1" fmla="*/ 0 h 213621"/>
+                <a:gd name="connsiteX2" fmla="*/ 326142 w 326142"/>
+                <a:gd name="connsiteY2" fmla="*/ 0 h 213621"/>
+                <a:gd name="connsiteX3" fmla="*/ 185771 w 326142"/>
+                <a:gd name="connsiteY3" fmla="*/ 213620 h 213621"/>
+                <a:gd name="connsiteX4" fmla="*/ 0 w 326142"/>
+                <a:gd name="connsiteY4" fmla="*/ 213621 h 213621"/>
+                <a:gd name="connsiteX0" fmla="*/ 0 w 365898"/>
+                <a:gd name="connsiteY0" fmla="*/ 213621 h 213621"/>
+                <a:gd name="connsiteX1" fmla="*/ 130434 w 365898"/>
+                <a:gd name="connsiteY1" fmla="*/ 0 h 213621"/>
+                <a:gd name="connsiteX2" fmla="*/ 365898 w 365898"/>
+                <a:gd name="connsiteY2" fmla="*/ 0 h 213621"/>
+                <a:gd name="connsiteX3" fmla="*/ 225527 w 365898"/>
+                <a:gd name="connsiteY3" fmla="*/ 213620 h 213621"/>
+                <a:gd name="connsiteX4" fmla="*/ 0 w 365898"/>
+                <a:gd name="connsiteY4" fmla="*/ 213621 h 213621"/>
+                <a:gd name="connsiteX0" fmla="*/ 0 w 365898"/>
+                <a:gd name="connsiteY0" fmla="*/ 213621 h 213621"/>
+                <a:gd name="connsiteX1" fmla="*/ 120495 w 365898"/>
+                <a:gd name="connsiteY1" fmla="*/ 0 h 213621"/>
+                <a:gd name="connsiteX2" fmla="*/ 365898 w 365898"/>
+                <a:gd name="connsiteY2" fmla="*/ 0 h 213621"/>
+                <a:gd name="connsiteX3" fmla="*/ 225527 w 365898"/>
+                <a:gd name="connsiteY3" fmla="*/ 213620 h 213621"/>
+                <a:gd name="connsiteX4" fmla="*/ 0 w 365898"/>
+                <a:gd name="connsiteY4" fmla="*/ 213621 h 213621"/>
+                <a:gd name="connsiteX0" fmla="*/ 0 w 365898"/>
+                <a:gd name="connsiteY0" fmla="*/ 213621 h 213621"/>
+                <a:gd name="connsiteX1" fmla="*/ 140373 w 365898"/>
+                <a:gd name="connsiteY1" fmla="*/ 0 h 213621"/>
+                <a:gd name="connsiteX2" fmla="*/ 365898 w 365898"/>
+                <a:gd name="connsiteY2" fmla="*/ 0 h 213621"/>
+                <a:gd name="connsiteX3" fmla="*/ 225527 w 365898"/>
+                <a:gd name="connsiteY3" fmla="*/ 213620 h 213621"/>
+                <a:gd name="connsiteX4" fmla="*/ 0 w 365898"/>
+                <a:gd name="connsiteY4" fmla="*/ 213621 h 213621"/>
+              </a:gdLst>
+              <a:ahLst/>
+              <a:cxnLst>
+                <a:cxn ang="0">
+                  <a:pos x="connsiteX0" y="connsiteY0"/>
+                </a:cxn>
+                <a:cxn ang="0">
+                  <a:pos x="connsiteX1" y="connsiteY1"/>
+                </a:cxn>
+                <a:cxn ang="0">
+                  <a:pos x="connsiteX2" y="connsiteY2"/>
+                </a:cxn>
+                <a:cxn ang="0">
+                  <a:pos x="connsiteX3" y="connsiteY3"/>
+                </a:cxn>
+                <a:cxn ang="0">
+                  <a:pos x="connsiteX4" y="connsiteY4"/>
+                </a:cxn>
+              </a:cxnLst>
+              <a:rect l="l" t="t" r="r" b="b"/>
+              <a:pathLst>
+                <a:path w="365898" h="213621">
+                  <a:moveTo>
+                    <a:pt x="0" y="213621"/>
+                  </a:moveTo>
+                  <a:lnTo>
+                    <a:pt x="140373" y="0"/>
+                  </a:lnTo>
+                  <a:lnTo>
+                    <a:pt x="365898" y="0"/>
+                  </a:lnTo>
+                  <a:lnTo>
+                    <a:pt x="225527" y="213620"/>
+                  </a:lnTo>
+                  <a:lnTo>
+                    <a:pt x="0" y="213621"/>
+                  </a:lnTo>
+                  <a:close/>
+                </a:path>
+              </a:pathLst>
+            </a:custGeom>
+            <a:solidFill>
+              <a:srgbClr val="85C0C4"/>
+            </a:solidFill>
+            <a:ln>
+              <a:noFill/>
+            </a:ln>
+            <a:effectLst>
+              <a:outerShdw blurRad="50800" dist="38100" dir="2700000" algn="tl" rotWithShape="0">
+                <a:prstClr val="black">
+                  <a:alpha val="40000"/>
+                </a:prstClr>
+              </a:outerShdw>
+            </a:effectLst>
+          </p:spPr>
+          <p:style>
+            <a:lnRef idx="2">
+              <a:schemeClr val="accent1">
+                <a:shade val="50000"/>
+              </a:schemeClr>
+            </a:lnRef>
+            <a:fillRef idx="1">
+              <a:schemeClr val="accent1"/>
+            </a:fillRef>
+            <a:effectRef idx="0">
+              <a:schemeClr val="accent1"/>
+            </a:effectRef>
+            <a:fontRef idx="minor">
+              <a:schemeClr val="lt1"/>
+            </a:fontRef>
+          </p:style>
+          <p:txBody>
+            <a:bodyPr rtlCol="0" anchor="ctr"/>
+            <a:lstStyle/>
+            <a:p>
+              <a:pPr algn="ctr"/>
+              <a:endParaRPr lang="zh-TW" altLang="en-US"/>
+            </a:p>
+          </p:txBody>
+        </p:sp>
+        <p:sp>
+          <p:nvSpPr>
+            <p:cNvPr id="222" name="文字方塊 221"/>
+            <p:cNvSpPr txBox="1"/>
+            <p:nvPr/>
+          </p:nvSpPr>
+          <p:spPr>
+            <a:xfrm>
+              <a:off x="728375" y="2158701"/>
+              <a:ext cx="914617" cy="276999"/>
+            </a:xfrm>
+            <a:prstGeom prst="rect">
+              <a:avLst/>
+            </a:prstGeom>
+            <a:noFill/>
+          </p:spPr>
+          <p:txBody>
+            <a:bodyPr wrap="square" rtlCol="0">
+              <a:spAutoFit/>
+            </a:bodyPr>
+            <a:lstStyle/>
+            <a:p>
+              <a:r>
+                <a:rPr lang="zh-TW" altLang="en-US" sz="1200" b="1" dirty="0" smtClean="0">
+                  <a:solidFill>
+                    <a:schemeClr val="bg1"/>
+                  </a:solidFill>
+                </a:rPr>
+                <a:t>預期目標</a:t>
+              </a:r>
+              <a:endParaRPr lang="zh-TW" altLang="en-US" sz="1200" b="1" dirty="0">
+                <a:solidFill>
+                  <a:schemeClr val="bg1"/>
+                </a:solidFill>
+              </a:endParaRPr>
+            </a:p>
+          </p:txBody>
+        </p:sp>
+      </p:grpSp>
     </p:spTree>
     <p:extLst>
       <p:ext uri="{BB962C8B-B14F-4D97-AF65-F5344CB8AC3E}">
@@ -32886,7 +36721,7 @@
                             </p:stCondLst>
                             <p:childTnLst>
                               <p:par>
-                                <p:cTn id="5" presetID="10" presetClass="entr" presetSubtype="0" fill="hold" grpId="0" nodeType="clickEffect">
+                                <p:cTn id="5" presetID="10" presetClass="entr" presetSubtype="0" fill="hold" nodeType="clickEffect">
                                   <p:stCondLst>
                                     <p:cond delay="0"/>
                                   </p:stCondLst>
@@ -32894,270 +36729,6 @@
                                     <p:set>
                                       <p:cBhvr>
                                         <p:cTn id="6" dur="1" fill="hold">
-                                          <p:stCondLst>
-                                            <p:cond delay="0"/>
-                                          </p:stCondLst>
-                                        </p:cTn>
-                                        <p:tgtEl>
-                                          <p:spTgt spid="15"/>
-                                        </p:tgtEl>
-                                        <p:attrNameLst>
-                                          <p:attrName>style.visibility</p:attrName>
-                                        </p:attrNameLst>
-                                      </p:cBhvr>
-                                      <p:to>
-                                        <p:strVal val="visible"/>
-                                      </p:to>
-                                    </p:set>
-                                    <p:animEffect transition="in" filter="fade">
-                                      <p:cBhvr>
-                                        <p:cTn id="7" dur="500"/>
-                                        <p:tgtEl>
-                                          <p:spTgt spid="15"/>
-                                        </p:tgtEl>
-                                      </p:cBhvr>
-                                    </p:animEffect>
-                                  </p:childTnLst>
-                                </p:cTn>
-                              </p:par>
-                              <p:par>
-                                <p:cTn id="8" presetID="10" presetClass="entr" presetSubtype="0" fill="hold" grpId="0" nodeType="withEffect">
-                                  <p:stCondLst>
-                                    <p:cond delay="0"/>
-                                  </p:stCondLst>
-                                  <p:childTnLst>
-                                    <p:set>
-                                      <p:cBhvr>
-                                        <p:cTn id="9" dur="1" fill="hold">
-                                          <p:stCondLst>
-                                            <p:cond delay="0"/>
-                                          </p:stCondLst>
-                                        </p:cTn>
-                                        <p:tgtEl>
-                                          <p:spTgt spid="17"/>
-                                        </p:tgtEl>
-                                        <p:attrNameLst>
-                                          <p:attrName>style.visibility</p:attrName>
-                                        </p:attrNameLst>
-                                      </p:cBhvr>
-                                      <p:to>
-                                        <p:strVal val="visible"/>
-                                      </p:to>
-                                    </p:set>
-                                    <p:animEffect transition="in" filter="fade">
-                                      <p:cBhvr>
-                                        <p:cTn id="10" dur="500"/>
-                                        <p:tgtEl>
-                                          <p:spTgt spid="17"/>
-                                        </p:tgtEl>
-                                      </p:cBhvr>
-                                    </p:animEffect>
-                                  </p:childTnLst>
-                                </p:cTn>
-                              </p:par>
-                            </p:childTnLst>
-                          </p:cTn>
-                        </p:par>
-                      </p:childTnLst>
-                    </p:cTn>
-                  </p:par>
-                  <p:par>
-                    <p:cTn id="11" fill="hold">
-                      <p:stCondLst>
-                        <p:cond delay="indefinite"/>
-                      </p:stCondLst>
-                      <p:childTnLst>
-                        <p:par>
-                          <p:cTn id="12" fill="hold">
-                            <p:stCondLst>
-                              <p:cond delay="0"/>
-                            </p:stCondLst>
-                            <p:childTnLst>
-                              <p:par>
-                                <p:cTn id="13" presetID="10" presetClass="entr" presetSubtype="0" fill="hold" grpId="0" nodeType="clickEffect">
-                                  <p:stCondLst>
-                                    <p:cond delay="0"/>
-                                  </p:stCondLst>
-                                  <p:childTnLst>
-                                    <p:set>
-                                      <p:cBhvr>
-                                        <p:cTn id="14" dur="1" fill="hold">
-                                          <p:stCondLst>
-                                            <p:cond delay="0"/>
-                                          </p:stCondLst>
-                                        </p:cTn>
-                                        <p:tgtEl>
-                                          <p:spTgt spid="18"/>
-                                        </p:tgtEl>
-                                        <p:attrNameLst>
-                                          <p:attrName>style.visibility</p:attrName>
-                                        </p:attrNameLst>
-                                      </p:cBhvr>
-                                      <p:to>
-                                        <p:strVal val="visible"/>
-                                      </p:to>
-                                    </p:set>
-                                    <p:animEffect transition="in" filter="fade">
-                                      <p:cBhvr>
-                                        <p:cTn id="15" dur="500"/>
-                                        <p:tgtEl>
-                                          <p:spTgt spid="18"/>
-                                        </p:tgtEl>
-                                      </p:cBhvr>
-                                    </p:animEffect>
-                                  </p:childTnLst>
-                                </p:cTn>
-                              </p:par>
-                              <p:par>
-                                <p:cTn id="16" presetID="10" presetClass="entr" presetSubtype="0" fill="hold" grpId="0" nodeType="withEffect">
-                                  <p:stCondLst>
-                                    <p:cond delay="0"/>
-                                  </p:stCondLst>
-                                  <p:childTnLst>
-                                    <p:set>
-                                      <p:cBhvr>
-                                        <p:cTn id="17" dur="1" fill="hold">
-                                          <p:stCondLst>
-                                            <p:cond delay="0"/>
-                                          </p:stCondLst>
-                                        </p:cTn>
-                                        <p:tgtEl>
-                                          <p:spTgt spid="16"/>
-                                        </p:tgtEl>
-                                        <p:attrNameLst>
-                                          <p:attrName>style.visibility</p:attrName>
-                                        </p:attrNameLst>
-                                      </p:cBhvr>
-                                      <p:to>
-                                        <p:strVal val="visible"/>
-                                      </p:to>
-                                    </p:set>
-                                    <p:animEffect transition="in" filter="fade">
-                                      <p:cBhvr>
-                                        <p:cTn id="18" dur="500"/>
-                                        <p:tgtEl>
-                                          <p:spTgt spid="16"/>
-                                        </p:tgtEl>
-                                      </p:cBhvr>
-                                    </p:animEffect>
-                                  </p:childTnLst>
-                                </p:cTn>
-                              </p:par>
-                            </p:childTnLst>
-                          </p:cTn>
-                        </p:par>
-                      </p:childTnLst>
-                    </p:cTn>
-                  </p:par>
-                  <p:par>
-                    <p:cTn id="19" fill="hold">
-                      <p:stCondLst>
-                        <p:cond delay="indefinite"/>
-                      </p:stCondLst>
-                      <p:childTnLst>
-                        <p:par>
-                          <p:cTn id="20" fill="hold">
-                            <p:stCondLst>
-                              <p:cond delay="0"/>
-                            </p:stCondLst>
-                            <p:childTnLst>
-                              <p:par>
-                                <p:cTn id="21" presetID="10" presetClass="entr" presetSubtype="0" fill="hold" nodeType="clickEffect">
-                                  <p:stCondLst>
-                                    <p:cond delay="0"/>
-                                  </p:stCondLst>
-                                  <p:childTnLst>
-                                    <p:set>
-                                      <p:cBhvr>
-                                        <p:cTn id="22" dur="1" fill="hold">
-                                          <p:stCondLst>
-                                            <p:cond delay="0"/>
-                                          </p:stCondLst>
-                                        </p:cTn>
-                                        <p:tgtEl>
-                                          <p:spTgt spid="2"/>
-                                        </p:tgtEl>
-                                        <p:attrNameLst>
-                                          <p:attrName>style.visibility</p:attrName>
-                                        </p:attrNameLst>
-                                      </p:cBhvr>
-                                      <p:to>
-                                        <p:strVal val="visible"/>
-                                      </p:to>
-                                    </p:set>
-                                    <p:animEffect transition="in" filter="fade">
-                                      <p:cBhvr>
-                                        <p:cTn id="23" dur="500"/>
-                                        <p:tgtEl>
-                                          <p:spTgt spid="2"/>
-                                        </p:tgtEl>
-                                      </p:cBhvr>
-                                    </p:animEffect>
-                                  </p:childTnLst>
-                                </p:cTn>
-                              </p:par>
-                              <p:par>
-                                <p:cTn id="24" presetID="10" presetClass="entr" presetSubtype="0" fill="hold" grpId="0" nodeType="withEffect">
-                                  <p:stCondLst>
-                                    <p:cond delay="0"/>
-                                  </p:stCondLst>
-                                  <p:childTnLst>
-                                    <p:set>
-                                      <p:cBhvr>
-                                        <p:cTn id="25" dur="1" fill="hold">
-                                          <p:stCondLst>
-                                            <p:cond delay="0"/>
-                                          </p:stCondLst>
-                                        </p:cTn>
-                                        <p:tgtEl>
-                                          <p:spTgt spid="171"/>
-                                        </p:tgtEl>
-                                        <p:attrNameLst>
-                                          <p:attrName>style.visibility</p:attrName>
-                                        </p:attrNameLst>
-                                      </p:cBhvr>
-                                      <p:to>
-                                        <p:strVal val="visible"/>
-                                      </p:to>
-                                    </p:set>
-                                    <p:animEffect transition="in" filter="fade">
-                                      <p:cBhvr>
-                                        <p:cTn id="26" dur="500"/>
-                                        <p:tgtEl>
-                                          <p:spTgt spid="171"/>
-                                        </p:tgtEl>
-                                      </p:cBhvr>
-                                    </p:animEffect>
-                                  </p:childTnLst>
-                                </p:cTn>
-                              </p:par>
-                            </p:childTnLst>
-                          </p:cTn>
-                        </p:par>
-                      </p:childTnLst>
-                    </p:cTn>
-                  </p:par>
-                  <p:par>
-                    <p:cTn id="27" fill="hold">
-                      <p:stCondLst>
-                        <p:cond delay="indefinite"/>
-                      </p:stCondLst>
-                      <p:childTnLst>
-                        <p:par>
-                          <p:cTn id="28" fill="hold">
-                            <p:stCondLst>
-                              <p:cond delay="0"/>
-                            </p:stCondLst>
-                            <p:childTnLst>
-                              <p:par>
-                                <p:cTn id="29" presetID="10" presetClass="entr" presetSubtype="0" fill="hold" nodeType="clickEffect">
-                                  <p:stCondLst>
-                                    <p:cond delay="0"/>
-                                  </p:stCondLst>
-                                  <p:childTnLst>
-                                    <p:set>
-                                      <p:cBhvr>
-                                        <p:cTn id="30" dur="1" fill="hold">
                                           <p:stCondLst>
                                             <p:cond delay="0"/>
                                           </p:stCondLst>
@@ -33175,7 +36746,7 @@
                                     </p:set>
                                     <p:animEffect transition="in" filter="fade">
                                       <p:cBhvr>
-                                        <p:cTn id="31" dur="500"/>
+                                        <p:cTn id="7" dur="500"/>
                                         <p:tgtEl>
                                           <p:spTgt spid="194"/>
                                         </p:tgtEl>
@@ -33191,26 +36762,26 @@
                     </p:cTn>
                   </p:par>
                   <p:par>
-                    <p:cTn id="32" fill="hold">
+                    <p:cTn id="8" fill="hold">
                       <p:stCondLst>
                         <p:cond delay="indefinite"/>
                       </p:stCondLst>
                       <p:childTnLst>
                         <p:par>
-                          <p:cTn id="33" fill="hold">
+                          <p:cTn id="9" fill="hold">
                             <p:stCondLst>
                               <p:cond delay="0"/>
                             </p:stCondLst>
                             <p:childTnLst>
                               <p:par>
-                                <p:cTn id="34" presetID="22" presetClass="entr" presetSubtype="4" fill="hold" grpId="0" nodeType="clickEffect">
+                                <p:cTn id="10" presetID="22" presetClass="entr" presetSubtype="4" fill="hold" grpId="0" nodeType="clickEffect">
                                   <p:stCondLst>
                                     <p:cond delay="0"/>
                                   </p:stCondLst>
                                   <p:childTnLst>
                                     <p:set>
                                       <p:cBhvr>
-                                        <p:cTn id="35" dur="1" fill="hold">
+                                        <p:cTn id="11" dur="1" fill="hold">
                                           <p:stCondLst>
                                             <p:cond delay="0"/>
                                           </p:stCondLst>
@@ -33228,7 +36799,7 @@
                                     </p:set>
                                     <p:animEffect transition="in" filter="wipe(down)">
                                       <p:cBhvr>
-                                        <p:cTn id="36" dur="500"/>
+                                        <p:cTn id="12" dur="500"/>
                                         <p:tgtEl>
                                           <p:spTgt spid="175"/>
                                         </p:tgtEl>
@@ -33238,14 +36809,14 @@
                                 </p:cTn>
                               </p:par>
                               <p:par>
-                                <p:cTn id="37" presetID="10" presetClass="entr" presetSubtype="0" fill="hold" grpId="0" nodeType="withEffect">
+                                <p:cTn id="13" presetID="10" presetClass="entr" presetSubtype="0" fill="hold" grpId="0" nodeType="withEffect">
                                   <p:stCondLst>
                                     <p:cond delay="0"/>
                                   </p:stCondLst>
                                   <p:childTnLst>
                                     <p:set>
                                       <p:cBhvr>
-                                        <p:cTn id="38" dur="1" fill="hold">
+                                        <p:cTn id="14" dur="1" fill="hold">
                                           <p:stCondLst>
                                             <p:cond delay="0"/>
                                           </p:stCondLst>
@@ -33263,7 +36834,7 @@
                                     </p:set>
                                     <p:animEffect transition="in" filter="fade">
                                       <p:cBhvr>
-                                        <p:cTn id="39" dur="500"/>
+                                        <p:cTn id="15" dur="500"/>
                                         <p:tgtEl>
                                           <p:spTgt spid="172"/>
                                         </p:tgtEl>
@@ -33279,26 +36850,26 @@
                     </p:cTn>
                   </p:par>
                   <p:par>
-                    <p:cTn id="40" fill="hold">
+                    <p:cTn id="16" fill="hold">
                       <p:stCondLst>
                         <p:cond delay="indefinite"/>
                       </p:stCondLst>
                       <p:childTnLst>
                         <p:par>
-                          <p:cTn id="41" fill="hold">
+                          <p:cTn id="17" fill="hold">
                             <p:stCondLst>
                               <p:cond delay="0"/>
                             </p:stCondLst>
                             <p:childTnLst>
                               <p:par>
-                                <p:cTn id="42" presetID="22" presetClass="entr" presetSubtype="4" fill="hold" grpId="0" nodeType="clickEffect">
+                                <p:cTn id="18" presetID="22" presetClass="entr" presetSubtype="4" fill="hold" grpId="0" nodeType="clickEffect">
                                   <p:stCondLst>
                                     <p:cond delay="0"/>
                                   </p:stCondLst>
                                   <p:childTnLst>
                                     <p:set>
                                       <p:cBhvr>
-                                        <p:cTn id="43" dur="1" fill="hold">
+                                        <p:cTn id="19" dur="1" fill="hold">
                                           <p:stCondLst>
                                             <p:cond delay="0"/>
                                           </p:stCondLst>
@@ -33316,7 +36887,7 @@
                                     </p:set>
                                     <p:animEffect transition="in" filter="wipe(down)">
                                       <p:cBhvr>
-                                        <p:cTn id="44" dur="500"/>
+                                        <p:cTn id="20" dur="500"/>
                                         <p:tgtEl>
                                           <p:spTgt spid="170"/>
                                         </p:tgtEl>
@@ -33326,14 +36897,14 @@
                                 </p:cTn>
                               </p:par>
                               <p:par>
-                                <p:cTn id="45" presetID="10" presetClass="entr" presetSubtype="0" fill="hold" grpId="0" nodeType="withEffect">
+                                <p:cTn id="21" presetID="10" presetClass="entr" presetSubtype="0" fill="hold" grpId="0" nodeType="withEffect">
                                   <p:stCondLst>
                                     <p:cond delay="0"/>
                                   </p:stCondLst>
                                   <p:childTnLst>
                                     <p:set>
                                       <p:cBhvr>
-                                        <p:cTn id="46" dur="1" fill="hold">
+                                        <p:cTn id="22" dur="1" fill="hold">
                                           <p:stCondLst>
                                             <p:cond delay="0"/>
                                           </p:stCondLst>
@@ -33351,7 +36922,7 @@
                                     </p:set>
                                     <p:animEffect transition="in" filter="fade">
                                       <p:cBhvr>
-                                        <p:cTn id="47" dur="500"/>
+                                        <p:cTn id="23" dur="500"/>
                                         <p:tgtEl>
                                           <p:spTgt spid="214"/>
                                         </p:tgtEl>
@@ -33388,11 +36959,6 @@
       </p:par>
     </p:tnLst>
     <p:bldLst>
-      <p:bldP spid="15" grpId="0" animBg="1"/>
-      <p:bldP spid="16" grpId="0" animBg="1"/>
-      <p:bldP spid="17" grpId="0"/>
-      <p:bldP spid="18" grpId="0"/>
-      <p:bldP spid="171" grpId="0"/>
       <p:bldP spid="172" grpId="0"/>
       <p:bldP spid="170" grpId="0" animBg="1"/>
       <p:bldP spid="175" grpId="0" animBg="1"/>
@@ -33402,7 +36968,7 @@
 </p:sld>
 </file>
 
-<file path=ppt/slides/slide6.xml><?xml version="1.0" encoding="utf-8"?>
+<file path=ppt/slides/slide7.xml><?xml version="1.0" encoding="utf-8"?>
 <p:sld xmlns:a="http://schemas.openxmlformats.org/drawingml/2006/main" xmlns:r="http://schemas.openxmlformats.org/officeDocument/2006/relationships" xmlns:p="http://schemas.openxmlformats.org/presentationml/2006/main">
   <p:cSld>
     <p:spTree>
@@ -33431,47 +36997,73 @@
         </p:nvSpPr>
         <p:spPr>
           <a:xfrm>
-            <a:off x="527865" y="231490"/>
+            <a:off x="116505" y="21072"/>
             <a:ext cx="7464515" cy="457223"/>
           </a:xfrm>
         </p:spPr>
         <p:txBody>
           <a:bodyPr>
-            <a:normAutofit/>
+            <a:noAutofit/>
           </a:bodyPr>
           <a:lstStyle/>
           <a:p>
             <a:r>
-              <a:rPr lang="en-US" altLang="zh-TW" sz="2400" dirty="0" smtClean="0"/>
-              <a:t>L5C</a:t>
+              <a:rPr lang="en-US" altLang="zh-TW" sz="2800" dirty="0">
+                <a:solidFill>
+                  <a:schemeClr val="bg1">
+                    <a:alpha val="90000"/>
+                  </a:schemeClr>
+                </a:solidFill>
+              </a:rPr>
+              <a:t>L5C </a:t>
             </a:r>
             <a:r>
-              <a:rPr lang="en-US" altLang="zh-TW" sz="2400" dirty="0" smtClean="0">
-                <a:latin typeface="微軟正黑體" panose="020B0604030504040204" pitchFamily="34" charset="-120"/>
+              <a:rPr lang="zh-TW" altLang="en-US" sz="2800" dirty="0">
+                <a:solidFill>
+                  <a:schemeClr val="bg1">
+                    <a:alpha val="90000"/>
+                  </a:schemeClr>
+                </a:solidFill>
+              </a:rPr>
+              <a:t>新產品</a:t>
+            </a:r>
+            <a:r>
+              <a:rPr lang="en-US" altLang="zh-TW" sz="2800" dirty="0">
+                <a:solidFill>
+                  <a:schemeClr val="bg1">
+                    <a:alpha val="90000"/>
+                  </a:schemeClr>
+                </a:solidFill>
+              </a:rPr>
+              <a:t>LC</a:t>
+            </a:r>
+            <a:r>
+              <a:rPr lang="zh-TW" altLang="en-US" sz="2800" dirty="0">
+                <a:solidFill>
+                  <a:schemeClr val="bg1">
+                    <a:alpha val="90000"/>
+                  </a:schemeClr>
+                </a:solidFill>
               </a:rPr>
               <a:t> </a:t>
             </a:r>
             <a:r>
-              <a:rPr lang="zh-TW" altLang="en-US" sz="2400" dirty="0" smtClean="0">
-                <a:latin typeface="微軟正黑體" panose="020B0604030504040204" pitchFamily="34" charset="-120"/>
+              <a:rPr lang="en-US" altLang="zh-TW" sz="2800" dirty="0">
+                <a:solidFill>
+                  <a:schemeClr val="bg1">
+                    <a:alpha val="90000"/>
+                  </a:schemeClr>
+                </a:solidFill>
               </a:rPr>
-              <a:t>新產品</a:t>
-            </a:r>
-            <a:r>
-              <a:rPr lang="en-US" altLang="zh-TW" sz="2400" dirty="0"/>
-              <a:t>LC</a:t>
-            </a:r>
-            <a:r>
-              <a:rPr lang="zh-TW" altLang="en-US" sz="2400" dirty="0"/>
-              <a:t> </a:t>
-            </a:r>
-            <a:r>
-              <a:rPr lang="en-US" altLang="zh-TW" sz="2400" dirty="0"/>
               <a:t>Margin</a:t>
             </a:r>
             <a:r>
-              <a:rPr lang="zh-TW" altLang="en-US" sz="2400" dirty="0">
-                <a:latin typeface="微軟正黑體" panose="020B0604030504040204" pitchFamily="34" charset="-120"/>
+              <a:rPr lang="zh-TW" altLang="en-US" sz="2800" dirty="0">
+                <a:solidFill>
+                  <a:schemeClr val="bg1">
+                    <a:alpha val="90000"/>
+                  </a:schemeClr>
+                </a:solidFill>
               </a:rPr>
               <a:t>預測</a:t>
             </a:r>
@@ -34559,7 +38151,7 @@
 </p:sld>
 </file>
 
-<file path=ppt/slides/slide7.xml><?xml version="1.0" encoding="utf-8"?>
+<file path=ppt/slides/slide8.xml><?xml version="1.0" encoding="utf-8"?>
 <p:sld xmlns:a="http://schemas.openxmlformats.org/drawingml/2006/main" xmlns:r="http://schemas.openxmlformats.org/officeDocument/2006/relationships" xmlns:p="http://schemas.openxmlformats.org/presentationml/2006/main">
   <p:cSld>
     <p:spTree>
@@ -34588,23 +38180,33 @@
         </p:nvSpPr>
         <p:spPr>
           <a:xfrm>
-            <a:off x="527865" y="96475"/>
+            <a:off x="95584" y="-1431"/>
             <a:ext cx="7464515" cy="1170130"/>
           </a:xfrm>
         </p:spPr>
         <p:txBody>
-          <a:bodyPr/>
+          <a:bodyPr>
+            <a:normAutofit/>
+          </a:bodyPr>
           <a:lstStyle/>
           <a:p>
             <a:r>
-              <a:rPr lang="en-US" altLang="zh-TW" dirty="0"/>
-              <a:t>Data </a:t>
+              <a:rPr lang="en-US" altLang="zh-TW" sz="2800" dirty="0">
+                <a:solidFill>
+                  <a:schemeClr val="bg1">
+                    <a:alpha val="90000"/>
+                  </a:schemeClr>
+                </a:solidFill>
+              </a:rPr>
+              <a:t>Data preprocessing</a:t>
             </a:r>
-            <a:r>
-              <a:rPr lang="en-US" altLang="zh-TW" dirty="0" smtClean="0"/>
-              <a:t>preprocessing</a:t>
-            </a:r>
-            <a:endParaRPr lang="zh-TW" altLang="en-US" dirty="0"/>
+            <a:endParaRPr lang="zh-TW" altLang="en-US" sz="2800" dirty="0">
+              <a:solidFill>
+                <a:schemeClr val="bg1">
+                  <a:alpha val="90000"/>
+                </a:schemeClr>
+              </a:solidFill>
+            </a:endParaRPr>
           </a:p>
         </p:txBody>
       </p:sp>
@@ -36764,7 +40366,7 @@
 </p:sld>
 </file>
 
-<file path=ppt/slides/slide8.xml><?xml version="1.0" encoding="utf-8"?>
+<file path=ppt/slides/slide9.xml><?xml version="1.0" encoding="utf-8"?>
 <p:sld xmlns:a="http://schemas.openxmlformats.org/drawingml/2006/main" xmlns:r="http://schemas.openxmlformats.org/officeDocument/2006/relationships" xmlns:p="http://schemas.openxmlformats.org/presentationml/2006/main">
   <p:cSld>
     <p:spTree>
@@ -36793,23 +40395,33 @@
         </p:nvSpPr>
         <p:spPr>
           <a:xfrm>
-            <a:off x="527865" y="141480"/>
+            <a:off x="39245" y="0"/>
             <a:ext cx="7464515" cy="1170130"/>
           </a:xfrm>
         </p:spPr>
         <p:txBody>
-          <a:bodyPr/>
+          <a:bodyPr>
+            <a:normAutofit/>
+          </a:bodyPr>
           <a:lstStyle/>
           <a:p>
             <a:r>
-              <a:rPr lang="en-US" altLang="zh-TW" dirty="0"/>
-              <a:t>Model </a:t>
+              <a:rPr lang="en-US" altLang="zh-TW" sz="2800" dirty="0">
+                <a:solidFill>
+                  <a:schemeClr val="bg1">
+                    <a:alpha val="90000"/>
+                  </a:schemeClr>
+                </a:solidFill>
+              </a:rPr>
+              <a:t>Model evaluation</a:t>
             </a:r>
-            <a:r>
-              <a:rPr lang="en-US" altLang="zh-TW" dirty="0" smtClean="0"/>
-              <a:t>evaluation</a:t>
-            </a:r>
-            <a:endParaRPr lang="zh-TW" altLang="en-US" sz="2400" dirty="0"/>
+            <a:endParaRPr lang="zh-TW" altLang="en-US" sz="2800" dirty="0">
+              <a:solidFill>
+                <a:schemeClr val="bg1">
+                  <a:alpha val="90000"/>
+                </a:schemeClr>
+              </a:solidFill>
+            </a:endParaRPr>
           </a:p>
         </p:txBody>
       </p:sp>
@@ -38841,825 +42453,6 @@
 </p:sld>
 </file>
 
-<file path=ppt/slides/slide9.xml><?xml version="1.0" encoding="utf-8"?>
-<p:sld xmlns:a="http://schemas.openxmlformats.org/drawingml/2006/main" xmlns:r="http://schemas.openxmlformats.org/officeDocument/2006/relationships" xmlns:p="http://schemas.openxmlformats.org/presentationml/2006/main">
-  <p:cSld>
-    <p:spTree>
-      <p:nvGrpSpPr>
-        <p:cNvPr id="1" name=""/>
-        <p:cNvGrpSpPr/>
-        <p:nvPr/>
-      </p:nvGrpSpPr>
-      <p:grpSpPr>
-        <a:xfrm>
-          <a:off x="0" y="0"/>
-          <a:ext cx="0" cy="0"/>
-          <a:chOff x="0" y="0"/>
-          <a:chExt cx="0" cy="0"/>
-        </a:xfrm>
-      </p:grpSpPr>
-      <p:sp>
-        <p:nvSpPr>
-          <p:cNvPr id="29" name="圓角矩形 28"/>
-          <p:cNvSpPr/>
-          <p:nvPr/>
-        </p:nvSpPr>
-        <p:spPr>
-          <a:xfrm>
-            <a:off x="556848" y="768731"/>
-            <a:ext cx="8276656" cy="4050450"/>
-          </a:xfrm>
-          <a:prstGeom prst="roundRect">
-            <a:avLst>
-              <a:gd name="adj" fmla="val 12067"/>
-            </a:avLst>
-          </a:prstGeom>
-          <a:solidFill>
-            <a:srgbClr val="F9F9F9"/>
-          </a:solidFill>
-          <a:ln>
-            <a:noFill/>
-          </a:ln>
-          <a:effectLst/>
-        </p:spPr>
-        <p:style>
-          <a:lnRef idx="2">
-            <a:schemeClr val="accent1">
-              <a:shade val="50000"/>
-            </a:schemeClr>
-          </a:lnRef>
-          <a:fillRef idx="1">
-            <a:schemeClr val="accent1"/>
-          </a:fillRef>
-          <a:effectRef idx="0">
-            <a:schemeClr val="accent1"/>
-          </a:effectRef>
-          <a:fontRef idx="minor">
-            <a:schemeClr val="lt1"/>
-          </a:fontRef>
-        </p:style>
-        <p:txBody>
-          <a:bodyPr rtlCol="0" anchor="ctr"/>
-          <a:lstStyle/>
-          <a:p>
-            <a:pPr algn="ctr"/>
-            <a:endParaRPr lang="zh-TW" altLang="en-US"/>
-          </a:p>
-        </p:txBody>
-      </p:sp>
-      <p:sp>
-        <p:nvSpPr>
-          <p:cNvPr id="3" name="標題 2"/>
-          <p:cNvSpPr>
-            <a:spLocks noGrp="1"/>
-          </p:cNvSpPr>
-          <p:nvPr>
-            <p:ph type="title"/>
-          </p:nvPr>
-        </p:nvSpPr>
-        <p:spPr/>
-        <p:txBody>
-          <a:bodyPr/>
-          <a:lstStyle/>
-          <a:p>
-            <a:r>
-              <a:rPr lang="en-US" altLang="zh-TW" dirty="0">
-                <a:ea typeface="微軟正黑體 Light" pitchFamily="34" charset="-120"/>
-              </a:rPr>
-              <a:t>L5C</a:t>
-            </a:r>
-            <a:r>
-              <a:rPr lang="zh-TW" altLang="en-US" dirty="0">
-                <a:ea typeface="微軟正黑體 Light" pitchFamily="34" charset="-120"/>
-              </a:rPr>
-              <a:t> </a:t>
-            </a:r>
-            <a:r>
-              <a:rPr lang="en-US" altLang="zh-TW" dirty="0">
-                <a:ea typeface="微軟正黑體 Light" pitchFamily="34" charset="-120"/>
-              </a:rPr>
-              <a:t>Photo</a:t>
-            </a:r>
-            <a:r>
-              <a:rPr lang="zh-TW" altLang="en-US" dirty="0">
-                <a:ea typeface="微軟正黑體 Light" pitchFamily="34" charset="-120"/>
-              </a:rPr>
-              <a:t> </a:t>
-            </a:r>
-            <a:r>
-              <a:rPr lang="en-US" altLang="zh-TW" dirty="0">
-                <a:ea typeface="微軟正黑體 Light" pitchFamily="34" charset="-120"/>
-              </a:rPr>
-              <a:t>PEP1</a:t>
-            </a:r>
-            <a:r>
-              <a:rPr lang="zh-TW" altLang="en-US" dirty="0">
-                <a:ea typeface="微軟正黑體 Light" pitchFamily="34" charset="-120"/>
-              </a:rPr>
-              <a:t> </a:t>
-            </a:r>
-            <a:r>
-              <a:rPr lang="en-US" altLang="zh-TW" dirty="0">
-                <a:ea typeface="微軟正黑體 Light" pitchFamily="34" charset="-120"/>
-              </a:rPr>
-              <a:t>CD</a:t>
-            </a:r>
-            <a:r>
-              <a:rPr lang="zh-TW" altLang="en-US" dirty="0">
-                <a:ea typeface="微軟正黑體 Light" pitchFamily="34" charset="-120"/>
-              </a:rPr>
-              <a:t> </a:t>
-            </a:r>
-            <a:r>
-              <a:rPr lang="en-US" altLang="zh-TW" dirty="0" smtClean="0">
-                <a:ea typeface="微軟正黑體 Light" pitchFamily="34" charset="-120"/>
-              </a:rPr>
-              <a:t>R2R</a:t>
-            </a:r>
-            <a:endParaRPr lang="zh-TW" altLang="en-US" dirty="0">
-              <a:latin typeface="微軟正黑體" panose="020B0604030504040204" pitchFamily="34" charset="-120"/>
-            </a:endParaRPr>
-          </a:p>
-        </p:txBody>
-      </p:sp>
-      <p:sp>
-        <p:nvSpPr>
-          <p:cNvPr id="15" name="圓角矩形 14"/>
-          <p:cNvSpPr/>
-          <p:nvPr/>
-        </p:nvSpPr>
-        <p:spPr>
-          <a:xfrm>
-            <a:off x="1826695" y="1062799"/>
-            <a:ext cx="945105" cy="270030"/>
-          </a:xfrm>
-          <a:prstGeom prst="roundRect">
-            <a:avLst/>
-          </a:prstGeom>
-          <a:solidFill>
-            <a:srgbClr val="8BBACF"/>
-          </a:solidFill>
-          <a:ln>
-            <a:noFill/>
-          </a:ln>
-          <a:effectLst>
-            <a:outerShdw blurRad="50800" dist="38100" dir="2700000" algn="tl" rotWithShape="0">
-              <a:prstClr val="black">
-                <a:alpha val="40000"/>
-              </a:prstClr>
-            </a:outerShdw>
-          </a:effectLst>
-        </p:spPr>
-        <p:style>
-          <a:lnRef idx="2">
-            <a:schemeClr val="accent1">
-              <a:shade val="50000"/>
-            </a:schemeClr>
-          </a:lnRef>
-          <a:fillRef idx="1">
-            <a:schemeClr val="accent1"/>
-          </a:fillRef>
-          <a:effectRef idx="0">
-            <a:schemeClr val="accent1"/>
-          </a:effectRef>
-          <a:fontRef idx="minor">
-            <a:schemeClr val="lt1"/>
-          </a:fontRef>
-        </p:style>
-        <p:txBody>
-          <a:bodyPr rtlCol="0" anchor="ctr"/>
-          <a:lstStyle/>
-          <a:p>
-            <a:pPr algn="ctr"/>
-            <a:r>
-              <a:rPr lang="zh-TW" altLang="en-US" sz="1200" b="1" dirty="0">
-                <a:latin typeface="微軟正黑體" panose="020B0604030504040204" pitchFamily="34" charset="-120"/>
-                <a:ea typeface="微軟正黑體" panose="020B0604030504040204" pitchFamily="34" charset="-120"/>
-              </a:rPr>
-              <a:t>過去</a:t>
-            </a:r>
-            <a:r>
-              <a:rPr lang="zh-TW" altLang="en-US" sz="1200" b="1" dirty="0" smtClean="0">
-                <a:latin typeface="微軟正黑體" panose="020B0604030504040204" pitchFamily="34" charset="-120"/>
-                <a:ea typeface="微軟正黑體" panose="020B0604030504040204" pitchFamily="34" charset="-120"/>
-              </a:rPr>
-              <a:t>模式</a:t>
-            </a:r>
-            <a:endParaRPr lang="zh-TW" altLang="en-US" sz="1200" b="1" dirty="0">
-              <a:latin typeface="微軟正黑體" panose="020B0604030504040204" pitchFamily="34" charset="-120"/>
-              <a:ea typeface="微軟正黑體" panose="020B0604030504040204" pitchFamily="34" charset="-120"/>
-            </a:endParaRPr>
-          </a:p>
-        </p:txBody>
-      </p:sp>
-      <p:sp>
-        <p:nvSpPr>
-          <p:cNvPr id="16" name="圓角矩形 15"/>
-          <p:cNvSpPr/>
-          <p:nvPr/>
-        </p:nvSpPr>
-        <p:spPr>
-          <a:xfrm>
-            <a:off x="1840485" y="3069430"/>
-            <a:ext cx="945105" cy="270030"/>
-          </a:xfrm>
-          <a:prstGeom prst="roundRect">
-            <a:avLst/>
-          </a:prstGeom>
-          <a:solidFill>
-            <a:srgbClr val="428FB1"/>
-          </a:solidFill>
-          <a:ln>
-            <a:noFill/>
-          </a:ln>
-          <a:effectLst>
-            <a:outerShdw blurRad="50800" dist="38100" dir="2700000" algn="tl" rotWithShape="0">
-              <a:prstClr val="black">
-                <a:alpha val="40000"/>
-              </a:prstClr>
-            </a:outerShdw>
-          </a:effectLst>
-        </p:spPr>
-        <p:style>
-          <a:lnRef idx="2">
-            <a:schemeClr val="accent1">
-              <a:shade val="50000"/>
-            </a:schemeClr>
-          </a:lnRef>
-          <a:fillRef idx="1">
-            <a:schemeClr val="accent1"/>
-          </a:fillRef>
-          <a:effectRef idx="0">
-            <a:schemeClr val="accent1"/>
-          </a:effectRef>
-          <a:fontRef idx="minor">
-            <a:schemeClr val="lt1"/>
-          </a:fontRef>
-        </p:style>
-        <p:txBody>
-          <a:bodyPr rtlCol="0" anchor="ctr"/>
-          <a:lstStyle/>
-          <a:p>
-            <a:pPr algn="ctr"/>
-            <a:r>
-              <a:rPr lang="zh-TW" altLang="en-US" sz="1200" b="1" dirty="0" smtClean="0">
-                <a:latin typeface="微軟正黑體" panose="020B0604030504040204" pitchFamily="34" charset="-120"/>
-                <a:ea typeface="微軟正黑體" panose="020B0604030504040204" pitchFamily="34" charset="-120"/>
-              </a:rPr>
-              <a:t>預期目標</a:t>
-            </a:r>
-            <a:endParaRPr lang="zh-TW" altLang="en-US" sz="1200" b="1" dirty="0">
-              <a:latin typeface="微軟正黑體" panose="020B0604030504040204" pitchFamily="34" charset="-120"/>
-              <a:ea typeface="微軟正黑體" panose="020B0604030504040204" pitchFamily="34" charset="-120"/>
-            </a:endParaRPr>
-          </a:p>
-        </p:txBody>
-      </p:sp>
-      <p:sp>
-        <p:nvSpPr>
-          <p:cNvPr id="17" name="文字方塊 16"/>
-          <p:cNvSpPr txBox="1"/>
-          <p:nvPr/>
-        </p:nvSpPr>
-        <p:spPr>
-          <a:xfrm>
-            <a:off x="2771800" y="1062799"/>
-            <a:ext cx="5040560" cy="276999"/>
-          </a:xfrm>
-          <a:prstGeom prst="rect">
-            <a:avLst/>
-          </a:prstGeom>
-          <a:noFill/>
-        </p:spPr>
-        <p:txBody>
-          <a:bodyPr wrap="square" rtlCol="0">
-            <a:spAutoFit/>
-          </a:bodyPr>
-          <a:lstStyle/>
-          <a:p>
-            <a:r>
-              <a:rPr lang="zh-TW" altLang="en-US" sz="1200" dirty="0">
-                <a:solidFill>
-                  <a:schemeClr val="tx1">
-                    <a:lumMod val="85000"/>
-                    <a:lumOff val="15000"/>
-                  </a:schemeClr>
-                </a:solidFill>
-                <a:latin typeface="微軟正黑體" panose="020B0604030504040204" pitchFamily="34" charset="-120"/>
-              </a:rPr>
-              <a:t>需依實際量測</a:t>
-            </a:r>
-            <a:r>
-              <a:rPr lang="zh-TW" altLang="en-US" sz="1200" dirty="0" smtClean="0">
-                <a:solidFill>
-                  <a:schemeClr val="tx1">
-                    <a:lumMod val="85000"/>
-                    <a:lumOff val="15000"/>
-                  </a:schemeClr>
-                </a:solidFill>
-                <a:latin typeface="微軟正黑體" panose="020B0604030504040204" pitchFamily="34" charset="-120"/>
-              </a:rPr>
-              <a:t>狀況</a:t>
-            </a:r>
-            <a:r>
-              <a:rPr lang="zh-TW" altLang="en-US" sz="1200" dirty="0">
-                <a:solidFill>
-                  <a:schemeClr val="tx1">
-                    <a:lumMod val="85000"/>
-                    <a:lumOff val="15000"/>
-                  </a:schemeClr>
-                </a:solidFill>
-                <a:latin typeface="微軟正黑體" panose="020B0604030504040204" pitchFamily="34" charset="-120"/>
-              </a:rPr>
-              <a:t>，</a:t>
-            </a:r>
-            <a:r>
-              <a:rPr lang="zh-TW" altLang="en-US" sz="1200" dirty="0" smtClean="0">
-                <a:solidFill>
-                  <a:schemeClr val="tx1">
-                    <a:lumMod val="85000"/>
-                    <a:lumOff val="15000"/>
-                  </a:schemeClr>
-                </a:solidFill>
-                <a:latin typeface="微軟正黑體" panose="020B0604030504040204" pitchFamily="34" charset="-120"/>
-              </a:rPr>
-              <a:t>手動</a:t>
-            </a:r>
-            <a:r>
-              <a:rPr lang="zh-TW" altLang="en-US" sz="1200" dirty="0">
-                <a:solidFill>
-                  <a:schemeClr val="tx1">
-                    <a:lumMod val="85000"/>
-                    <a:lumOff val="15000"/>
-                  </a:schemeClr>
-                </a:solidFill>
-                <a:latin typeface="微軟正黑體" panose="020B0604030504040204" pitchFamily="34" charset="-120"/>
-              </a:rPr>
-              <a:t>調整補償線寬值</a:t>
-            </a:r>
-            <a:endParaRPr lang="en-US" altLang="zh-TW" sz="1200" dirty="0">
-              <a:solidFill>
-                <a:schemeClr val="tx1">
-                  <a:lumMod val="85000"/>
-                  <a:lumOff val="15000"/>
-                </a:schemeClr>
-              </a:solidFill>
-              <a:latin typeface="微軟正黑體" panose="020B0604030504040204" pitchFamily="34" charset="-120"/>
-            </a:endParaRPr>
-          </a:p>
-        </p:txBody>
-      </p:sp>
-      <p:sp>
-        <p:nvSpPr>
-          <p:cNvPr id="18" name="文字方塊 17"/>
-          <p:cNvSpPr txBox="1"/>
-          <p:nvPr/>
-        </p:nvSpPr>
-        <p:spPr>
-          <a:xfrm>
-            <a:off x="2771800" y="3066805"/>
-            <a:ext cx="4140460" cy="276999"/>
-          </a:xfrm>
-          <a:prstGeom prst="rect">
-            <a:avLst/>
-          </a:prstGeom>
-          <a:noFill/>
-        </p:spPr>
-        <p:txBody>
-          <a:bodyPr wrap="square" rtlCol="0">
-            <a:spAutoFit/>
-          </a:bodyPr>
-          <a:lstStyle/>
-          <a:p>
-            <a:r>
-              <a:rPr lang="zh-TW" altLang="en-US" sz="1200" dirty="0">
-                <a:solidFill>
-                  <a:schemeClr val="tx1">
-                    <a:lumMod val="85000"/>
-                    <a:lumOff val="15000"/>
-                  </a:schemeClr>
-                </a:solidFill>
-                <a:latin typeface="微軟正黑體" panose="020B0604030504040204" pitchFamily="34" charset="-120"/>
-              </a:rPr>
-              <a:t>人工調整補償</a:t>
-            </a:r>
-            <a:r>
-              <a:rPr lang="en-US" altLang="zh-TW" sz="1200" dirty="0">
-                <a:solidFill>
-                  <a:schemeClr val="tx1">
-                    <a:lumMod val="85000"/>
-                    <a:lumOff val="15000"/>
-                  </a:schemeClr>
-                </a:solidFill>
-                <a:latin typeface="微軟正黑體" panose="020B0604030504040204" pitchFamily="34" charset="-120"/>
-              </a:rPr>
-              <a:t>CD</a:t>
-            </a:r>
-            <a:r>
-              <a:rPr lang="zh-TW" altLang="en-US" sz="1200" dirty="0" smtClean="0">
-                <a:solidFill>
-                  <a:schemeClr val="tx1">
-                    <a:lumMod val="85000"/>
-                    <a:lumOff val="15000"/>
-                  </a:schemeClr>
-                </a:solidFill>
-                <a:latin typeface="微軟正黑體" panose="020B0604030504040204" pitchFamily="34" charset="-120"/>
-              </a:rPr>
-              <a:t>機制 </a:t>
-            </a:r>
-            <a:r>
-              <a:rPr lang="zh-TW" altLang="en-US" sz="1200" b="1" dirty="0" smtClean="0"/>
-              <a:t>→</a:t>
-            </a:r>
-            <a:r>
-              <a:rPr lang="zh-TW" altLang="en-US" sz="1200" dirty="0" smtClean="0"/>
-              <a:t> </a:t>
-            </a:r>
-            <a:r>
-              <a:rPr lang="zh-TW" altLang="en-US" sz="1200" b="1" dirty="0" smtClean="0">
-                <a:solidFill>
-                  <a:srgbClr val="C00000"/>
-                </a:solidFill>
-                <a:latin typeface="微軟正黑體" panose="020B0604030504040204" pitchFamily="34" charset="-120"/>
-              </a:rPr>
-              <a:t>自動</a:t>
-            </a:r>
-            <a:r>
-              <a:rPr lang="zh-TW" altLang="en-US" sz="1200" b="1" dirty="0">
-                <a:solidFill>
-                  <a:schemeClr val="tx1">
-                    <a:lumMod val="85000"/>
-                    <a:lumOff val="15000"/>
-                  </a:schemeClr>
-                </a:solidFill>
-                <a:latin typeface="微軟正黑體" panose="020B0604030504040204" pitchFamily="34" charset="-120"/>
-              </a:rPr>
-              <a:t>補償</a:t>
-            </a:r>
-            <a:r>
-              <a:rPr lang="en-US" altLang="zh-TW" sz="1200" b="1" dirty="0">
-                <a:solidFill>
-                  <a:schemeClr val="tx1">
-                    <a:lumMod val="85000"/>
-                    <a:lumOff val="15000"/>
-                  </a:schemeClr>
-                </a:solidFill>
-                <a:latin typeface="微軟正黑體" panose="020B0604030504040204" pitchFamily="34" charset="-120"/>
-              </a:rPr>
-              <a:t>CD</a:t>
-            </a:r>
-            <a:r>
-              <a:rPr lang="zh-TW" altLang="en-US" sz="1200" b="1" dirty="0">
-                <a:solidFill>
-                  <a:schemeClr val="tx1">
-                    <a:lumMod val="85000"/>
-                    <a:lumOff val="15000"/>
-                  </a:schemeClr>
-                </a:solidFill>
-                <a:latin typeface="微軟正黑體" panose="020B0604030504040204" pitchFamily="34" charset="-120"/>
-              </a:rPr>
-              <a:t>機制</a:t>
-            </a:r>
-          </a:p>
-        </p:txBody>
-      </p:sp>
-      <p:pic>
-        <p:nvPicPr>
-          <p:cNvPr id="8" name="圖片 7"/>
-          <p:cNvPicPr>
-            <a:picLocks noChangeAspect="1"/>
-          </p:cNvPicPr>
-          <p:nvPr/>
-        </p:nvPicPr>
-        <p:blipFill>
-          <a:blip r:embed="rId3" cstate="print">
-            <a:extLst>
-              <a:ext uri="{28A0092B-C50C-407E-A947-70E740481C1C}">
-                <a14:useLocalDpi xmlns:a14="http://schemas.microsoft.com/office/drawing/2010/main" val="0"/>
-              </a:ext>
-            </a:extLst>
-          </a:blip>
-          <a:stretch>
-            <a:fillRect/>
-          </a:stretch>
-        </p:blipFill>
-        <p:spPr>
-          <a:xfrm>
-            <a:off x="2178542" y="1572151"/>
-            <a:ext cx="772910" cy="772910"/>
-          </a:xfrm>
-          <a:prstGeom prst="rect">
-            <a:avLst/>
-          </a:prstGeom>
-        </p:spPr>
-      </p:pic>
-      <p:pic>
-        <p:nvPicPr>
-          <p:cNvPr id="9" name="圖片 8"/>
-          <p:cNvPicPr>
-            <a:picLocks noChangeAspect="1"/>
-          </p:cNvPicPr>
-          <p:nvPr/>
-        </p:nvPicPr>
-        <p:blipFill>
-          <a:blip r:embed="rId4" cstate="print">
-            <a:extLst>
-              <a:ext uri="{28A0092B-C50C-407E-A947-70E740481C1C}">
-                <a14:useLocalDpi xmlns:a14="http://schemas.microsoft.com/office/drawing/2010/main" val="0"/>
-              </a:ext>
-            </a:extLst>
-          </a:blip>
-          <a:stretch>
-            <a:fillRect/>
-          </a:stretch>
-        </p:blipFill>
-        <p:spPr>
-          <a:xfrm>
-            <a:off x="3303790" y="1531944"/>
-            <a:ext cx="772910" cy="772910"/>
-          </a:xfrm>
-          <a:prstGeom prst="rect">
-            <a:avLst/>
-          </a:prstGeom>
-        </p:spPr>
-      </p:pic>
-      <p:pic>
-        <p:nvPicPr>
-          <p:cNvPr id="10" name="圖片 9"/>
-          <p:cNvPicPr>
-            <a:picLocks noChangeAspect="1"/>
-          </p:cNvPicPr>
-          <p:nvPr/>
-        </p:nvPicPr>
-        <p:blipFill>
-          <a:blip r:embed="rId5" cstate="print">
-            <a:extLst>
-              <a:ext uri="{28A0092B-C50C-407E-A947-70E740481C1C}">
-                <a14:useLocalDpi xmlns:a14="http://schemas.microsoft.com/office/drawing/2010/main" val="0"/>
-              </a:ext>
-            </a:extLst>
-          </a:blip>
-          <a:stretch>
-            <a:fillRect/>
-          </a:stretch>
-        </p:blipFill>
-        <p:spPr>
-          <a:xfrm>
-            <a:off x="4429038" y="1493773"/>
-            <a:ext cx="862920" cy="862920"/>
-          </a:xfrm>
-          <a:prstGeom prst="rect">
-            <a:avLst/>
-          </a:prstGeom>
-        </p:spPr>
-      </p:pic>
-      <p:pic>
-        <p:nvPicPr>
-          <p:cNvPr id="11" name="圖片 10"/>
-          <p:cNvPicPr>
-            <a:picLocks noChangeAspect="1"/>
-          </p:cNvPicPr>
-          <p:nvPr/>
-        </p:nvPicPr>
-        <p:blipFill>
-          <a:blip r:embed="rId6" cstate="print">
-            <a:extLst>
-              <a:ext uri="{28A0092B-C50C-407E-A947-70E740481C1C}">
-                <a14:useLocalDpi xmlns:a14="http://schemas.microsoft.com/office/drawing/2010/main" val="0"/>
-              </a:ext>
-            </a:extLst>
-          </a:blip>
-          <a:stretch>
-            <a:fillRect/>
-          </a:stretch>
-        </p:blipFill>
-        <p:spPr>
-          <a:xfrm>
-            <a:off x="5644295" y="1572151"/>
-            <a:ext cx="772910" cy="772910"/>
-          </a:xfrm>
-          <a:prstGeom prst="rect">
-            <a:avLst/>
-          </a:prstGeom>
-        </p:spPr>
-      </p:pic>
-      <p:sp>
-        <p:nvSpPr>
-          <p:cNvPr id="12" name="文字方塊 11"/>
-          <p:cNvSpPr txBox="1"/>
-          <p:nvPr/>
-        </p:nvSpPr>
-        <p:spPr>
-          <a:xfrm>
-            <a:off x="2194775" y="2353366"/>
-            <a:ext cx="813196" cy="261610"/>
-          </a:xfrm>
-          <a:prstGeom prst="rect">
-            <a:avLst/>
-          </a:prstGeom>
-          <a:noFill/>
-        </p:spPr>
-        <p:txBody>
-          <a:bodyPr wrap="square" rtlCol="0">
-            <a:spAutoFit/>
-          </a:bodyPr>
-          <a:lstStyle/>
-          <a:p>
-            <a:r>
-              <a:rPr lang="zh-TW" altLang="en-US" sz="1100" dirty="0" smtClean="0"/>
-              <a:t>製</a:t>
-            </a:r>
-            <a:r>
-              <a:rPr lang="zh-TW" altLang="en-US" sz="1100" dirty="0"/>
-              <a:t>程</a:t>
-            </a:r>
-            <a:r>
-              <a:rPr lang="zh-TW" altLang="en-US" sz="1100" dirty="0" smtClean="0"/>
-              <a:t>變化</a:t>
-            </a:r>
-            <a:endParaRPr lang="zh-TW" altLang="en-US" sz="1100" dirty="0"/>
-          </a:p>
-        </p:txBody>
-      </p:sp>
-      <p:sp>
-        <p:nvSpPr>
-          <p:cNvPr id="24" name="文字方塊 23"/>
-          <p:cNvSpPr txBox="1"/>
-          <p:nvPr/>
-        </p:nvSpPr>
-        <p:spPr>
-          <a:xfrm>
-            <a:off x="3179965" y="2357344"/>
-            <a:ext cx="1230569" cy="261610"/>
-          </a:xfrm>
-          <a:prstGeom prst="rect">
-            <a:avLst/>
-          </a:prstGeom>
-          <a:noFill/>
-        </p:spPr>
-        <p:txBody>
-          <a:bodyPr wrap="square" rtlCol="0">
-            <a:spAutoFit/>
-          </a:bodyPr>
-          <a:lstStyle/>
-          <a:p>
-            <a:r>
-              <a:rPr lang="zh-TW" altLang="en-US" sz="1100" dirty="0" smtClean="0"/>
-              <a:t>等待</a:t>
-            </a:r>
-            <a:r>
-              <a:rPr lang="en-US" altLang="zh-TW" sz="1100" dirty="0" smtClean="0"/>
-              <a:t>MQC</a:t>
-            </a:r>
-            <a:r>
-              <a:rPr lang="zh-TW" altLang="en-US" sz="1100" dirty="0" smtClean="0"/>
-              <a:t>結果</a:t>
-            </a:r>
-            <a:endParaRPr lang="zh-TW" altLang="en-US" sz="1100" dirty="0"/>
-          </a:p>
-        </p:txBody>
-      </p:sp>
-      <p:sp>
-        <p:nvSpPr>
-          <p:cNvPr id="25" name="文字方塊 24"/>
-          <p:cNvSpPr txBox="1"/>
-          <p:nvPr/>
-        </p:nvSpPr>
-        <p:spPr>
-          <a:xfrm>
-            <a:off x="4384140" y="2345061"/>
-            <a:ext cx="941658" cy="430887"/>
-          </a:xfrm>
-          <a:prstGeom prst="rect">
-            <a:avLst/>
-          </a:prstGeom>
-          <a:noFill/>
-        </p:spPr>
-        <p:txBody>
-          <a:bodyPr wrap="square" rtlCol="0">
-            <a:spAutoFit/>
-          </a:bodyPr>
-          <a:lstStyle/>
-          <a:p>
-            <a:r>
-              <a:rPr lang="zh-TW" altLang="en-US" sz="1100" dirty="0" smtClean="0"/>
-              <a:t>工程師評估並確認結果</a:t>
-            </a:r>
-            <a:endParaRPr lang="zh-TW" altLang="en-US" sz="1100" dirty="0"/>
-          </a:p>
-        </p:txBody>
-      </p:sp>
-      <p:sp>
-        <p:nvSpPr>
-          <p:cNvPr id="26" name="文字方塊 25"/>
-          <p:cNvSpPr txBox="1"/>
-          <p:nvPr/>
-        </p:nvSpPr>
-        <p:spPr>
-          <a:xfrm>
-            <a:off x="5644295" y="2353366"/>
-            <a:ext cx="800357" cy="261610"/>
-          </a:xfrm>
-          <a:prstGeom prst="rect">
-            <a:avLst/>
-          </a:prstGeom>
-          <a:noFill/>
-        </p:spPr>
-        <p:txBody>
-          <a:bodyPr wrap="square" rtlCol="0">
-            <a:spAutoFit/>
-          </a:bodyPr>
-          <a:lstStyle/>
-          <a:p>
-            <a:r>
-              <a:rPr lang="zh-TW" altLang="en-US" sz="1100" dirty="0" smtClean="0"/>
-              <a:t>手動補值</a:t>
-            </a:r>
-            <a:endParaRPr lang="zh-TW" altLang="en-US" sz="1100" dirty="0"/>
-          </a:p>
-        </p:txBody>
-      </p:sp>
-      <p:pic>
-        <p:nvPicPr>
-          <p:cNvPr id="13" name="圖片 12"/>
-          <p:cNvPicPr>
-            <a:picLocks noChangeAspect="1"/>
-          </p:cNvPicPr>
-          <p:nvPr/>
-        </p:nvPicPr>
-        <p:blipFill>
-          <a:blip r:embed="rId7" cstate="print">
-            <a:extLst>
-              <a:ext uri="{28A0092B-C50C-407E-A947-70E740481C1C}">
-                <a14:useLocalDpi xmlns:a14="http://schemas.microsoft.com/office/drawing/2010/main" val="0"/>
-              </a:ext>
-            </a:extLst>
-          </a:blip>
-          <a:stretch>
-            <a:fillRect/>
-          </a:stretch>
-        </p:blipFill>
-        <p:spPr>
-          <a:xfrm>
-            <a:off x="3311860" y="3444808"/>
-            <a:ext cx="792127" cy="792127"/>
-          </a:xfrm>
-          <a:prstGeom prst="rect">
-            <a:avLst/>
-          </a:prstGeom>
-        </p:spPr>
-      </p:pic>
-      <p:pic>
-        <p:nvPicPr>
-          <p:cNvPr id="14" name="圖片 13"/>
-          <p:cNvPicPr>
-            <a:picLocks noChangeAspect="1"/>
-          </p:cNvPicPr>
-          <p:nvPr/>
-        </p:nvPicPr>
-        <p:blipFill>
-          <a:blip r:embed="rId8" cstate="print">
-            <a:extLst>
-              <a:ext uri="{28A0092B-C50C-407E-A947-70E740481C1C}">
-                <a14:useLocalDpi xmlns:a14="http://schemas.microsoft.com/office/drawing/2010/main" val="0"/>
-              </a:ext>
-            </a:extLst>
-          </a:blip>
-          <a:stretch>
-            <a:fillRect/>
-          </a:stretch>
-        </p:blipFill>
-        <p:spPr>
-          <a:xfrm>
-            <a:off x="4707015" y="3431397"/>
-            <a:ext cx="814954" cy="814954"/>
-          </a:xfrm>
-          <a:prstGeom prst="rect">
-            <a:avLst/>
-          </a:prstGeom>
-        </p:spPr>
-      </p:pic>
-    </p:spTree>
-    <p:extLst>
-      <p:ext uri="{BB962C8B-B14F-4D97-AF65-F5344CB8AC3E}">
-        <p14:creationId xmlns:p14="http://schemas.microsoft.com/office/powerpoint/2010/main" val="64068103"/>
-      </p:ext>
-    </p:extLst>
-  </p:cSld>
-  <p:clrMapOvr>
-    <a:masterClrMapping/>
-  </p:clrMapOvr>
-  <p:transition/>
-  <p:timing>
-    <p:tnLst>
-      <p:par>
-        <p:cTn id="1" dur="indefinite" restart="never" nodeType="tmRoot"/>
-      </p:par>
-    </p:tnLst>
-  </p:timing>
-</p:sld>
-</file>
-
 <file path=ppt/theme/theme1.xml><?xml version="1.0" encoding="utf-8"?>
 <a:theme xmlns:a="http://schemas.openxmlformats.org/drawingml/2006/main" name="Office 佈景主題">
   <a:themeElements>
